--- a/Slides/PH223_Lecture_20.pptx
+++ b/Slides/PH223_Lecture_20.pptx
@@ -167,7 +167,7 @@
 <file path=ppt/revisionInfo.xml><?xml version="1.0" encoding="utf-8"?>
 <p1510:revInfo xmlns:a="http://schemas.openxmlformats.org/drawingml/2006/main" xmlns:r="http://schemas.openxmlformats.org/officeDocument/2006/relationships" xmlns:p1510="http://schemas.microsoft.com/office/powerpoint/2015/10/main">
   <p1510:revLst>
-    <p1510:client id="{0A3B95CE-6008-4B32-B188-10F482EB8E33}" v="11" dt="2023-10-12T23:45:51.619"/>
+    <p1510:client id="{75015E92-2F82-402D-9C92-E6C0E586A257}" v="2" dt="2024-02-09T21:43:21.747"/>
   </p1510:revLst>
 </p1510:revInfo>
 </file>
@@ -445,6 +445,429 @@
       </pc:sldChg>
     </pc:docChg>
   </pc:docChgLst>
+  <pc:docChgLst>
+    <pc:chgData name="Lines, Todd" userId="afaf7c3a-e8aa-4568-882a-02ad8f9e19b0" providerId="ADAL" clId="{75015E92-2F82-402D-9C92-E6C0E586A257}"/>
+    <pc:docChg chg="undo custSel modSld">
+      <pc:chgData name="Lines, Todd" userId="afaf7c3a-e8aa-4568-882a-02ad8f9e19b0" providerId="ADAL" clId="{75015E92-2F82-402D-9C92-E6C0E586A257}" dt="2024-02-09T21:43:46.708" v="11" actId="208"/>
+      <pc:docMkLst>
+        <pc:docMk/>
+      </pc:docMkLst>
+      <pc:sldChg chg="delSp modSp mod">
+        <pc:chgData name="Lines, Todd" userId="afaf7c3a-e8aa-4568-882a-02ad8f9e19b0" providerId="ADAL" clId="{75015E92-2F82-402D-9C92-E6C0E586A257}" dt="2024-02-09T21:43:46.708" v="11" actId="208"/>
+        <pc:sldMkLst>
+          <pc:docMk/>
+          <pc:sldMk cId="0" sldId="260"/>
+        </pc:sldMkLst>
+        <pc:spChg chg="mod topLvl">
+          <ac:chgData name="Lines, Todd" userId="afaf7c3a-e8aa-4568-882a-02ad8f9e19b0" providerId="ADAL" clId="{75015E92-2F82-402D-9C92-E6C0E586A257}" dt="2024-02-09T21:43:21.746" v="5" actId="165"/>
+          <ac:spMkLst>
+            <pc:docMk/>
+            <pc:sldMk cId="0" sldId="260"/>
+            <ac:spMk id="67590" creationId="{00000000-0000-0000-0000-000000000000}"/>
+          </ac:spMkLst>
+        </pc:spChg>
+        <pc:spChg chg="mod topLvl">
+          <ac:chgData name="Lines, Todd" userId="afaf7c3a-e8aa-4568-882a-02ad8f9e19b0" providerId="ADAL" clId="{75015E92-2F82-402D-9C92-E6C0E586A257}" dt="2024-02-09T21:43:21.746" v="5" actId="165"/>
+          <ac:spMkLst>
+            <pc:docMk/>
+            <pc:sldMk cId="0" sldId="260"/>
+            <ac:spMk id="67591" creationId="{00000000-0000-0000-0000-000000000000}"/>
+          </ac:spMkLst>
+        </pc:spChg>
+        <pc:spChg chg="mod topLvl">
+          <ac:chgData name="Lines, Todd" userId="afaf7c3a-e8aa-4568-882a-02ad8f9e19b0" providerId="ADAL" clId="{75015E92-2F82-402D-9C92-E6C0E586A257}" dt="2024-02-09T21:43:21.746" v="5" actId="165"/>
+          <ac:spMkLst>
+            <pc:docMk/>
+            <pc:sldMk cId="0" sldId="260"/>
+            <ac:spMk id="67592" creationId="{00000000-0000-0000-0000-000000000000}"/>
+          </ac:spMkLst>
+        </pc:spChg>
+        <pc:spChg chg="mod topLvl">
+          <ac:chgData name="Lines, Todd" userId="afaf7c3a-e8aa-4568-882a-02ad8f9e19b0" providerId="ADAL" clId="{75015E92-2F82-402D-9C92-E6C0E586A257}" dt="2024-02-09T21:43:21.746" v="5" actId="165"/>
+          <ac:spMkLst>
+            <pc:docMk/>
+            <pc:sldMk cId="0" sldId="260"/>
+            <ac:spMk id="67593" creationId="{00000000-0000-0000-0000-000000000000}"/>
+          </ac:spMkLst>
+        </pc:spChg>
+        <pc:spChg chg="mod topLvl">
+          <ac:chgData name="Lines, Todd" userId="afaf7c3a-e8aa-4568-882a-02ad8f9e19b0" providerId="ADAL" clId="{75015E92-2F82-402D-9C92-E6C0E586A257}" dt="2024-02-09T21:43:21.746" v="5" actId="165"/>
+          <ac:spMkLst>
+            <pc:docMk/>
+            <pc:sldMk cId="0" sldId="260"/>
+            <ac:spMk id="67594" creationId="{00000000-0000-0000-0000-000000000000}"/>
+          </ac:spMkLst>
+        </pc:spChg>
+        <pc:spChg chg="mod topLvl">
+          <ac:chgData name="Lines, Todd" userId="afaf7c3a-e8aa-4568-882a-02ad8f9e19b0" providerId="ADAL" clId="{75015E92-2F82-402D-9C92-E6C0E586A257}" dt="2024-02-09T21:43:21.746" v="5" actId="165"/>
+          <ac:spMkLst>
+            <pc:docMk/>
+            <pc:sldMk cId="0" sldId="260"/>
+            <ac:spMk id="67595" creationId="{00000000-0000-0000-0000-000000000000}"/>
+          </ac:spMkLst>
+        </pc:spChg>
+        <pc:spChg chg="mod topLvl">
+          <ac:chgData name="Lines, Todd" userId="afaf7c3a-e8aa-4568-882a-02ad8f9e19b0" providerId="ADAL" clId="{75015E92-2F82-402D-9C92-E6C0E586A257}" dt="2024-02-09T21:43:21.746" v="5" actId="165"/>
+          <ac:spMkLst>
+            <pc:docMk/>
+            <pc:sldMk cId="0" sldId="260"/>
+            <ac:spMk id="67596" creationId="{00000000-0000-0000-0000-000000000000}"/>
+          </ac:spMkLst>
+        </pc:spChg>
+        <pc:spChg chg="mod topLvl">
+          <ac:chgData name="Lines, Todd" userId="afaf7c3a-e8aa-4568-882a-02ad8f9e19b0" providerId="ADAL" clId="{75015E92-2F82-402D-9C92-E6C0E586A257}" dt="2024-02-09T21:43:21.746" v="5" actId="165"/>
+          <ac:spMkLst>
+            <pc:docMk/>
+            <pc:sldMk cId="0" sldId="260"/>
+            <ac:spMk id="67597" creationId="{00000000-0000-0000-0000-000000000000}"/>
+          </ac:spMkLst>
+        </pc:spChg>
+        <pc:spChg chg="mod topLvl">
+          <ac:chgData name="Lines, Todd" userId="afaf7c3a-e8aa-4568-882a-02ad8f9e19b0" providerId="ADAL" clId="{75015E92-2F82-402D-9C92-E6C0E586A257}" dt="2024-02-09T21:43:21.746" v="5" actId="165"/>
+          <ac:spMkLst>
+            <pc:docMk/>
+            <pc:sldMk cId="0" sldId="260"/>
+            <ac:spMk id="67598" creationId="{00000000-0000-0000-0000-000000000000}"/>
+          </ac:spMkLst>
+        </pc:spChg>
+        <pc:spChg chg="mod topLvl">
+          <ac:chgData name="Lines, Todd" userId="afaf7c3a-e8aa-4568-882a-02ad8f9e19b0" providerId="ADAL" clId="{75015E92-2F82-402D-9C92-E6C0E586A257}" dt="2024-02-09T21:43:21.746" v="5" actId="165"/>
+          <ac:spMkLst>
+            <pc:docMk/>
+            <pc:sldMk cId="0" sldId="260"/>
+            <ac:spMk id="67599" creationId="{00000000-0000-0000-0000-000000000000}"/>
+          </ac:spMkLst>
+        </pc:spChg>
+        <pc:spChg chg="mod topLvl">
+          <ac:chgData name="Lines, Todd" userId="afaf7c3a-e8aa-4568-882a-02ad8f9e19b0" providerId="ADAL" clId="{75015E92-2F82-402D-9C92-E6C0E586A257}" dt="2024-02-09T21:43:21.746" v="5" actId="165"/>
+          <ac:spMkLst>
+            <pc:docMk/>
+            <pc:sldMk cId="0" sldId="260"/>
+            <ac:spMk id="67600" creationId="{00000000-0000-0000-0000-000000000000}"/>
+          </ac:spMkLst>
+        </pc:spChg>
+        <pc:spChg chg="mod topLvl">
+          <ac:chgData name="Lines, Todd" userId="afaf7c3a-e8aa-4568-882a-02ad8f9e19b0" providerId="ADAL" clId="{75015E92-2F82-402D-9C92-E6C0E586A257}" dt="2024-02-09T21:43:21.746" v="5" actId="165"/>
+          <ac:spMkLst>
+            <pc:docMk/>
+            <pc:sldMk cId="0" sldId="260"/>
+            <ac:spMk id="67601" creationId="{00000000-0000-0000-0000-000000000000}"/>
+          </ac:spMkLst>
+        </pc:spChg>
+        <pc:spChg chg="mod topLvl">
+          <ac:chgData name="Lines, Todd" userId="afaf7c3a-e8aa-4568-882a-02ad8f9e19b0" providerId="ADAL" clId="{75015E92-2F82-402D-9C92-E6C0E586A257}" dt="2024-02-09T21:43:21.746" v="5" actId="165"/>
+          <ac:spMkLst>
+            <pc:docMk/>
+            <pc:sldMk cId="0" sldId="260"/>
+            <ac:spMk id="67602" creationId="{00000000-0000-0000-0000-000000000000}"/>
+          </ac:spMkLst>
+        </pc:spChg>
+        <pc:spChg chg="mod topLvl">
+          <ac:chgData name="Lines, Todd" userId="afaf7c3a-e8aa-4568-882a-02ad8f9e19b0" providerId="ADAL" clId="{75015E92-2F82-402D-9C92-E6C0E586A257}" dt="2024-02-09T21:43:30.741" v="6" actId="208"/>
+          <ac:spMkLst>
+            <pc:docMk/>
+            <pc:sldMk cId="0" sldId="260"/>
+            <ac:spMk id="67603" creationId="{00000000-0000-0000-0000-000000000000}"/>
+          </ac:spMkLst>
+        </pc:spChg>
+        <pc:spChg chg="mod topLvl">
+          <ac:chgData name="Lines, Todd" userId="afaf7c3a-e8aa-4568-882a-02ad8f9e19b0" providerId="ADAL" clId="{75015E92-2F82-402D-9C92-E6C0E586A257}" dt="2024-02-09T21:43:33.996" v="7" actId="208"/>
+          <ac:spMkLst>
+            <pc:docMk/>
+            <pc:sldMk cId="0" sldId="260"/>
+            <ac:spMk id="67604" creationId="{00000000-0000-0000-0000-000000000000}"/>
+          </ac:spMkLst>
+        </pc:spChg>
+        <pc:spChg chg="mod topLvl">
+          <ac:chgData name="Lines, Todd" userId="afaf7c3a-e8aa-4568-882a-02ad8f9e19b0" providerId="ADAL" clId="{75015E92-2F82-402D-9C92-E6C0E586A257}" dt="2024-02-09T21:43:36.909" v="8" actId="208"/>
+          <ac:spMkLst>
+            <pc:docMk/>
+            <pc:sldMk cId="0" sldId="260"/>
+            <ac:spMk id="67605" creationId="{00000000-0000-0000-0000-000000000000}"/>
+          </ac:spMkLst>
+        </pc:spChg>
+        <pc:spChg chg="mod topLvl">
+          <ac:chgData name="Lines, Todd" userId="afaf7c3a-e8aa-4568-882a-02ad8f9e19b0" providerId="ADAL" clId="{75015E92-2F82-402D-9C92-E6C0E586A257}" dt="2024-02-09T21:43:40.909" v="9" actId="208"/>
+          <ac:spMkLst>
+            <pc:docMk/>
+            <pc:sldMk cId="0" sldId="260"/>
+            <ac:spMk id="67606" creationId="{00000000-0000-0000-0000-000000000000}"/>
+          </ac:spMkLst>
+        </pc:spChg>
+        <pc:spChg chg="mod topLvl">
+          <ac:chgData name="Lines, Todd" userId="afaf7c3a-e8aa-4568-882a-02ad8f9e19b0" providerId="ADAL" clId="{75015E92-2F82-402D-9C92-E6C0E586A257}" dt="2024-02-09T21:43:43.683" v="10" actId="208"/>
+          <ac:spMkLst>
+            <pc:docMk/>
+            <pc:sldMk cId="0" sldId="260"/>
+            <ac:spMk id="67607" creationId="{00000000-0000-0000-0000-000000000000}"/>
+          </ac:spMkLst>
+        </pc:spChg>
+        <pc:spChg chg="mod topLvl">
+          <ac:chgData name="Lines, Todd" userId="afaf7c3a-e8aa-4568-882a-02ad8f9e19b0" providerId="ADAL" clId="{75015E92-2F82-402D-9C92-E6C0E586A257}" dt="2024-02-09T21:43:46.708" v="11" actId="208"/>
+          <ac:spMkLst>
+            <pc:docMk/>
+            <pc:sldMk cId="0" sldId="260"/>
+            <ac:spMk id="67608" creationId="{00000000-0000-0000-0000-000000000000}"/>
+          </ac:spMkLst>
+        </pc:spChg>
+        <pc:grpChg chg="del">
+          <ac:chgData name="Lines, Todd" userId="afaf7c3a-e8aa-4568-882a-02ad8f9e19b0" providerId="ADAL" clId="{75015E92-2F82-402D-9C92-E6C0E586A257}" dt="2024-02-09T21:43:21.746" v="5" actId="165"/>
+          <ac:grpSpMkLst>
+            <pc:docMk/>
+            <pc:sldMk cId="0" sldId="260"/>
+            <ac:grpSpMk id="2" creationId="{00000000-0000-0000-0000-000000000000}"/>
+          </ac:grpSpMkLst>
+        </pc:grpChg>
+      </pc:sldChg>
+      <pc:sldChg chg="addSp modSp mod">
+        <pc:chgData name="Lines, Todd" userId="afaf7c3a-e8aa-4568-882a-02ad8f9e19b0" providerId="ADAL" clId="{75015E92-2F82-402D-9C92-E6C0E586A257}" dt="2024-02-09T21:37:36.451" v="4" actId="1076"/>
+        <pc:sldMkLst>
+          <pc:docMk/>
+          <pc:sldMk cId="0" sldId="278"/>
+        </pc:sldMkLst>
+        <pc:spChg chg="mod">
+          <ac:chgData name="Lines, Todd" userId="afaf7c3a-e8aa-4568-882a-02ad8f9e19b0" providerId="ADAL" clId="{75015E92-2F82-402D-9C92-E6C0E586A257}" dt="2024-02-09T21:37:29.501" v="2" actId="164"/>
+          <ac:spMkLst>
+            <pc:docMk/>
+            <pc:sldMk cId="0" sldId="278"/>
+            <ac:spMk id="4" creationId="{00000000-0000-0000-0000-000000000000}"/>
+          </ac:spMkLst>
+        </pc:spChg>
+        <pc:spChg chg="mod">
+          <ac:chgData name="Lines, Todd" userId="afaf7c3a-e8aa-4568-882a-02ad8f9e19b0" providerId="ADAL" clId="{75015E92-2F82-402D-9C92-E6C0E586A257}" dt="2024-02-09T21:37:29.501" v="2" actId="164"/>
+          <ac:spMkLst>
+            <pc:docMk/>
+            <pc:sldMk cId="0" sldId="278"/>
+            <ac:spMk id="5" creationId="{00000000-0000-0000-0000-000000000000}"/>
+          </ac:spMkLst>
+        </pc:spChg>
+        <pc:spChg chg="mod">
+          <ac:chgData name="Lines, Todd" userId="afaf7c3a-e8aa-4568-882a-02ad8f9e19b0" providerId="ADAL" clId="{75015E92-2F82-402D-9C92-E6C0E586A257}" dt="2024-02-09T21:37:29.501" v="2" actId="164"/>
+          <ac:spMkLst>
+            <pc:docMk/>
+            <pc:sldMk cId="0" sldId="278"/>
+            <ac:spMk id="7" creationId="{00000000-0000-0000-0000-000000000000}"/>
+          </ac:spMkLst>
+        </pc:spChg>
+        <pc:spChg chg="mod">
+          <ac:chgData name="Lines, Todd" userId="afaf7c3a-e8aa-4568-882a-02ad8f9e19b0" providerId="ADAL" clId="{75015E92-2F82-402D-9C92-E6C0E586A257}" dt="2024-02-09T21:37:29.501" v="2" actId="164"/>
+          <ac:spMkLst>
+            <pc:docMk/>
+            <pc:sldMk cId="0" sldId="278"/>
+            <ac:spMk id="8" creationId="{00000000-0000-0000-0000-000000000000}"/>
+          </ac:spMkLst>
+        </pc:spChg>
+        <pc:spChg chg="mod">
+          <ac:chgData name="Lines, Todd" userId="afaf7c3a-e8aa-4568-882a-02ad8f9e19b0" providerId="ADAL" clId="{75015E92-2F82-402D-9C92-E6C0E586A257}" dt="2024-02-09T21:37:29.501" v="2" actId="164"/>
+          <ac:spMkLst>
+            <pc:docMk/>
+            <pc:sldMk cId="0" sldId="278"/>
+            <ac:spMk id="12" creationId="{00000000-0000-0000-0000-000000000000}"/>
+          </ac:spMkLst>
+        </pc:spChg>
+        <pc:spChg chg="mod">
+          <ac:chgData name="Lines, Todd" userId="afaf7c3a-e8aa-4568-882a-02ad8f9e19b0" providerId="ADAL" clId="{75015E92-2F82-402D-9C92-E6C0E586A257}" dt="2024-02-09T21:37:29.501" v="2" actId="164"/>
+          <ac:spMkLst>
+            <pc:docMk/>
+            <pc:sldMk cId="0" sldId="278"/>
+            <ac:spMk id="13" creationId="{00000000-0000-0000-0000-000000000000}"/>
+          </ac:spMkLst>
+        </pc:spChg>
+        <pc:spChg chg="mod">
+          <ac:chgData name="Lines, Todd" userId="afaf7c3a-e8aa-4568-882a-02ad8f9e19b0" providerId="ADAL" clId="{75015E92-2F82-402D-9C92-E6C0E586A257}" dt="2024-02-09T21:37:29.501" v="2" actId="164"/>
+          <ac:spMkLst>
+            <pc:docMk/>
+            <pc:sldMk cId="0" sldId="278"/>
+            <ac:spMk id="15" creationId="{00000000-0000-0000-0000-000000000000}"/>
+          </ac:spMkLst>
+        </pc:spChg>
+        <pc:spChg chg="mod">
+          <ac:chgData name="Lines, Todd" userId="afaf7c3a-e8aa-4568-882a-02ad8f9e19b0" providerId="ADAL" clId="{75015E92-2F82-402D-9C92-E6C0E586A257}" dt="2024-02-09T21:37:29.501" v="2" actId="164"/>
+          <ac:spMkLst>
+            <pc:docMk/>
+            <pc:sldMk cId="0" sldId="278"/>
+            <ac:spMk id="16" creationId="{00000000-0000-0000-0000-000000000000}"/>
+          </ac:spMkLst>
+        </pc:spChg>
+        <pc:spChg chg="mod">
+          <ac:chgData name="Lines, Todd" userId="afaf7c3a-e8aa-4568-882a-02ad8f9e19b0" providerId="ADAL" clId="{75015E92-2F82-402D-9C92-E6C0E586A257}" dt="2024-02-09T21:37:29.501" v="2" actId="164"/>
+          <ac:spMkLst>
+            <pc:docMk/>
+            <pc:sldMk cId="0" sldId="278"/>
+            <ac:spMk id="18" creationId="{00000000-0000-0000-0000-000000000000}"/>
+          </ac:spMkLst>
+        </pc:spChg>
+        <pc:spChg chg="mod">
+          <ac:chgData name="Lines, Todd" userId="afaf7c3a-e8aa-4568-882a-02ad8f9e19b0" providerId="ADAL" clId="{75015E92-2F82-402D-9C92-E6C0E586A257}" dt="2024-02-09T21:37:29.501" v="2" actId="164"/>
+          <ac:spMkLst>
+            <pc:docMk/>
+            <pc:sldMk cId="0" sldId="278"/>
+            <ac:spMk id="19" creationId="{00000000-0000-0000-0000-000000000000}"/>
+          </ac:spMkLst>
+        </pc:spChg>
+        <pc:spChg chg="mod">
+          <ac:chgData name="Lines, Todd" userId="afaf7c3a-e8aa-4568-882a-02ad8f9e19b0" providerId="ADAL" clId="{75015E92-2F82-402D-9C92-E6C0E586A257}" dt="2024-02-09T21:37:29.501" v="2" actId="164"/>
+          <ac:spMkLst>
+            <pc:docMk/>
+            <pc:sldMk cId="0" sldId="278"/>
+            <ac:spMk id="20" creationId="{00000000-0000-0000-0000-000000000000}"/>
+          </ac:spMkLst>
+        </pc:spChg>
+        <pc:spChg chg="mod">
+          <ac:chgData name="Lines, Todd" userId="afaf7c3a-e8aa-4568-882a-02ad8f9e19b0" providerId="ADAL" clId="{75015E92-2F82-402D-9C92-E6C0E586A257}" dt="2024-02-09T21:37:29.501" v="2" actId="164"/>
+          <ac:spMkLst>
+            <pc:docMk/>
+            <pc:sldMk cId="0" sldId="278"/>
+            <ac:spMk id="21" creationId="{00000000-0000-0000-0000-000000000000}"/>
+          </ac:spMkLst>
+        </pc:spChg>
+        <pc:spChg chg="mod">
+          <ac:chgData name="Lines, Todd" userId="afaf7c3a-e8aa-4568-882a-02ad8f9e19b0" providerId="ADAL" clId="{75015E92-2F82-402D-9C92-E6C0E586A257}" dt="2024-02-09T21:37:29.501" v="2" actId="164"/>
+          <ac:spMkLst>
+            <pc:docMk/>
+            <pc:sldMk cId="0" sldId="278"/>
+            <ac:spMk id="22" creationId="{00000000-0000-0000-0000-000000000000}"/>
+          </ac:spMkLst>
+        </pc:spChg>
+        <pc:spChg chg="mod">
+          <ac:chgData name="Lines, Todd" userId="afaf7c3a-e8aa-4568-882a-02ad8f9e19b0" providerId="ADAL" clId="{75015E92-2F82-402D-9C92-E6C0E586A257}" dt="2024-02-09T21:37:29.501" v="2" actId="164"/>
+          <ac:spMkLst>
+            <pc:docMk/>
+            <pc:sldMk cId="0" sldId="278"/>
+            <ac:spMk id="24" creationId="{00000000-0000-0000-0000-000000000000}"/>
+          </ac:spMkLst>
+        </pc:spChg>
+        <pc:spChg chg="mod">
+          <ac:chgData name="Lines, Todd" userId="afaf7c3a-e8aa-4568-882a-02ad8f9e19b0" providerId="ADAL" clId="{75015E92-2F82-402D-9C92-E6C0E586A257}" dt="2024-02-09T21:37:29.501" v="2" actId="164"/>
+          <ac:spMkLst>
+            <pc:docMk/>
+            <pc:sldMk cId="0" sldId="278"/>
+            <ac:spMk id="25" creationId="{00000000-0000-0000-0000-000000000000}"/>
+          </ac:spMkLst>
+        </pc:spChg>
+        <pc:spChg chg="mod">
+          <ac:chgData name="Lines, Todd" userId="afaf7c3a-e8aa-4568-882a-02ad8f9e19b0" providerId="ADAL" clId="{75015E92-2F82-402D-9C92-E6C0E586A257}" dt="2024-02-09T21:37:29.501" v="2" actId="164"/>
+          <ac:spMkLst>
+            <pc:docMk/>
+            <pc:sldMk cId="0" sldId="278"/>
+            <ac:spMk id="27" creationId="{00000000-0000-0000-0000-000000000000}"/>
+          </ac:spMkLst>
+        </pc:spChg>
+        <pc:spChg chg="mod">
+          <ac:chgData name="Lines, Todd" userId="afaf7c3a-e8aa-4568-882a-02ad8f9e19b0" providerId="ADAL" clId="{75015E92-2F82-402D-9C92-E6C0E586A257}" dt="2024-02-09T21:37:29.501" v="2" actId="164"/>
+          <ac:spMkLst>
+            <pc:docMk/>
+            <pc:sldMk cId="0" sldId="278"/>
+            <ac:spMk id="28" creationId="{00000000-0000-0000-0000-000000000000}"/>
+          </ac:spMkLst>
+        </pc:spChg>
+        <pc:spChg chg="mod">
+          <ac:chgData name="Lines, Todd" userId="afaf7c3a-e8aa-4568-882a-02ad8f9e19b0" providerId="ADAL" clId="{75015E92-2F82-402D-9C92-E6C0E586A257}" dt="2024-02-09T21:37:29.501" v="2" actId="164"/>
+          <ac:spMkLst>
+            <pc:docMk/>
+            <pc:sldMk cId="0" sldId="278"/>
+            <ac:spMk id="29" creationId="{00000000-0000-0000-0000-000000000000}"/>
+          </ac:spMkLst>
+        </pc:spChg>
+        <pc:spChg chg="mod">
+          <ac:chgData name="Lines, Todd" userId="afaf7c3a-e8aa-4568-882a-02ad8f9e19b0" providerId="ADAL" clId="{75015E92-2F82-402D-9C92-E6C0E586A257}" dt="2024-02-09T21:37:29.501" v="2" actId="164"/>
+          <ac:spMkLst>
+            <pc:docMk/>
+            <pc:sldMk cId="0" sldId="278"/>
+            <ac:spMk id="30" creationId="{00000000-0000-0000-0000-000000000000}"/>
+          </ac:spMkLst>
+        </pc:spChg>
+        <pc:spChg chg="mod">
+          <ac:chgData name="Lines, Todd" userId="afaf7c3a-e8aa-4568-882a-02ad8f9e19b0" providerId="ADAL" clId="{75015E92-2F82-402D-9C92-E6C0E586A257}" dt="2024-02-09T21:37:29.501" v="2" actId="164"/>
+          <ac:spMkLst>
+            <pc:docMk/>
+            <pc:sldMk cId="0" sldId="278"/>
+            <ac:spMk id="31" creationId="{00000000-0000-0000-0000-000000000000}"/>
+          </ac:spMkLst>
+        </pc:spChg>
+        <pc:spChg chg="mod">
+          <ac:chgData name="Lines, Todd" userId="afaf7c3a-e8aa-4568-882a-02ad8f9e19b0" providerId="ADAL" clId="{75015E92-2F82-402D-9C92-E6C0E586A257}" dt="2024-02-09T21:37:29.501" v="2" actId="164"/>
+          <ac:spMkLst>
+            <pc:docMk/>
+            <pc:sldMk cId="0" sldId="278"/>
+            <ac:spMk id="32" creationId="{00000000-0000-0000-0000-000000000000}"/>
+          </ac:spMkLst>
+        </pc:spChg>
+        <pc:spChg chg="mod">
+          <ac:chgData name="Lines, Todd" userId="afaf7c3a-e8aa-4568-882a-02ad8f9e19b0" providerId="ADAL" clId="{75015E92-2F82-402D-9C92-E6C0E586A257}" dt="2024-02-09T21:37:29.501" v="2" actId="164"/>
+          <ac:spMkLst>
+            <pc:docMk/>
+            <pc:sldMk cId="0" sldId="278"/>
+            <ac:spMk id="33" creationId="{00000000-0000-0000-0000-000000000000}"/>
+          </ac:spMkLst>
+        </pc:spChg>
+        <pc:spChg chg="mod">
+          <ac:chgData name="Lines, Todd" userId="afaf7c3a-e8aa-4568-882a-02ad8f9e19b0" providerId="ADAL" clId="{75015E92-2F82-402D-9C92-E6C0E586A257}" dt="2024-02-09T21:37:29.501" v="2" actId="164"/>
+          <ac:spMkLst>
+            <pc:docMk/>
+            <pc:sldMk cId="0" sldId="278"/>
+            <ac:spMk id="34" creationId="{00000000-0000-0000-0000-000000000000}"/>
+          </ac:spMkLst>
+        </pc:spChg>
+        <pc:spChg chg="mod">
+          <ac:chgData name="Lines, Todd" userId="afaf7c3a-e8aa-4568-882a-02ad8f9e19b0" providerId="ADAL" clId="{75015E92-2F82-402D-9C92-E6C0E586A257}" dt="2024-02-09T21:37:29.501" v="2" actId="164"/>
+          <ac:spMkLst>
+            <pc:docMk/>
+            <pc:sldMk cId="0" sldId="278"/>
+            <ac:spMk id="35" creationId="{00000000-0000-0000-0000-000000000000}"/>
+          </ac:spMkLst>
+        </pc:spChg>
+        <pc:spChg chg="mod">
+          <ac:chgData name="Lines, Todd" userId="afaf7c3a-e8aa-4568-882a-02ad8f9e19b0" providerId="ADAL" clId="{75015E92-2F82-402D-9C92-E6C0E586A257}" dt="2024-02-09T21:37:29.501" v="2" actId="164"/>
+          <ac:spMkLst>
+            <pc:docMk/>
+            <pc:sldMk cId="0" sldId="278"/>
+            <ac:spMk id="40" creationId="{00000000-0000-0000-0000-000000000000}"/>
+          </ac:spMkLst>
+        </pc:spChg>
+        <pc:spChg chg="mod">
+          <ac:chgData name="Lines, Todd" userId="afaf7c3a-e8aa-4568-882a-02ad8f9e19b0" providerId="ADAL" clId="{75015E92-2F82-402D-9C92-E6C0E586A257}" dt="2024-02-09T21:37:29.501" v="2" actId="164"/>
+          <ac:spMkLst>
+            <pc:docMk/>
+            <pc:sldMk cId="0" sldId="278"/>
+            <ac:spMk id="41" creationId="{00000000-0000-0000-0000-000000000000}"/>
+          </ac:spMkLst>
+        </pc:spChg>
+        <pc:spChg chg="mod">
+          <ac:chgData name="Lines, Todd" userId="afaf7c3a-e8aa-4568-882a-02ad8f9e19b0" providerId="ADAL" clId="{75015E92-2F82-402D-9C92-E6C0E586A257}" dt="2024-02-09T21:37:29.501" v="2" actId="164"/>
+          <ac:spMkLst>
+            <pc:docMk/>
+            <pc:sldMk cId="0" sldId="278"/>
+            <ac:spMk id="42" creationId="{00000000-0000-0000-0000-000000000000}"/>
+          </ac:spMkLst>
+        </pc:spChg>
+        <pc:spChg chg="mod">
+          <ac:chgData name="Lines, Todd" userId="afaf7c3a-e8aa-4568-882a-02ad8f9e19b0" providerId="ADAL" clId="{75015E92-2F82-402D-9C92-E6C0E586A257}" dt="2024-02-09T21:37:29.501" v="2" actId="164"/>
+          <ac:spMkLst>
+            <pc:docMk/>
+            <pc:sldMk cId="0" sldId="278"/>
+            <ac:spMk id="43" creationId="{00000000-0000-0000-0000-000000000000}"/>
+          </ac:spMkLst>
+        </pc:spChg>
+        <pc:spChg chg="mod">
+          <ac:chgData name="Lines, Todd" userId="afaf7c3a-e8aa-4568-882a-02ad8f9e19b0" providerId="ADAL" clId="{75015E92-2F82-402D-9C92-E6C0E586A257}" dt="2024-02-09T21:37:29.501" v="2" actId="164"/>
+          <ac:spMkLst>
+            <pc:docMk/>
+            <pc:sldMk cId="0" sldId="278"/>
+            <ac:spMk id="45" creationId="{00000000-0000-0000-0000-000000000000}"/>
+          </ac:spMkLst>
+        </pc:spChg>
+        <pc:grpChg chg="add mod">
+          <ac:chgData name="Lines, Todd" userId="afaf7c3a-e8aa-4568-882a-02ad8f9e19b0" providerId="ADAL" clId="{75015E92-2F82-402D-9C92-E6C0E586A257}" dt="2024-02-09T21:37:36.451" v="4" actId="1076"/>
+          <ac:grpSpMkLst>
+            <pc:docMk/>
+            <pc:sldMk cId="0" sldId="278"/>
+            <ac:grpSpMk id="2" creationId="{5703D52F-4300-E8E8-54FA-453775C72838}"/>
+          </ac:grpSpMkLst>
+        </pc:grpChg>
+      </pc:sldChg>
+    </pc:docChg>
+  </pc:docChgLst>
 </pc:chgInfo>
 </file>
 
@@ -628,7 +1051,7 @@
             <a:fld id="{21F0067B-9C56-42EE-A882-361E4A5CF15A}" type="datetimeFigureOut">
               <a:rPr lang="en-US" smtClean="0"/>
               <a:pPr/>
-              <a:t>10/12/2023</a:t>
+              <a:t>2/9/2024</a:t>
             </a:fld>
             <a:endParaRPr lang="en-US"/>
           </a:p>
@@ -793,7 +1216,7 @@
             <a:fld id="{21F0067B-9C56-42EE-A882-361E4A5CF15A}" type="datetimeFigureOut">
               <a:rPr lang="en-US" smtClean="0"/>
               <a:pPr/>
-              <a:t>10/12/2023</a:t>
+              <a:t>2/9/2024</a:t>
             </a:fld>
             <a:endParaRPr lang="en-US"/>
           </a:p>
@@ -968,7 +1391,7 @@
             <a:fld id="{21F0067B-9C56-42EE-A882-361E4A5CF15A}" type="datetimeFigureOut">
               <a:rPr lang="en-US" smtClean="0"/>
               <a:pPr/>
-              <a:t>10/12/2023</a:t>
+              <a:t>2/9/2024</a:t>
             </a:fld>
             <a:endParaRPr lang="en-US"/>
           </a:p>
@@ -1363,7 +1786,7 @@
             <a:fld id="{21F0067B-9C56-42EE-A882-361E4A5CF15A}" type="datetimeFigureOut">
               <a:rPr lang="en-US" smtClean="0"/>
               <a:pPr/>
-              <a:t>10/12/2023</a:t>
+              <a:t>2/9/2024</a:t>
             </a:fld>
             <a:endParaRPr lang="en-US"/>
           </a:p>
@@ -1605,7 +2028,7 @@
             <a:fld id="{21F0067B-9C56-42EE-A882-361E4A5CF15A}" type="datetimeFigureOut">
               <a:rPr lang="en-US" smtClean="0"/>
               <a:pPr/>
-              <a:t>10/12/2023</a:t>
+              <a:t>2/9/2024</a:t>
             </a:fld>
             <a:endParaRPr lang="en-US"/>
           </a:p>
@@ -1887,7 +2310,7 @@
             <a:fld id="{21F0067B-9C56-42EE-A882-361E4A5CF15A}" type="datetimeFigureOut">
               <a:rPr lang="en-US" smtClean="0"/>
               <a:pPr/>
-              <a:t>10/12/2023</a:t>
+              <a:t>2/9/2024</a:t>
             </a:fld>
             <a:endParaRPr lang="en-US"/>
           </a:p>
@@ -2303,7 +2726,7 @@
             <a:fld id="{21F0067B-9C56-42EE-A882-361E4A5CF15A}" type="datetimeFigureOut">
               <a:rPr lang="en-US" smtClean="0"/>
               <a:pPr/>
-              <a:t>10/12/2023</a:t>
+              <a:t>2/9/2024</a:t>
             </a:fld>
             <a:endParaRPr lang="en-US"/>
           </a:p>
@@ -2417,7 +2840,7 @@
             <a:fld id="{21F0067B-9C56-42EE-A882-361E4A5CF15A}" type="datetimeFigureOut">
               <a:rPr lang="en-US" smtClean="0"/>
               <a:pPr/>
-              <a:t>10/12/2023</a:t>
+              <a:t>2/9/2024</a:t>
             </a:fld>
             <a:endParaRPr lang="en-US"/>
           </a:p>
@@ -2509,7 +2932,7 @@
             <a:fld id="{21F0067B-9C56-42EE-A882-361E4A5CF15A}" type="datetimeFigureOut">
               <a:rPr lang="en-US" smtClean="0"/>
               <a:pPr/>
-              <a:t>10/12/2023</a:t>
+              <a:t>2/9/2024</a:t>
             </a:fld>
             <a:endParaRPr lang="en-US"/>
           </a:p>
@@ -2781,7 +3204,7 @@
             <a:fld id="{21F0067B-9C56-42EE-A882-361E4A5CF15A}" type="datetimeFigureOut">
               <a:rPr lang="en-US" smtClean="0"/>
               <a:pPr/>
-              <a:t>10/12/2023</a:t>
+              <a:t>2/9/2024</a:t>
             </a:fld>
             <a:endParaRPr lang="en-US"/>
           </a:p>
@@ -3030,7 +3453,7 @@
             <a:fld id="{21F0067B-9C56-42EE-A882-361E4A5CF15A}" type="datetimeFigureOut">
               <a:rPr lang="en-US" smtClean="0"/>
               <a:pPr/>
-              <a:t>10/12/2023</a:t>
+              <a:t>2/9/2024</a:t>
             </a:fld>
             <a:endParaRPr lang="en-US"/>
           </a:p>
@@ -3238,7 +3661,7 @@
             <a:fld id="{21F0067B-9C56-42EE-A882-361E4A5CF15A}" type="datetimeFigureOut">
               <a:rPr lang="en-US" smtClean="0"/>
               <a:pPr/>
-              <a:t>10/12/2023</a:t>
+              <a:t>2/9/2024</a:t>
             </a:fld>
             <a:endParaRPr lang="en-US"/>
           </a:p>
@@ -4670,1321 +5093,1304 @@
           </a:p>
         </p:txBody>
       </p:sp>
-      <p:grpSp>
-        <p:nvGrpSpPr>
-          <p:cNvPr id="2" name="Group 24"/>
-          <p:cNvGrpSpPr>
-            <a:grpSpLocks/>
-          </p:cNvGrpSpPr>
+      <p:sp>
+        <p:nvSpPr>
+          <p:cNvPr id="67590" name="Line 4"/>
+          <p:cNvSpPr>
+            <a:spLocks noChangeShapeType="1"/>
+          </p:cNvSpPr>
           <p:nvPr/>
-        </p:nvGrpSpPr>
-        <p:grpSpPr bwMode="auto">
+        </p:nvSpPr>
+        <p:spPr bwMode="auto">
           <a:xfrm>
-            <a:off x="1828800" y="2286000"/>
-            <a:ext cx="4802188" cy="3716338"/>
-            <a:chOff x="1152" y="1440"/>
-            <a:chExt cx="3025" cy="2341"/>
+            <a:off x="2286000" y="2286000"/>
+            <a:ext cx="0" cy="2895600"/>
           </a:xfrm>
-        </p:grpSpPr>
-        <p:sp>
-          <p:nvSpPr>
-            <p:cNvPr id="67590" name="Line 4"/>
-            <p:cNvSpPr>
-              <a:spLocks noChangeShapeType="1"/>
-            </p:cNvSpPr>
-            <p:nvPr/>
-          </p:nvSpPr>
-          <p:spPr bwMode="auto">
-            <a:xfrm>
-              <a:off x="1440" y="1440"/>
-              <a:ext cx="0" cy="1824"/>
-            </a:xfrm>
-            <a:prstGeom prst="line">
-              <a:avLst/>
-            </a:prstGeom>
+          <a:prstGeom prst="line">
+            <a:avLst/>
+          </a:prstGeom>
+          <a:noFill/>
+          <a:ln w="9525">
+            <a:solidFill>
+              <a:schemeClr val="tx1"/>
+            </a:solidFill>
+            <a:miter lim="800000"/>
+            <a:headEnd/>
+            <a:tailEnd/>
+          </a:ln>
+        </p:spPr>
+        <p:txBody>
+          <a:bodyPr wrap="none"/>
+          <a:lstStyle/>
+          <a:p>
+            <a:endParaRPr lang="en-US"/>
+          </a:p>
+        </p:txBody>
+      </p:sp>
+      <p:sp>
+        <p:nvSpPr>
+          <p:cNvPr id="67591" name="Text Box 5"/>
+          <p:cNvSpPr txBox="1">
+            <a:spLocks noChangeArrowheads="1"/>
+          </p:cNvSpPr>
+          <p:nvPr/>
+        </p:nvSpPr>
+        <p:spPr bwMode="auto">
+          <a:xfrm rot="16200000">
+            <a:off x="1582737" y="3522663"/>
+            <a:ext cx="827088" cy="336550"/>
+          </a:xfrm>
+          <a:prstGeom prst="rect">
+            <a:avLst/>
+          </a:prstGeom>
+          <a:noFill/>
+          <a:ln w="9525">
             <a:noFill/>
-            <a:ln w="9525">
-              <a:solidFill>
-                <a:schemeClr val="tx1"/>
-              </a:solidFill>
-              <a:miter lim="800000"/>
-              <a:headEnd/>
-              <a:tailEnd/>
-            </a:ln>
-          </p:spPr>
-          <p:txBody>
-            <a:bodyPr wrap="none"/>
-            <a:lstStyle/>
-            <a:p>
-              <a:endParaRPr lang="en-US"/>
-            </a:p>
-          </p:txBody>
-        </p:sp>
-        <p:sp>
-          <p:nvSpPr>
-            <p:cNvPr id="67591" name="Text Box 5"/>
-            <p:cNvSpPr txBox="1">
-              <a:spLocks noChangeArrowheads="1"/>
-            </p:cNvSpPr>
-            <p:nvPr/>
-          </p:nvSpPr>
-          <p:spPr bwMode="auto">
-            <a:xfrm rot="-5400000">
-              <a:off x="997" y="2219"/>
-              <a:ext cx="521" cy="212"/>
-            </a:xfrm>
-            <a:prstGeom prst="rect">
-              <a:avLst/>
-            </a:prstGeom>
+            <a:miter lim="800000"/>
+            <a:headEnd/>
+            <a:tailEnd/>
+          </a:ln>
+        </p:spPr>
+        <p:txBody>
+          <a:bodyPr wrap="none">
+            <a:spAutoFit/>
+          </a:bodyPr>
+          <a:lstStyle/>
+          <a:p>
+            <a:r>
+              <a:rPr lang="en-US"/>
+              <a:t>Energy</a:t>
+            </a:r>
+          </a:p>
+        </p:txBody>
+      </p:sp>
+      <p:sp>
+        <p:nvSpPr>
+          <p:cNvPr id="67592" name="Line 6"/>
+          <p:cNvSpPr>
+            <a:spLocks noChangeShapeType="1"/>
+          </p:cNvSpPr>
+          <p:nvPr/>
+        </p:nvSpPr>
+        <p:spPr bwMode="auto">
+          <a:xfrm>
+            <a:off x="2286000" y="5181600"/>
+            <a:ext cx="4343400" cy="0"/>
+          </a:xfrm>
+          <a:prstGeom prst="line">
+            <a:avLst/>
+          </a:prstGeom>
+          <a:noFill/>
+          <a:ln w="9525">
+            <a:solidFill>
+              <a:schemeClr val="tx1"/>
+            </a:solidFill>
+            <a:miter lim="800000"/>
+            <a:headEnd/>
+            <a:tailEnd/>
+          </a:ln>
+        </p:spPr>
+        <p:txBody>
+          <a:bodyPr wrap="none"/>
+          <a:lstStyle/>
+          <a:p>
+            <a:endParaRPr lang="en-US"/>
+          </a:p>
+        </p:txBody>
+      </p:sp>
+      <p:sp>
+        <p:nvSpPr>
+          <p:cNvPr id="67593" name="Text Box 7"/>
+          <p:cNvSpPr txBox="1">
+            <a:spLocks noChangeArrowheads="1"/>
+          </p:cNvSpPr>
+          <p:nvPr/>
+        </p:nvSpPr>
+        <p:spPr bwMode="auto">
+          <a:xfrm>
+            <a:off x="4191000" y="5257800"/>
+            <a:ext cx="1155700" cy="336550"/>
+          </a:xfrm>
+          <a:prstGeom prst="rect">
+            <a:avLst/>
+          </a:prstGeom>
+          <a:noFill/>
+          <a:ln w="9525">
             <a:noFill/>
-            <a:ln w="9525">
-              <a:noFill/>
-              <a:miter lim="800000"/>
-              <a:headEnd/>
-              <a:tailEnd/>
-            </a:ln>
-          </p:spPr>
-          <p:txBody>
-            <a:bodyPr wrap="none">
-              <a:spAutoFit/>
-            </a:bodyPr>
-            <a:lstStyle/>
-            <a:p>
-              <a:r>
-                <a:rPr lang="en-US"/>
-                <a:t>Energy</a:t>
-              </a:r>
-            </a:p>
-          </p:txBody>
-        </p:sp>
-        <p:sp>
-          <p:nvSpPr>
-            <p:cNvPr id="67592" name="Line 6"/>
-            <p:cNvSpPr>
-              <a:spLocks noChangeShapeType="1"/>
-            </p:cNvSpPr>
-            <p:nvPr/>
-          </p:nvSpPr>
-          <p:spPr bwMode="auto">
-            <a:xfrm>
-              <a:off x="1440" y="3264"/>
-              <a:ext cx="2736" cy="0"/>
-            </a:xfrm>
-            <a:prstGeom prst="line">
-              <a:avLst/>
-            </a:prstGeom>
+            <a:miter lim="800000"/>
+            <a:headEnd/>
+            <a:tailEnd/>
+          </a:ln>
+        </p:spPr>
+        <p:txBody>
+          <a:bodyPr wrap="none">
+            <a:spAutoFit/>
+          </a:bodyPr>
+          <a:lstStyle/>
+          <a:p>
+            <a:r>
+              <a:rPr lang="en-US"/>
+              <a:t>Distance, r</a:t>
+            </a:r>
+          </a:p>
+        </p:txBody>
+      </p:sp>
+      <p:sp>
+        <p:nvSpPr>
+          <p:cNvPr id="67594" name="Line 8"/>
+          <p:cNvSpPr>
+            <a:spLocks noChangeShapeType="1"/>
+          </p:cNvSpPr>
+          <p:nvPr/>
+        </p:nvSpPr>
+        <p:spPr bwMode="auto">
+          <a:xfrm>
+            <a:off x="5638800" y="4343400"/>
+            <a:ext cx="533400" cy="0"/>
+          </a:xfrm>
+          <a:prstGeom prst="line">
+            <a:avLst/>
+          </a:prstGeom>
+          <a:noFill/>
+          <a:ln w="28575">
+            <a:solidFill>
+              <a:srgbClr val="FF9900"/>
+            </a:solidFill>
+            <a:miter lim="800000"/>
+            <a:headEnd/>
+            <a:tailEnd/>
+          </a:ln>
+        </p:spPr>
+        <p:txBody>
+          <a:bodyPr wrap="none"/>
+          <a:lstStyle/>
+          <a:p>
+            <a:endParaRPr lang="en-US"/>
+          </a:p>
+        </p:txBody>
+      </p:sp>
+      <p:sp>
+        <p:nvSpPr>
+          <p:cNvPr id="67595" name="Line 9"/>
+          <p:cNvSpPr>
+            <a:spLocks noChangeShapeType="1"/>
+          </p:cNvSpPr>
+          <p:nvPr/>
+        </p:nvSpPr>
+        <p:spPr bwMode="auto">
+          <a:xfrm>
+            <a:off x="5562600" y="3352800"/>
+            <a:ext cx="533400" cy="0"/>
+          </a:xfrm>
+          <a:prstGeom prst="line">
+            <a:avLst/>
+          </a:prstGeom>
+          <a:noFill/>
+          <a:ln w="28575">
+            <a:solidFill>
+              <a:srgbClr val="FF9900"/>
+            </a:solidFill>
+            <a:miter lim="800000"/>
+            <a:headEnd/>
+            <a:tailEnd/>
+          </a:ln>
+        </p:spPr>
+        <p:txBody>
+          <a:bodyPr wrap="none"/>
+          <a:lstStyle/>
+          <a:p>
+            <a:endParaRPr lang="en-US"/>
+          </a:p>
+        </p:txBody>
+      </p:sp>
+      <p:sp>
+        <p:nvSpPr>
+          <p:cNvPr id="67596" name="Text Box 10"/>
+          <p:cNvSpPr txBox="1">
+            <a:spLocks noChangeArrowheads="1"/>
+          </p:cNvSpPr>
+          <p:nvPr/>
+        </p:nvSpPr>
+        <p:spPr bwMode="auto">
+          <a:xfrm>
+            <a:off x="6232525" y="4098925"/>
+            <a:ext cx="398463" cy="336550"/>
+          </a:xfrm>
+          <a:prstGeom prst="rect">
+            <a:avLst/>
+          </a:prstGeom>
+          <a:noFill/>
+          <a:ln w="9525">
             <a:noFill/>
-            <a:ln w="9525">
-              <a:solidFill>
-                <a:schemeClr val="tx1"/>
-              </a:solidFill>
-              <a:miter lim="800000"/>
-              <a:headEnd/>
-              <a:tailEnd/>
-            </a:ln>
-          </p:spPr>
-          <p:txBody>
-            <a:bodyPr wrap="none"/>
-            <a:lstStyle/>
-            <a:p>
-              <a:endParaRPr lang="en-US"/>
-            </a:p>
-          </p:txBody>
-        </p:sp>
-        <p:sp>
-          <p:nvSpPr>
-            <p:cNvPr id="67593" name="Text Box 7"/>
-            <p:cNvSpPr txBox="1">
-              <a:spLocks noChangeArrowheads="1"/>
-            </p:cNvSpPr>
-            <p:nvPr/>
-          </p:nvSpPr>
-          <p:spPr bwMode="auto">
-            <a:xfrm>
-              <a:off x="2640" y="3312"/>
-              <a:ext cx="728" cy="212"/>
-            </a:xfrm>
-            <a:prstGeom prst="rect">
-              <a:avLst/>
-            </a:prstGeom>
+            <a:miter lim="800000"/>
+            <a:headEnd/>
+            <a:tailEnd/>
+          </a:ln>
+        </p:spPr>
+        <p:txBody>
+          <a:bodyPr wrap="none">
+            <a:spAutoFit/>
+          </a:bodyPr>
+          <a:lstStyle/>
+          <a:p>
+            <a:r>
+              <a:rPr lang="en-US"/>
+              <a:t>1s</a:t>
+            </a:r>
+          </a:p>
+        </p:txBody>
+      </p:sp>
+      <p:sp>
+        <p:nvSpPr>
+          <p:cNvPr id="67597" name="Text Box 11"/>
+          <p:cNvSpPr txBox="1">
+            <a:spLocks noChangeArrowheads="1"/>
+          </p:cNvSpPr>
+          <p:nvPr/>
+        </p:nvSpPr>
+        <p:spPr bwMode="auto">
+          <a:xfrm>
+            <a:off x="6172200" y="3124200"/>
+            <a:ext cx="398463" cy="336550"/>
+          </a:xfrm>
+          <a:prstGeom prst="rect">
+            <a:avLst/>
+          </a:prstGeom>
+          <a:noFill/>
+          <a:ln w="9525">
             <a:noFill/>
-            <a:ln w="9525">
-              <a:noFill/>
-              <a:miter lim="800000"/>
-              <a:headEnd/>
-              <a:tailEnd/>
-            </a:ln>
-          </p:spPr>
-          <p:txBody>
-            <a:bodyPr wrap="none">
-              <a:spAutoFit/>
-            </a:bodyPr>
-            <a:lstStyle/>
-            <a:p>
-              <a:r>
-                <a:rPr lang="en-US"/>
-                <a:t>Distance, r</a:t>
-              </a:r>
-            </a:p>
-          </p:txBody>
-        </p:sp>
-        <p:sp>
-          <p:nvSpPr>
-            <p:cNvPr id="67594" name="Line 8"/>
-            <p:cNvSpPr>
-              <a:spLocks noChangeShapeType="1"/>
-            </p:cNvSpPr>
-            <p:nvPr/>
-          </p:nvSpPr>
-          <p:spPr bwMode="auto">
-            <a:xfrm>
-              <a:off x="3552" y="2736"/>
-              <a:ext cx="336" cy="0"/>
-            </a:xfrm>
-            <a:prstGeom prst="line">
-              <a:avLst/>
-            </a:prstGeom>
+            <a:miter lim="800000"/>
+            <a:headEnd/>
+            <a:tailEnd/>
+          </a:ln>
+        </p:spPr>
+        <p:txBody>
+          <a:bodyPr wrap="none">
+            <a:spAutoFit/>
+          </a:bodyPr>
+          <a:lstStyle/>
+          <a:p>
+            <a:r>
+              <a:rPr lang="en-US"/>
+              <a:t>2s</a:t>
+            </a:r>
+          </a:p>
+        </p:txBody>
+      </p:sp>
+      <p:sp>
+        <p:nvSpPr>
+          <p:cNvPr id="67598" name="Freeform 12"/>
+          <p:cNvSpPr>
+            <a:spLocks/>
+          </p:cNvSpPr>
+          <p:nvPr/>
+        </p:nvSpPr>
+        <p:spPr bwMode="auto">
+          <a:xfrm>
+            <a:off x="3962400" y="2438400"/>
+            <a:ext cx="1600200" cy="914400"/>
+          </a:xfrm>
+          <a:custGeom>
+            <a:avLst/>
+            <a:gdLst>
+              <a:gd name="T0" fmla="*/ 1008 w 1008"/>
+              <a:gd name="T1" fmla="*/ 576 h 576"/>
+              <a:gd name="T2" fmla="*/ 288 w 1008"/>
+              <a:gd name="T3" fmla="*/ 432 h 576"/>
+              <a:gd name="T4" fmla="*/ 0 w 1008"/>
+              <a:gd name="T5" fmla="*/ 0 h 576"/>
+              <a:gd name="T6" fmla="*/ 0 60000 65536"/>
+              <a:gd name="T7" fmla="*/ 0 60000 65536"/>
+              <a:gd name="T8" fmla="*/ 0 60000 65536"/>
+              <a:gd name="T9" fmla="*/ 0 w 1008"/>
+              <a:gd name="T10" fmla="*/ 0 h 576"/>
+              <a:gd name="T11" fmla="*/ 1008 w 1008"/>
+              <a:gd name="T12" fmla="*/ 576 h 576"/>
+            </a:gdLst>
+            <a:ahLst/>
+            <a:cxnLst>
+              <a:cxn ang="T6">
+                <a:pos x="T0" y="T1"/>
+              </a:cxn>
+              <a:cxn ang="T7">
+                <a:pos x="T2" y="T3"/>
+              </a:cxn>
+              <a:cxn ang="T8">
+                <a:pos x="T4" y="T5"/>
+              </a:cxn>
+            </a:cxnLst>
+            <a:rect l="T9" t="T10" r="T11" b="T12"/>
+            <a:pathLst>
+              <a:path w="1008" h="576">
+                <a:moveTo>
+                  <a:pt x="1008" y="576"/>
+                </a:moveTo>
+                <a:cubicBezTo>
+                  <a:pt x="732" y="552"/>
+                  <a:pt x="456" y="528"/>
+                  <a:pt x="288" y="432"/>
+                </a:cubicBezTo>
+                <a:cubicBezTo>
+                  <a:pt x="120" y="336"/>
+                  <a:pt x="60" y="168"/>
+                  <a:pt x="0" y="0"/>
+                </a:cubicBezTo>
+              </a:path>
+            </a:pathLst>
+          </a:custGeom>
+          <a:noFill/>
+          <a:ln w="28575">
+            <a:solidFill>
+              <a:srgbClr val="FF9900"/>
+            </a:solidFill>
+            <a:miter lim="800000"/>
+            <a:headEnd/>
+            <a:tailEnd/>
+          </a:ln>
+        </p:spPr>
+        <p:txBody>
+          <a:bodyPr wrap="none"/>
+          <a:lstStyle/>
+          <a:p>
+            <a:endParaRPr lang="en-US"/>
+          </a:p>
+        </p:txBody>
+      </p:sp>
+      <p:sp>
+        <p:nvSpPr>
+          <p:cNvPr id="67599" name="Freeform 13"/>
+          <p:cNvSpPr>
+            <a:spLocks/>
+          </p:cNvSpPr>
+          <p:nvPr/>
+        </p:nvSpPr>
+        <p:spPr bwMode="auto">
+          <a:xfrm>
+            <a:off x="3505200" y="2447925"/>
+            <a:ext cx="2057400" cy="1270000"/>
+          </a:xfrm>
+          <a:custGeom>
+            <a:avLst/>
+            <a:gdLst>
+              <a:gd name="T0" fmla="*/ 1296 w 912"/>
+              <a:gd name="T1" fmla="*/ 576 h 800"/>
+              <a:gd name="T2" fmla="*/ 1160 w 912"/>
+              <a:gd name="T3" fmla="*/ 576 h 800"/>
+              <a:gd name="T4" fmla="*/ 955 w 912"/>
+              <a:gd name="T5" fmla="*/ 720 h 800"/>
+              <a:gd name="T6" fmla="*/ 546 w 912"/>
+              <a:gd name="T7" fmla="*/ 768 h 800"/>
+              <a:gd name="T8" fmla="*/ 205 w 912"/>
+              <a:gd name="T9" fmla="*/ 528 h 800"/>
+              <a:gd name="T10" fmla="*/ 0 w 912"/>
+              <a:gd name="T11" fmla="*/ 0 h 800"/>
+              <a:gd name="T12" fmla="*/ 0 60000 65536"/>
+              <a:gd name="T13" fmla="*/ 0 60000 65536"/>
+              <a:gd name="T14" fmla="*/ 0 60000 65536"/>
+              <a:gd name="T15" fmla="*/ 0 60000 65536"/>
+              <a:gd name="T16" fmla="*/ 0 60000 65536"/>
+              <a:gd name="T17" fmla="*/ 0 60000 65536"/>
+              <a:gd name="T18" fmla="*/ 0 w 912"/>
+              <a:gd name="T19" fmla="*/ 0 h 800"/>
+              <a:gd name="T20" fmla="*/ 912 w 912"/>
+              <a:gd name="T21" fmla="*/ 800 h 800"/>
+            </a:gdLst>
+            <a:ahLst/>
+            <a:cxnLst>
+              <a:cxn ang="T12">
+                <a:pos x="T0" y="T1"/>
+              </a:cxn>
+              <a:cxn ang="T13">
+                <a:pos x="T2" y="T3"/>
+              </a:cxn>
+              <a:cxn ang="T14">
+                <a:pos x="T4" y="T5"/>
+              </a:cxn>
+              <a:cxn ang="T15">
+                <a:pos x="T6" y="T7"/>
+              </a:cxn>
+              <a:cxn ang="T16">
+                <a:pos x="T8" y="T9"/>
+              </a:cxn>
+              <a:cxn ang="T17">
+                <a:pos x="T10" y="T11"/>
+              </a:cxn>
+            </a:cxnLst>
+            <a:rect l="T18" t="T19" r="T20" b="T21"/>
+            <a:pathLst>
+              <a:path w="912" h="800">
+                <a:moveTo>
+                  <a:pt x="912" y="576"/>
+                </a:moveTo>
+                <a:cubicBezTo>
+                  <a:pt x="884" y="564"/>
+                  <a:pt x="856" y="552"/>
+                  <a:pt x="816" y="576"/>
+                </a:cubicBezTo>
+                <a:cubicBezTo>
+                  <a:pt x="776" y="600"/>
+                  <a:pt x="744" y="688"/>
+                  <a:pt x="672" y="720"/>
+                </a:cubicBezTo>
+                <a:cubicBezTo>
+                  <a:pt x="600" y="752"/>
+                  <a:pt x="472" y="800"/>
+                  <a:pt x="384" y="768"/>
+                </a:cubicBezTo>
+                <a:cubicBezTo>
+                  <a:pt x="296" y="736"/>
+                  <a:pt x="208" y="656"/>
+                  <a:pt x="144" y="528"/>
+                </a:cubicBezTo>
+                <a:cubicBezTo>
+                  <a:pt x="80" y="400"/>
+                  <a:pt x="40" y="200"/>
+                  <a:pt x="0" y="0"/>
+                </a:cubicBezTo>
+              </a:path>
+            </a:pathLst>
+          </a:custGeom>
+          <a:noFill/>
+          <a:ln w="28575">
+            <a:solidFill>
+              <a:srgbClr val="FF9900"/>
+            </a:solidFill>
+            <a:miter lim="800000"/>
+            <a:headEnd/>
+            <a:tailEnd/>
+          </a:ln>
+        </p:spPr>
+        <p:txBody>
+          <a:bodyPr wrap="none"/>
+          <a:lstStyle/>
+          <a:p>
+            <a:endParaRPr lang="en-US"/>
+          </a:p>
+        </p:txBody>
+      </p:sp>
+      <p:sp>
+        <p:nvSpPr>
+          <p:cNvPr id="67600" name="Freeform 14"/>
+          <p:cNvSpPr>
+            <a:spLocks/>
+          </p:cNvSpPr>
+          <p:nvPr/>
+        </p:nvSpPr>
+        <p:spPr bwMode="auto">
+          <a:xfrm>
+            <a:off x="3179763" y="3421063"/>
+            <a:ext cx="2449513" cy="914400"/>
+          </a:xfrm>
+          <a:custGeom>
+            <a:avLst/>
+            <a:gdLst>
+              <a:gd name="T0" fmla="*/ 1543 w 1008"/>
+              <a:gd name="T1" fmla="*/ 576 h 576"/>
+              <a:gd name="T2" fmla="*/ 441 w 1008"/>
+              <a:gd name="T3" fmla="*/ 432 h 576"/>
+              <a:gd name="T4" fmla="*/ 0 w 1008"/>
+              <a:gd name="T5" fmla="*/ 0 h 576"/>
+              <a:gd name="T6" fmla="*/ 0 60000 65536"/>
+              <a:gd name="T7" fmla="*/ 0 60000 65536"/>
+              <a:gd name="T8" fmla="*/ 0 60000 65536"/>
+              <a:gd name="T9" fmla="*/ 0 w 1008"/>
+              <a:gd name="T10" fmla="*/ 0 h 576"/>
+              <a:gd name="T11" fmla="*/ 1008 w 1008"/>
+              <a:gd name="T12" fmla="*/ 576 h 576"/>
+            </a:gdLst>
+            <a:ahLst/>
+            <a:cxnLst>
+              <a:cxn ang="T6">
+                <a:pos x="T0" y="T1"/>
+              </a:cxn>
+              <a:cxn ang="T7">
+                <a:pos x="T2" y="T3"/>
+              </a:cxn>
+              <a:cxn ang="T8">
+                <a:pos x="T4" y="T5"/>
+              </a:cxn>
+            </a:cxnLst>
+            <a:rect l="T9" t="T10" r="T11" b="T12"/>
+            <a:pathLst>
+              <a:path w="1008" h="576">
+                <a:moveTo>
+                  <a:pt x="1008" y="576"/>
+                </a:moveTo>
+                <a:cubicBezTo>
+                  <a:pt x="732" y="552"/>
+                  <a:pt x="456" y="528"/>
+                  <a:pt x="288" y="432"/>
+                </a:cubicBezTo>
+                <a:cubicBezTo>
+                  <a:pt x="120" y="336"/>
+                  <a:pt x="60" y="168"/>
+                  <a:pt x="0" y="0"/>
+                </a:cubicBezTo>
+              </a:path>
+            </a:pathLst>
+          </a:custGeom>
+          <a:noFill/>
+          <a:ln w="28575">
+            <a:solidFill>
+              <a:srgbClr val="FF9900"/>
+            </a:solidFill>
+            <a:miter lim="800000"/>
+            <a:headEnd/>
+            <a:tailEnd/>
+          </a:ln>
+        </p:spPr>
+        <p:txBody>
+          <a:bodyPr wrap="none"/>
+          <a:lstStyle/>
+          <a:p>
+            <a:endParaRPr lang="en-US"/>
+          </a:p>
+        </p:txBody>
+      </p:sp>
+      <p:sp>
+        <p:nvSpPr>
+          <p:cNvPr id="67601" name="Freeform 15"/>
+          <p:cNvSpPr>
+            <a:spLocks/>
+          </p:cNvSpPr>
+          <p:nvPr/>
+        </p:nvSpPr>
+        <p:spPr bwMode="auto">
+          <a:xfrm>
+            <a:off x="2865438" y="3440113"/>
+            <a:ext cx="2840038" cy="1270000"/>
+          </a:xfrm>
+          <a:custGeom>
+            <a:avLst/>
+            <a:gdLst>
+              <a:gd name="T0" fmla="*/ 1789 w 912"/>
+              <a:gd name="T1" fmla="*/ 576 h 800"/>
+              <a:gd name="T2" fmla="*/ 1601 w 912"/>
+              <a:gd name="T3" fmla="*/ 576 h 800"/>
+              <a:gd name="T4" fmla="*/ 1318 w 912"/>
+              <a:gd name="T5" fmla="*/ 720 h 800"/>
+              <a:gd name="T6" fmla="*/ 753 w 912"/>
+              <a:gd name="T7" fmla="*/ 768 h 800"/>
+              <a:gd name="T8" fmla="*/ 282 w 912"/>
+              <a:gd name="T9" fmla="*/ 528 h 800"/>
+              <a:gd name="T10" fmla="*/ 0 w 912"/>
+              <a:gd name="T11" fmla="*/ 0 h 800"/>
+              <a:gd name="T12" fmla="*/ 0 60000 65536"/>
+              <a:gd name="T13" fmla="*/ 0 60000 65536"/>
+              <a:gd name="T14" fmla="*/ 0 60000 65536"/>
+              <a:gd name="T15" fmla="*/ 0 60000 65536"/>
+              <a:gd name="T16" fmla="*/ 0 60000 65536"/>
+              <a:gd name="T17" fmla="*/ 0 60000 65536"/>
+              <a:gd name="T18" fmla="*/ 0 w 912"/>
+              <a:gd name="T19" fmla="*/ 0 h 800"/>
+              <a:gd name="T20" fmla="*/ 912 w 912"/>
+              <a:gd name="T21" fmla="*/ 800 h 800"/>
+            </a:gdLst>
+            <a:ahLst/>
+            <a:cxnLst>
+              <a:cxn ang="T12">
+                <a:pos x="T0" y="T1"/>
+              </a:cxn>
+              <a:cxn ang="T13">
+                <a:pos x="T2" y="T3"/>
+              </a:cxn>
+              <a:cxn ang="T14">
+                <a:pos x="T4" y="T5"/>
+              </a:cxn>
+              <a:cxn ang="T15">
+                <a:pos x="T6" y="T7"/>
+              </a:cxn>
+              <a:cxn ang="T16">
+                <a:pos x="T8" y="T9"/>
+              </a:cxn>
+              <a:cxn ang="T17">
+                <a:pos x="T10" y="T11"/>
+              </a:cxn>
+            </a:cxnLst>
+            <a:rect l="T18" t="T19" r="T20" b="T21"/>
+            <a:pathLst>
+              <a:path w="912" h="800">
+                <a:moveTo>
+                  <a:pt x="912" y="576"/>
+                </a:moveTo>
+                <a:cubicBezTo>
+                  <a:pt x="884" y="564"/>
+                  <a:pt x="856" y="552"/>
+                  <a:pt x="816" y="576"/>
+                </a:cubicBezTo>
+                <a:cubicBezTo>
+                  <a:pt x="776" y="600"/>
+                  <a:pt x="744" y="688"/>
+                  <a:pt x="672" y="720"/>
+                </a:cubicBezTo>
+                <a:cubicBezTo>
+                  <a:pt x="600" y="752"/>
+                  <a:pt x="472" y="800"/>
+                  <a:pt x="384" y="768"/>
+                </a:cubicBezTo>
+                <a:cubicBezTo>
+                  <a:pt x="296" y="736"/>
+                  <a:pt x="208" y="656"/>
+                  <a:pt x="144" y="528"/>
+                </a:cubicBezTo>
+                <a:cubicBezTo>
+                  <a:pt x="80" y="400"/>
+                  <a:pt x="40" y="200"/>
+                  <a:pt x="0" y="0"/>
+                </a:cubicBezTo>
+              </a:path>
+            </a:pathLst>
+          </a:custGeom>
+          <a:noFill/>
+          <a:ln w="28575">
+            <a:solidFill>
+              <a:srgbClr val="FF9900"/>
+            </a:solidFill>
+            <a:miter lim="800000"/>
+            <a:headEnd/>
+            <a:tailEnd/>
+          </a:ln>
+        </p:spPr>
+        <p:txBody>
+          <a:bodyPr wrap="none"/>
+          <a:lstStyle/>
+          <a:p>
+            <a:endParaRPr lang="en-US"/>
+          </a:p>
+        </p:txBody>
+      </p:sp>
+      <p:sp>
+        <p:nvSpPr>
+          <p:cNvPr id="67602" name="Text Box 16"/>
+          <p:cNvSpPr txBox="1">
+            <a:spLocks noChangeArrowheads="1"/>
+          </p:cNvSpPr>
+          <p:nvPr/>
+        </p:nvSpPr>
+        <p:spPr bwMode="auto">
+          <a:xfrm>
+            <a:off x="4054475" y="5665788"/>
+            <a:ext cx="1268413" cy="336550"/>
+          </a:xfrm>
+          <a:prstGeom prst="rect">
+            <a:avLst/>
+          </a:prstGeom>
+          <a:noFill/>
+          <a:ln w="9525">
             <a:noFill/>
-            <a:ln w="28575">
-              <a:solidFill>
-                <a:srgbClr val="FF9900"/>
-              </a:solidFill>
-              <a:miter lim="800000"/>
-              <a:headEnd/>
-              <a:tailEnd/>
-            </a:ln>
-          </p:spPr>
-          <p:txBody>
-            <a:bodyPr wrap="none"/>
-            <a:lstStyle/>
-            <a:p>
-              <a:endParaRPr lang="en-US"/>
-            </a:p>
-          </p:txBody>
-        </p:sp>
-        <p:sp>
-          <p:nvSpPr>
-            <p:cNvPr id="67595" name="Line 9"/>
-            <p:cNvSpPr>
-              <a:spLocks noChangeShapeType="1"/>
-            </p:cNvSpPr>
-            <p:nvPr/>
-          </p:nvSpPr>
-          <p:spPr bwMode="auto">
-            <a:xfrm>
-              <a:off x="3504" y="2112"/>
-              <a:ext cx="336" cy="0"/>
-            </a:xfrm>
-            <a:prstGeom prst="line">
-              <a:avLst/>
-            </a:prstGeom>
-            <a:noFill/>
-            <a:ln w="28575">
-              <a:solidFill>
-                <a:srgbClr val="FF9900"/>
-              </a:solidFill>
-              <a:miter lim="800000"/>
-              <a:headEnd/>
-              <a:tailEnd/>
-            </a:ln>
-          </p:spPr>
-          <p:txBody>
-            <a:bodyPr wrap="none"/>
-            <a:lstStyle/>
-            <a:p>
-              <a:endParaRPr lang="en-US"/>
-            </a:p>
-          </p:txBody>
-        </p:sp>
-        <p:sp>
-          <p:nvSpPr>
-            <p:cNvPr id="67596" name="Text Box 10"/>
-            <p:cNvSpPr txBox="1">
-              <a:spLocks noChangeArrowheads="1"/>
-            </p:cNvSpPr>
-            <p:nvPr/>
-          </p:nvSpPr>
-          <p:spPr bwMode="auto">
-            <a:xfrm>
-              <a:off x="3926" y="2582"/>
-              <a:ext cx="251" cy="212"/>
-            </a:xfrm>
-            <a:prstGeom prst="rect">
-              <a:avLst/>
-            </a:prstGeom>
-            <a:noFill/>
-            <a:ln w="9525">
-              <a:noFill/>
-              <a:miter lim="800000"/>
-              <a:headEnd/>
-              <a:tailEnd/>
-            </a:ln>
-          </p:spPr>
-          <p:txBody>
-            <a:bodyPr wrap="none">
-              <a:spAutoFit/>
-            </a:bodyPr>
-            <a:lstStyle/>
-            <a:p>
-              <a:r>
-                <a:rPr lang="en-US"/>
-                <a:t>1s</a:t>
-              </a:r>
-            </a:p>
-          </p:txBody>
-        </p:sp>
-        <p:sp>
-          <p:nvSpPr>
-            <p:cNvPr id="67597" name="Text Box 11"/>
-            <p:cNvSpPr txBox="1">
-              <a:spLocks noChangeArrowheads="1"/>
-            </p:cNvSpPr>
-            <p:nvPr/>
-          </p:nvSpPr>
-          <p:spPr bwMode="auto">
-            <a:xfrm>
-              <a:off x="3888" y="1968"/>
-              <a:ext cx="251" cy="212"/>
-            </a:xfrm>
-            <a:prstGeom prst="rect">
-              <a:avLst/>
-            </a:prstGeom>
-            <a:noFill/>
-            <a:ln w="9525">
-              <a:noFill/>
-              <a:miter lim="800000"/>
-              <a:headEnd/>
-              <a:tailEnd/>
-            </a:ln>
-          </p:spPr>
-          <p:txBody>
-            <a:bodyPr wrap="none">
-              <a:spAutoFit/>
-            </a:bodyPr>
-            <a:lstStyle/>
-            <a:p>
-              <a:r>
-                <a:rPr lang="en-US"/>
-                <a:t>2s</a:t>
-              </a:r>
-            </a:p>
-          </p:txBody>
-        </p:sp>
-        <p:sp>
-          <p:nvSpPr>
-            <p:cNvPr id="67598" name="Freeform 12"/>
-            <p:cNvSpPr>
-              <a:spLocks/>
-            </p:cNvSpPr>
-            <p:nvPr/>
-          </p:nvSpPr>
-          <p:spPr bwMode="auto">
-            <a:xfrm>
-              <a:off x="2496" y="1536"/>
-              <a:ext cx="1008" cy="576"/>
-            </a:xfrm>
-            <a:custGeom>
-              <a:avLst/>
-              <a:gdLst>
-                <a:gd name="T0" fmla="*/ 1008 w 1008"/>
-                <a:gd name="T1" fmla="*/ 576 h 576"/>
-                <a:gd name="T2" fmla="*/ 288 w 1008"/>
-                <a:gd name="T3" fmla="*/ 432 h 576"/>
-                <a:gd name="T4" fmla="*/ 0 w 1008"/>
-                <a:gd name="T5" fmla="*/ 0 h 576"/>
-                <a:gd name="T6" fmla="*/ 0 60000 65536"/>
-                <a:gd name="T7" fmla="*/ 0 60000 65536"/>
-                <a:gd name="T8" fmla="*/ 0 60000 65536"/>
-                <a:gd name="T9" fmla="*/ 0 w 1008"/>
-                <a:gd name="T10" fmla="*/ 0 h 576"/>
-                <a:gd name="T11" fmla="*/ 1008 w 1008"/>
-                <a:gd name="T12" fmla="*/ 576 h 576"/>
-              </a:gdLst>
-              <a:ahLst/>
-              <a:cxnLst>
-                <a:cxn ang="T6">
-                  <a:pos x="T0" y="T1"/>
-                </a:cxn>
-                <a:cxn ang="T7">
-                  <a:pos x="T2" y="T3"/>
-                </a:cxn>
-                <a:cxn ang="T8">
-                  <a:pos x="T4" y="T5"/>
-                </a:cxn>
-              </a:cxnLst>
-              <a:rect l="T9" t="T10" r="T11" b="T12"/>
-              <a:pathLst>
-                <a:path w="1008" h="576">
-                  <a:moveTo>
-                    <a:pt x="1008" y="576"/>
-                  </a:moveTo>
-                  <a:cubicBezTo>
-                    <a:pt x="732" y="552"/>
-                    <a:pt x="456" y="528"/>
-                    <a:pt x="288" y="432"/>
-                  </a:cubicBezTo>
-                  <a:cubicBezTo>
-                    <a:pt x="120" y="336"/>
-                    <a:pt x="60" y="168"/>
-                    <a:pt x="0" y="0"/>
-                  </a:cubicBezTo>
-                </a:path>
-              </a:pathLst>
-            </a:custGeom>
-            <a:noFill/>
-            <a:ln w="28575">
-              <a:solidFill>
-                <a:srgbClr val="FF9900"/>
-              </a:solidFill>
-              <a:miter lim="800000"/>
-              <a:headEnd/>
-              <a:tailEnd/>
-            </a:ln>
-          </p:spPr>
-          <p:txBody>
-            <a:bodyPr wrap="none"/>
-            <a:lstStyle/>
-            <a:p>
-              <a:endParaRPr lang="en-US"/>
-            </a:p>
-          </p:txBody>
-        </p:sp>
-        <p:sp>
-          <p:nvSpPr>
-            <p:cNvPr id="67599" name="Freeform 13"/>
-            <p:cNvSpPr>
-              <a:spLocks/>
-            </p:cNvSpPr>
-            <p:nvPr/>
-          </p:nvSpPr>
-          <p:spPr bwMode="auto">
-            <a:xfrm>
-              <a:off x="2208" y="1542"/>
-              <a:ext cx="1296" cy="800"/>
-            </a:xfrm>
-            <a:custGeom>
-              <a:avLst/>
-              <a:gdLst>
-                <a:gd name="T0" fmla="*/ 1296 w 912"/>
-                <a:gd name="T1" fmla="*/ 576 h 800"/>
-                <a:gd name="T2" fmla="*/ 1160 w 912"/>
-                <a:gd name="T3" fmla="*/ 576 h 800"/>
-                <a:gd name="T4" fmla="*/ 955 w 912"/>
-                <a:gd name="T5" fmla="*/ 720 h 800"/>
-                <a:gd name="T6" fmla="*/ 546 w 912"/>
-                <a:gd name="T7" fmla="*/ 768 h 800"/>
-                <a:gd name="T8" fmla="*/ 205 w 912"/>
-                <a:gd name="T9" fmla="*/ 528 h 800"/>
-                <a:gd name="T10" fmla="*/ 0 w 912"/>
-                <a:gd name="T11" fmla="*/ 0 h 800"/>
-                <a:gd name="T12" fmla="*/ 0 60000 65536"/>
-                <a:gd name="T13" fmla="*/ 0 60000 65536"/>
-                <a:gd name="T14" fmla="*/ 0 60000 65536"/>
-                <a:gd name="T15" fmla="*/ 0 60000 65536"/>
-                <a:gd name="T16" fmla="*/ 0 60000 65536"/>
-                <a:gd name="T17" fmla="*/ 0 60000 65536"/>
-                <a:gd name="T18" fmla="*/ 0 w 912"/>
-                <a:gd name="T19" fmla="*/ 0 h 800"/>
-                <a:gd name="T20" fmla="*/ 912 w 912"/>
-                <a:gd name="T21" fmla="*/ 800 h 800"/>
-              </a:gdLst>
-              <a:ahLst/>
-              <a:cxnLst>
-                <a:cxn ang="T12">
-                  <a:pos x="T0" y="T1"/>
-                </a:cxn>
-                <a:cxn ang="T13">
-                  <a:pos x="T2" y="T3"/>
-                </a:cxn>
-                <a:cxn ang="T14">
-                  <a:pos x="T4" y="T5"/>
-                </a:cxn>
-                <a:cxn ang="T15">
-                  <a:pos x="T6" y="T7"/>
-                </a:cxn>
-                <a:cxn ang="T16">
-                  <a:pos x="T8" y="T9"/>
-                </a:cxn>
-                <a:cxn ang="T17">
-                  <a:pos x="T10" y="T11"/>
-                </a:cxn>
-              </a:cxnLst>
-              <a:rect l="T18" t="T19" r="T20" b="T21"/>
-              <a:pathLst>
-                <a:path w="912" h="800">
-                  <a:moveTo>
-                    <a:pt x="912" y="576"/>
-                  </a:moveTo>
-                  <a:cubicBezTo>
-                    <a:pt x="884" y="564"/>
-                    <a:pt x="856" y="552"/>
-                    <a:pt x="816" y="576"/>
-                  </a:cubicBezTo>
-                  <a:cubicBezTo>
-                    <a:pt x="776" y="600"/>
-                    <a:pt x="744" y="688"/>
-                    <a:pt x="672" y="720"/>
-                  </a:cubicBezTo>
-                  <a:cubicBezTo>
-                    <a:pt x="600" y="752"/>
-                    <a:pt x="472" y="800"/>
-                    <a:pt x="384" y="768"/>
-                  </a:cubicBezTo>
-                  <a:cubicBezTo>
-                    <a:pt x="296" y="736"/>
-                    <a:pt x="208" y="656"/>
-                    <a:pt x="144" y="528"/>
-                  </a:cubicBezTo>
-                  <a:cubicBezTo>
-                    <a:pt x="80" y="400"/>
-                    <a:pt x="40" y="200"/>
-                    <a:pt x="0" y="0"/>
-                  </a:cubicBezTo>
-                </a:path>
-              </a:pathLst>
-            </a:custGeom>
-            <a:noFill/>
-            <a:ln w="28575">
-              <a:solidFill>
-                <a:srgbClr val="FF9900"/>
-              </a:solidFill>
-              <a:miter lim="800000"/>
-              <a:headEnd/>
-              <a:tailEnd/>
-            </a:ln>
-          </p:spPr>
-          <p:txBody>
-            <a:bodyPr wrap="none"/>
-            <a:lstStyle/>
-            <a:p>
-              <a:endParaRPr lang="en-US"/>
-            </a:p>
-          </p:txBody>
-        </p:sp>
-        <p:sp>
-          <p:nvSpPr>
-            <p:cNvPr id="67600" name="Freeform 14"/>
-            <p:cNvSpPr>
-              <a:spLocks/>
-            </p:cNvSpPr>
-            <p:nvPr/>
-          </p:nvSpPr>
-          <p:spPr bwMode="auto">
-            <a:xfrm>
-              <a:off x="2003" y="2155"/>
-              <a:ext cx="1543" cy="576"/>
-            </a:xfrm>
-            <a:custGeom>
-              <a:avLst/>
-              <a:gdLst>
-                <a:gd name="T0" fmla="*/ 1543 w 1008"/>
-                <a:gd name="T1" fmla="*/ 576 h 576"/>
-                <a:gd name="T2" fmla="*/ 441 w 1008"/>
-                <a:gd name="T3" fmla="*/ 432 h 576"/>
-                <a:gd name="T4" fmla="*/ 0 w 1008"/>
-                <a:gd name="T5" fmla="*/ 0 h 576"/>
-                <a:gd name="T6" fmla="*/ 0 60000 65536"/>
-                <a:gd name="T7" fmla="*/ 0 60000 65536"/>
-                <a:gd name="T8" fmla="*/ 0 60000 65536"/>
-                <a:gd name="T9" fmla="*/ 0 w 1008"/>
-                <a:gd name="T10" fmla="*/ 0 h 576"/>
-                <a:gd name="T11" fmla="*/ 1008 w 1008"/>
-                <a:gd name="T12" fmla="*/ 576 h 576"/>
-              </a:gdLst>
-              <a:ahLst/>
-              <a:cxnLst>
-                <a:cxn ang="T6">
-                  <a:pos x="T0" y="T1"/>
-                </a:cxn>
-                <a:cxn ang="T7">
-                  <a:pos x="T2" y="T3"/>
-                </a:cxn>
-                <a:cxn ang="T8">
-                  <a:pos x="T4" y="T5"/>
-                </a:cxn>
-              </a:cxnLst>
-              <a:rect l="T9" t="T10" r="T11" b="T12"/>
-              <a:pathLst>
-                <a:path w="1008" h="576">
-                  <a:moveTo>
-                    <a:pt x="1008" y="576"/>
-                  </a:moveTo>
-                  <a:cubicBezTo>
-                    <a:pt x="732" y="552"/>
-                    <a:pt x="456" y="528"/>
-                    <a:pt x="288" y="432"/>
-                  </a:cubicBezTo>
-                  <a:cubicBezTo>
-                    <a:pt x="120" y="336"/>
-                    <a:pt x="60" y="168"/>
-                    <a:pt x="0" y="0"/>
-                  </a:cubicBezTo>
-                </a:path>
-              </a:pathLst>
-            </a:custGeom>
-            <a:noFill/>
-            <a:ln w="28575">
-              <a:solidFill>
-                <a:srgbClr val="FF9900"/>
-              </a:solidFill>
-              <a:miter lim="800000"/>
-              <a:headEnd/>
-              <a:tailEnd/>
-            </a:ln>
-          </p:spPr>
-          <p:txBody>
-            <a:bodyPr wrap="none"/>
-            <a:lstStyle/>
-            <a:p>
-              <a:endParaRPr lang="en-US"/>
-            </a:p>
-          </p:txBody>
-        </p:sp>
-        <p:sp>
-          <p:nvSpPr>
-            <p:cNvPr id="67601" name="Freeform 15"/>
-            <p:cNvSpPr>
-              <a:spLocks/>
-            </p:cNvSpPr>
-            <p:nvPr/>
-          </p:nvSpPr>
-          <p:spPr bwMode="auto">
-            <a:xfrm>
-              <a:off x="1805" y="2167"/>
-              <a:ext cx="1789" cy="800"/>
-            </a:xfrm>
-            <a:custGeom>
-              <a:avLst/>
-              <a:gdLst>
-                <a:gd name="T0" fmla="*/ 1789 w 912"/>
-                <a:gd name="T1" fmla="*/ 576 h 800"/>
-                <a:gd name="T2" fmla="*/ 1601 w 912"/>
-                <a:gd name="T3" fmla="*/ 576 h 800"/>
-                <a:gd name="T4" fmla="*/ 1318 w 912"/>
-                <a:gd name="T5" fmla="*/ 720 h 800"/>
-                <a:gd name="T6" fmla="*/ 753 w 912"/>
-                <a:gd name="T7" fmla="*/ 768 h 800"/>
-                <a:gd name="T8" fmla="*/ 282 w 912"/>
-                <a:gd name="T9" fmla="*/ 528 h 800"/>
-                <a:gd name="T10" fmla="*/ 0 w 912"/>
-                <a:gd name="T11" fmla="*/ 0 h 800"/>
-                <a:gd name="T12" fmla="*/ 0 60000 65536"/>
-                <a:gd name="T13" fmla="*/ 0 60000 65536"/>
-                <a:gd name="T14" fmla="*/ 0 60000 65536"/>
-                <a:gd name="T15" fmla="*/ 0 60000 65536"/>
-                <a:gd name="T16" fmla="*/ 0 60000 65536"/>
-                <a:gd name="T17" fmla="*/ 0 60000 65536"/>
-                <a:gd name="T18" fmla="*/ 0 w 912"/>
-                <a:gd name="T19" fmla="*/ 0 h 800"/>
-                <a:gd name="T20" fmla="*/ 912 w 912"/>
-                <a:gd name="T21" fmla="*/ 800 h 800"/>
-              </a:gdLst>
-              <a:ahLst/>
-              <a:cxnLst>
-                <a:cxn ang="T12">
-                  <a:pos x="T0" y="T1"/>
-                </a:cxn>
-                <a:cxn ang="T13">
-                  <a:pos x="T2" y="T3"/>
-                </a:cxn>
-                <a:cxn ang="T14">
-                  <a:pos x="T4" y="T5"/>
-                </a:cxn>
-                <a:cxn ang="T15">
-                  <a:pos x="T6" y="T7"/>
-                </a:cxn>
-                <a:cxn ang="T16">
-                  <a:pos x="T8" y="T9"/>
-                </a:cxn>
-                <a:cxn ang="T17">
-                  <a:pos x="T10" y="T11"/>
-                </a:cxn>
-              </a:cxnLst>
-              <a:rect l="T18" t="T19" r="T20" b="T21"/>
-              <a:pathLst>
-                <a:path w="912" h="800">
-                  <a:moveTo>
-                    <a:pt x="912" y="576"/>
-                  </a:moveTo>
-                  <a:cubicBezTo>
-                    <a:pt x="884" y="564"/>
-                    <a:pt x="856" y="552"/>
-                    <a:pt x="816" y="576"/>
-                  </a:cubicBezTo>
-                  <a:cubicBezTo>
-                    <a:pt x="776" y="600"/>
-                    <a:pt x="744" y="688"/>
-                    <a:pt x="672" y="720"/>
-                  </a:cubicBezTo>
-                  <a:cubicBezTo>
-                    <a:pt x="600" y="752"/>
-                    <a:pt x="472" y="800"/>
-                    <a:pt x="384" y="768"/>
-                  </a:cubicBezTo>
-                  <a:cubicBezTo>
-                    <a:pt x="296" y="736"/>
-                    <a:pt x="208" y="656"/>
-                    <a:pt x="144" y="528"/>
-                  </a:cubicBezTo>
-                  <a:cubicBezTo>
-                    <a:pt x="80" y="400"/>
-                    <a:pt x="40" y="200"/>
-                    <a:pt x="0" y="0"/>
-                  </a:cubicBezTo>
-                </a:path>
-              </a:pathLst>
-            </a:custGeom>
-            <a:noFill/>
-            <a:ln w="28575">
-              <a:solidFill>
-                <a:srgbClr val="FF9900"/>
-              </a:solidFill>
-              <a:miter lim="800000"/>
-              <a:headEnd/>
-              <a:tailEnd/>
-            </a:ln>
-          </p:spPr>
-          <p:txBody>
-            <a:bodyPr wrap="none"/>
-            <a:lstStyle/>
-            <a:p>
-              <a:endParaRPr lang="en-US"/>
-            </a:p>
-          </p:txBody>
-        </p:sp>
-        <p:sp>
-          <p:nvSpPr>
-            <p:cNvPr id="67602" name="Text Box 16"/>
-            <p:cNvSpPr txBox="1">
-              <a:spLocks noChangeArrowheads="1"/>
-            </p:cNvSpPr>
-            <p:nvPr/>
-          </p:nvSpPr>
-          <p:spPr bwMode="auto">
-            <a:xfrm>
-              <a:off x="2554" y="3569"/>
-              <a:ext cx="799" cy="212"/>
-            </a:xfrm>
-            <a:prstGeom prst="rect">
-              <a:avLst/>
-            </a:prstGeom>
-            <a:noFill/>
-            <a:ln w="9525">
-              <a:noFill/>
-              <a:miter lim="800000"/>
-              <a:headEnd/>
-              <a:tailEnd/>
-            </a:ln>
-          </p:spPr>
-          <p:txBody>
-            <a:bodyPr wrap="none">
-              <a:spAutoFit/>
-            </a:bodyPr>
-            <a:lstStyle/>
-            <a:p>
-              <a:r>
-                <a:rPr lang="en-US"/>
-                <a:t>(Schematic)</a:t>
-              </a:r>
-            </a:p>
-          </p:txBody>
-        </p:sp>
-        <p:sp>
-          <p:nvSpPr>
-            <p:cNvPr id="67603" name="Freeform 17"/>
-            <p:cNvSpPr>
-              <a:spLocks/>
-            </p:cNvSpPr>
-            <p:nvPr/>
-          </p:nvSpPr>
-          <p:spPr bwMode="auto">
-            <a:xfrm>
-              <a:off x="2423" y="1574"/>
-              <a:ext cx="938" cy="565"/>
-            </a:xfrm>
-            <a:custGeom>
-              <a:avLst/>
-              <a:gdLst>
-                <a:gd name="T0" fmla="*/ 938 w 938"/>
-                <a:gd name="T1" fmla="*/ 540 h 565"/>
-                <a:gd name="T2" fmla="*/ 659 w 938"/>
-                <a:gd name="T3" fmla="*/ 546 h 565"/>
-                <a:gd name="T4" fmla="*/ 255 w 938"/>
-                <a:gd name="T5" fmla="*/ 427 h 565"/>
-                <a:gd name="T6" fmla="*/ 0 w 938"/>
-                <a:gd name="T7" fmla="*/ 0 h 565"/>
-                <a:gd name="T8" fmla="*/ 0 60000 65536"/>
-                <a:gd name="T9" fmla="*/ 0 60000 65536"/>
-                <a:gd name="T10" fmla="*/ 0 60000 65536"/>
-                <a:gd name="T11" fmla="*/ 0 60000 65536"/>
-                <a:gd name="T12" fmla="*/ 0 w 938"/>
-                <a:gd name="T13" fmla="*/ 0 h 565"/>
-                <a:gd name="T14" fmla="*/ 938 w 938"/>
-                <a:gd name="T15" fmla="*/ 565 h 565"/>
-              </a:gdLst>
-              <a:ahLst/>
-              <a:cxnLst>
-                <a:cxn ang="T8">
-                  <a:pos x="T0" y="T1"/>
-                </a:cxn>
-                <a:cxn ang="T9">
-                  <a:pos x="T2" y="T3"/>
-                </a:cxn>
-                <a:cxn ang="T10">
-                  <a:pos x="T4" y="T5"/>
-                </a:cxn>
-                <a:cxn ang="T11">
-                  <a:pos x="T6" y="T7"/>
-                </a:cxn>
-              </a:cxnLst>
-              <a:rect l="T12" t="T13" r="T14" b="T15"/>
-              <a:pathLst>
-                <a:path w="938" h="565">
-                  <a:moveTo>
-                    <a:pt x="938" y="540"/>
-                  </a:moveTo>
-                  <a:cubicBezTo>
-                    <a:pt x="855" y="552"/>
-                    <a:pt x="773" y="565"/>
-                    <a:pt x="659" y="546"/>
-                  </a:cubicBezTo>
-                  <a:cubicBezTo>
-                    <a:pt x="545" y="527"/>
-                    <a:pt x="365" y="518"/>
-                    <a:pt x="255" y="427"/>
-                  </a:cubicBezTo>
-                  <a:cubicBezTo>
-                    <a:pt x="145" y="336"/>
-                    <a:pt x="42" y="72"/>
-                    <a:pt x="0" y="0"/>
-                  </a:cubicBezTo>
-                </a:path>
-              </a:pathLst>
-            </a:custGeom>
-            <a:noFill/>
-            <a:ln w="9525">
-              <a:solidFill>
-                <a:schemeClr val="accent2"/>
-              </a:solidFill>
-              <a:miter lim="800000"/>
-              <a:headEnd/>
-              <a:tailEnd/>
-            </a:ln>
-          </p:spPr>
-          <p:txBody>
-            <a:bodyPr wrap="none"/>
-            <a:lstStyle/>
-            <a:p>
-              <a:endParaRPr lang="en-US"/>
-            </a:p>
-          </p:txBody>
-        </p:sp>
-        <p:sp>
-          <p:nvSpPr>
-            <p:cNvPr id="67604" name="Freeform 18"/>
-            <p:cNvSpPr>
-              <a:spLocks/>
-            </p:cNvSpPr>
-            <p:nvPr/>
-          </p:nvSpPr>
-          <p:spPr bwMode="auto">
-            <a:xfrm>
-              <a:off x="2352" y="1585"/>
-              <a:ext cx="1015" cy="617"/>
-            </a:xfrm>
-            <a:custGeom>
-              <a:avLst/>
-              <a:gdLst>
-                <a:gd name="T0" fmla="*/ 1015 w 1015"/>
-                <a:gd name="T1" fmla="*/ 529 h 617"/>
-                <a:gd name="T2" fmla="*/ 801 w 1015"/>
-                <a:gd name="T3" fmla="*/ 594 h 617"/>
-                <a:gd name="T4" fmla="*/ 427 w 1015"/>
-                <a:gd name="T5" fmla="*/ 582 h 617"/>
-                <a:gd name="T6" fmla="*/ 160 w 1015"/>
-                <a:gd name="T7" fmla="*/ 381 h 617"/>
-                <a:gd name="T8" fmla="*/ 0 w 1015"/>
-                <a:gd name="T9" fmla="*/ 0 h 617"/>
-                <a:gd name="T10" fmla="*/ 0 60000 65536"/>
-                <a:gd name="T11" fmla="*/ 0 60000 65536"/>
-                <a:gd name="T12" fmla="*/ 0 60000 65536"/>
-                <a:gd name="T13" fmla="*/ 0 60000 65536"/>
-                <a:gd name="T14" fmla="*/ 0 60000 65536"/>
-                <a:gd name="T15" fmla="*/ 0 w 1015"/>
-                <a:gd name="T16" fmla="*/ 0 h 617"/>
-                <a:gd name="T17" fmla="*/ 1015 w 1015"/>
-                <a:gd name="T18" fmla="*/ 617 h 617"/>
-              </a:gdLst>
-              <a:ahLst/>
-              <a:cxnLst>
-                <a:cxn ang="T10">
-                  <a:pos x="T0" y="T1"/>
-                </a:cxn>
-                <a:cxn ang="T11">
-                  <a:pos x="T2" y="T3"/>
-                </a:cxn>
-                <a:cxn ang="T12">
-                  <a:pos x="T4" y="T5"/>
-                </a:cxn>
-                <a:cxn ang="T13">
-                  <a:pos x="T6" y="T7"/>
-                </a:cxn>
-                <a:cxn ang="T14">
-                  <a:pos x="T8" y="T9"/>
-                </a:cxn>
-              </a:cxnLst>
-              <a:rect l="T15" t="T16" r="T17" b="T18"/>
-              <a:pathLst>
-                <a:path w="1015" h="617">
-                  <a:moveTo>
-                    <a:pt x="1015" y="529"/>
-                  </a:moveTo>
-                  <a:cubicBezTo>
-                    <a:pt x="957" y="557"/>
-                    <a:pt x="899" y="585"/>
-                    <a:pt x="801" y="594"/>
-                  </a:cubicBezTo>
-                  <a:cubicBezTo>
-                    <a:pt x="703" y="603"/>
-                    <a:pt x="534" y="617"/>
-                    <a:pt x="427" y="582"/>
-                  </a:cubicBezTo>
-                  <a:cubicBezTo>
-                    <a:pt x="320" y="547"/>
-                    <a:pt x="231" y="478"/>
-                    <a:pt x="160" y="381"/>
-                  </a:cubicBezTo>
-                  <a:cubicBezTo>
-                    <a:pt x="89" y="284"/>
-                    <a:pt x="44" y="142"/>
-                    <a:pt x="0" y="0"/>
-                  </a:cubicBezTo>
-                </a:path>
-              </a:pathLst>
-            </a:custGeom>
-            <a:noFill/>
-            <a:ln w="9525">
-              <a:solidFill>
-                <a:schemeClr val="accent2"/>
-              </a:solidFill>
-              <a:miter lim="800000"/>
-              <a:headEnd/>
-              <a:tailEnd/>
-            </a:ln>
-          </p:spPr>
-          <p:txBody>
-            <a:bodyPr wrap="none"/>
-            <a:lstStyle/>
-            <a:p>
-              <a:endParaRPr lang="en-US"/>
-            </a:p>
-          </p:txBody>
-        </p:sp>
-        <p:sp>
-          <p:nvSpPr>
-            <p:cNvPr id="67605" name="Freeform 19"/>
-            <p:cNvSpPr>
-              <a:spLocks/>
-            </p:cNvSpPr>
-            <p:nvPr/>
-          </p:nvSpPr>
-          <p:spPr bwMode="auto">
-            <a:xfrm>
-              <a:off x="2286" y="1574"/>
-              <a:ext cx="1057" cy="696"/>
-            </a:xfrm>
-            <a:custGeom>
-              <a:avLst/>
-              <a:gdLst>
-                <a:gd name="T0" fmla="*/ 1057 w 1057"/>
-                <a:gd name="T1" fmla="*/ 552 h 696"/>
-                <a:gd name="T2" fmla="*/ 760 w 1057"/>
-                <a:gd name="T3" fmla="*/ 677 h 696"/>
-                <a:gd name="T4" fmla="*/ 380 w 1057"/>
-                <a:gd name="T5" fmla="*/ 635 h 696"/>
-                <a:gd name="T6" fmla="*/ 95 w 1057"/>
-                <a:gd name="T7" fmla="*/ 308 h 696"/>
-                <a:gd name="T8" fmla="*/ 0 w 1057"/>
-                <a:gd name="T9" fmla="*/ 0 h 696"/>
-                <a:gd name="T10" fmla="*/ 0 60000 65536"/>
-                <a:gd name="T11" fmla="*/ 0 60000 65536"/>
-                <a:gd name="T12" fmla="*/ 0 60000 65536"/>
-                <a:gd name="T13" fmla="*/ 0 60000 65536"/>
-                <a:gd name="T14" fmla="*/ 0 60000 65536"/>
-                <a:gd name="T15" fmla="*/ 0 w 1057"/>
-                <a:gd name="T16" fmla="*/ 0 h 696"/>
-                <a:gd name="T17" fmla="*/ 1057 w 1057"/>
-                <a:gd name="T18" fmla="*/ 696 h 696"/>
-              </a:gdLst>
-              <a:ahLst/>
-              <a:cxnLst>
-                <a:cxn ang="T10">
-                  <a:pos x="T0" y="T1"/>
-                </a:cxn>
-                <a:cxn ang="T11">
-                  <a:pos x="T2" y="T3"/>
-                </a:cxn>
-                <a:cxn ang="T12">
-                  <a:pos x="T4" y="T5"/>
-                </a:cxn>
-                <a:cxn ang="T13">
-                  <a:pos x="T6" y="T7"/>
-                </a:cxn>
-                <a:cxn ang="T14">
-                  <a:pos x="T8" y="T9"/>
-                </a:cxn>
-              </a:cxnLst>
-              <a:rect l="T15" t="T16" r="T17" b="T18"/>
-              <a:pathLst>
-                <a:path w="1057" h="696">
-                  <a:moveTo>
-                    <a:pt x="1057" y="552"/>
-                  </a:moveTo>
-                  <a:cubicBezTo>
-                    <a:pt x="965" y="607"/>
-                    <a:pt x="873" y="663"/>
-                    <a:pt x="760" y="677"/>
-                  </a:cubicBezTo>
-                  <a:cubicBezTo>
-                    <a:pt x="647" y="691"/>
-                    <a:pt x="491" y="696"/>
-                    <a:pt x="380" y="635"/>
-                  </a:cubicBezTo>
-                  <a:cubicBezTo>
-                    <a:pt x="269" y="574"/>
-                    <a:pt x="158" y="414"/>
-                    <a:pt x="95" y="308"/>
-                  </a:cubicBezTo>
-                  <a:cubicBezTo>
-                    <a:pt x="32" y="202"/>
-                    <a:pt x="16" y="52"/>
-                    <a:pt x="0" y="0"/>
-                  </a:cubicBezTo>
-                </a:path>
-              </a:pathLst>
-            </a:custGeom>
-            <a:noFill/>
-            <a:ln w="9525">
-              <a:solidFill>
-                <a:schemeClr val="accent2"/>
-              </a:solidFill>
-              <a:miter lim="800000"/>
-              <a:headEnd/>
-              <a:tailEnd/>
-            </a:ln>
-          </p:spPr>
-          <p:txBody>
-            <a:bodyPr wrap="none"/>
-            <a:lstStyle/>
-            <a:p>
-              <a:endParaRPr lang="en-US"/>
-            </a:p>
-          </p:txBody>
-        </p:sp>
-        <p:sp>
-          <p:nvSpPr>
-            <p:cNvPr id="67606" name="Freeform 20"/>
-            <p:cNvSpPr>
-              <a:spLocks/>
-            </p:cNvSpPr>
-            <p:nvPr/>
-          </p:nvSpPr>
-          <p:spPr bwMode="auto">
-            <a:xfrm>
-              <a:off x="1942" y="2161"/>
-              <a:ext cx="1490" cy="595"/>
-            </a:xfrm>
-            <a:custGeom>
-              <a:avLst/>
-              <a:gdLst>
-                <a:gd name="T0" fmla="*/ 1490 w 1490"/>
-                <a:gd name="T1" fmla="*/ 565 h 595"/>
-                <a:gd name="T2" fmla="*/ 1140 w 1490"/>
-                <a:gd name="T3" fmla="*/ 588 h 595"/>
-                <a:gd name="T4" fmla="*/ 611 w 1490"/>
-                <a:gd name="T5" fmla="*/ 523 h 595"/>
-                <a:gd name="T6" fmla="*/ 273 w 1490"/>
-                <a:gd name="T7" fmla="*/ 392 h 595"/>
-                <a:gd name="T8" fmla="*/ 0 w 1490"/>
-                <a:gd name="T9" fmla="*/ 0 h 595"/>
-                <a:gd name="T10" fmla="*/ 0 60000 65536"/>
-                <a:gd name="T11" fmla="*/ 0 60000 65536"/>
-                <a:gd name="T12" fmla="*/ 0 60000 65536"/>
-                <a:gd name="T13" fmla="*/ 0 60000 65536"/>
-                <a:gd name="T14" fmla="*/ 0 60000 65536"/>
-                <a:gd name="T15" fmla="*/ 0 w 1490"/>
-                <a:gd name="T16" fmla="*/ 0 h 595"/>
-                <a:gd name="T17" fmla="*/ 1490 w 1490"/>
-                <a:gd name="T18" fmla="*/ 595 h 595"/>
-              </a:gdLst>
-              <a:ahLst/>
-              <a:cxnLst>
-                <a:cxn ang="T10">
-                  <a:pos x="T0" y="T1"/>
-                </a:cxn>
-                <a:cxn ang="T11">
-                  <a:pos x="T2" y="T3"/>
-                </a:cxn>
-                <a:cxn ang="T12">
-                  <a:pos x="T4" y="T5"/>
-                </a:cxn>
-                <a:cxn ang="T13">
-                  <a:pos x="T6" y="T7"/>
-                </a:cxn>
-                <a:cxn ang="T14">
-                  <a:pos x="T8" y="T9"/>
-                </a:cxn>
-              </a:cxnLst>
-              <a:rect l="T15" t="T16" r="T17" b="T18"/>
-              <a:pathLst>
-                <a:path w="1490" h="595">
-                  <a:moveTo>
-                    <a:pt x="1490" y="565"/>
-                  </a:moveTo>
-                  <a:cubicBezTo>
-                    <a:pt x="1388" y="580"/>
-                    <a:pt x="1286" y="595"/>
-                    <a:pt x="1140" y="588"/>
-                  </a:cubicBezTo>
-                  <a:cubicBezTo>
-                    <a:pt x="994" y="581"/>
-                    <a:pt x="755" y="556"/>
-                    <a:pt x="611" y="523"/>
-                  </a:cubicBezTo>
-                  <a:cubicBezTo>
-                    <a:pt x="467" y="490"/>
-                    <a:pt x="375" y="479"/>
-                    <a:pt x="273" y="392"/>
-                  </a:cubicBezTo>
-                  <a:cubicBezTo>
-                    <a:pt x="171" y="305"/>
-                    <a:pt x="47" y="36"/>
-                    <a:pt x="0" y="0"/>
-                  </a:cubicBezTo>
-                </a:path>
-              </a:pathLst>
-            </a:custGeom>
-            <a:noFill/>
-            <a:ln w="9525">
-              <a:solidFill>
-                <a:schemeClr val="accent2"/>
-              </a:solidFill>
-              <a:miter lim="800000"/>
-              <a:headEnd/>
-              <a:tailEnd/>
-            </a:ln>
-          </p:spPr>
-          <p:txBody>
-            <a:bodyPr wrap="none"/>
-            <a:lstStyle/>
-            <a:p>
-              <a:endParaRPr lang="en-US"/>
-            </a:p>
-          </p:txBody>
-        </p:sp>
-        <p:sp>
-          <p:nvSpPr>
-            <p:cNvPr id="67607" name="Freeform 21"/>
-            <p:cNvSpPr>
-              <a:spLocks/>
-            </p:cNvSpPr>
-            <p:nvPr/>
-          </p:nvSpPr>
-          <p:spPr bwMode="auto">
-            <a:xfrm>
-              <a:off x="1900" y="2185"/>
-              <a:ext cx="1503" cy="634"/>
-            </a:xfrm>
-            <a:custGeom>
-              <a:avLst/>
-              <a:gdLst>
-                <a:gd name="T0" fmla="*/ 1503 w 1503"/>
-                <a:gd name="T1" fmla="*/ 552 h 634"/>
-                <a:gd name="T2" fmla="*/ 1194 w 1503"/>
-                <a:gd name="T3" fmla="*/ 618 h 634"/>
-                <a:gd name="T4" fmla="*/ 737 w 1503"/>
-                <a:gd name="T5" fmla="*/ 606 h 634"/>
-                <a:gd name="T6" fmla="*/ 303 w 1503"/>
-                <a:gd name="T7" fmla="*/ 452 h 634"/>
-                <a:gd name="T8" fmla="*/ 0 w 1503"/>
-                <a:gd name="T9" fmla="*/ 0 h 634"/>
-                <a:gd name="T10" fmla="*/ 0 60000 65536"/>
-                <a:gd name="T11" fmla="*/ 0 60000 65536"/>
-                <a:gd name="T12" fmla="*/ 0 60000 65536"/>
-                <a:gd name="T13" fmla="*/ 0 60000 65536"/>
-                <a:gd name="T14" fmla="*/ 0 60000 65536"/>
-                <a:gd name="T15" fmla="*/ 0 w 1503"/>
-                <a:gd name="T16" fmla="*/ 0 h 634"/>
-                <a:gd name="T17" fmla="*/ 1503 w 1503"/>
-                <a:gd name="T18" fmla="*/ 634 h 634"/>
-              </a:gdLst>
-              <a:ahLst/>
-              <a:cxnLst>
-                <a:cxn ang="T10">
-                  <a:pos x="T0" y="T1"/>
-                </a:cxn>
-                <a:cxn ang="T11">
-                  <a:pos x="T2" y="T3"/>
-                </a:cxn>
-                <a:cxn ang="T12">
-                  <a:pos x="T4" y="T5"/>
-                </a:cxn>
-                <a:cxn ang="T13">
-                  <a:pos x="T6" y="T7"/>
-                </a:cxn>
-                <a:cxn ang="T14">
-                  <a:pos x="T8" y="T9"/>
-                </a:cxn>
-              </a:cxnLst>
-              <a:rect l="T15" t="T16" r="T17" b="T18"/>
-              <a:pathLst>
-                <a:path w="1503" h="634">
-                  <a:moveTo>
-                    <a:pt x="1503" y="552"/>
-                  </a:moveTo>
-                  <a:cubicBezTo>
-                    <a:pt x="1412" y="580"/>
-                    <a:pt x="1322" y="609"/>
-                    <a:pt x="1194" y="618"/>
-                  </a:cubicBezTo>
-                  <a:cubicBezTo>
-                    <a:pt x="1066" y="627"/>
-                    <a:pt x="885" y="634"/>
-                    <a:pt x="737" y="606"/>
-                  </a:cubicBezTo>
-                  <a:cubicBezTo>
-                    <a:pt x="589" y="578"/>
-                    <a:pt x="426" y="553"/>
-                    <a:pt x="303" y="452"/>
-                  </a:cubicBezTo>
-                  <a:cubicBezTo>
-                    <a:pt x="180" y="351"/>
-                    <a:pt x="90" y="175"/>
-                    <a:pt x="0" y="0"/>
-                  </a:cubicBezTo>
-                </a:path>
-              </a:pathLst>
-            </a:custGeom>
-            <a:noFill/>
-            <a:ln w="9525">
-              <a:solidFill>
-                <a:schemeClr val="accent2"/>
-              </a:solidFill>
-              <a:miter lim="800000"/>
-              <a:headEnd/>
-              <a:tailEnd/>
-            </a:ln>
-          </p:spPr>
-          <p:txBody>
-            <a:bodyPr wrap="none"/>
-            <a:lstStyle/>
-            <a:p>
-              <a:endParaRPr lang="en-US"/>
-            </a:p>
-          </p:txBody>
-        </p:sp>
-        <p:sp>
-          <p:nvSpPr>
-            <p:cNvPr id="67608" name="Freeform 23"/>
-            <p:cNvSpPr>
-              <a:spLocks/>
-            </p:cNvSpPr>
-            <p:nvPr/>
-          </p:nvSpPr>
-          <p:spPr bwMode="auto">
-            <a:xfrm>
-              <a:off x="1847" y="2167"/>
-              <a:ext cx="1550" cy="736"/>
-            </a:xfrm>
-            <a:custGeom>
-              <a:avLst/>
-              <a:gdLst>
-                <a:gd name="T0" fmla="*/ 1550 w 1550"/>
-                <a:gd name="T1" fmla="*/ 570 h 736"/>
-                <a:gd name="T2" fmla="*/ 1223 w 1550"/>
-                <a:gd name="T3" fmla="*/ 689 h 736"/>
-                <a:gd name="T4" fmla="*/ 706 w 1550"/>
-                <a:gd name="T5" fmla="*/ 701 h 736"/>
-                <a:gd name="T6" fmla="*/ 255 w 1550"/>
-                <a:gd name="T7" fmla="*/ 481 h 736"/>
-                <a:gd name="T8" fmla="*/ 0 w 1550"/>
-                <a:gd name="T9" fmla="*/ 0 h 736"/>
-                <a:gd name="T10" fmla="*/ 0 60000 65536"/>
-                <a:gd name="T11" fmla="*/ 0 60000 65536"/>
-                <a:gd name="T12" fmla="*/ 0 60000 65536"/>
-                <a:gd name="T13" fmla="*/ 0 60000 65536"/>
-                <a:gd name="T14" fmla="*/ 0 60000 65536"/>
-                <a:gd name="T15" fmla="*/ 0 w 1550"/>
-                <a:gd name="T16" fmla="*/ 0 h 736"/>
-                <a:gd name="T17" fmla="*/ 1550 w 1550"/>
-                <a:gd name="T18" fmla="*/ 736 h 736"/>
-              </a:gdLst>
-              <a:ahLst/>
-              <a:cxnLst>
-                <a:cxn ang="T10">
-                  <a:pos x="T0" y="T1"/>
-                </a:cxn>
-                <a:cxn ang="T11">
-                  <a:pos x="T2" y="T3"/>
-                </a:cxn>
-                <a:cxn ang="T12">
-                  <a:pos x="T4" y="T5"/>
-                </a:cxn>
-                <a:cxn ang="T13">
-                  <a:pos x="T6" y="T7"/>
-                </a:cxn>
-                <a:cxn ang="T14">
-                  <a:pos x="T8" y="T9"/>
-                </a:cxn>
-              </a:cxnLst>
-              <a:rect l="T15" t="T16" r="T17" b="T18"/>
-              <a:pathLst>
-                <a:path w="1550" h="736">
-                  <a:moveTo>
-                    <a:pt x="1550" y="570"/>
-                  </a:moveTo>
-                  <a:cubicBezTo>
-                    <a:pt x="1457" y="618"/>
-                    <a:pt x="1364" y="667"/>
-                    <a:pt x="1223" y="689"/>
-                  </a:cubicBezTo>
-                  <a:cubicBezTo>
-                    <a:pt x="1082" y="711"/>
-                    <a:pt x="867" y="736"/>
-                    <a:pt x="706" y="701"/>
-                  </a:cubicBezTo>
-                  <a:cubicBezTo>
-                    <a:pt x="545" y="666"/>
-                    <a:pt x="373" y="598"/>
-                    <a:pt x="255" y="481"/>
-                  </a:cubicBezTo>
-                  <a:cubicBezTo>
-                    <a:pt x="137" y="364"/>
-                    <a:pt x="68" y="182"/>
-                    <a:pt x="0" y="0"/>
-                  </a:cubicBezTo>
-                </a:path>
-              </a:pathLst>
-            </a:custGeom>
-            <a:noFill/>
-            <a:ln w="9525">
-              <a:solidFill>
-                <a:schemeClr val="accent2"/>
-              </a:solidFill>
-              <a:miter lim="800000"/>
-              <a:headEnd/>
-              <a:tailEnd/>
-            </a:ln>
-          </p:spPr>
-          <p:txBody>
-            <a:bodyPr wrap="none"/>
-            <a:lstStyle/>
-            <a:p>
-              <a:endParaRPr lang="en-US"/>
-            </a:p>
-          </p:txBody>
-        </p:sp>
-      </p:grpSp>
+            <a:miter lim="800000"/>
+            <a:headEnd/>
+            <a:tailEnd/>
+          </a:ln>
+        </p:spPr>
+        <p:txBody>
+          <a:bodyPr wrap="none">
+            <a:spAutoFit/>
+          </a:bodyPr>
+          <a:lstStyle/>
+          <a:p>
+            <a:r>
+              <a:rPr lang="en-US"/>
+              <a:t>(Schematic)</a:t>
+            </a:r>
+          </a:p>
+        </p:txBody>
+      </p:sp>
+      <p:sp>
+        <p:nvSpPr>
+          <p:cNvPr id="67603" name="Freeform 17"/>
+          <p:cNvSpPr>
+            <a:spLocks/>
+          </p:cNvSpPr>
+          <p:nvPr/>
+        </p:nvSpPr>
+        <p:spPr bwMode="auto">
+          <a:xfrm>
+            <a:off x="3846513" y="2498725"/>
+            <a:ext cx="1489075" cy="896938"/>
+          </a:xfrm>
+          <a:custGeom>
+            <a:avLst/>
+            <a:gdLst>
+              <a:gd name="T0" fmla="*/ 938 w 938"/>
+              <a:gd name="T1" fmla="*/ 540 h 565"/>
+              <a:gd name="T2" fmla="*/ 659 w 938"/>
+              <a:gd name="T3" fmla="*/ 546 h 565"/>
+              <a:gd name="T4" fmla="*/ 255 w 938"/>
+              <a:gd name="T5" fmla="*/ 427 h 565"/>
+              <a:gd name="T6" fmla="*/ 0 w 938"/>
+              <a:gd name="T7" fmla="*/ 0 h 565"/>
+              <a:gd name="T8" fmla="*/ 0 60000 65536"/>
+              <a:gd name="T9" fmla="*/ 0 60000 65536"/>
+              <a:gd name="T10" fmla="*/ 0 60000 65536"/>
+              <a:gd name="T11" fmla="*/ 0 60000 65536"/>
+              <a:gd name="T12" fmla="*/ 0 w 938"/>
+              <a:gd name="T13" fmla="*/ 0 h 565"/>
+              <a:gd name="T14" fmla="*/ 938 w 938"/>
+              <a:gd name="T15" fmla="*/ 565 h 565"/>
+            </a:gdLst>
+            <a:ahLst/>
+            <a:cxnLst>
+              <a:cxn ang="T8">
+                <a:pos x="T0" y="T1"/>
+              </a:cxn>
+              <a:cxn ang="T9">
+                <a:pos x="T2" y="T3"/>
+              </a:cxn>
+              <a:cxn ang="T10">
+                <a:pos x="T4" y="T5"/>
+              </a:cxn>
+              <a:cxn ang="T11">
+                <a:pos x="T6" y="T7"/>
+              </a:cxn>
+            </a:cxnLst>
+            <a:rect l="T12" t="T13" r="T14" b="T15"/>
+            <a:pathLst>
+              <a:path w="938" h="565">
+                <a:moveTo>
+                  <a:pt x="938" y="540"/>
+                </a:moveTo>
+                <a:cubicBezTo>
+                  <a:pt x="855" y="552"/>
+                  <a:pt x="773" y="565"/>
+                  <a:pt x="659" y="546"/>
+                </a:cubicBezTo>
+                <a:cubicBezTo>
+                  <a:pt x="545" y="527"/>
+                  <a:pt x="365" y="518"/>
+                  <a:pt x="255" y="427"/>
+                </a:cubicBezTo>
+                <a:cubicBezTo>
+                  <a:pt x="145" y="336"/>
+                  <a:pt x="42" y="72"/>
+                  <a:pt x="0" y="0"/>
+                </a:cubicBezTo>
+              </a:path>
+            </a:pathLst>
+          </a:custGeom>
+          <a:noFill/>
+          <a:ln w="9525">
+            <a:solidFill>
+              <a:schemeClr val="accent1"/>
+            </a:solidFill>
+            <a:miter lim="800000"/>
+            <a:headEnd/>
+            <a:tailEnd/>
+          </a:ln>
+        </p:spPr>
+        <p:txBody>
+          <a:bodyPr wrap="none"/>
+          <a:lstStyle/>
+          <a:p>
+            <a:endParaRPr lang="en-US"/>
+          </a:p>
+        </p:txBody>
+      </p:sp>
+      <p:sp>
+        <p:nvSpPr>
+          <p:cNvPr id="67604" name="Freeform 18"/>
+          <p:cNvSpPr>
+            <a:spLocks/>
+          </p:cNvSpPr>
+          <p:nvPr/>
+        </p:nvSpPr>
+        <p:spPr bwMode="auto">
+          <a:xfrm>
+            <a:off x="3733800" y="2516188"/>
+            <a:ext cx="1611313" cy="979488"/>
+          </a:xfrm>
+          <a:custGeom>
+            <a:avLst/>
+            <a:gdLst>
+              <a:gd name="T0" fmla="*/ 1015 w 1015"/>
+              <a:gd name="T1" fmla="*/ 529 h 617"/>
+              <a:gd name="T2" fmla="*/ 801 w 1015"/>
+              <a:gd name="T3" fmla="*/ 594 h 617"/>
+              <a:gd name="T4" fmla="*/ 427 w 1015"/>
+              <a:gd name="T5" fmla="*/ 582 h 617"/>
+              <a:gd name="T6" fmla="*/ 160 w 1015"/>
+              <a:gd name="T7" fmla="*/ 381 h 617"/>
+              <a:gd name="T8" fmla="*/ 0 w 1015"/>
+              <a:gd name="T9" fmla="*/ 0 h 617"/>
+              <a:gd name="T10" fmla="*/ 0 60000 65536"/>
+              <a:gd name="T11" fmla="*/ 0 60000 65536"/>
+              <a:gd name="T12" fmla="*/ 0 60000 65536"/>
+              <a:gd name="T13" fmla="*/ 0 60000 65536"/>
+              <a:gd name="T14" fmla="*/ 0 60000 65536"/>
+              <a:gd name="T15" fmla="*/ 0 w 1015"/>
+              <a:gd name="T16" fmla="*/ 0 h 617"/>
+              <a:gd name="T17" fmla="*/ 1015 w 1015"/>
+              <a:gd name="T18" fmla="*/ 617 h 617"/>
+            </a:gdLst>
+            <a:ahLst/>
+            <a:cxnLst>
+              <a:cxn ang="T10">
+                <a:pos x="T0" y="T1"/>
+              </a:cxn>
+              <a:cxn ang="T11">
+                <a:pos x="T2" y="T3"/>
+              </a:cxn>
+              <a:cxn ang="T12">
+                <a:pos x="T4" y="T5"/>
+              </a:cxn>
+              <a:cxn ang="T13">
+                <a:pos x="T6" y="T7"/>
+              </a:cxn>
+              <a:cxn ang="T14">
+                <a:pos x="T8" y="T9"/>
+              </a:cxn>
+            </a:cxnLst>
+            <a:rect l="T15" t="T16" r="T17" b="T18"/>
+            <a:pathLst>
+              <a:path w="1015" h="617">
+                <a:moveTo>
+                  <a:pt x="1015" y="529"/>
+                </a:moveTo>
+                <a:cubicBezTo>
+                  <a:pt x="957" y="557"/>
+                  <a:pt x="899" y="585"/>
+                  <a:pt x="801" y="594"/>
+                </a:cubicBezTo>
+                <a:cubicBezTo>
+                  <a:pt x="703" y="603"/>
+                  <a:pt x="534" y="617"/>
+                  <a:pt x="427" y="582"/>
+                </a:cubicBezTo>
+                <a:cubicBezTo>
+                  <a:pt x="320" y="547"/>
+                  <a:pt x="231" y="478"/>
+                  <a:pt x="160" y="381"/>
+                </a:cubicBezTo>
+                <a:cubicBezTo>
+                  <a:pt x="89" y="284"/>
+                  <a:pt x="44" y="142"/>
+                  <a:pt x="0" y="0"/>
+                </a:cubicBezTo>
+              </a:path>
+            </a:pathLst>
+          </a:custGeom>
+          <a:noFill/>
+          <a:ln w="9525">
+            <a:solidFill>
+              <a:schemeClr val="accent1"/>
+            </a:solidFill>
+            <a:miter lim="800000"/>
+            <a:headEnd/>
+            <a:tailEnd/>
+          </a:ln>
+        </p:spPr>
+        <p:txBody>
+          <a:bodyPr wrap="none"/>
+          <a:lstStyle/>
+          <a:p>
+            <a:endParaRPr lang="en-US"/>
+          </a:p>
+        </p:txBody>
+      </p:sp>
+      <p:sp>
+        <p:nvSpPr>
+          <p:cNvPr id="67605" name="Freeform 19"/>
+          <p:cNvSpPr>
+            <a:spLocks/>
+          </p:cNvSpPr>
+          <p:nvPr/>
+        </p:nvSpPr>
+        <p:spPr bwMode="auto">
+          <a:xfrm>
+            <a:off x="3629025" y="2498725"/>
+            <a:ext cx="1677988" cy="1104900"/>
+          </a:xfrm>
+          <a:custGeom>
+            <a:avLst/>
+            <a:gdLst>
+              <a:gd name="T0" fmla="*/ 1057 w 1057"/>
+              <a:gd name="T1" fmla="*/ 552 h 696"/>
+              <a:gd name="T2" fmla="*/ 760 w 1057"/>
+              <a:gd name="T3" fmla="*/ 677 h 696"/>
+              <a:gd name="T4" fmla="*/ 380 w 1057"/>
+              <a:gd name="T5" fmla="*/ 635 h 696"/>
+              <a:gd name="T6" fmla="*/ 95 w 1057"/>
+              <a:gd name="T7" fmla="*/ 308 h 696"/>
+              <a:gd name="T8" fmla="*/ 0 w 1057"/>
+              <a:gd name="T9" fmla="*/ 0 h 696"/>
+              <a:gd name="T10" fmla="*/ 0 60000 65536"/>
+              <a:gd name="T11" fmla="*/ 0 60000 65536"/>
+              <a:gd name="T12" fmla="*/ 0 60000 65536"/>
+              <a:gd name="T13" fmla="*/ 0 60000 65536"/>
+              <a:gd name="T14" fmla="*/ 0 60000 65536"/>
+              <a:gd name="T15" fmla="*/ 0 w 1057"/>
+              <a:gd name="T16" fmla="*/ 0 h 696"/>
+              <a:gd name="T17" fmla="*/ 1057 w 1057"/>
+              <a:gd name="T18" fmla="*/ 696 h 696"/>
+            </a:gdLst>
+            <a:ahLst/>
+            <a:cxnLst>
+              <a:cxn ang="T10">
+                <a:pos x="T0" y="T1"/>
+              </a:cxn>
+              <a:cxn ang="T11">
+                <a:pos x="T2" y="T3"/>
+              </a:cxn>
+              <a:cxn ang="T12">
+                <a:pos x="T4" y="T5"/>
+              </a:cxn>
+              <a:cxn ang="T13">
+                <a:pos x="T6" y="T7"/>
+              </a:cxn>
+              <a:cxn ang="T14">
+                <a:pos x="T8" y="T9"/>
+              </a:cxn>
+            </a:cxnLst>
+            <a:rect l="T15" t="T16" r="T17" b="T18"/>
+            <a:pathLst>
+              <a:path w="1057" h="696">
+                <a:moveTo>
+                  <a:pt x="1057" y="552"/>
+                </a:moveTo>
+                <a:cubicBezTo>
+                  <a:pt x="965" y="607"/>
+                  <a:pt x="873" y="663"/>
+                  <a:pt x="760" y="677"/>
+                </a:cubicBezTo>
+                <a:cubicBezTo>
+                  <a:pt x="647" y="691"/>
+                  <a:pt x="491" y="696"/>
+                  <a:pt x="380" y="635"/>
+                </a:cubicBezTo>
+                <a:cubicBezTo>
+                  <a:pt x="269" y="574"/>
+                  <a:pt x="158" y="414"/>
+                  <a:pt x="95" y="308"/>
+                </a:cubicBezTo>
+                <a:cubicBezTo>
+                  <a:pt x="32" y="202"/>
+                  <a:pt x="16" y="52"/>
+                  <a:pt x="0" y="0"/>
+                </a:cubicBezTo>
+              </a:path>
+            </a:pathLst>
+          </a:custGeom>
+          <a:noFill/>
+          <a:ln w="9525">
+            <a:solidFill>
+              <a:schemeClr val="accent1"/>
+            </a:solidFill>
+            <a:miter lim="800000"/>
+            <a:headEnd/>
+            <a:tailEnd/>
+          </a:ln>
+        </p:spPr>
+        <p:txBody>
+          <a:bodyPr wrap="none"/>
+          <a:lstStyle/>
+          <a:p>
+            <a:endParaRPr lang="en-US"/>
+          </a:p>
+        </p:txBody>
+      </p:sp>
+      <p:sp>
+        <p:nvSpPr>
+          <p:cNvPr id="67606" name="Freeform 20"/>
+          <p:cNvSpPr>
+            <a:spLocks/>
+          </p:cNvSpPr>
+          <p:nvPr/>
+        </p:nvSpPr>
+        <p:spPr bwMode="auto">
+          <a:xfrm>
+            <a:off x="3082925" y="3430588"/>
+            <a:ext cx="2365375" cy="944563"/>
+          </a:xfrm>
+          <a:custGeom>
+            <a:avLst/>
+            <a:gdLst>
+              <a:gd name="T0" fmla="*/ 1490 w 1490"/>
+              <a:gd name="T1" fmla="*/ 565 h 595"/>
+              <a:gd name="T2" fmla="*/ 1140 w 1490"/>
+              <a:gd name="T3" fmla="*/ 588 h 595"/>
+              <a:gd name="T4" fmla="*/ 611 w 1490"/>
+              <a:gd name="T5" fmla="*/ 523 h 595"/>
+              <a:gd name="T6" fmla="*/ 273 w 1490"/>
+              <a:gd name="T7" fmla="*/ 392 h 595"/>
+              <a:gd name="T8" fmla="*/ 0 w 1490"/>
+              <a:gd name="T9" fmla="*/ 0 h 595"/>
+              <a:gd name="T10" fmla="*/ 0 60000 65536"/>
+              <a:gd name="T11" fmla="*/ 0 60000 65536"/>
+              <a:gd name="T12" fmla="*/ 0 60000 65536"/>
+              <a:gd name="T13" fmla="*/ 0 60000 65536"/>
+              <a:gd name="T14" fmla="*/ 0 60000 65536"/>
+              <a:gd name="T15" fmla="*/ 0 w 1490"/>
+              <a:gd name="T16" fmla="*/ 0 h 595"/>
+              <a:gd name="T17" fmla="*/ 1490 w 1490"/>
+              <a:gd name="T18" fmla="*/ 595 h 595"/>
+            </a:gdLst>
+            <a:ahLst/>
+            <a:cxnLst>
+              <a:cxn ang="T10">
+                <a:pos x="T0" y="T1"/>
+              </a:cxn>
+              <a:cxn ang="T11">
+                <a:pos x="T2" y="T3"/>
+              </a:cxn>
+              <a:cxn ang="T12">
+                <a:pos x="T4" y="T5"/>
+              </a:cxn>
+              <a:cxn ang="T13">
+                <a:pos x="T6" y="T7"/>
+              </a:cxn>
+              <a:cxn ang="T14">
+                <a:pos x="T8" y="T9"/>
+              </a:cxn>
+            </a:cxnLst>
+            <a:rect l="T15" t="T16" r="T17" b="T18"/>
+            <a:pathLst>
+              <a:path w="1490" h="595">
+                <a:moveTo>
+                  <a:pt x="1490" y="565"/>
+                </a:moveTo>
+                <a:cubicBezTo>
+                  <a:pt x="1388" y="580"/>
+                  <a:pt x="1286" y="595"/>
+                  <a:pt x="1140" y="588"/>
+                </a:cubicBezTo>
+                <a:cubicBezTo>
+                  <a:pt x="994" y="581"/>
+                  <a:pt x="755" y="556"/>
+                  <a:pt x="611" y="523"/>
+                </a:cubicBezTo>
+                <a:cubicBezTo>
+                  <a:pt x="467" y="490"/>
+                  <a:pt x="375" y="479"/>
+                  <a:pt x="273" y="392"/>
+                </a:cubicBezTo>
+                <a:cubicBezTo>
+                  <a:pt x="171" y="305"/>
+                  <a:pt x="47" y="36"/>
+                  <a:pt x="0" y="0"/>
+                </a:cubicBezTo>
+              </a:path>
+            </a:pathLst>
+          </a:custGeom>
+          <a:noFill/>
+          <a:ln w="9525">
+            <a:solidFill>
+              <a:schemeClr val="accent1"/>
+            </a:solidFill>
+            <a:miter lim="800000"/>
+            <a:headEnd/>
+            <a:tailEnd/>
+          </a:ln>
+        </p:spPr>
+        <p:txBody>
+          <a:bodyPr wrap="none"/>
+          <a:lstStyle/>
+          <a:p>
+            <a:endParaRPr lang="en-US"/>
+          </a:p>
+        </p:txBody>
+      </p:sp>
+      <p:sp>
+        <p:nvSpPr>
+          <p:cNvPr id="67607" name="Freeform 21"/>
+          <p:cNvSpPr>
+            <a:spLocks/>
+          </p:cNvSpPr>
+          <p:nvPr/>
+        </p:nvSpPr>
+        <p:spPr bwMode="auto">
+          <a:xfrm>
+            <a:off x="3016250" y="3468688"/>
+            <a:ext cx="2386013" cy="1006475"/>
+          </a:xfrm>
+          <a:custGeom>
+            <a:avLst/>
+            <a:gdLst>
+              <a:gd name="T0" fmla="*/ 1503 w 1503"/>
+              <a:gd name="T1" fmla="*/ 552 h 634"/>
+              <a:gd name="T2" fmla="*/ 1194 w 1503"/>
+              <a:gd name="T3" fmla="*/ 618 h 634"/>
+              <a:gd name="T4" fmla="*/ 737 w 1503"/>
+              <a:gd name="T5" fmla="*/ 606 h 634"/>
+              <a:gd name="T6" fmla="*/ 303 w 1503"/>
+              <a:gd name="T7" fmla="*/ 452 h 634"/>
+              <a:gd name="T8" fmla="*/ 0 w 1503"/>
+              <a:gd name="T9" fmla="*/ 0 h 634"/>
+              <a:gd name="T10" fmla="*/ 0 60000 65536"/>
+              <a:gd name="T11" fmla="*/ 0 60000 65536"/>
+              <a:gd name="T12" fmla="*/ 0 60000 65536"/>
+              <a:gd name="T13" fmla="*/ 0 60000 65536"/>
+              <a:gd name="T14" fmla="*/ 0 60000 65536"/>
+              <a:gd name="T15" fmla="*/ 0 w 1503"/>
+              <a:gd name="T16" fmla="*/ 0 h 634"/>
+              <a:gd name="T17" fmla="*/ 1503 w 1503"/>
+              <a:gd name="T18" fmla="*/ 634 h 634"/>
+            </a:gdLst>
+            <a:ahLst/>
+            <a:cxnLst>
+              <a:cxn ang="T10">
+                <a:pos x="T0" y="T1"/>
+              </a:cxn>
+              <a:cxn ang="T11">
+                <a:pos x="T2" y="T3"/>
+              </a:cxn>
+              <a:cxn ang="T12">
+                <a:pos x="T4" y="T5"/>
+              </a:cxn>
+              <a:cxn ang="T13">
+                <a:pos x="T6" y="T7"/>
+              </a:cxn>
+              <a:cxn ang="T14">
+                <a:pos x="T8" y="T9"/>
+              </a:cxn>
+            </a:cxnLst>
+            <a:rect l="T15" t="T16" r="T17" b="T18"/>
+            <a:pathLst>
+              <a:path w="1503" h="634">
+                <a:moveTo>
+                  <a:pt x="1503" y="552"/>
+                </a:moveTo>
+                <a:cubicBezTo>
+                  <a:pt x="1412" y="580"/>
+                  <a:pt x="1322" y="609"/>
+                  <a:pt x="1194" y="618"/>
+                </a:cubicBezTo>
+                <a:cubicBezTo>
+                  <a:pt x="1066" y="627"/>
+                  <a:pt x="885" y="634"/>
+                  <a:pt x="737" y="606"/>
+                </a:cubicBezTo>
+                <a:cubicBezTo>
+                  <a:pt x="589" y="578"/>
+                  <a:pt x="426" y="553"/>
+                  <a:pt x="303" y="452"/>
+                </a:cubicBezTo>
+                <a:cubicBezTo>
+                  <a:pt x="180" y="351"/>
+                  <a:pt x="90" y="175"/>
+                  <a:pt x="0" y="0"/>
+                </a:cubicBezTo>
+              </a:path>
+            </a:pathLst>
+          </a:custGeom>
+          <a:noFill/>
+          <a:ln w="9525">
+            <a:solidFill>
+              <a:schemeClr val="accent1"/>
+            </a:solidFill>
+            <a:miter lim="800000"/>
+            <a:headEnd/>
+            <a:tailEnd/>
+          </a:ln>
+        </p:spPr>
+        <p:txBody>
+          <a:bodyPr wrap="none"/>
+          <a:lstStyle/>
+          <a:p>
+            <a:endParaRPr lang="en-US"/>
+          </a:p>
+        </p:txBody>
+      </p:sp>
+      <p:sp>
+        <p:nvSpPr>
+          <p:cNvPr id="67608" name="Freeform 23"/>
+          <p:cNvSpPr>
+            <a:spLocks/>
+          </p:cNvSpPr>
+          <p:nvPr/>
+        </p:nvSpPr>
+        <p:spPr bwMode="auto">
+          <a:xfrm>
+            <a:off x="2932113" y="3440113"/>
+            <a:ext cx="2460625" cy="1168400"/>
+          </a:xfrm>
+          <a:custGeom>
+            <a:avLst/>
+            <a:gdLst>
+              <a:gd name="T0" fmla="*/ 1550 w 1550"/>
+              <a:gd name="T1" fmla="*/ 570 h 736"/>
+              <a:gd name="T2" fmla="*/ 1223 w 1550"/>
+              <a:gd name="T3" fmla="*/ 689 h 736"/>
+              <a:gd name="T4" fmla="*/ 706 w 1550"/>
+              <a:gd name="T5" fmla="*/ 701 h 736"/>
+              <a:gd name="T6" fmla="*/ 255 w 1550"/>
+              <a:gd name="T7" fmla="*/ 481 h 736"/>
+              <a:gd name="T8" fmla="*/ 0 w 1550"/>
+              <a:gd name="T9" fmla="*/ 0 h 736"/>
+              <a:gd name="T10" fmla="*/ 0 60000 65536"/>
+              <a:gd name="T11" fmla="*/ 0 60000 65536"/>
+              <a:gd name="T12" fmla="*/ 0 60000 65536"/>
+              <a:gd name="T13" fmla="*/ 0 60000 65536"/>
+              <a:gd name="T14" fmla="*/ 0 60000 65536"/>
+              <a:gd name="T15" fmla="*/ 0 w 1550"/>
+              <a:gd name="T16" fmla="*/ 0 h 736"/>
+              <a:gd name="T17" fmla="*/ 1550 w 1550"/>
+              <a:gd name="T18" fmla="*/ 736 h 736"/>
+            </a:gdLst>
+            <a:ahLst/>
+            <a:cxnLst>
+              <a:cxn ang="T10">
+                <a:pos x="T0" y="T1"/>
+              </a:cxn>
+              <a:cxn ang="T11">
+                <a:pos x="T2" y="T3"/>
+              </a:cxn>
+              <a:cxn ang="T12">
+                <a:pos x="T4" y="T5"/>
+              </a:cxn>
+              <a:cxn ang="T13">
+                <a:pos x="T6" y="T7"/>
+              </a:cxn>
+              <a:cxn ang="T14">
+                <a:pos x="T8" y="T9"/>
+              </a:cxn>
+            </a:cxnLst>
+            <a:rect l="T15" t="T16" r="T17" b="T18"/>
+            <a:pathLst>
+              <a:path w="1550" h="736">
+                <a:moveTo>
+                  <a:pt x="1550" y="570"/>
+                </a:moveTo>
+                <a:cubicBezTo>
+                  <a:pt x="1457" y="618"/>
+                  <a:pt x="1364" y="667"/>
+                  <a:pt x="1223" y="689"/>
+                </a:cubicBezTo>
+                <a:cubicBezTo>
+                  <a:pt x="1082" y="711"/>
+                  <a:pt x="867" y="736"/>
+                  <a:pt x="706" y="701"/>
+                </a:cubicBezTo>
+                <a:cubicBezTo>
+                  <a:pt x="545" y="666"/>
+                  <a:pt x="373" y="598"/>
+                  <a:pt x="255" y="481"/>
+                </a:cubicBezTo>
+                <a:cubicBezTo>
+                  <a:pt x="137" y="364"/>
+                  <a:pt x="68" y="182"/>
+                  <a:pt x="0" y="0"/>
+                </a:cubicBezTo>
+              </a:path>
+            </a:pathLst>
+          </a:custGeom>
+          <a:noFill/>
+          <a:ln w="9525">
+            <a:solidFill>
+              <a:schemeClr val="accent1"/>
+            </a:solidFill>
+            <a:miter lim="800000"/>
+            <a:headEnd/>
+            <a:tailEnd/>
+          </a:ln>
+        </p:spPr>
+        <p:txBody>
+          <a:bodyPr wrap="none"/>
+          <a:lstStyle/>
+          <a:p>
+            <a:endParaRPr lang="en-US"/>
+          </a:p>
+        </p:txBody>
+      </p:sp>
     </p:spTree>
   </p:cSld>
   <p:clrMapOvr>
@@ -33306,1423 +33712,1444 @@
           <a:chExt cx="0" cy="0"/>
         </a:xfrm>
       </p:grpSpPr>
-      <p:sp>
-        <p:nvSpPr>
-          <p:cNvPr id="19" name="Freeform 18"/>
-          <p:cNvSpPr/>
+      <p:grpSp>
+        <p:nvGrpSpPr>
+          <p:cNvPr id="2" name="Group 1">
+            <a:extLst>
+              <a:ext uri="{FF2B5EF4-FFF2-40B4-BE49-F238E27FC236}">
+                <a16:creationId xmlns:a16="http://schemas.microsoft.com/office/drawing/2014/main" id="{5703D52F-4300-E8E8-54FA-453775C72838}"/>
+              </a:ext>
+            </a:extLst>
+          </p:cNvPr>
+          <p:cNvGrpSpPr/>
           <p:nvPr/>
-        </p:nvSpPr>
-        <p:spPr>
+        </p:nvGrpSpPr>
+        <p:grpSpPr>
           <a:xfrm>
-            <a:off x="3581400" y="3276600"/>
-            <a:ext cx="3657600" cy="1066800"/>
+            <a:off x="413657" y="220435"/>
+            <a:ext cx="8730343" cy="6417129"/>
+            <a:chOff x="-76200" y="-228600"/>
+            <a:chExt cx="9585960" cy="6922532"/>
           </a:xfrm>
-          <a:custGeom>
-            <a:avLst/>
-            <a:gdLst>
-              <a:gd name="connsiteX0" fmla="*/ 0 w 2682240"/>
-              <a:gd name="connsiteY0" fmla="*/ 0 h 1158240"/>
-              <a:gd name="connsiteX1" fmla="*/ 670560 w 2682240"/>
-              <a:gd name="connsiteY1" fmla="*/ 777240 h 1158240"/>
-              <a:gd name="connsiteX2" fmla="*/ 2682240 w 2682240"/>
-              <a:gd name="connsiteY2" fmla="*/ 1158240 h 1158240"/>
-            </a:gdLst>
-            <a:ahLst/>
-            <a:cxnLst>
-              <a:cxn ang="0">
-                <a:pos x="connsiteX0" y="connsiteY0"/>
-              </a:cxn>
-              <a:cxn ang="0">
-                <a:pos x="connsiteX1" y="connsiteY1"/>
-              </a:cxn>
-              <a:cxn ang="0">
-                <a:pos x="connsiteX2" y="connsiteY2"/>
-              </a:cxn>
-            </a:cxnLst>
-            <a:rect l="l" t="t" r="r" b="b"/>
-            <a:pathLst>
-              <a:path w="2682240" h="1158240">
-                <a:moveTo>
-                  <a:pt x="0" y="0"/>
-                </a:moveTo>
-                <a:cubicBezTo>
-                  <a:pt x="111760" y="292100"/>
-                  <a:pt x="223520" y="584200"/>
-                  <a:pt x="670560" y="777240"/>
-                </a:cubicBezTo>
-                <a:cubicBezTo>
-                  <a:pt x="1117600" y="970280"/>
-                  <a:pt x="1899920" y="1064260"/>
-                  <a:pt x="2682240" y="1158240"/>
-                </a:cubicBezTo>
-              </a:path>
-            </a:pathLst>
-          </a:custGeom>
-          <a:ln>
+        </p:grpSpPr>
+        <p:sp>
+          <p:nvSpPr>
+            <p:cNvPr id="19" name="Freeform 18"/>
+            <p:cNvSpPr/>
+            <p:nvPr/>
+          </p:nvSpPr>
+          <p:spPr>
+            <a:xfrm>
+              <a:off x="3581400" y="3276600"/>
+              <a:ext cx="3657600" cy="1066800"/>
+            </a:xfrm>
+            <a:custGeom>
+              <a:avLst/>
+              <a:gdLst>
+                <a:gd name="connsiteX0" fmla="*/ 0 w 2682240"/>
+                <a:gd name="connsiteY0" fmla="*/ 0 h 1158240"/>
+                <a:gd name="connsiteX1" fmla="*/ 670560 w 2682240"/>
+                <a:gd name="connsiteY1" fmla="*/ 777240 h 1158240"/>
+                <a:gd name="connsiteX2" fmla="*/ 2682240 w 2682240"/>
+                <a:gd name="connsiteY2" fmla="*/ 1158240 h 1158240"/>
+              </a:gdLst>
+              <a:ahLst/>
+              <a:cxnLst>
+                <a:cxn ang="0">
+                  <a:pos x="connsiteX0" y="connsiteY0"/>
+                </a:cxn>
+                <a:cxn ang="0">
+                  <a:pos x="connsiteX1" y="connsiteY1"/>
+                </a:cxn>
+                <a:cxn ang="0">
+                  <a:pos x="connsiteX2" y="connsiteY2"/>
+                </a:cxn>
+              </a:cxnLst>
+              <a:rect l="l" t="t" r="r" b="b"/>
+              <a:pathLst>
+                <a:path w="2682240" h="1158240">
+                  <a:moveTo>
+                    <a:pt x="0" y="0"/>
+                  </a:moveTo>
+                  <a:cubicBezTo>
+                    <a:pt x="111760" y="292100"/>
+                    <a:pt x="223520" y="584200"/>
+                    <a:pt x="670560" y="777240"/>
+                  </a:cubicBezTo>
+                  <a:cubicBezTo>
+                    <a:pt x="1117600" y="970280"/>
+                    <a:pt x="1899920" y="1064260"/>
+                    <a:pt x="2682240" y="1158240"/>
+                  </a:cubicBezTo>
+                </a:path>
+              </a:pathLst>
+            </a:custGeom>
+            <a:ln>
+              <a:solidFill>
+                <a:schemeClr val="tx1"/>
+              </a:solidFill>
+              <a:headEnd type="triangle" w="lg" len="lg"/>
+            </a:ln>
+          </p:spPr>
+          <p:style>
+            <a:lnRef idx="1">
+              <a:schemeClr val="accent1"/>
+            </a:lnRef>
+            <a:fillRef idx="0">
+              <a:schemeClr val="accent1"/>
+            </a:fillRef>
+            <a:effectRef idx="0">
+              <a:schemeClr val="accent1"/>
+            </a:effectRef>
+            <a:fontRef idx="minor">
+              <a:schemeClr val="tx1"/>
+            </a:fontRef>
+          </p:style>
+          <p:txBody>
+            <a:bodyPr rtlCol="0" anchor="ctr"/>
+            <a:lstStyle/>
+            <a:p>
+              <a:pPr algn="ctr"/>
+              <a:endParaRPr lang="en-US" dirty="0"/>
+            </a:p>
+          </p:txBody>
+        </p:sp>
+        <p:sp>
+          <p:nvSpPr>
+            <p:cNvPr id="22" name="Oval 21"/>
+            <p:cNvSpPr/>
+            <p:nvPr/>
+          </p:nvSpPr>
+          <p:spPr>
+            <a:xfrm rot="19673694">
+              <a:off x="2123324" y="903980"/>
+              <a:ext cx="2423160" cy="4099560"/>
+            </a:xfrm>
+            <a:prstGeom prst="ellipse">
+              <a:avLst/>
+            </a:prstGeom>
+            <a:noFill/>
+            <a:ln w="38100">
+              <a:solidFill>
+                <a:srgbClr val="FFC000"/>
+              </a:solidFill>
+              <a:prstDash val="dash"/>
+            </a:ln>
+          </p:spPr>
+          <p:style>
+            <a:lnRef idx="2">
+              <a:schemeClr val="accent1">
+                <a:shade val="50000"/>
+              </a:schemeClr>
+            </a:lnRef>
+            <a:fillRef idx="1">
+              <a:schemeClr val="accent1"/>
+            </a:fillRef>
+            <a:effectRef idx="0">
+              <a:schemeClr val="accent1"/>
+            </a:effectRef>
+            <a:fontRef idx="minor">
+              <a:schemeClr val="lt1"/>
+            </a:fontRef>
+          </p:style>
+          <p:txBody>
+            <a:bodyPr rtlCol="0" anchor="ctr"/>
+            <a:lstStyle/>
+            <a:p>
+              <a:pPr algn="ctr"/>
+              <a:endParaRPr lang="en-US" dirty="0"/>
+            </a:p>
+          </p:txBody>
+        </p:sp>
+        <p:sp>
+          <p:nvSpPr>
+            <p:cNvPr id="12" name="Oval 11"/>
+            <p:cNvSpPr/>
+            <p:nvPr/>
+          </p:nvSpPr>
+          <p:spPr>
+            <a:xfrm>
+              <a:off x="3126375" y="2907036"/>
+              <a:ext cx="224908" cy="221253"/>
+            </a:xfrm>
+            <a:prstGeom prst="ellipse">
+              <a:avLst/>
+            </a:prstGeom>
+            <a:solidFill>
+              <a:srgbClr val="C0C0C0"/>
+            </a:solidFill>
+            <a:ln>
+              <a:noFill/>
+            </a:ln>
+          </p:spPr>
+          <p:style>
+            <a:lnRef idx="2">
+              <a:schemeClr val="accent1">
+                <a:shade val="50000"/>
+              </a:schemeClr>
+            </a:lnRef>
+            <a:fillRef idx="1">
+              <a:schemeClr val="accent1"/>
+            </a:fillRef>
+            <a:effectRef idx="0">
+              <a:schemeClr val="accent1"/>
+            </a:effectRef>
+            <a:fontRef idx="minor">
+              <a:schemeClr val="lt1"/>
+            </a:fontRef>
+          </p:style>
+          <p:txBody>
+            <a:bodyPr rtlCol="0" anchor="ctr"/>
+            <a:lstStyle/>
+            <a:p>
+              <a:pPr algn="ctr"/>
+              <a:endParaRPr lang="en-US" dirty="0"/>
+            </a:p>
+          </p:txBody>
+        </p:sp>
+        <p:sp>
+          <p:nvSpPr>
+            <p:cNvPr id="4" name="Oval 3"/>
+            <p:cNvSpPr/>
+            <p:nvPr/>
+          </p:nvSpPr>
+          <p:spPr>
+            <a:xfrm>
+              <a:off x="3144575" y="2779408"/>
+              <a:ext cx="224908" cy="221253"/>
+            </a:xfrm>
+            <a:prstGeom prst="ellipse">
+              <a:avLst/>
+            </a:prstGeom>
+            <a:solidFill>
+              <a:srgbClr val="969696"/>
+            </a:solidFill>
+            <a:ln>
+              <a:noFill/>
+            </a:ln>
+          </p:spPr>
+          <p:style>
+            <a:lnRef idx="2">
+              <a:schemeClr val="accent1">
+                <a:shade val="50000"/>
+              </a:schemeClr>
+            </a:lnRef>
+            <a:fillRef idx="1">
+              <a:schemeClr val="accent1"/>
+            </a:fillRef>
+            <a:effectRef idx="0">
+              <a:schemeClr val="accent1"/>
+            </a:effectRef>
+            <a:fontRef idx="minor">
+              <a:schemeClr val="lt1"/>
+            </a:fontRef>
+          </p:style>
+          <p:txBody>
+            <a:bodyPr rtlCol="0" anchor="ctr"/>
+            <a:lstStyle/>
+            <a:p>
+              <a:pPr algn="ctr"/>
+              <a:endParaRPr lang="en-US" dirty="0"/>
+            </a:p>
+          </p:txBody>
+        </p:sp>
+        <p:sp>
+          <p:nvSpPr>
+            <p:cNvPr id="5" name="Plus 4"/>
+            <p:cNvSpPr/>
+            <p:nvPr/>
+          </p:nvSpPr>
+          <p:spPr>
+            <a:xfrm>
+              <a:off x="3178420" y="2804937"/>
+              <a:ext cx="157217" cy="170194"/>
+            </a:xfrm>
+            <a:prstGeom prst="mathPlus">
+              <a:avLst/>
+            </a:prstGeom>
             <a:solidFill>
               <a:schemeClr val="tx1"/>
             </a:solidFill>
-            <a:headEnd type="triangle" w="lg" len="lg"/>
-          </a:ln>
-        </p:spPr>
-        <p:style>
-          <a:lnRef idx="1">
-            <a:schemeClr val="accent1"/>
-          </a:lnRef>
-          <a:fillRef idx="0">
-            <a:schemeClr val="accent1"/>
-          </a:fillRef>
-          <a:effectRef idx="0">
-            <a:schemeClr val="accent1"/>
-          </a:effectRef>
-          <a:fontRef idx="minor">
-            <a:schemeClr val="tx1"/>
-          </a:fontRef>
-        </p:style>
-        <p:txBody>
-          <a:bodyPr rtlCol="0" anchor="ctr"/>
-          <a:lstStyle/>
-          <a:p>
-            <a:pPr algn="ctr"/>
-            <a:endParaRPr lang="en-US" dirty="0"/>
-          </a:p>
-        </p:txBody>
-      </p:sp>
-      <p:sp>
-        <p:nvSpPr>
-          <p:cNvPr id="22" name="Oval 21"/>
-          <p:cNvSpPr/>
-          <p:nvPr/>
-        </p:nvSpPr>
-        <p:spPr>
-          <a:xfrm rot="19673694">
-            <a:off x="2123324" y="903980"/>
-            <a:ext cx="2423160" cy="4099560"/>
-          </a:xfrm>
-          <a:prstGeom prst="ellipse">
-            <a:avLst/>
-          </a:prstGeom>
-          <a:noFill/>
-          <a:ln w="38100">
+            <a:ln>
+              <a:noFill/>
+            </a:ln>
+          </p:spPr>
+          <p:style>
+            <a:lnRef idx="2">
+              <a:schemeClr val="accent1">
+                <a:shade val="50000"/>
+              </a:schemeClr>
+            </a:lnRef>
+            <a:fillRef idx="1">
+              <a:schemeClr val="accent1"/>
+            </a:fillRef>
+            <a:effectRef idx="0">
+              <a:schemeClr val="accent1"/>
+            </a:effectRef>
+            <a:fontRef idx="minor">
+              <a:schemeClr val="lt1"/>
+            </a:fontRef>
+          </p:style>
+          <p:txBody>
+            <a:bodyPr rtlCol="0" anchor="ctr"/>
+            <a:lstStyle/>
+            <a:p>
+              <a:pPr algn="ctr"/>
+              <a:endParaRPr lang="en-US" dirty="0"/>
+            </a:p>
+          </p:txBody>
+        </p:sp>
+        <p:sp>
+          <p:nvSpPr>
+            <p:cNvPr id="13" name="Oval 12"/>
+            <p:cNvSpPr/>
+            <p:nvPr/>
+          </p:nvSpPr>
+          <p:spPr>
+            <a:xfrm>
+              <a:off x="3262878" y="2769591"/>
+              <a:ext cx="224908" cy="221253"/>
+            </a:xfrm>
+            <a:prstGeom prst="ellipse">
+              <a:avLst/>
+            </a:prstGeom>
             <a:solidFill>
-              <a:srgbClr val="FFC000"/>
+              <a:srgbClr val="C0C0C0"/>
             </a:solidFill>
-            <a:prstDash val="dash"/>
-          </a:ln>
-        </p:spPr>
-        <p:style>
-          <a:lnRef idx="2">
-            <a:schemeClr val="accent1">
-              <a:shade val="50000"/>
-            </a:schemeClr>
-          </a:lnRef>
-          <a:fillRef idx="1">
-            <a:schemeClr val="accent1"/>
-          </a:fillRef>
-          <a:effectRef idx="0">
-            <a:schemeClr val="accent1"/>
-          </a:effectRef>
-          <a:fontRef idx="minor">
-            <a:schemeClr val="lt1"/>
-          </a:fontRef>
-        </p:style>
-        <p:txBody>
-          <a:bodyPr rtlCol="0" anchor="ctr"/>
-          <a:lstStyle/>
-          <a:p>
-            <a:pPr algn="ctr"/>
-            <a:endParaRPr lang="en-US" dirty="0"/>
-          </a:p>
-        </p:txBody>
-      </p:sp>
-      <p:sp>
-        <p:nvSpPr>
-          <p:cNvPr id="12" name="Oval 11"/>
-          <p:cNvSpPr/>
-          <p:nvPr/>
-        </p:nvSpPr>
-        <p:spPr>
-          <a:xfrm>
-            <a:off x="3126375" y="2907036"/>
-            <a:ext cx="224908" cy="221253"/>
-          </a:xfrm>
-          <a:prstGeom prst="ellipse">
-            <a:avLst/>
-          </a:prstGeom>
-          <a:solidFill>
-            <a:srgbClr val="C0C0C0"/>
-          </a:solidFill>
-          <a:ln>
-            <a:noFill/>
-          </a:ln>
-        </p:spPr>
-        <p:style>
-          <a:lnRef idx="2">
-            <a:schemeClr val="accent1">
-              <a:shade val="50000"/>
-            </a:schemeClr>
-          </a:lnRef>
-          <a:fillRef idx="1">
-            <a:schemeClr val="accent1"/>
-          </a:fillRef>
-          <a:effectRef idx="0">
-            <a:schemeClr val="accent1"/>
-          </a:effectRef>
-          <a:fontRef idx="minor">
-            <a:schemeClr val="lt1"/>
-          </a:fontRef>
-        </p:style>
-        <p:txBody>
-          <a:bodyPr rtlCol="0" anchor="ctr"/>
-          <a:lstStyle/>
-          <a:p>
-            <a:pPr algn="ctr"/>
-            <a:endParaRPr lang="en-US" dirty="0"/>
-          </a:p>
-        </p:txBody>
-      </p:sp>
-      <p:sp>
-        <p:nvSpPr>
-          <p:cNvPr id="4" name="Oval 3"/>
-          <p:cNvSpPr/>
-          <p:nvPr/>
-        </p:nvSpPr>
-        <p:spPr>
-          <a:xfrm>
-            <a:off x="3144575" y="2779408"/>
-            <a:ext cx="224908" cy="221253"/>
-          </a:xfrm>
-          <a:prstGeom prst="ellipse">
-            <a:avLst/>
-          </a:prstGeom>
-          <a:solidFill>
-            <a:srgbClr val="969696"/>
-          </a:solidFill>
-          <a:ln>
-            <a:noFill/>
-          </a:ln>
-        </p:spPr>
-        <p:style>
-          <a:lnRef idx="2">
-            <a:schemeClr val="accent1">
-              <a:shade val="50000"/>
-            </a:schemeClr>
-          </a:lnRef>
-          <a:fillRef idx="1">
-            <a:schemeClr val="accent1"/>
-          </a:fillRef>
-          <a:effectRef idx="0">
-            <a:schemeClr val="accent1"/>
-          </a:effectRef>
-          <a:fontRef idx="minor">
-            <a:schemeClr val="lt1"/>
-          </a:fontRef>
-        </p:style>
-        <p:txBody>
-          <a:bodyPr rtlCol="0" anchor="ctr"/>
-          <a:lstStyle/>
-          <a:p>
-            <a:pPr algn="ctr"/>
-            <a:endParaRPr lang="en-US" dirty="0"/>
-          </a:p>
-        </p:txBody>
-      </p:sp>
-      <p:sp>
-        <p:nvSpPr>
-          <p:cNvPr id="5" name="Plus 4"/>
-          <p:cNvSpPr/>
-          <p:nvPr/>
-        </p:nvSpPr>
-        <p:spPr>
-          <a:xfrm>
-            <a:off x="3178420" y="2804937"/>
-            <a:ext cx="157217" cy="170194"/>
-          </a:xfrm>
-          <a:prstGeom prst="mathPlus">
-            <a:avLst/>
-          </a:prstGeom>
-          <a:solidFill>
-            <a:schemeClr val="tx1"/>
-          </a:solidFill>
-          <a:ln>
-            <a:noFill/>
-          </a:ln>
-        </p:spPr>
-        <p:style>
-          <a:lnRef idx="2">
-            <a:schemeClr val="accent1">
-              <a:shade val="50000"/>
-            </a:schemeClr>
-          </a:lnRef>
-          <a:fillRef idx="1">
-            <a:schemeClr val="accent1"/>
-          </a:fillRef>
-          <a:effectRef idx="0">
-            <a:schemeClr val="accent1"/>
-          </a:effectRef>
-          <a:fontRef idx="minor">
-            <a:schemeClr val="lt1"/>
-          </a:fontRef>
-        </p:style>
-        <p:txBody>
-          <a:bodyPr rtlCol="0" anchor="ctr"/>
-          <a:lstStyle/>
-          <a:p>
-            <a:pPr algn="ctr"/>
-            <a:endParaRPr lang="en-US" dirty="0"/>
-          </a:p>
-        </p:txBody>
-      </p:sp>
-      <p:sp>
-        <p:nvSpPr>
-          <p:cNvPr id="13" name="Oval 12"/>
-          <p:cNvSpPr/>
-          <p:nvPr/>
-        </p:nvSpPr>
-        <p:spPr>
-          <a:xfrm>
-            <a:off x="3262878" y="2769591"/>
-            <a:ext cx="224908" cy="221253"/>
-          </a:xfrm>
-          <a:prstGeom prst="ellipse">
-            <a:avLst/>
-          </a:prstGeom>
-          <a:solidFill>
-            <a:srgbClr val="C0C0C0"/>
-          </a:solidFill>
-          <a:ln>
-            <a:noFill/>
-          </a:ln>
-        </p:spPr>
-        <p:style>
-          <a:lnRef idx="2">
-            <a:schemeClr val="accent1">
-              <a:shade val="50000"/>
-            </a:schemeClr>
-          </a:lnRef>
-          <a:fillRef idx="1">
-            <a:schemeClr val="accent1"/>
-          </a:fillRef>
-          <a:effectRef idx="0">
-            <a:schemeClr val="accent1"/>
-          </a:effectRef>
-          <a:fontRef idx="minor">
-            <a:schemeClr val="lt1"/>
-          </a:fontRef>
-        </p:style>
-        <p:txBody>
-          <a:bodyPr rtlCol="0" anchor="ctr"/>
-          <a:lstStyle/>
-          <a:p>
-            <a:pPr algn="ctr"/>
-            <a:endParaRPr lang="en-US" dirty="0"/>
-          </a:p>
-        </p:txBody>
-      </p:sp>
-      <p:sp>
-        <p:nvSpPr>
-          <p:cNvPr id="7" name="Oval 6"/>
-          <p:cNvSpPr/>
-          <p:nvPr/>
-        </p:nvSpPr>
-        <p:spPr>
-          <a:xfrm>
-            <a:off x="3235577" y="2877583"/>
-            <a:ext cx="224908" cy="221253"/>
-          </a:xfrm>
-          <a:prstGeom prst="ellipse">
-            <a:avLst/>
-          </a:prstGeom>
-          <a:solidFill>
-            <a:srgbClr val="969696"/>
-          </a:solidFill>
-          <a:ln>
-            <a:noFill/>
-          </a:ln>
-        </p:spPr>
-        <p:style>
-          <a:lnRef idx="2">
-            <a:schemeClr val="accent1">
-              <a:shade val="50000"/>
-            </a:schemeClr>
-          </a:lnRef>
-          <a:fillRef idx="1">
-            <a:schemeClr val="accent1"/>
-          </a:fillRef>
-          <a:effectRef idx="0">
-            <a:schemeClr val="accent1"/>
-          </a:effectRef>
-          <a:fontRef idx="minor">
-            <a:schemeClr val="lt1"/>
-          </a:fontRef>
-        </p:style>
-        <p:txBody>
-          <a:bodyPr rtlCol="0" anchor="ctr"/>
-          <a:lstStyle/>
-          <a:p>
-            <a:pPr algn="ctr"/>
-            <a:endParaRPr lang="en-US" dirty="0"/>
-          </a:p>
-        </p:txBody>
-      </p:sp>
-      <p:sp>
-        <p:nvSpPr>
-          <p:cNvPr id="8" name="Plus 7"/>
-          <p:cNvSpPr/>
-          <p:nvPr/>
-        </p:nvSpPr>
-        <p:spPr>
-          <a:xfrm>
-            <a:off x="3269422" y="2903112"/>
-            <a:ext cx="157217" cy="170194"/>
-          </a:xfrm>
-          <a:prstGeom prst="mathPlus">
-            <a:avLst/>
-          </a:prstGeom>
-          <a:solidFill>
-            <a:schemeClr val="tx1"/>
-          </a:solidFill>
-          <a:ln>
-            <a:noFill/>
-          </a:ln>
-        </p:spPr>
-        <p:style>
-          <a:lnRef idx="2">
-            <a:schemeClr val="accent1">
-              <a:shade val="50000"/>
-            </a:schemeClr>
-          </a:lnRef>
-          <a:fillRef idx="1">
-            <a:schemeClr val="accent1"/>
-          </a:fillRef>
-          <a:effectRef idx="0">
-            <a:schemeClr val="accent1"/>
-          </a:effectRef>
-          <a:fontRef idx="minor">
-            <a:schemeClr val="lt1"/>
-          </a:fontRef>
-        </p:style>
-        <p:txBody>
-          <a:bodyPr rtlCol="0" anchor="ctr"/>
-          <a:lstStyle/>
-          <a:p>
-            <a:pPr algn="ctr"/>
-            <a:endParaRPr lang="en-US" dirty="0"/>
-          </a:p>
-        </p:txBody>
-      </p:sp>
-      <p:sp>
-        <p:nvSpPr>
-          <p:cNvPr id="18" name="Oval 17"/>
-          <p:cNvSpPr/>
-          <p:nvPr/>
-        </p:nvSpPr>
-        <p:spPr>
-          <a:xfrm>
-            <a:off x="1280160" y="899160"/>
-            <a:ext cx="4053840" cy="4099560"/>
-          </a:xfrm>
-          <a:prstGeom prst="ellipse">
-            <a:avLst/>
-          </a:prstGeom>
-          <a:noFill/>
-          <a:ln w="38100">
+            <a:ln>
+              <a:noFill/>
+            </a:ln>
+          </p:spPr>
+          <p:style>
+            <a:lnRef idx="2">
+              <a:schemeClr val="accent1">
+                <a:shade val="50000"/>
+              </a:schemeClr>
+            </a:lnRef>
+            <a:fillRef idx="1">
+              <a:schemeClr val="accent1"/>
+            </a:fillRef>
+            <a:effectRef idx="0">
+              <a:schemeClr val="accent1"/>
+            </a:effectRef>
+            <a:fontRef idx="minor">
+              <a:schemeClr val="lt1"/>
+            </a:fontRef>
+          </p:style>
+          <p:txBody>
+            <a:bodyPr rtlCol="0" anchor="ctr"/>
+            <a:lstStyle/>
+            <a:p>
+              <a:pPr algn="ctr"/>
+              <a:endParaRPr lang="en-US" dirty="0"/>
+            </a:p>
+          </p:txBody>
+        </p:sp>
+        <p:sp>
+          <p:nvSpPr>
+            <p:cNvPr id="7" name="Oval 6"/>
+            <p:cNvSpPr/>
+            <p:nvPr/>
+          </p:nvSpPr>
+          <p:spPr>
+            <a:xfrm>
+              <a:off x="3235577" y="2877583"/>
+              <a:ext cx="224908" cy="221253"/>
+            </a:xfrm>
+            <a:prstGeom prst="ellipse">
+              <a:avLst/>
+            </a:prstGeom>
             <a:solidFill>
-              <a:srgbClr val="FFC000"/>
+              <a:srgbClr val="969696"/>
             </a:solidFill>
-            <a:prstDash val="dash"/>
-          </a:ln>
-        </p:spPr>
-        <p:style>
-          <a:lnRef idx="2">
-            <a:schemeClr val="accent1">
-              <a:shade val="50000"/>
-            </a:schemeClr>
-          </a:lnRef>
-          <a:fillRef idx="1">
-            <a:schemeClr val="accent1"/>
-          </a:fillRef>
-          <a:effectRef idx="0">
-            <a:schemeClr val="accent1"/>
-          </a:effectRef>
-          <a:fontRef idx="minor">
-            <a:schemeClr val="lt1"/>
-          </a:fontRef>
-        </p:style>
-        <p:txBody>
-          <a:bodyPr rtlCol="0" anchor="ctr"/>
-          <a:lstStyle/>
-          <a:p>
-            <a:pPr algn="ctr"/>
-            <a:endParaRPr lang="en-US" dirty="0"/>
-          </a:p>
-        </p:txBody>
-      </p:sp>
-      <p:sp>
-        <p:nvSpPr>
-          <p:cNvPr id="15" name="Oval 14"/>
-          <p:cNvSpPr/>
-          <p:nvPr/>
-        </p:nvSpPr>
-        <p:spPr>
-          <a:xfrm>
-            <a:off x="5042328" y="2079702"/>
-            <a:ext cx="261192" cy="282498"/>
-          </a:xfrm>
-          <a:prstGeom prst="ellipse">
-            <a:avLst/>
-          </a:prstGeom>
-          <a:solidFill>
-            <a:srgbClr val="638FC5"/>
-          </a:solidFill>
-          <a:ln>
-            <a:noFill/>
-          </a:ln>
-        </p:spPr>
-        <p:style>
-          <a:lnRef idx="2">
-            <a:schemeClr val="accent1">
-              <a:shade val="50000"/>
-            </a:schemeClr>
-          </a:lnRef>
-          <a:fillRef idx="1">
-            <a:schemeClr val="accent1"/>
-          </a:fillRef>
-          <a:effectRef idx="0">
-            <a:schemeClr val="accent1"/>
-          </a:effectRef>
-          <a:fontRef idx="minor">
-            <a:schemeClr val="lt1"/>
-          </a:fontRef>
-        </p:style>
-        <p:txBody>
-          <a:bodyPr rtlCol="0" anchor="ctr"/>
-          <a:lstStyle/>
-          <a:p>
-            <a:pPr algn="ctr"/>
-            <a:endParaRPr lang="en-US" dirty="0"/>
-          </a:p>
-        </p:txBody>
-      </p:sp>
-      <p:sp>
-        <p:nvSpPr>
-          <p:cNvPr id="16" name="Minus 15"/>
-          <p:cNvSpPr/>
-          <p:nvPr/>
-        </p:nvSpPr>
-        <p:spPr>
-          <a:xfrm>
-            <a:off x="5067686" y="2154401"/>
-            <a:ext cx="210475" cy="133100"/>
-          </a:xfrm>
-          <a:prstGeom prst="mathMinus">
-            <a:avLst/>
-          </a:prstGeom>
-          <a:solidFill>
-            <a:schemeClr val="tx1"/>
-          </a:solidFill>
-          <a:ln>
-            <a:noFill/>
-          </a:ln>
-        </p:spPr>
-        <p:style>
-          <a:lnRef idx="2">
-            <a:schemeClr val="accent1">
-              <a:shade val="50000"/>
-            </a:schemeClr>
-          </a:lnRef>
-          <a:fillRef idx="1">
-            <a:schemeClr val="accent1"/>
-          </a:fillRef>
-          <a:effectRef idx="0">
-            <a:schemeClr val="accent1"/>
-          </a:effectRef>
-          <a:fontRef idx="minor">
-            <a:schemeClr val="lt1"/>
-          </a:fontRef>
-        </p:style>
-        <p:txBody>
-          <a:bodyPr rtlCol="0" anchor="ctr"/>
-          <a:lstStyle/>
-          <a:p>
-            <a:pPr algn="ctr"/>
-            <a:endParaRPr lang="en-US" dirty="0"/>
-          </a:p>
-        </p:txBody>
-      </p:sp>
-      <p:sp>
-        <p:nvSpPr>
-          <p:cNvPr id="24" name="Oval 23"/>
-          <p:cNvSpPr/>
-          <p:nvPr/>
-        </p:nvSpPr>
-        <p:spPr>
-          <a:xfrm>
-            <a:off x="2725848" y="4030422"/>
-            <a:ext cx="261192" cy="282498"/>
-          </a:xfrm>
-          <a:prstGeom prst="ellipse">
-            <a:avLst/>
-          </a:prstGeom>
-          <a:solidFill>
-            <a:srgbClr val="638FC5"/>
-          </a:solidFill>
-          <a:ln>
-            <a:noFill/>
-          </a:ln>
-        </p:spPr>
-        <p:style>
-          <a:lnRef idx="2">
-            <a:schemeClr val="accent1">
-              <a:shade val="50000"/>
-            </a:schemeClr>
-          </a:lnRef>
-          <a:fillRef idx="1">
-            <a:schemeClr val="accent1"/>
-          </a:fillRef>
-          <a:effectRef idx="0">
-            <a:schemeClr val="accent1"/>
-          </a:effectRef>
-          <a:fontRef idx="minor">
-            <a:schemeClr val="lt1"/>
-          </a:fontRef>
-        </p:style>
-        <p:txBody>
-          <a:bodyPr rtlCol="0" anchor="ctr"/>
-          <a:lstStyle/>
-          <a:p>
-            <a:pPr algn="ctr"/>
-            <a:endParaRPr lang="en-US" dirty="0"/>
-          </a:p>
-        </p:txBody>
-      </p:sp>
-      <p:sp>
-        <p:nvSpPr>
-          <p:cNvPr id="25" name="Minus 24"/>
-          <p:cNvSpPr/>
-          <p:nvPr/>
-        </p:nvSpPr>
-        <p:spPr>
-          <a:xfrm>
-            <a:off x="2751206" y="4105121"/>
-            <a:ext cx="210475" cy="133100"/>
-          </a:xfrm>
-          <a:prstGeom prst="mathMinus">
-            <a:avLst/>
-          </a:prstGeom>
-          <a:solidFill>
-            <a:schemeClr val="tx1"/>
-          </a:solidFill>
-          <a:ln>
-            <a:noFill/>
-          </a:ln>
-        </p:spPr>
-        <p:style>
-          <a:lnRef idx="2">
-            <a:schemeClr val="accent1">
-              <a:shade val="50000"/>
-            </a:schemeClr>
-          </a:lnRef>
-          <a:fillRef idx="1">
-            <a:schemeClr val="accent1"/>
-          </a:fillRef>
-          <a:effectRef idx="0">
-            <a:schemeClr val="accent1"/>
-          </a:effectRef>
-          <a:fontRef idx="minor">
-            <a:schemeClr val="lt1"/>
-          </a:fontRef>
-        </p:style>
-        <p:txBody>
-          <a:bodyPr rtlCol="0" anchor="ctr"/>
-          <a:lstStyle/>
-          <a:p>
-            <a:pPr algn="ctr"/>
-            <a:endParaRPr lang="en-US" dirty="0"/>
-          </a:p>
-        </p:txBody>
-      </p:sp>
-      <p:sp>
-        <p:nvSpPr>
-          <p:cNvPr id="20" name="TextBox 19"/>
-          <p:cNvSpPr txBox="1"/>
-          <p:nvPr/>
-        </p:nvSpPr>
-        <p:spPr>
-          <a:xfrm>
-            <a:off x="7162800" y="3733800"/>
-            <a:ext cx="2346960" cy="1200329"/>
-          </a:xfrm>
-          <a:prstGeom prst="rect">
-            <a:avLst/>
-          </a:prstGeom>
-          <a:noFill/>
-        </p:spPr>
-        <p:txBody>
-          <a:bodyPr wrap="square" rtlCol="0">
-            <a:spAutoFit/>
-          </a:bodyPr>
-          <a:lstStyle/>
-          <a:p>
-            <a:r>
-              <a:rPr lang="en-US" sz="2400" i="1" dirty="0"/>
-              <a:t>Nucleus with protons and neutrons</a:t>
-            </a:r>
-          </a:p>
-        </p:txBody>
-      </p:sp>
-      <p:sp>
-        <p:nvSpPr>
-          <p:cNvPr id="21" name="TextBox 20"/>
-          <p:cNvSpPr txBox="1"/>
-          <p:nvPr/>
-        </p:nvSpPr>
-        <p:spPr>
-          <a:xfrm>
-            <a:off x="7391400" y="914400"/>
-            <a:ext cx="1327608" cy="461665"/>
-          </a:xfrm>
-          <a:prstGeom prst="rect">
-            <a:avLst/>
-          </a:prstGeom>
-          <a:noFill/>
-        </p:spPr>
-        <p:txBody>
-          <a:bodyPr wrap="none" rtlCol="0">
-            <a:spAutoFit/>
-          </a:bodyPr>
-          <a:lstStyle/>
-          <a:p>
-            <a:r>
-              <a:rPr lang="en-US" sz="2400" i="1" dirty="0"/>
-              <a:t>Electrons</a:t>
-            </a:r>
-          </a:p>
-        </p:txBody>
-      </p:sp>
-      <p:sp>
-        <p:nvSpPr>
-          <p:cNvPr id="27" name="TextBox 26"/>
-          <p:cNvSpPr txBox="1"/>
-          <p:nvPr/>
-        </p:nvSpPr>
-        <p:spPr>
-          <a:xfrm>
-            <a:off x="3046491" y="3810000"/>
-            <a:ext cx="1207382" cy="461665"/>
-          </a:xfrm>
-          <a:prstGeom prst="rect">
-            <a:avLst/>
-          </a:prstGeom>
-          <a:noFill/>
-        </p:spPr>
-        <p:txBody>
-          <a:bodyPr wrap="none" rtlCol="0">
-            <a:spAutoFit/>
-          </a:bodyPr>
-          <a:lstStyle/>
-          <a:p>
-            <a:r>
-              <a:rPr lang="en-US" sz="2400" i="1" dirty="0"/>
-              <a:t>Electron</a:t>
-            </a:r>
-          </a:p>
-        </p:txBody>
-      </p:sp>
-      <p:sp>
-        <p:nvSpPr>
-          <p:cNvPr id="29" name="TextBox 28"/>
-          <p:cNvSpPr txBox="1"/>
-          <p:nvPr/>
-        </p:nvSpPr>
-        <p:spPr>
-          <a:xfrm>
-            <a:off x="3276600" y="6324600"/>
-            <a:ext cx="2761269" cy="369332"/>
-          </a:xfrm>
-          <a:prstGeom prst="rect">
-            <a:avLst/>
-          </a:prstGeom>
-          <a:noFill/>
-        </p:spPr>
-        <p:txBody>
-          <a:bodyPr wrap="none" rtlCol="0">
-            <a:spAutoFit/>
-          </a:bodyPr>
-          <a:lstStyle/>
-          <a:p>
-            <a:r>
-              <a:rPr lang="en-US" i="1" dirty="0"/>
-              <a:t>Particles not drawn to scale</a:t>
-            </a:r>
-          </a:p>
-        </p:txBody>
-      </p:sp>
-      <p:sp>
-        <p:nvSpPr>
-          <p:cNvPr id="28" name="Oval 27"/>
-          <p:cNvSpPr/>
-          <p:nvPr/>
-        </p:nvSpPr>
-        <p:spPr>
-          <a:xfrm>
-            <a:off x="3088593" y="3029241"/>
-            <a:ext cx="376256" cy="300213"/>
-          </a:xfrm>
-          <a:prstGeom prst="ellipse">
-            <a:avLst/>
-          </a:prstGeom>
-          <a:solidFill>
-            <a:srgbClr val="C0C0C0"/>
-          </a:solidFill>
-          <a:ln>
-            <a:noFill/>
-          </a:ln>
-        </p:spPr>
-        <p:style>
-          <a:lnRef idx="2">
-            <a:schemeClr val="accent1">
-              <a:shade val="50000"/>
-            </a:schemeClr>
-          </a:lnRef>
-          <a:fillRef idx="1">
-            <a:schemeClr val="accent1"/>
-          </a:fillRef>
-          <a:effectRef idx="0">
-            <a:schemeClr val="accent1"/>
-          </a:effectRef>
-          <a:fontRef idx="minor">
-            <a:schemeClr val="lt1"/>
-          </a:fontRef>
-        </p:style>
-        <p:txBody>
-          <a:bodyPr rtlCol="0" anchor="ctr"/>
-          <a:lstStyle/>
-          <a:p>
-            <a:pPr algn="ctr"/>
-            <a:endParaRPr lang="en-US" dirty="0"/>
-          </a:p>
-        </p:txBody>
-      </p:sp>
-      <p:sp>
-        <p:nvSpPr>
-          <p:cNvPr id="30" name="Oval 29"/>
-          <p:cNvSpPr/>
-          <p:nvPr/>
-        </p:nvSpPr>
-        <p:spPr>
-          <a:xfrm>
-            <a:off x="3119040" y="2856066"/>
-            <a:ext cx="376256" cy="300213"/>
-          </a:xfrm>
-          <a:prstGeom prst="ellipse">
-            <a:avLst/>
-          </a:prstGeom>
-          <a:solidFill>
-            <a:srgbClr val="969696"/>
-          </a:solidFill>
-          <a:ln>
-            <a:noFill/>
-          </a:ln>
-        </p:spPr>
-        <p:style>
-          <a:lnRef idx="2">
-            <a:schemeClr val="accent1">
-              <a:shade val="50000"/>
-            </a:schemeClr>
-          </a:lnRef>
-          <a:fillRef idx="1">
-            <a:schemeClr val="accent1"/>
-          </a:fillRef>
-          <a:effectRef idx="0">
-            <a:schemeClr val="accent1"/>
-          </a:effectRef>
-          <a:fontRef idx="minor">
-            <a:schemeClr val="lt1"/>
-          </a:fontRef>
-        </p:style>
-        <p:txBody>
-          <a:bodyPr rtlCol="0" anchor="ctr"/>
-          <a:lstStyle/>
-          <a:p>
-            <a:pPr algn="ctr"/>
-            <a:endParaRPr lang="en-US" dirty="0"/>
-          </a:p>
-        </p:txBody>
-      </p:sp>
-      <p:sp>
-        <p:nvSpPr>
-          <p:cNvPr id="31" name="Plus 30"/>
-          <p:cNvSpPr/>
-          <p:nvPr/>
-        </p:nvSpPr>
-        <p:spPr>
-          <a:xfrm>
-            <a:off x="3175661" y="2890706"/>
-            <a:ext cx="263013" cy="230932"/>
-          </a:xfrm>
-          <a:prstGeom prst="mathPlus">
-            <a:avLst/>
-          </a:prstGeom>
-          <a:solidFill>
-            <a:schemeClr val="tx1"/>
-          </a:solidFill>
-          <a:ln>
-            <a:noFill/>
-          </a:ln>
-        </p:spPr>
-        <p:style>
-          <a:lnRef idx="2">
-            <a:schemeClr val="accent1">
-              <a:shade val="50000"/>
-            </a:schemeClr>
-          </a:lnRef>
-          <a:fillRef idx="1">
-            <a:schemeClr val="accent1"/>
-          </a:fillRef>
-          <a:effectRef idx="0">
-            <a:schemeClr val="accent1"/>
-          </a:effectRef>
-          <a:fontRef idx="minor">
-            <a:schemeClr val="lt1"/>
-          </a:fontRef>
-        </p:style>
-        <p:txBody>
-          <a:bodyPr rtlCol="0" anchor="ctr"/>
-          <a:lstStyle/>
-          <a:p>
-            <a:pPr algn="ctr"/>
-            <a:endParaRPr lang="en-US" dirty="0"/>
-          </a:p>
-        </p:txBody>
-      </p:sp>
-      <p:sp>
-        <p:nvSpPr>
-          <p:cNvPr id="32" name="Oval 31"/>
-          <p:cNvSpPr/>
-          <p:nvPr/>
-        </p:nvSpPr>
-        <p:spPr>
-          <a:xfrm>
-            <a:off x="3316953" y="2842745"/>
-            <a:ext cx="376256" cy="300213"/>
-          </a:xfrm>
-          <a:prstGeom prst="ellipse">
-            <a:avLst/>
-          </a:prstGeom>
-          <a:solidFill>
-            <a:srgbClr val="C0C0C0"/>
-          </a:solidFill>
-          <a:ln>
-            <a:noFill/>
-          </a:ln>
-        </p:spPr>
-        <p:style>
-          <a:lnRef idx="2">
-            <a:schemeClr val="accent1">
-              <a:shade val="50000"/>
-            </a:schemeClr>
-          </a:lnRef>
-          <a:fillRef idx="1">
-            <a:schemeClr val="accent1"/>
-          </a:fillRef>
-          <a:effectRef idx="0">
-            <a:schemeClr val="accent1"/>
-          </a:effectRef>
-          <a:fontRef idx="minor">
-            <a:schemeClr val="lt1"/>
-          </a:fontRef>
-        </p:style>
-        <p:txBody>
-          <a:bodyPr rtlCol="0" anchor="ctr"/>
-          <a:lstStyle/>
-          <a:p>
-            <a:pPr algn="ctr"/>
-            <a:endParaRPr lang="en-US" dirty="0"/>
-          </a:p>
-        </p:txBody>
-      </p:sp>
-      <p:sp>
-        <p:nvSpPr>
-          <p:cNvPr id="33" name="Oval 32"/>
-          <p:cNvSpPr/>
-          <p:nvPr/>
-        </p:nvSpPr>
-        <p:spPr>
-          <a:xfrm>
-            <a:off x="3271280" y="2989277"/>
-            <a:ext cx="376256" cy="300213"/>
-          </a:xfrm>
-          <a:prstGeom prst="ellipse">
-            <a:avLst/>
-          </a:prstGeom>
-          <a:solidFill>
-            <a:srgbClr val="969696"/>
-          </a:solidFill>
-          <a:ln>
-            <a:noFill/>
-          </a:ln>
-        </p:spPr>
-        <p:style>
-          <a:lnRef idx="2">
-            <a:schemeClr val="accent1">
-              <a:shade val="50000"/>
-            </a:schemeClr>
-          </a:lnRef>
-          <a:fillRef idx="1">
-            <a:schemeClr val="accent1"/>
-          </a:fillRef>
-          <a:effectRef idx="0">
-            <a:schemeClr val="accent1"/>
-          </a:effectRef>
-          <a:fontRef idx="minor">
-            <a:schemeClr val="lt1"/>
-          </a:fontRef>
-        </p:style>
-        <p:txBody>
-          <a:bodyPr rtlCol="0" anchor="ctr"/>
-          <a:lstStyle/>
-          <a:p>
-            <a:pPr algn="ctr"/>
-            <a:endParaRPr lang="en-US" dirty="0"/>
-          </a:p>
-        </p:txBody>
-      </p:sp>
-      <p:sp>
-        <p:nvSpPr>
-          <p:cNvPr id="34" name="Plus 33"/>
-          <p:cNvSpPr/>
-          <p:nvPr/>
-        </p:nvSpPr>
-        <p:spPr>
-          <a:xfrm>
-            <a:off x="3327901" y="3023917"/>
-            <a:ext cx="263013" cy="230932"/>
-          </a:xfrm>
-          <a:prstGeom prst="mathPlus">
-            <a:avLst/>
-          </a:prstGeom>
-          <a:solidFill>
-            <a:schemeClr val="tx1"/>
-          </a:solidFill>
-          <a:ln>
-            <a:noFill/>
-          </a:ln>
-        </p:spPr>
-        <p:style>
-          <a:lnRef idx="2">
-            <a:schemeClr val="accent1">
-              <a:shade val="50000"/>
-            </a:schemeClr>
-          </a:lnRef>
-          <a:fillRef idx="1">
-            <a:schemeClr val="accent1"/>
-          </a:fillRef>
-          <a:effectRef idx="0">
-            <a:schemeClr val="accent1"/>
-          </a:effectRef>
-          <a:fontRef idx="minor">
-            <a:schemeClr val="lt1"/>
-          </a:fontRef>
-        </p:style>
-        <p:txBody>
-          <a:bodyPr rtlCol="0" anchor="ctr"/>
-          <a:lstStyle/>
-          <a:p>
-            <a:pPr algn="ctr"/>
-            <a:endParaRPr lang="en-US" dirty="0"/>
-          </a:p>
-        </p:txBody>
-      </p:sp>
-      <p:sp>
-        <p:nvSpPr>
-          <p:cNvPr id="35" name="Oval 34"/>
-          <p:cNvSpPr/>
-          <p:nvPr/>
-        </p:nvSpPr>
-        <p:spPr>
-          <a:xfrm>
-            <a:off x="-76200" y="-228600"/>
-            <a:ext cx="6781800" cy="6324600"/>
-          </a:xfrm>
-          <a:prstGeom prst="ellipse">
-            <a:avLst/>
-          </a:prstGeom>
-          <a:noFill/>
-          <a:ln w="38100">
-            <a:solidFill>
-              <a:srgbClr val="FF0000"/>
-            </a:solidFill>
-            <a:prstDash val="dash"/>
-          </a:ln>
-        </p:spPr>
-        <p:style>
-          <a:lnRef idx="2">
-            <a:schemeClr val="accent1">
-              <a:shade val="50000"/>
-            </a:schemeClr>
-          </a:lnRef>
-          <a:fillRef idx="1">
-            <a:schemeClr val="accent1"/>
-          </a:fillRef>
-          <a:effectRef idx="0">
-            <a:schemeClr val="accent1"/>
-          </a:effectRef>
-          <a:fontRef idx="minor">
-            <a:schemeClr val="lt1"/>
-          </a:fontRef>
-        </p:style>
-        <p:txBody>
-          <a:bodyPr rtlCol="0" anchor="ctr"/>
-          <a:lstStyle/>
-          <a:p>
-            <a:pPr algn="ctr"/>
-            <a:endParaRPr lang="en-US" dirty="0"/>
-          </a:p>
-        </p:txBody>
-      </p:sp>
-      <p:sp>
-        <p:nvSpPr>
-          <p:cNvPr id="40" name="Oval 39"/>
-          <p:cNvSpPr/>
-          <p:nvPr/>
-        </p:nvSpPr>
-        <p:spPr>
-          <a:xfrm>
-            <a:off x="5562600" y="533400"/>
-            <a:ext cx="261192" cy="282498"/>
-          </a:xfrm>
-          <a:prstGeom prst="ellipse">
-            <a:avLst/>
-          </a:prstGeom>
-          <a:solidFill>
-            <a:srgbClr val="638FC5"/>
-          </a:solidFill>
-          <a:ln>
-            <a:noFill/>
-          </a:ln>
-        </p:spPr>
-        <p:style>
-          <a:lnRef idx="2">
-            <a:schemeClr val="accent1">
-              <a:shade val="50000"/>
-            </a:schemeClr>
-          </a:lnRef>
-          <a:fillRef idx="1">
-            <a:schemeClr val="accent1"/>
-          </a:fillRef>
-          <a:effectRef idx="0">
-            <a:schemeClr val="accent1"/>
-          </a:effectRef>
-          <a:fontRef idx="minor">
-            <a:schemeClr val="lt1"/>
-          </a:fontRef>
-        </p:style>
-        <p:txBody>
-          <a:bodyPr rtlCol="0" anchor="ctr"/>
-          <a:lstStyle/>
-          <a:p>
-            <a:pPr algn="ctr"/>
-            <a:endParaRPr lang="en-US" dirty="0"/>
-          </a:p>
-        </p:txBody>
-      </p:sp>
-      <p:sp>
-        <p:nvSpPr>
-          <p:cNvPr id="41" name="Minus 40"/>
-          <p:cNvSpPr/>
-          <p:nvPr/>
-        </p:nvSpPr>
-        <p:spPr>
-          <a:xfrm>
-            <a:off x="5587958" y="608099"/>
-            <a:ext cx="210475" cy="133100"/>
-          </a:xfrm>
-          <a:prstGeom prst="mathMinus">
-            <a:avLst/>
-          </a:prstGeom>
-          <a:solidFill>
-            <a:schemeClr val="tx1"/>
-          </a:solidFill>
-          <a:ln>
-            <a:noFill/>
-          </a:ln>
-        </p:spPr>
-        <p:style>
-          <a:lnRef idx="2">
-            <a:schemeClr val="accent1">
-              <a:shade val="50000"/>
-            </a:schemeClr>
-          </a:lnRef>
-          <a:fillRef idx="1">
-            <a:schemeClr val="accent1"/>
-          </a:fillRef>
-          <a:effectRef idx="0">
-            <a:schemeClr val="accent1"/>
-          </a:effectRef>
-          <a:fontRef idx="minor">
-            <a:schemeClr val="lt1"/>
-          </a:fontRef>
-        </p:style>
-        <p:txBody>
-          <a:bodyPr rtlCol="0" anchor="ctr"/>
-          <a:lstStyle/>
-          <a:p>
-            <a:pPr algn="ctr"/>
-            <a:endParaRPr lang="en-US" dirty="0"/>
-          </a:p>
-        </p:txBody>
-      </p:sp>
-      <p:sp>
-        <p:nvSpPr>
-          <p:cNvPr id="42" name="Freeform 41"/>
-          <p:cNvSpPr/>
-          <p:nvPr/>
-        </p:nvSpPr>
-        <p:spPr>
-          <a:xfrm rot="19417030">
-            <a:off x="6219062" y="324655"/>
-            <a:ext cx="1328360" cy="1675691"/>
-          </a:xfrm>
-          <a:custGeom>
-            <a:avLst/>
-            <a:gdLst>
-              <a:gd name="connsiteX0" fmla="*/ 0 w 2682240"/>
-              <a:gd name="connsiteY0" fmla="*/ 0 h 1158240"/>
-              <a:gd name="connsiteX1" fmla="*/ 670560 w 2682240"/>
-              <a:gd name="connsiteY1" fmla="*/ 777240 h 1158240"/>
-              <a:gd name="connsiteX2" fmla="*/ 2682240 w 2682240"/>
-              <a:gd name="connsiteY2" fmla="*/ 1158240 h 1158240"/>
-            </a:gdLst>
-            <a:ahLst/>
-            <a:cxnLst>
-              <a:cxn ang="0">
-                <a:pos x="connsiteX0" y="connsiteY0"/>
-              </a:cxn>
-              <a:cxn ang="0">
-                <a:pos x="connsiteX1" y="connsiteY1"/>
-              </a:cxn>
-              <a:cxn ang="0">
-                <a:pos x="connsiteX2" y="connsiteY2"/>
-              </a:cxn>
-            </a:cxnLst>
-            <a:rect l="l" t="t" r="r" b="b"/>
-            <a:pathLst>
-              <a:path w="2682240" h="1158240">
-                <a:moveTo>
-                  <a:pt x="0" y="0"/>
-                </a:moveTo>
-                <a:cubicBezTo>
-                  <a:pt x="111760" y="292100"/>
-                  <a:pt x="223520" y="584200"/>
-                  <a:pt x="670560" y="777240"/>
-                </a:cubicBezTo>
-                <a:cubicBezTo>
-                  <a:pt x="1117600" y="970280"/>
-                  <a:pt x="1899920" y="1064260"/>
-                  <a:pt x="2682240" y="1158240"/>
-                </a:cubicBezTo>
-              </a:path>
-            </a:pathLst>
-          </a:custGeom>
-          <a:ln>
+            <a:ln>
+              <a:noFill/>
+            </a:ln>
+          </p:spPr>
+          <p:style>
+            <a:lnRef idx="2">
+              <a:schemeClr val="accent1">
+                <a:shade val="50000"/>
+              </a:schemeClr>
+            </a:lnRef>
+            <a:fillRef idx="1">
+              <a:schemeClr val="accent1"/>
+            </a:fillRef>
+            <a:effectRef idx="0">
+              <a:schemeClr val="accent1"/>
+            </a:effectRef>
+            <a:fontRef idx="minor">
+              <a:schemeClr val="lt1"/>
+            </a:fontRef>
+          </p:style>
+          <p:txBody>
+            <a:bodyPr rtlCol="0" anchor="ctr"/>
+            <a:lstStyle/>
+            <a:p>
+              <a:pPr algn="ctr"/>
+              <a:endParaRPr lang="en-US" dirty="0"/>
+            </a:p>
+          </p:txBody>
+        </p:sp>
+        <p:sp>
+          <p:nvSpPr>
+            <p:cNvPr id="8" name="Plus 7"/>
+            <p:cNvSpPr/>
+            <p:nvPr/>
+          </p:nvSpPr>
+          <p:spPr>
+            <a:xfrm>
+              <a:off x="3269422" y="2903112"/>
+              <a:ext cx="157217" cy="170194"/>
+            </a:xfrm>
+            <a:prstGeom prst="mathPlus">
+              <a:avLst/>
+            </a:prstGeom>
             <a:solidFill>
               <a:schemeClr val="tx1"/>
             </a:solidFill>
-            <a:headEnd type="triangle" w="lg" len="lg"/>
-          </a:ln>
-        </p:spPr>
-        <p:style>
-          <a:lnRef idx="1">
-            <a:schemeClr val="accent1"/>
-          </a:lnRef>
-          <a:fillRef idx="0">
-            <a:schemeClr val="accent1"/>
-          </a:fillRef>
-          <a:effectRef idx="0">
-            <a:schemeClr val="accent1"/>
-          </a:effectRef>
-          <a:fontRef idx="minor">
-            <a:schemeClr val="tx1"/>
-          </a:fontRef>
-        </p:style>
-        <p:txBody>
-          <a:bodyPr rtlCol="0" anchor="ctr"/>
-          <a:lstStyle/>
-          <a:p>
-            <a:pPr algn="ctr"/>
-            <a:endParaRPr lang="en-US" dirty="0"/>
-          </a:p>
-        </p:txBody>
-      </p:sp>
-      <p:sp>
-        <p:nvSpPr>
-          <p:cNvPr id="43" name="Freeform 42"/>
-          <p:cNvSpPr/>
-          <p:nvPr/>
-        </p:nvSpPr>
-        <p:spPr>
-          <a:xfrm rot="19417030">
-            <a:off x="5253281" y="1500365"/>
-            <a:ext cx="2682735" cy="818891"/>
-          </a:xfrm>
-          <a:custGeom>
-            <a:avLst/>
-            <a:gdLst>
-              <a:gd name="connsiteX0" fmla="*/ 0 w 2682240"/>
-              <a:gd name="connsiteY0" fmla="*/ 0 h 1158240"/>
-              <a:gd name="connsiteX1" fmla="*/ 670560 w 2682240"/>
-              <a:gd name="connsiteY1" fmla="*/ 777240 h 1158240"/>
-              <a:gd name="connsiteX2" fmla="*/ 2682240 w 2682240"/>
-              <a:gd name="connsiteY2" fmla="*/ 1158240 h 1158240"/>
-            </a:gdLst>
-            <a:ahLst/>
-            <a:cxnLst>
-              <a:cxn ang="0">
-                <a:pos x="connsiteX0" y="connsiteY0"/>
-              </a:cxn>
-              <a:cxn ang="0">
-                <a:pos x="connsiteX1" y="connsiteY1"/>
-              </a:cxn>
-              <a:cxn ang="0">
-                <a:pos x="connsiteX2" y="connsiteY2"/>
-              </a:cxn>
-            </a:cxnLst>
-            <a:rect l="l" t="t" r="r" b="b"/>
-            <a:pathLst>
-              <a:path w="2682240" h="1158240">
-                <a:moveTo>
-                  <a:pt x="0" y="0"/>
-                </a:moveTo>
-                <a:cubicBezTo>
-                  <a:pt x="111760" y="292100"/>
-                  <a:pt x="223520" y="584200"/>
-                  <a:pt x="670560" y="777240"/>
-                </a:cubicBezTo>
-                <a:cubicBezTo>
-                  <a:pt x="1117600" y="970280"/>
-                  <a:pt x="1899920" y="1064260"/>
-                  <a:pt x="2682240" y="1158240"/>
-                </a:cubicBezTo>
-              </a:path>
-            </a:pathLst>
-          </a:custGeom>
-          <a:ln>
+            <a:ln>
+              <a:noFill/>
+            </a:ln>
+          </p:spPr>
+          <p:style>
+            <a:lnRef idx="2">
+              <a:schemeClr val="accent1">
+                <a:shade val="50000"/>
+              </a:schemeClr>
+            </a:lnRef>
+            <a:fillRef idx="1">
+              <a:schemeClr val="accent1"/>
+            </a:fillRef>
+            <a:effectRef idx="0">
+              <a:schemeClr val="accent1"/>
+            </a:effectRef>
+            <a:fontRef idx="minor">
+              <a:schemeClr val="lt1"/>
+            </a:fontRef>
+          </p:style>
+          <p:txBody>
+            <a:bodyPr rtlCol="0" anchor="ctr"/>
+            <a:lstStyle/>
+            <a:p>
+              <a:pPr algn="ctr"/>
+              <a:endParaRPr lang="en-US" dirty="0"/>
+            </a:p>
+          </p:txBody>
+        </p:sp>
+        <p:sp>
+          <p:nvSpPr>
+            <p:cNvPr id="18" name="Oval 17"/>
+            <p:cNvSpPr/>
+            <p:nvPr/>
+          </p:nvSpPr>
+          <p:spPr>
+            <a:xfrm>
+              <a:off x="1280160" y="899160"/>
+              <a:ext cx="4053840" cy="4099560"/>
+            </a:xfrm>
+            <a:prstGeom prst="ellipse">
+              <a:avLst/>
+            </a:prstGeom>
+            <a:noFill/>
+            <a:ln w="38100">
+              <a:solidFill>
+                <a:srgbClr val="FFC000"/>
+              </a:solidFill>
+              <a:prstDash val="dash"/>
+            </a:ln>
+          </p:spPr>
+          <p:style>
+            <a:lnRef idx="2">
+              <a:schemeClr val="accent1">
+                <a:shade val="50000"/>
+              </a:schemeClr>
+            </a:lnRef>
+            <a:fillRef idx="1">
+              <a:schemeClr val="accent1"/>
+            </a:fillRef>
+            <a:effectRef idx="0">
+              <a:schemeClr val="accent1"/>
+            </a:effectRef>
+            <a:fontRef idx="minor">
+              <a:schemeClr val="lt1"/>
+            </a:fontRef>
+          </p:style>
+          <p:txBody>
+            <a:bodyPr rtlCol="0" anchor="ctr"/>
+            <a:lstStyle/>
+            <a:p>
+              <a:pPr algn="ctr"/>
+              <a:endParaRPr lang="en-US" dirty="0"/>
+            </a:p>
+          </p:txBody>
+        </p:sp>
+        <p:sp>
+          <p:nvSpPr>
+            <p:cNvPr id="15" name="Oval 14"/>
+            <p:cNvSpPr/>
+            <p:nvPr/>
+          </p:nvSpPr>
+          <p:spPr>
+            <a:xfrm>
+              <a:off x="5042328" y="2079702"/>
+              <a:ext cx="261192" cy="282498"/>
+            </a:xfrm>
+            <a:prstGeom prst="ellipse">
+              <a:avLst/>
+            </a:prstGeom>
+            <a:solidFill>
+              <a:srgbClr val="638FC5"/>
+            </a:solidFill>
+            <a:ln>
+              <a:noFill/>
+            </a:ln>
+          </p:spPr>
+          <p:style>
+            <a:lnRef idx="2">
+              <a:schemeClr val="accent1">
+                <a:shade val="50000"/>
+              </a:schemeClr>
+            </a:lnRef>
+            <a:fillRef idx="1">
+              <a:schemeClr val="accent1"/>
+            </a:fillRef>
+            <a:effectRef idx="0">
+              <a:schemeClr val="accent1"/>
+            </a:effectRef>
+            <a:fontRef idx="minor">
+              <a:schemeClr val="lt1"/>
+            </a:fontRef>
+          </p:style>
+          <p:txBody>
+            <a:bodyPr rtlCol="0" anchor="ctr"/>
+            <a:lstStyle/>
+            <a:p>
+              <a:pPr algn="ctr"/>
+              <a:endParaRPr lang="en-US" dirty="0"/>
+            </a:p>
+          </p:txBody>
+        </p:sp>
+        <p:sp>
+          <p:nvSpPr>
+            <p:cNvPr id="16" name="Minus 15"/>
+            <p:cNvSpPr/>
+            <p:nvPr/>
+          </p:nvSpPr>
+          <p:spPr>
+            <a:xfrm>
+              <a:off x="5067686" y="2154401"/>
+              <a:ext cx="210475" cy="133100"/>
+            </a:xfrm>
+            <a:prstGeom prst="mathMinus">
+              <a:avLst/>
+            </a:prstGeom>
             <a:solidFill>
               <a:schemeClr val="tx1"/>
             </a:solidFill>
-            <a:headEnd type="triangle" w="lg" len="lg"/>
-          </a:ln>
-        </p:spPr>
-        <p:style>
-          <a:lnRef idx="1">
-            <a:schemeClr val="accent1"/>
-          </a:lnRef>
-          <a:fillRef idx="0">
-            <a:schemeClr val="accent1"/>
-          </a:fillRef>
-          <a:effectRef idx="0">
-            <a:schemeClr val="accent1"/>
-          </a:effectRef>
-          <a:fontRef idx="minor">
-            <a:schemeClr val="tx1"/>
-          </a:fontRef>
-        </p:style>
-        <p:txBody>
-          <a:bodyPr rtlCol="0" anchor="ctr"/>
-          <a:lstStyle/>
-          <a:p>
-            <a:pPr algn="ctr"/>
-            <a:endParaRPr lang="en-US" dirty="0"/>
-          </a:p>
-        </p:txBody>
-      </p:sp>
-      <p:sp>
-        <p:nvSpPr>
-          <p:cNvPr id="45" name="Freeform 44"/>
-          <p:cNvSpPr/>
-          <p:nvPr/>
-        </p:nvSpPr>
-        <p:spPr>
-          <a:xfrm>
-            <a:off x="3048000" y="1447800"/>
-            <a:ext cx="4846093" cy="3960125"/>
-          </a:xfrm>
-          <a:custGeom>
-            <a:avLst/>
-            <a:gdLst>
-              <a:gd name="connsiteX0" fmla="*/ 4954138 w 4954138"/>
-              <a:gd name="connsiteY0" fmla="*/ 0 h 3960125"/>
-              <a:gd name="connsiteX1" fmla="*/ 2497541 w 4954138"/>
-              <a:gd name="connsiteY1" fmla="*/ 3480179 h 3960125"/>
-              <a:gd name="connsiteX2" fmla="*/ 0 w 4954138"/>
-              <a:gd name="connsiteY2" fmla="*/ 2879678 h 3960125"/>
-            </a:gdLst>
-            <a:ahLst/>
-            <a:cxnLst>
-              <a:cxn ang="0">
-                <a:pos x="connsiteX0" y="connsiteY0"/>
-              </a:cxn>
-              <a:cxn ang="0">
-                <a:pos x="connsiteX1" y="connsiteY1"/>
-              </a:cxn>
-              <a:cxn ang="0">
-                <a:pos x="connsiteX2" y="connsiteY2"/>
-              </a:cxn>
-            </a:cxnLst>
-            <a:rect l="l" t="t" r="r" b="b"/>
-            <a:pathLst>
-              <a:path w="4954138" h="3960125">
-                <a:moveTo>
-                  <a:pt x="4954138" y="0"/>
-                </a:moveTo>
-                <a:cubicBezTo>
-                  <a:pt x="4138684" y="1500116"/>
-                  <a:pt x="3323231" y="3000233"/>
-                  <a:pt x="2497541" y="3480179"/>
-                </a:cubicBezTo>
-                <a:cubicBezTo>
-                  <a:pt x="1671851" y="3960125"/>
-                  <a:pt x="0" y="2879678"/>
-                  <a:pt x="0" y="2879678"/>
-                </a:cubicBezTo>
-              </a:path>
-            </a:pathLst>
-          </a:custGeom>
-          <a:ln>
+            <a:ln>
+              <a:noFill/>
+            </a:ln>
+          </p:spPr>
+          <p:style>
+            <a:lnRef idx="2">
+              <a:schemeClr val="accent1">
+                <a:shade val="50000"/>
+              </a:schemeClr>
+            </a:lnRef>
+            <a:fillRef idx="1">
+              <a:schemeClr val="accent1"/>
+            </a:fillRef>
+            <a:effectRef idx="0">
+              <a:schemeClr val="accent1"/>
+            </a:effectRef>
+            <a:fontRef idx="minor">
+              <a:schemeClr val="lt1"/>
+            </a:fontRef>
+          </p:style>
+          <p:txBody>
+            <a:bodyPr rtlCol="0" anchor="ctr"/>
+            <a:lstStyle/>
+            <a:p>
+              <a:pPr algn="ctr"/>
+              <a:endParaRPr lang="en-US" dirty="0"/>
+            </a:p>
+          </p:txBody>
+        </p:sp>
+        <p:sp>
+          <p:nvSpPr>
+            <p:cNvPr id="24" name="Oval 23"/>
+            <p:cNvSpPr/>
+            <p:nvPr/>
+          </p:nvSpPr>
+          <p:spPr>
+            <a:xfrm>
+              <a:off x="2725848" y="4030422"/>
+              <a:ext cx="261192" cy="282498"/>
+            </a:xfrm>
+            <a:prstGeom prst="ellipse">
+              <a:avLst/>
+            </a:prstGeom>
+            <a:solidFill>
+              <a:srgbClr val="638FC5"/>
+            </a:solidFill>
+            <a:ln>
+              <a:noFill/>
+            </a:ln>
+          </p:spPr>
+          <p:style>
+            <a:lnRef idx="2">
+              <a:schemeClr val="accent1">
+                <a:shade val="50000"/>
+              </a:schemeClr>
+            </a:lnRef>
+            <a:fillRef idx="1">
+              <a:schemeClr val="accent1"/>
+            </a:fillRef>
+            <a:effectRef idx="0">
+              <a:schemeClr val="accent1"/>
+            </a:effectRef>
+            <a:fontRef idx="minor">
+              <a:schemeClr val="lt1"/>
+            </a:fontRef>
+          </p:style>
+          <p:txBody>
+            <a:bodyPr rtlCol="0" anchor="ctr"/>
+            <a:lstStyle/>
+            <a:p>
+              <a:pPr algn="ctr"/>
+              <a:endParaRPr lang="en-US" dirty="0"/>
+            </a:p>
+          </p:txBody>
+        </p:sp>
+        <p:sp>
+          <p:nvSpPr>
+            <p:cNvPr id="25" name="Minus 24"/>
+            <p:cNvSpPr/>
+            <p:nvPr/>
+          </p:nvSpPr>
+          <p:spPr>
+            <a:xfrm>
+              <a:off x="2751206" y="4105121"/>
+              <a:ext cx="210475" cy="133100"/>
+            </a:xfrm>
+            <a:prstGeom prst="mathMinus">
+              <a:avLst/>
+            </a:prstGeom>
             <a:solidFill>
               <a:schemeClr val="tx1"/>
             </a:solidFill>
-            <a:headEnd type="none" w="med" len="med"/>
-            <a:tailEnd type="triangle" w="lg" len="lg"/>
-          </a:ln>
-        </p:spPr>
-        <p:style>
-          <a:lnRef idx="1">
-            <a:schemeClr val="accent1"/>
-          </a:lnRef>
-          <a:fillRef idx="0">
-            <a:schemeClr val="accent1"/>
-          </a:fillRef>
-          <a:effectRef idx="0">
-            <a:schemeClr val="accent1"/>
-          </a:effectRef>
-          <a:fontRef idx="minor">
-            <a:schemeClr val="tx1"/>
-          </a:fontRef>
-        </p:style>
-        <p:txBody>
-          <a:bodyPr rtlCol="0" anchor="ctr"/>
-          <a:lstStyle/>
-          <a:p>
-            <a:pPr algn="ctr"/>
-            <a:r>
-              <a:rPr lang="en-US" dirty="0"/>
-              <a:t>+</a:t>
-            </a:r>
-          </a:p>
-        </p:txBody>
-      </p:sp>
+            <a:ln>
+              <a:noFill/>
+            </a:ln>
+          </p:spPr>
+          <p:style>
+            <a:lnRef idx="2">
+              <a:schemeClr val="accent1">
+                <a:shade val="50000"/>
+              </a:schemeClr>
+            </a:lnRef>
+            <a:fillRef idx="1">
+              <a:schemeClr val="accent1"/>
+            </a:fillRef>
+            <a:effectRef idx="0">
+              <a:schemeClr val="accent1"/>
+            </a:effectRef>
+            <a:fontRef idx="minor">
+              <a:schemeClr val="lt1"/>
+            </a:fontRef>
+          </p:style>
+          <p:txBody>
+            <a:bodyPr rtlCol="0" anchor="ctr"/>
+            <a:lstStyle/>
+            <a:p>
+              <a:pPr algn="ctr"/>
+              <a:endParaRPr lang="en-US" dirty="0"/>
+            </a:p>
+          </p:txBody>
+        </p:sp>
+        <p:sp>
+          <p:nvSpPr>
+            <p:cNvPr id="20" name="TextBox 19"/>
+            <p:cNvSpPr txBox="1"/>
+            <p:nvPr/>
+          </p:nvSpPr>
+          <p:spPr>
+            <a:xfrm>
+              <a:off x="7162800" y="3733800"/>
+              <a:ext cx="2346960" cy="1200329"/>
+            </a:xfrm>
+            <a:prstGeom prst="rect">
+              <a:avLst/>
+            </a:prstGeom>
+            <a:noFill/>
+          </p:spPr>
+          <p:txBody>
+            <a:bodyPr wrap="square" rtlCol="0">
+              <a:spAutoFit/>
+            </a:bodyPr>
+            <a:lstStyle/>
+            <a:p>
+              <a:r>
+                <a:rPr lang="en-US" sz="2400" i="1" dirty="0"/>
+                <a:t>Nucleus with protons and neutrons</a:t>
+              </a:r>
+            </a:p>
+          </p:txBody>
+        </p:sp>
+        <p:sp>
+          <p:nvSpPr>
+            <p:cNvPr id="21" name="TextBox 20"/>
+            <p:cNvSpPr txBox="1"/>
+            <p:nvPr/>
+          </p:nvSpPr>
+          <p:spPr>
+            <a:xfrm>
+              <a:off x="7391400" y="914400"/>
+              <a:ext cx="1327608" cy="461665"/>
+            </a:xfrm>
+            <a:prstGeom prst="rect">
+              <a:avLst/>
+            </a:prstGeom>
+            <a:noFill/>
+          </p:spPr>
+          <p:txBody>
+            <a:bodyPr wrap="none" rtlCol="0">
+              <a:spAutoFit/>
+            </a:bodyPr>
+            <a:lstStyle/>
+            <a:p>
+              <a:r>
+                <a:rPr lang="en-US" sz="2400" i="1" dirty="0"/>
+                <a:t>Electrons</a:t>
+              </a:r>
+            </a:p>
+          </p:txBody>
+        </p:sp>
+        <p:sp>
+          <p:nvSpPr>
+            <p:cNvPr id="27" name="TextBox 26"/>
+            <p:cNvSpPr txBox="1"/>
+            <p:nvPr/>
+          </p:nvSpPr>
+          <p:spPr>
+            <a:xfrm>
+              <a:off x="3046491" y="3810000"/>
+              <a:ext cx="1207382" cy="461665"/>
+            </a:xfrm>
+            <a:prstGeom prst="rect">
+              <a:avLst/>
+            </a:prstGeom>
+            <a:noFill/>
+          </p:spPr>
+          <p:txBody>
+            <a:bodyPr wrap="none" rtlCol="0">
+              <a:spAutoFit/>
+            </a:bodyPr>
+            <a:lstStyle/>
+            <a:p>
+              <a:r>
+                <a:rPr lang="en-US" sz="2400" i="1" dirty="0"/>
+                <a:t>Electron</a:t>
+              </a:r>
+            </a:p>
+          </p:txBody>
+        </p:sp>
+        <p:sp>
+          <p:nvSpPr>
+            <p:cNvPr id="29" name="TextBox 28"/>
+            <p:cNvSpPr txBox="1"/>
+            <p:nvPr/>
+          </p:nvSpPr>
+          <p:spPr>
+            <a:xfrm>
+              <a:off x="3276600" y="6324600"/>
+              <a:ext cx="2761269" cy="369332"/>
+            </a:xfrm>
+            <a:prstGeom prst="rect">
+              <a:avLst/>
+            </a:prstGeom>
+            <a:noFill/>
+          </p:spPr>
+          <p:txBody>
+            <a:bodyPr wrap="none" rtlCol="0">
+              <a:spAutoFit/>
+            </a:bodyPr>
+            <a:lstStyle/>
+            <a:p>
+              <a:r>
+                <a:rPr lang="en-US" i="1" dirty="0"/>
+                <a:t>Particles not drawn to scale</a:t>
+              </a:r>
+            </a:p>
+          </p:txBody>
+        </p:sp>
+        <p:sp>
+          <p:nvSpPr>
+            <p:cNvPr id="28" name="Oval 27"/>
+            <p:cNvSpPr/>
+            <p:nvPr/>
+          </p:nvSpPr>
+          <p:spPr>
+            <a:xfrm>
+              <a:off x="3088593" y="3029241"/>
+              <a:ext cx="376256" cy="300213"/>
+            </a:xfrm>
+            <a:prstGeom prst="ellipse">
+              <a:avLst/>
+            </a:prstGeom>
+            <a:solidFill>
+              <a:srgbClr val="C0C0C0"/>
+            </a:solidFill>
+            <a:ln>
+              <a:noFill/>
+            </a:ln>
+          </p:spPr>
+          <p:style>
+            <a:lnRef idx="2">
+              <a:schemeClr val="accent1">
+                <a:shade val="50000"/>
+              </a:schemeClr>
+            </a:lnRef>
+            <a:fillRef idx="1">
+              <a:schemeClr val="accent1"/>
+            </a:fillRef>
+            <a:effectRef idx="0">
+              <a:schemeClr val="accent1"/>
+            </a:effectRef>
+            <a:fontRef idx="minor">
+              <a:schemeClr val="lt1"/>
+            </a:fontRef>
+          </p:style>
+          <p:txBody>
+            <a:bodyPr rtlCol="0" anchor="ctr"/>
+            <a:lstStyle/>
+            <a:p>
+              <a:pPr algn="ctr"/>
+              <a:endParaRPr lang="en-US" dirty="0"/>
+            </a:p>
+          </p:txBody>
+        </p:sp>
+        <p:sp>
+          <p:nvSpPr>
+            <p:cNvPr id="30" name="Oval 29"/>
+            <p:cNvSpPr/>
+            <p:nvPr/>
+          </p:nvSpPr>
+          <p:spPr>
+            <a:xfrm>
+              <a:off x="3119040" y="2856066"/>
+              <a:ext cx="376256" cy="300213"/>
+            </a:xfrm>
+            <a:prstGeom prst="ellipse">
+              <a:avLst/>
+            </a:prstGeom>
+            <a:solidFill>
+              <a:srgbClr val="969696"/>
+            </a:solidFill>
+            <a:ln>
+              <a:noFill/>
+            </a:ln>
+          </p:spPr>
+          <p:style>
+            <a:lnRef idx="2">
+              <a:schemeClr val="accent1">
+                <a:shade val="50000"/>
+              </a:schemeClr>
+            </a:lnRef>
+            <a:fillRef idx="1">
+              <a:schemeClr val="accent1"/>
+            </a:fillRef>
+            <a:effectRef idx="0">
+              <a:schemeClr val="accent1"/>
+            </a:effectRef>
+            <a:fontRef idx="minor">
+              <a:schemeClr val="lt1"/>
+            </a:fontRef>
+          </p:style>
+          <p:txBody>
+            <a:bodyPr rtlCol="0" anchor="ctr"/>
+            <a:lstStyle/>
+            <a:p>
+              <a:pPr algn="ctr"/>
+              <a:endParaRPr lang="en-US" dirty="0"/>
+            </a:p>
+          </p:txBody>
+        </p:sp>
+        <p:sp>
+          <p:nvSpPr>
+            <p:cNvPr id="31" name="Plus 30"/>
+            <p:cNvSpPr/>
+            <p:nvPr/>
+          </p:nvSpPr>
+          <p:spPr>
+            <a:xfrm>
+              <a:off x="3175661" y="2890706"/>
+              <a:ext cx="263013" cy="230932"/>
+            </a:xfrm>
+            <a:prstGeom prst="mathPlus">
+              <a:avLst/>
+            </a:prstGeom>
+            <a:solidFill>
+              <a:schemeClr val="tx1"/>
+            </a:solidFill>
+            <a:ln>
+              <a:noFill/>
+            </a:ln>
+          </p:spPr>
+          <p:style>
+            <a:lnRef idx="2">
+              <a:schemeClr val="accent1">
+                <a:shade val="50000"/>
+              </a:schemeClr>
+            </a:lnRef>
+            <a:fillRef idx="1">
+              <a:schemeClr val="accent1"/>
+            </a:fillRef>
+            <a:effectRef idx="0">
+              <a:schemeClr val="accent1"/>
+            </a:effectRef>
+            <a:fontRef idx="minor">
+              <a:schemeClr val="lt1"/>
+            </a:fontRef>
+          </p:style>
+          <p:txBody>
+            <a:bodyPr rtlCol="0" anchor="ctr"/>
+            <a:lstStyle/>
+            <a:p>
+              <a:pPr algn="ctr"/>
+              <a:endParaRPr lang="en-US" dirty="0"/>
+            </a:p>
+          </p:txBody>
+        </p:sp>
+        <p:sp>
+          <p:nvSpPr>
+            <p:cNvPr id="32" name="Oval 31"/>
+            <p:cNvSpPr/>
+            <p:nvPr/>
+          </p:nvSpPr>
+          <p:spPr>
+            <a:xfrm>
+              <a:off x="3316953" y="2842745"/>
+              <a:ext cx="376256" cy="300213"/>
+            </a:xfrm>
+            <a:prstGeom prst="ellipse">
+              <a:avLst/>
+            </a:prstGeom>
+            <a:solidFill>
+              <a:srgbClr val="C0C0C0"/>
+            </a:solidFill>
+            <a:ln>
+              <a:noFill/>
+            </a:ln>
+          </p:spPr>
+          <p:style>
+            <a:lnRef idx="2">
+              <a:schemeClr val="accent1">
+                <a:shade val="50000"/>
+              </a:schemeClr>
+            </a:lnRef>
+            <a:fillRef idx="1">
+              <a:schemeClr val="accent1"/>
+            </a:fillRef>
+            <a:effectRef idx="0">
+              <a:schemeClr val="accent1"/>
+            </a:effectRef>
+            <a:fontRef idx="minor">
+              <a:schemeClr val="lt1"/>
+            </a:fontRef>
+          </p:style>
+          <p:txBody>
+            <a:bodyPr rtlCol="0" anchor="ctr"/>
+            <a:lstStyle/>
+            <a:p>
+              <a:pPr algn="ctr"/>
+              <a:endParaRPr lang="en-US" dirty="0"/>
+            </a:p>
+          </p:txBody>
+        </p:sp>
+        <p:sp>
+          <p:nvSpPr>
+            <p:cNvPr id="33" name="Oval 32"/>
+            <p:cNvSpPr/>
+            <p:nvPr/>
+          </p:nvSpPr>
+          <p:spPr>
+            <a:xfrm>
+              <a:off x="3271280" y="2989277"/>
+              <a:ext cx="376256" cy="300213"/>
+            </a:xfrm>
+            <a:prstGeom prst="ellipse">
+              <a:avLst/>
+            </a:prstGeom>
+            <a:solidFill>
+              <a:srgbClr val="969696"/>
+            </a:solidFill>
+            <a:ln>
+              <a:noFill/>
+            </a:ln>
+          </p:spPr>
+          <p:style>
+            <a:lnRef idx="2">
+              <a:schemeClr val="accent1">
+                <a:shade val="50000"/>
+              </a:schemeClr>
+            </a:lnRef>
+            <a:fillRef idx="1">
+              <a:schemeClr val="accent1"/>
+            </a:fillRef>
+            <a:effectRef idx="0">
+              <a:schemeClr val="accent1"/>
+            </a:effectRef>
+            <a:fontRef idx="minor">
+              <a:schemeClr val="lt1"/>
+            </a:fontRef>
+          </p:style>
+          <p:txBody>
+            <a:bodyPr rtlCol="0" anchor="ctr"/>
+            <a:lstStyle/>
+            <a:p>
+              <a:pPr algn="ctr"/>
+              <a:endParaRPr lang="en-US" dirty="0"/>
+            </a:p>
+          </p:txBody>
+        </p:sp>
+        <p:sp>
+          <p:nvSpPr>
+            <p:cNvPr id="34" name="Plus 33"/>
+            <p:cNvSpPr/>
+            <p:nvPr/>
+          </p:nvSpPr>
+          <p:spPr>
+            <a:xfrm>
+              <a:off x="3327901" y="3023917"/>
+              <a:ext cx="263013" cy="230932"/>
+            </a:xfrm>
+            <a:prstGeom prst="mathPlus">
+              <a:avLst/>
+            </a:prstGeom>
+            <a:solidFill>
+              <a:schemeClr val="tx1"/>
+            </a:solidFill>
+            <a:ln>
+              <a:noFill/>
+            </a:ln>
+          </p:spPr>
+          <p:style>
+            <a:lnRef idx="2">
+              <a:schemeClr val="accent1">
+                <a:shade val="50000"/>
+              </a:schemeClr>
+            </a:lnRef>
+            <a:fillRef idx="1">
+              <a:schemeClr val="accent1"/>
+            </a:fillRef>
+            <a:effectRef idx="0">
+              <a:schemeClr val="accent1"/>
+            </a:effectRef>
+            <a:fontRef idx="minor">
+              <a:schemeClr val="lt1"/>
+            </a:fontRef>
+          </p:style>
+          <p:txBody>
+            <a:bodyPr rtlCol="0" anchor="ctr"/>
+            <a:lstStyle/>
+            <a:p>
+              <a:pPr algn="ctr"/>
+              <a:endParaRPr lang="en-US" dirty="0"/>
+            </a:p>
+          </p:txBody>
+        </p:sp>
+        <p:sp>
+          <p:nvSpPr>
+            <p:cNvPr id="35" name="Oval 34"/>
+            <p:cNvSpPr/>
+            <p:nvPr/>
+          </p:nvSpPr>
+          <p:spPr>
+            <a:xfrm>
+              <a:off x="-76200" y="-228600"/>
+              <a:ext cx="6781800" cy="6324600"/>
+            </a:xfrm>
+            <a:prstGeom prst="ellipse">
+              <a:avLst/>
+            </a:prstGeom>
+            <a:noFill/>
+            <a:ln w="38100">
+              <a:solidFill>
+                <a:srgbClr val="FF0000"/>
+              </a:solidFill>
+              <a:prstDash val="dash"/>
+            </a:ln>
+          </p:spPr>
+          <p:style>
+            <a:lnRef idx="2">
+              <a:schemeClr val="accent1">
+                <a:shade val="50000"/>
+              </a:schemeClr>
+            </a:lnRef>
+            <a:fillRef idx="1">
+              <a:schemeClr val="accent1"/>
+            </a:fillRef>
+            <a:effectRef idx="0">
+              <a:schemeClr val="accent1"/>
+            </a:effectRef>
+            <a:fontRef idx="minor">
+              <a:schemeClr val="lt1"/>
+            </a:fontRef>
+          </p:style>
+          <p:txBody>
+            <a:bodyPr rtlCol="0" anchor="ctr"/>
+            <a:lstStyle/>
+            <a:p>
+              <a:pPr algn="ctr"/>
+              <a:endParaRPr lang="en-US" dirty="0"/>
+            </a:p>
+          </p:txBody>
+        </p:sp>
+        <p:sp>
+          <p:nvSpPr>
+            <p:cNvPr id="40" name="Oval 39"/>
+            <p:cNvSpPr/>
+            <p:nvPr/>
+          </p:nvSpPr>
+          <p:spPr>
+            <a:xfrm>
+              <a:off x="5562600" y="533400"/>
+              <a:ext cx="261192" cy="282498"/>
+            </a:xfrm>
+            <a:prstGeom prst="ellipse">
+              <a:avLst/>
+            </a:prstGeom>
+            <a:solidFill>
+              <a:srgbClr val="638FC5"/>
+            </a:solidFill>
+            <a:ln>
+              <a:noFill/>
+            </a:ln>
+          </p:spPr>
+          <p:style>
+            <a:lnRef idx="2">
+              <a:schemeClr val="accent1">
+                <a:shade val="50000"/>
+              </a:schemeClr>
+            </a:lnRef>
+            <a:fillRef idx="1">
+              <a:schemeClr val="accent1"/>
+            </a:fillRef>
+            <a:effectRef idx="0">
+              <a:schemeClr val="accent1"/>
+            </a:effectRef>
+            <a:fontRef idx="minor">
+              <a:schemeClr val="lt1"/>
+            </a:fontRef>
+          </p:style>
+          <p:txBody>
+            <a:bodyPr rtlCol="0" anchor="ctr"/>
+            <a:lstStyle/>
+            <a:p>
+              <a:pPr algn="ctr"/>
+              <a:endParaRPr lang="en-US" dirty="0"/>
+            </a:p>
+          </p:txBody>
+        </p:sp>
+        <p:sp>
+          <p:nvSpPr>
+            <p:cNvPr id="41" name="Minus 40"/>
+            <p:cNvSpPr/>
+            <p:nvPr/>
+          </p:nvSpPr>
+          <p:spPr>
+            <a:xfrm>
+              <a:off x="5587958" y="608099"/>
+              <a:ext cx="210475" cy="133100"/>
+            </a:xfrm>
+            <a:prstGeom prst="mathMinus">
+              <a:avLst/>
+            </a:prstGeom>
+            <a:solidFill>
+              <a:schemeClr val="tx1"/>
+            </a:solidFill>
+            <a:ln>
+              <a:noFill/>
+            </a:ln>
+          </p:spPr>
+          <p:style>
+            <a:lnRef idx="2">
+              <a:schemeClr val="accent1">
+                <a:shade val="50000"/>
+              </a:schemeClr>
+            </a:lnRef>
+            <a:fillRef idx="1">
+              <a:schemeClr val="accent1"/>
+            </a:fillRef>
+            <a:effectRef idx="0">
+              <a:schemeClr val="accent1"/>
+            </a:effectRef>
+            <a:fontRef idx="minor">
+              <a:schemeClr val="lt1"/>
+            </a:fontRef>
+          </p:style>
+          <p:txBody>
+            <a:bodyPr rtlCol="0" anchor="ctr"/>
+            <a:lstStyle/>
+            <a:p>
+              <a:pPr algn="ctr"/>
+              <a:endParaRPr lang="en-US" dirty="0"/>
+            </a:p>
+          </p:txBody>
+        </p:sp>
+        <p:sp>
+          <p:nvSpPr>
+            <p:cNvPr id="42" name="Freeform 41"/>
+            <p:cNvSpPr/>
+            <p:nvPr/>
+          </p:nvSpPr>
+          <p:spPr>
+            <a:xfrm rot="19417030">
+              <a:off x="6219062" y="324655"/>
+              <a:ext cx="1328360" cy="1675691"/>
+            </a:xfrm>
+            <a:custGeom>
+              <a:avLst/>
+              <a:gdLst>
+                <a:gd name="connsiteX0" fmla="*/ 0 w 2682240"/>
+                <a:gd name="connsiteY0" fmla="*/ 0 h 1158240"/>
+                <a:gd name="connsiteX1" fmla="*/ 670560 w 2682240"/>
+                <a:gd name="connsiteY1" fmla="*/ 777240 h 1158240"/>
+                <a:gd name="connsiteX2" fmla="*/ 2682240 w 2682240"/>
+                <a:gd name="connsiteY2" fmla="*/ 1158240 h 1158240"/>
+              </a:gdLst>
+              <a:ahLst/>
+              <a:cxnLst>
+                <a:cxn ang="0">
+                  <a:pos x="connsiteX0" y="connsiteY0"/>
+                </a:cxn>
+                <a:cxn ang="0">
+                  <a:pos x="connsiteX1" y="connsiteY1"/>
+                </a:cxn>
+                <a:cxn ang="0">
+                  <a:pos x="connsiteX2" y="connsiteY2"/>
+                </a:cxn>
+              </a:cxnLst>
+              <a:rect l="l" t="t" r="r" b="b"/>
+              <a:pathLst>
+                <a:path w="2682240" h="1158240">
+                  <a:moveTo>
+                    <a:pt x="0" y="0"/>
+                  </a:moveTo>
+                  <a:cubicBezTo>
+                    <a:pt x="111760" y="292100"/>
+                    <a:pt x="223520" y="584200"/>
+                    <a:pt x="670560" y="777240"/>
+                  </a:cubicBezTo>
+                  <a:cubicBezTo>
+                    <a:pt x="1117600" y="970280"/>
+                    <a:pt x="1899920" y="1064260"/>
+                    <a:pt x="2682240" y="1158240"/>
+                  </a:cubicBezTo>
+                </a:path>
+              </a:pathLst>
+            </a:custGeom>
+            <a:ln>
+              <a:solidFill>
+                <a:schemeClr val="tx1"/>
+              </a:solidFill>
+              <a:headEnd type="triangle" w="lg" len="lg"/>
+            </a:ln>
+          </p:spPr>
+          <p:style>
+            <a:lnRef idx="1">
+              <a:schemeClr val="accent1"/>
+            </a:lnRef>
+            <a:fillRef idx="0">
+              <a:schemeClr val="accent1"/>
+            </a:fillRef>
+            <a:effectRef idx="0">
+              <a:schemeClr val="accent1"/>
+            </a:effectRef>
+            <a:fontRef idx="minor">
+              <a:schemeClr val="tx1"/>
+            </a:fontRef>
+          </p:style>
+          <p:txBody>
+            <a:bodyPr rtlCol="0" anchor="ctr"/>
+            <a:lstStyle/>
+            <a:p>
+              <a:pPr algn="ctr"/>
+              <a:endParaRPr lang="en-US" dirty="0"/>
+            </a:p>
+          </p:txBody>
+        </p:sp>
+        <p:sp>
+          <p:nvSpPr>
+            <p:cNvPr id="43" name="Freeform 42"/>
+            <p:cNvSpPr/>
+            <p:nvPr/>
+          </p:nvSpPr>
+          <p:spPr>
+            <a:xfrm rot="19417030">
+              <a:off x="5253281" y="1500365"/>
+              <a:ext cx="2682735" cy="818891"/>
+            </a:xfrm>
+            <a:custGeom>
+              <a:avLst/>
+              <a:gdLst>
+                <a:gd name="connsiteX0" fmla="*/ 0 w 2682240"/>
+                <a:gd name="connsiteY0" fmla="*/ 0 h 1158240"/>
+                <a:gd name="connsiteX1" fmla="*/ 670560 w 2682240"/>
+                <a:gd name="connsiteY1" fmla="*/ 777240 h 1158240"/>
+                <a:gd name="connsiteX2" fmla="*/ 2682240 w 2682240"/>
+                <a:gd name="connsiteY2" fmla="*/ 1158240 h 1158240"/>
+              </a:gdLst>
+              <a:ahLst/>
+              <a:cxnLst>
+                <a:cxn ang="0">
+                  <a:pos x="connsiteX0" y="connsiteY0"/>
+                </a:cxn>
+                <a:cxn ang="0">
+                  <a:pos x="connsiteX1" y="connsiteY1"/>
+                </a:cxn>
+                <a:cxn ang="0">
+                  <a:pos x="connsiteX2" y="connsiteY2"/>
+                </a:cxn>
+              </a:cxnLst>
+              <a:rect l="l" t="t" r="r" b="b"/>
+              <a:pathLst>
+                <a:path w="2682240" h="1158240">
+                  <a:moveTo>
+                    <a:pt x="0" y="0"/>
+                  </a:moveTo>
+                  <a:cubicBezTo>
+                    <a:pt x="111760" y="292100"/>
+                    <a:pt x="223520" y="584200"/>
+                    <a:pt x="670560" y="777240"/>
+                  </a:cubicBezTo>
+                  <a:cubicBezTo>
+                    <a:pt x="1117600" y="970280"/>
+                    <a:pt x="1899920" y="1064260"/>
+                    <a:pt x="2682240" y="1158240"/>
+                  </a:cubicBezTo>
+                </a:path>
+              </a:pathLst>
+            </a:custGeom>
+            <a:ln>
+              <a:solidFill>
+                <a:schemeClr val="tx1"/>
+              </a:solidFill>
+              <a:headEnd type="triangle" w="lg" len="lg"/>
+            </a:ln>
+          </p:spPr>
+          <p:style>
+            <a:lnRef idx="1">
+              <a:schemeClr val="accent1"/>
+            </a:lnRef>
+            <a:fillRef idx="0">
+              <a:schemeClr val="accent1"/>
+            </a:fillRef>
+            <a:effectRef idx="0">
+              <a:schemeClr val="accent1"/>
+            </a:effectRef>
+            <a:fontRef idx="minor">
+              <a:schemeClr val="tx1"/>
+            </a:fontRef>
+          </p:style>
+          <p:txBody>
+            <a:bodyPr rtlCol="0" anchor="ctr"/>
+            <a:lstStyle/>
+            <a:p>
+              <a:pPr algn="ctr"/>
+              <a:endParaRPr lang="en-US" dirty="0"/>
+            </a:p>
+          </p:txBody>
+        </p:sp>
+        <p:sp>
+          <p:nvSpPr>
+            <p:cNvPr id="45" name="Freeform 44"/>
+            <p:cNvSpPr/>
+            <p:nvPr/>
+          </p:nvSpPr>
+          <p:spPr>
+            <a:xfrm>
+              <a:off x="3048000" y="1447800"/>
+              <a:ext cx="4846093" cy="3960125"/>
+            </a:xfrm>
+            <a:custGeom>
+              <a:avLst/>
+              <a:gdLst>
+                <a:gd name="connsiteX0" fmla="*/ 4954138 w 4954138"/>
+                <a:gd name="connsiteY0" fmla="*/ 0 h 3960125"/>
+                <a:gd name="connsiteX1" fmla="*/ 2497541 w 4954138"/>
+                <a:gd name="connsiteY1" fmla="*/ 3480179 h 3960125"/>
+                <a:gd name="connsiteX2" fmla="*/ 0 w 4954138"/>
+                <a:gd name="connsiteY2" fmla="*/ 2879678 h 3960125"/>
+              </a:gdLst>
+              <a:ahLst/>
+              <a:cxnLst>
+                <a:cxn ang="0">
+                  <a:pos x="connsiteX0" y="connsiteY0"/>
+                </a:cxn>
+                <a:cxn ang="0">
+                  <a:pos x="connsiteX1" y="connsiteY1"/>
+                </a:cxn>
+                <a:cxn ang="0">
+                  <a:pos x="connsiteX2" y="connsiteY2"/>
+                </a:cxn>
+              </a:cxnLst>
+              <a:rect l="l" t="t" r="r" b="b"/>
+              <a:pathLst>
+                <a:path w="4954138" h="3960125">
+                  <a:moveTo>
+                    <a:pt x="4954138" y="0"/>
+                  </a:moveTo>
+                  <a:cubicBezTo>
+                    <a:pt x="4138684" y="1500116"/>
+                    <a:pt x="3323231" y="3000233"/>
+                    <a:pt x="2497541" y="3480179"/>
+                  </a:cubicBezTo>
+                  <a:cubicBezTo>
+                    <a:pt x="1671851" y="3960125"/>
+                    <a:pt x="0" y="2879678"/>
+                    <a:pt x="0" y="2879678"/>
+                  </a:cubicBezTo>
+                </a:path>
+              </a:pathLst>
+            </a:custGeom>
+            <a:ln>
+              <a:solidFill>
+                <a:schemeClr val="tx1"/>
+              </a:solidFill>
+              <a:headEnd type="none" w="med" len="med"/>
+              <a:tailEnd type="triangle" w="lg" len="lg"/>
+            </a:ln>
+          </p:spPr>
+          <p:style>
+            <a:lnRef idx="1">
+              <a:schemeClr val="accent1"/>
+            </a:lnRef>
+            <a:fillRef idx="0">
+              <a:schemeClr val="accent1"/>
+            </a:fillRef>
+            <a:effectRef idx="0">
+              <a:schemeClr val="accent1"/>
+            </a:effectRef>
+            <a:fontRef idx="minor">
+              <a:schemeClr val="tx1"/>
+            </a:fontRef>
+          </p:style>
+          <p:txBody>
+            <a:bodyPr rtlCol="0" anchor="ctr"/>
+            <a:lstStyle/>
+            <a:p>
+              <a:pPr algn="ctr"/>
+              <a:r>
+                <a:rPr lang="en-US" dirty="0"/>
+                <a:t>+</a:t>
+              </a:r>
+            </a:p>
+          </p:txBody>
+        </p:sp>
+      </p:grpSp>
     </p:spTree>
   </p:cSld>
   <p:clrMapOvr>

--- a/Slides/PH223_Lecture_20.pptx
+++ b/Slides/PH223_Lecture_20.pptx
@@ -14,39 +14,41 @@
     <p:sldId id="256" r:id="rId8"/>
     <p:sldId id="278" r:id="rId9"/>
     <p:sldId id="277" r:id="rId10"/>
-    <p:sldId id="1422" r:id="rId11"/>
-    <p:sldId id="259" r:id="rId12"/>
-    <p:sldId id="260" r:id="rId13"/>
-    <p:sldId id="261" r:id="rId14"/>
-    <p:sldId id="262" r:id="rId15"/>
-    <p:sldId id="1423" r:id="rId16"/>
-    <p:sldId id="263" r:id="rId17"/>
-    <p:sldId id="264" r:id="rId18"/>
-    <p:sldId id="1413" r:id="rId19"/>
-    <p:sldId id="265" r:id="rId20"/>
-    <p:sldId id="1412" r:id="rId21"/>
-    <p:sldId id="266" r:id="rId22"/>
-    <p:sldId id="267" r:id="rId23"/>
-    <p:sldId id="1408" r:id="rId24"/>
-    <p:sldId id="279" r:id="rId25"/>
-    <p:sldId id="1414" r:id="rId26"/>
-    <p:sldId id="282" r:id="rId27"/>
-    <p:sldId id="1415" r:id="rId28"/>
-    <p:sldId id="1424" r:id="rId29"/>
-    <p:sldId id="292" r:id="rId30"/>
-    <p:sldId id="1416" r:id="rId31"/>
-    <p:sldId id="284" r:id="rId32"/>
-    <p:sldId id="285" r:id="rId33"/>
-    <p:sldId id="1411" r:id="rId34"/>
-    <p:sldId id="283" r:id="rId35"/>
-    <p:sldId id="286" r:id="rId36"/>
-    <p:sldId id="1425" r:id="rId37"/>
-    <p:sldId id="287" r:id="rId38"/>
-    <p:sldId id="1417" r:id="rId39"/>
-    <p:sldId id="288" r:id="rId40"/>
-    <p:sldId id="289" r:id="rId41"/>
-    <p:sldId id="291" r:id="rId42"/>
-    <p:sldId id="281" r:id="rId43"/>
+    <p:sldId id="1427" r:id="rId11"/>
+    <p:sldId id="1426" r:id="rId12"/>
+    <p:sldId id="1422" r:id="rId13"/>
+    <p:sldId id="259" r:id="rId14"/>
+    <p:sldId id="260" r:id="rId15"/>
+    <p:sldId id="261" r:id="rId16"/>
+    <p:sldId id="262" r:id="rId17"/>
+    <p:sldId id="1423" r:id="rId18"/>
+    <p:sldId id="263" r:id="rId19"/>
+    <p:sldId id="264" r:id="rId20"/>
+    <p:sldId id="1413" r:id="rId21"/>
+    <p:sldId id="265" r:id="rId22"/>
+    <p:sldId id="1412" r:id="rId23"/>
+    <p:sldId id="266" r:id="rId24"/>
+    <p:sldId id="267" r:id="rId25"/>
+    <p:sldId id="1408" r:id="rId26"/>
+    <p:sldId id="279" r:id="rId27"/>
+    <p:sldId id="1414" r:id="rId28"/>
+    <p:sldId id="282" r:id="rId29"/>
+    <p:sldId id="1415" r:id="rId30"/>
+    <p:sldId id="1424" r:id="rId31"/>
+    <p:sldId id="292" r:id="rId32"/>
+    <p:sldId id="1416" r:id="rId33"/>
+    <p:sldId id="284" r:id="rId34"/>
+    <p:sldId id="285" r:id="rId35"/>
+    <p:sldId id="1411" r:id="rId36"/>
+    <p:sldId id="283" r:id="rId37"/>
+    <p:sldId id="286" r:id="rId38"/>
+    <p:sldId id="1425" r:id="rId39"/>
+    <p:sldId id="287" r:id="rId40"/>
+    <p:sldId id="1417" r:id="rId41"/>
+    <p:sldId id="288" r:id="rId42"/>
+    <p:sldId id="289" r:id="rId43"/>
+    <p:sldId id="291" r:id="rId44"/>
+    <p:sldId id="281" r:id="rId45"/>
   </p:sldIdLst>
   <p:sldSz cx="9144000" cy="6858000" type="screen4x3"/>
   <p:notesSz cx="6858000" cy="9144000"/>
@@ -167,13 +169,502 @@
 <file path=ppt/revisionInfo.xml><?xml version="1.0" encoding="utf-8"?>
 <p1510:revInfo xmlns:a="http://schemas.openxmlformats.org/drawingml/2006/main" xmlns:r="http://schemas.openxmlformats.org/officeDocument/2006/relationships" xmlns:p1510="http://schemas.microsoft.com/office/powerpoint/2015/10/main">
   <p1510:revLst>
-    <p1510:client id="{75015E92-2F82-402D-9C92-E6C0E586A257}" v="2" dt="2024-02-09T21:43:21.747"/>
+    <p1510:client id="{780E8408-F318-4386-B3A0-1D5FFAD0DFD5}" v="8" dt="2024-05-23T20:13:14.680"/>
   </p1510:revLst>
 </p1510:revInfo>
 </file>
 
 <file path=ppt/changesInfos/changesInfo1.xml><?xml version="1.0" encoding="utf-8"?>
 <pc:chgInfo xmlns:a="http://schemas.openxmlformats.org/drawingml/2006/main" xmlns:r="http://schemas.openxmlformats.org/officeDocument/2006/relationships" xmlns:ac="http://schemas.microsoft.com/office/drawing/2013/main/command" xmlns:pc="http://schemas.microsoft.com/office/powerpoint/2013/main/command">
+  <pc:docChgLst>
+    <pc:chgData name="Lines, Todd" userId="afaf7c3a-e8aa-4568-882a-02ad8f9e19b0" providerId="ADAL" clId="{780E8408-F318-4386-B3A0-1D5FFAD0DFD5}"/>
+    <pc:docChg chg="undo custSel addSld modSld">
+      <pc:chgData name="Lines, Todd" userId="afaf7c3a-e8aa-4568-882a-02ad8f9e19b0" providerId="ADAL" clId="{780E8408-F318-4386-B3A0-1D5FFAD0DFD5}" dt="2024-05-23T20:18:24.962" v="60" actId="6549"/>
+      <pc:docMkLst>
+        <pc:docMk/>
+      </pc:docMkLst>
+      <pc:sldChg chg="modSp mod">
+        <pc:chgData name="Lines, Todd" userId="afaf7c3a-e8aa-4568-882a-02ad8f9e19b0" providerId="ADAL" clId="{780E8408-F318-4386-B3A0-1D5FFAD0DFD5}" dt="2024-05-23T20:15:22.711" v="50" actId="1076"/>
+        <pc:sldMkLst>
+          <pc:docMk/>
+          <pc:sldMk cId="0" sldId="261"/>
+        </pc:sldMkLst>
+        <pc:grpChg chg="mod">
+          <ac:chgData name="Lines, Todd" userId="afaf7c3a-e8aa-4568-882a-02ad8f9e19b0" providerId="ADAL" clId="{780E8408-F318-4386-B3A0-1D5FFAD0DFD5}" dt="2024-05-23T20:15:22.711" v="50" actId="1076"/>
+          <ac:grpSpMkLst>
+            <pc:docMk/>
+            <pc:sldMk cId="0" sldId="261"/>
+            <ac:grpSpMk id="2" creationId="{00000000-0000-0000-0000-000000000000}"/>
+          </ac:grpSpMkLst>
+        </pc:grpChg>
+      </pc:sldChg>
+      <pc:sldChg chg="modSp mod">
+        <pc:chgData name="Lines, Todd" userId="afaf7c3a-e8aa-4568-882a-02ad8f9e19b0" providerId="ADAL" clId="{780E8408-F318-4386-B3A0-1D5FFAD0DFD5}" dt="2024-05-23T20:14:58.190" v="46" actId="1076"/>
+        <pc:sldMkLst>
+          <pc:docMk/>
+          <pc:sldMk cId="0" sldId="262"/>
+        </pc:sldMkLst>
+        <pc:grpChg chg="mod">
+          <ac:chgData name="Lines, Todd" userId="afaf7c3a-e8aa-4568-882a-02ad8f9e19b0" providerId="ADAL" clId="{780E8408-F318-4386-B3A0-1D5FFAD0DFD5}" dt="2024-05-23T20:14:58.190" v="46" actId="1076"/>
+          <ac:grpSpMkLst>
+            <pc:docMk/>
+            <pc:sldMk cId="0" sldId="262"/>
+            <ac:grpSpMk id="2" creationId="{00000000-0000-0000-0000-000000000000}"/>
+          </ac:grpSpMkLst>
+        </pc:grpChg>
+      </pc:sldChg>
+      <pc:sldChg chg="modSp mod">
+        <pc:chgData name="Lines, Todd" userId="afaf7c3a-e8aa-4568-882a-02ad8f9e19b0" providerId="ADAL" clId="{780E8408-F318-4386-B3A0-1D5FFAD0DFD5}" dt="2024-05-23T20:16:04.974" v="58" actId="20577"/>
+        <pc:sldMkLst>
+          <pc:docMk/>
+          <pc:sldMk cId="0" sldId="263"/>
+        </pc:sldMkLst>
+        <pc:spChg chg="mod">
+          <ac:chgData name="Lines, Todd" userId="afaf7c3a-e8aa-4568-882a-02ad8f9e19b0" providerId="ADAL" clId="{780E8408-F318-4386-B3A0-1D5FFAD0DFD5}" dt="2024-05-23T20:16:04.974" v="58" actId="20577"/>
+          <ac:spMkLst>
+            <pc:docMk/>
+            <pc:sldMk cId="0" sldId="263"/>
+            <ac:spMk id="70661" creationId="{00000000-0000-0000-0000-000000000000}"/>
+          </ac:spMkLst>
+        </pc:spChg>
+      </pc:sldChg>
+      <pc:sldChg chg="modSp mod">
+        <pc:chgData name="Lines, Todd" userId="afaf7c3a-e8aa-4568-882a-02ad8f9e19b0" providerId="ADAL" clId="{780E8408-F318-4386-B3A0-1D5FFAD0DFD5}" dt="2024-05-23T20:17:43.244" v="59" actId="1076"/>
+        <pc:sldMkLst>
+          <pc:docMk/>
+          <pc:sldMk cId="0" sldId="266"/>
+        </pc:sldMkLst>
+        <pc:spChg chg="mod">
+          <ac:chgData name="Lines, Todd" userId="afaf7c3a-e8aa-4568-882a-02ad8f9e19b0" providerId="ADAL" clId="{780E8408-F318-4386-B3A0-1D5FFAD0DFD5}" dt="2024-05-23T20:17:43.244" v="59" actId="1076"/>
+          <ac:spMkLst>
+            <pc:docMk/>
+            <pc:sldMk cId="0" sldId="266"/>
+            <ac:spMk id="73733" creationId="{00000000-0000-0000-0000-000000000000}"/>
+          </ac:spMkLst>
+        </pc:spChg>
+      </pc:sldChg>
+      <pc:sldChg chg="modSp mod">
+        <pc:chgData name="Lines, Todd" userId="afaf7c3a-e8aa-4568-882a-02ad8f9e19b0" providerId="ADAL" clId="{780E8408-F318-4386-B3A0-1D5FFAD0DFD5}" dt="2024-05-23T20:18:24.962" v="60" actId="6549"/>
+        <pc:sldMkLst>
+          <pc:docMk/>
+          <pc:sldMk cId="0" sldId="267"/>
+        </pc:sldMkLst>
+        <pc:spChg chg="mod">
+          <ac:chgData name="Lines, Todd" userId="afaf7c3a-e8aa-4568-882a-02ad8f9e19b0" providerId="ADAL" clId="{780E8408-F318-4386-B3A0-1D5FFAD0DFD5}" dt="2024-05-23T20:18:24.962" v="60" actId="6549"/>
+          <ac:spMkLst>
+            <pc:docMk/>
+            <pc:sldMk cId="0" sldId="267"/>
+            <ac:spMk id="74757" creationId="{00000000-0000-0000-0000-000000000000}"/>
+          </ac:spMkLst>
+        </pc:spChg>
+      </pc:sldChg>
+      <pc:sldChg chg="addSp delSp modSp mod">
+        <pc:chgData name="Lines, Todd" userId="afaf7c3a-e8aa-4568-882a-02ad8f9e19b0" providerId="ADAL" clId="{780E8408-F318-4386-B3A0-1D5FFAD0DFD5}" dt="2024-05-23T20:11:59.061" v="28" actId="1076"/>
+        <pc:sldMkLst>
+          <pc:docMk/>
+          <pc:sldMk cId="0" sldId="277"/>
+        </pc:sldMkLst>
+        <pc:spChg chg="del mod">
+          <ac:chgData name="Lines, Todd" userId="afaf7c3a-e8aa-4568-882a-02ad8f9e19b0" providerId="ADAL" clId="{780E8408-F318-4386-B3A0-1D5FFAD0DFD5}" dt="2024-05-23T20:10:25.519" v="8" actId="478"/>
+          <ac:spMkLst>
+            <pc:docMk/>
+            <pc:sldMk cId="0" sldId="277"/>
+            <ac:spMk id="3" creationId="{3DFF2D6B-82E4-42E7-C5D5-36AA905FA9C5}"/>
+          </ac:spMkLst>
+        </pc:spChg>
+        <pc:spChg chg="mod">
+          <ac:chgData name="Lines, Todd" userId="afaf7c3a-e8aa-4568-882a-02ad8f9e19b0" providerId="ADAL" clId="{780E8408-F318-4386-B3A0-1D5FFAD0DFD5}" dt="2024-05-23T20:09:58.560" v="1"/>
+          <ac:spMkLst>
+            <pc:docMk/>
+            <pc:sldMk cId="0" sldId="277"/>
+            <ac:spMk id="4" creationId="{A580F23B-4A08-90B0-5A54-F06E2740132C}"/>
+          </ac:spMkLst>
+        </pc:spChg>
+        <pc:spChg chg="mod">
+          <ac:chgData name="Lines, Todd" userId="afaf7c3a-e8aa-4568-882a-02ad8f9e19b0" providerId="ADAL" clId="{780E8408-F318-4386-B3A0-1D5FFAD0DFD5}" dt="2024-05-23T20:09:58.560" v="1"/>
+          <ac:spMkLst>
+            <pc:docMk/>
+            <pc:sldMk cId="0" sldId="277"/>
+            <ac:spMk id="5" creationId="{37BFCE6A-0E7B-D06E-DB6E-0C10440A86D9}"/>
+          </ac:spMkLst>
+        </pc:spChg>
+        <pc:spChg chg="mod">
+          <ac:chgData name="Lines, Todd" userId="afaf7c3a-e8aa-4568-882a-02ad8f9e19b0" providerId="ADAL" clId="{780E8408-F318-4386-B3A0-1D5FFAD0DFD5}" dt="2024-05-23T20:09:58.560" v="1"/>
+          <ac:spMkLst>
+            <pc:docMk/>
+            <pc:sldMk cId="0" sldId="277"/>
+            <ac:spMk id="6" creationId="{5B02A20E-3E66-6925-B155-6991D986B7B0}"/>
+          </ac:spMkLst>
+        </pc:spChg>
+        <pc:spChg chg="mod">
+          <ac:chgData name="Lines, Todd" userId="afaf7c3a-e8aa-4568-882a-02ad8f9e19b0" providerId="ADAL" clId="{780E8408-F318-4386-B3A0-1D5FFAD0DFD5}" dt="2024-05-23T20:09:58.560" v="1"/>
+          <ac:spMkLst>
+            <pc:docMk/>
+            <pc:sldMk cId="0" sldId="277"/>
+            <ac:spMk id="7" creationId="{0C425E04-FD06-E7AC-4BA4-B259370A0AFF}"/>
+          </ac:spMkLst>
+        </pc:spChg>
+        <pc:spChg chg="mod">
+          <ac:chgData name="Lines, Todd" userId="afaf7c3a-e8aa-4568-882a-02ad8f9e19b0" providerId="ADAL" clId="{780E8408-F318-4386-B3A0-1D5FFAD0DFD5}" dt="2024-05-23T20:09:58.560" v="1"/>
+          <ac:spMkLst>
+            <pc:docMk/>
+            <pc:sldMk cId="0" sldId="277"/>
+            <ac:spMk id="8" creationId="{EC99994C-62C4-588D-B97F-F206ED4D26EA}"/>
+          </ac:spMkLst>
+        </pc:spChg>
+        <pc:spChg chg="mod">
+          <ac:chgData name="Lines, Todd" userId="afaf7c3a-e8aa-4568-882a-02ad8f9e19b0" providerId="ADAL" clId="{780E8408-F318-4386-B3A0-1D5FFAD0DFD5}" dt="2024-05-23T20:09:58.560" v="1"/>
+          <ac:spMkLst>
+            <pc:docMk/>
+            <pc:sldMk cId="0" sldId="277"/>
+            <ac:spMk id="9" creationId="{2DA13644-80E7-6BA3-B318-86F1329C19D9}"/>
+          </ac:spMkLst>
+        </pc:spChg>
+        <pc:spChg chg="mod">
+          <ac:chgData name="Lines, Todd" userId="afaf7c3a-e8aa-4568-882a-02ad8f9e19b0" providerId="ADAL" clId="{780E8408-F318-4386-B3A0-1D5FFAD0DFD5}" dt="2024-05-23T20:09:58.560" v="1"/>
+          <ac:spMkLst>
+            <pc:docMk/>
+            <pc:sldMk cId="0" sldId="277"/>
+            <ac:spMk id="10" creationId="{97DF6443-3351-5D70-605E-791D6C7E0836}"/>
+          </ac:spMkLst>
+        </pc:spChg>
+        <pc:spChg chg="mod">
+          <ac:chgData name="Lines, Todd" userId="afaf7c3a-e8aa-4568-882a-02ad8f9e19b0" providerId="ADAL" clId="{780E8408-F318-4386-B3A0-1D5FFAD0DFD5}" dt="2024-05-23T20:09:58.560" v="1"/>
+          <ac:spMkLst>
+            <pc:docMk/>
+            <pc:sldMk cId="0" sldId="277"/>
+            <ac:spMk id="11" creationId="{E6B2472E-9AFA-CA7C-18C1-E81FB80A710B}"/>
+          </ac:spMkLst>
+        </pc:spChg>
+        <pc:spChg chg="mod">
+          <ac:chgData name="Lines, Todd" userId="afaf7c3a-e8aa-4568-882a-02ad8f9e19b0" providerId="ADAL" clId="{780E8408-F318-4386-B3A0-1D5FFAD0DFD5}" dt="2024-05-23T20:09:58.560" v="1"/>
+          <ac:spMkLst>
+            <pc:docMk/>
+            <pc:sldMk cId="0" sldId="277"/>
+            <ac:spMk id="12" creationId="{E4DE8A75-3C06-78B8-AA19-2800E7CAADFD}"/>
+          </ac:spMkLst>
+        </pc:spChg>
+        <pc:spChg chg="mod">
+          <ac:chgData name="Lines, Todd" userId="afaf7c3a-e8aa-4568-882a-02ad8f9e19b0" providerId="ADAL" clId="{780E8408-F318-4386-B3A0-1D5FFAD0DFD5}" dt="2024-05-23T20:09:58.560" v="1"/>
+          <ac:spMkLst>
+            <pc:docMk/>
+            <pc:sldMk cId="0" sldId="277"/>
+            <ac:spMk id="13" creationId="{C2D242A5-B483-F182-8200-6132A4E6DDE1}"/>
+          </ac:spMkLst>
+        </pc:spChg>
+        <pc:spChg chg="mod">
+          <ac:chgData name="Lines, Todd" userId="afaf7c3a-e8aa-4568-882a-02ad8f9e19b0" providerId="ADAL" clId="{780E8408-F318-4386-B3A0-1D5FFAD0DFD5}" dt="2024-05-23T20:09:58.560" v="1"/>
+          <ac:spMkLst>
+            <pc:docMk/>
+            <pc:sldMk cId="0" sldId="277"/>
+            <ac:spMk id="14" creationId="{25439C78-B14D-FF00-5EF7-192AB75F392F}"/>
+          </ac:spMkLst>
+        </pc:spChg>
+        <pc:spChg chg="mod">
+          <ac:chgData name="Lines, Todd" userId="afaf7c3a-e8aa-4568-882a-02ad8f9e19b0" providerId="ADAL" clId="{780E8408-F318-4386-B3A0-1D5FFAD0DFD5}" dt="2024-05-23T20:09:58.560" v="1"/>
+          <ac:spMkLst>
+            <pc:docMk/>
+            <pc:sldMk cId="0" sldId="277"/>
+            <ac:spMk id="15" creationId="{835AA4F2-2809-FBB4-12B9-4FE6219EA394}"/>
+          </ac:spMkLst>
+        </pc:spChg>
+        <pc:spChg chg="del mod">
+          <ac:chgData name="Lines, Todd" userId="afaf7c3a-e8aa-4568-882a-02ad8f9e19b0" providerId="ADAL" clId="{780E8408-F318-4386-B3A0-1D5FFAD0DFD5}" dt="2024-05-23T20:10:10.807" v="4" actId="478"/>
+          <ac:spMkLst>
+            <pc:docMk/>
+            <pc:sldMk cId="0" sldId="277"/>
+            <ac:spMk id="16" creationId="{C4B24021-7B4C-5376-0D8F-358AC81D5026}"/>
+          </ac:spMkLst>
+        </pc:spChg>
+        <pc:spChg chg="del mod">
+          <ac:chgData name="Lines, Todd" userId="afaf7c3a-e8aa-4568-882a-02ad8f9e19b0" providerId="ADAL" clId="{780E8408-F318-4386-B3A0-1D5FFAD0DFD5}" dt="2024-05-23T20:10:14.153" v="5" actId="478"/>
+          <ac:spMkLst>
+            <pc:docMk/>
+            <pc:sldMk cId="0" sldId="277"/>
+            <ac:spMk id="17" creationId="{7DDA8648-819C-8FFD-07FE-019B7DC787F2}"/>
+          </ac:spMkLst>
+        </pc:spChg>
+        <pc:spChg chg="del mod">
+          <ac:chgData name="Lines, Todd" userId="afaf7c3a-e8aa-4568-882a-02ad8f9e19b0" providerId="ADAL" clId="{780E8408-F318-4386-B3A0-1D5FFAD0DFD5}" dt="2024-05-23T20:10:22.296" v="7" actId="478"/>
+          <ac:spMkLst>
+            <pc:docMk/>
+            <pc:sldMk cId="0" sldId="277"/>
+            <ac:spMk id="18" creationId="{DA8423DD-D21C-09E0-CF92-43149D5C8EC6}"/>
+          </ac:spMkLst>
+        </pc:spChg>
+        <pc:spChg chg="del mod">
+          <ac:chgData name="Lines, Todd" userId="afaf7c3a-e8aa-4568-882a-02ad8f9e19b0" providerId="ADAL" clId="{780E8408-F318-4386-B3A0-1D5FFAD0DFD5}" dt="2024-05-23T20:10:19.856" v="6" actId="478"/>
+          <ac:spMkLst>
+            <pc:docMk/>
+            <pc:sldMk cId="0" sldId="277"/>
+            <ac:spMk id="19" creationId="{45BACC5A-7B54-8D65-94B0-EA9A79978B99}"/>
+          </ac:spMkLst>
+        </pc:spChg>
+        <pc:spChg chg="mod">
+          <ac:chgData name="Lines, Todd" userId="afaf7c3a-e8aa-4568-882a-02ad8f9e19b0" providerId="ADAL" clId="{780E8408-F318-4386-B3A0-1D5FFAD0DFD5}" dt="2024-05-23T20:09:58.560" v="1"/>
+          <ac:spMkLst>
+            <pc:docMk/>
+            <pc:sldMk cId="0" sldId="277"/>
+            <ac:spMk id="21" creationId="{3FCA85A0-E2B6-1355-0259-085396CAE3B0}"/>
+          </ac:spMkLst>
+        </pc:spChg>
+        <pc:spChg chg="mod">
+          <ac:chgData name="Lines, Todd" userId="afaf7c3a-e8aa-4568-882a-02ad8f9e19b0" providerId="ADAL" clId="{780E8408-F318-4386-B3A0-1D5FFAD0DFD5}" dt="2024-05-23T20:09:58.560" v="1"/>
+          <ac:spMkLst>
+            <pc:docMk/>
+            <pc:sldMk cId="0" sldId="277"/>
+            <ac:spMk id="22" creationId="{DD5844E7-4125-6D3E-2E51-477CBAE84381}"/>
+          </ac:spMkLst>
+        </pc:spChg>
+        <pc:spChg chg="mod">
+          <ac:chgData name="Lines, Todd" userId="afaf7c3a-e8aa-4568-882a-02ad8f9e19b0" providerId="ADAL" clId="{780E8408-F318-4386-B3A0-1D5FFAD0DFD5}" dt="2024-05-23T20:09:58.560" v="1"/>
+          <ac:spMkLst>
+            <pc:docMk/>
+            <pc:sldMk cId="0" sldId="277"/>
+            <ac:spMk id="23" creationId="{4D389284-46EA-A4C5-BF21-39BD2246B0CB}"/>
+          </ac:spMkLst>
+        </pc:spChg>
+        <pc:spChg chg="mod">
+          <ac:chgData name="Lines, Todd" userId="afaf7c3a-e8aa-4568-882a-02ad8f9e19b0" providerId="ADAL" clId="{780E8408-F318-4386-B3A0-1D5FFAD0DFD5}" dt="2024-05-23T20:09:58.560" v="1"/>
+          <ac:spMkLst>
+            <pc:docMk/>
+            <pc:sldMk cId="0" sldId="277"/>
+            <ac:spMk id="24" creationId="{77BAF506-A2E5-F931-B5D3-470301ABDD5A}"/>
+          </ac:spMkLst>
+        </pc:spChg>
+        <pc:spChg chg="mod">
+          <ac:chgData name="Lines, Todd" userId="afaf7c3a-e8aa-4568-882a-02ad8f9e19b0" providerId="ADAL" clId="{780E8408-F318-4386-B3A0-1D5FFAD0DFD5}" dt="2024-05-23T20:09:58.560" v="1"/>
+          <ac:spMkLst>
+            <pc:docMk/>
+            <pc:sldMk cId="0" sldId="277"/>
+            <ac:spMk id="25" creationId="{08C34114-60E9-1E16-9368-A89772FCFDC2}"/>
+          </ac:spMkLst>
+        </pc:spChg>
+        <pc:spChg chg="mod">
+          <ac:chgData name="Lines, Todd" userId="afaf7c3a-e8aa-4568-882a-02ad8f9e19b0" providerId="ADAL" clId="{780E8408-F318-4386-B3A0-1D5FFAD0DFD5}" dt="2024-05-23T20:09:58.560" v="1"/>
+          <ac:spMkLst>
+            <pc:docMk/>
+            <pc:sldMk cId="0" sldId="277"/>
+            <ac:spMk id="26" creationId="{61B9875D-234E-C102-6767-2FF3E7EF5A43}"/>
+          </ac:spMkLst>
+        </pc:spChg>
+        <pc:spChg chg="mod">
+          <ac:chgData name="Lines, Todd" userId="afaf7c3a-e8aa-4568-882a-02ad8f9e19b0" providerId="ADAL" clId="{780E8408-F318-4386-B3A0-1D5FFAD0DFD5}" dt="2024-05-23T20:09:58.560" v="1"/>
+          <ac:spMkLst>
+            <pc:docMk/>
+            <pc:sldMk cId="0" sldId="277"/>
+            <ac:spMk id="27" creationId="{6E2E8F37-1441-32D4-7F40-29A56D79C441}"/>
+          </ac:spMkLst>
+        </pc:spChg>
+        <pc:spChg chg="mod">
+          <ac:chgData name="Lines, Todd" userId="afaf7c3a-e8aa-4568-882a-02ad8f9e19b0" providerId="ADAL" clId="{780E8408-F318-4386-B3A0-1D5FFAD0DFD5}" dt="2024-05-23T20:09:58.560" v="1"/>
+          <ac:spMkLst>
+            <pc:docMk/>
+            <pc:sldMk cId="0" sldId="277"/>
+            <ac:spMk id="28" creationId="{22DD5148-587E-3E6A-AB96-2DAC759A3E25}"/>
+          </ac:spMkLst>
+        </pc:spChg>
+        <pc:spChg chg="mod">
+          <ac:chgData name="Lines, Todd" userId="afaf7c3a-e8aa-4568-882a-02ad8f9e19b0" providerId="ADAL" clId="{780E8408-F318-4386-B3A0-1D5FFAD0DFD5}" dt="2024-05-23T20:09:58.560" v="1"/>
+          <ac:spMkLst>
+            <pc:docMk/>
+            <pc:sldMk cId="0" sldId="277"/>
+            <ac:spMk id="29" creationId="{644C0BE0-B97B-6D30-2FE7-36EA9B54ED82}"/>
+          </ac:spMkLst>
+        </pc:spChg>
+        <pc:spChg chg="del mod">
+          <ac:chgData name="Lines, Todd" userId="afaf7c3a-e8aa-4568-882a-02ad8f9e19b0" providerId="ADAL" clId="{780E8408-F318-4386-B3A0-1D5FFAD0DFD5}" dt="2024-05-23T20:10:33.534" v="11" actId="478"/>
+          <ac:spMkLst>
+            <pc:docMk/>
+            <pc:sldMk cId="0" sldId="277"/>
+            <ac:spMk id="30" creationId="{21E294C2-89B1-4C9C-E289-59C54120CA5D}"/>
+          </ac:spMkLst>
+        </pc:spChg>
+        <pc:spChg chg="del mod">
+          <ac:chgData name="Lines, Todd" userId="afaf7c3a-e8aa-4568-882a-02ad8f9e19b0" providerId="ADAL" clId="{780E8408-F318-4386-B3A0-1D5FFAD0DFD5}" dt="2024-05-23T20:10:31.241" v="10" actId="478"/>
+          <ac:spMkLst>
+            <pc:docMk/>
+            <pc:sldMk cId="0" sldId="277"/>
+            <ac:spMk id="31" creationId="{F743CA9E-729E-0A29-6E61-B8ADB4EA24CC}"/>
+          </ac:spMkLst>
+        </pc:spChg>
+        <pc:spChg chg="del mod">
+          <ac:chgData name="Lines, Todd" userId="afaf7c3a-e8aa-4568-882a-02ad8f9e19b0" providerId="ADAL" clId="{780E8408-F318-4386-B3A0-1D5FFAD0DFD5}" dt="2024-05-23T20:10:28.978" v="9" actId="478"/>
+          <ac:spMkLst>
+            <pc:docMk/>
+            <pc:sldMk cId="0" sldId="277"/>
+            <ac:spMk id="32" creationId="{705EBC83-400B-DD40-3B3D-0B6B13992E5E}"/>
+          </ac:spMkLst>
+        </pc:spChg>
+        <pc:spChg chg="add mod">
+          <ac:chgData name="Lines, Todd" userId="afaf7c3a-e8aa-4568-882a-02ad8f9e19b0" providerId="ADAL" clId="{780E8408-F318-4386-B3A0-1D5FFAD0DFD5}" dt="2024-05-23T20:11:27.669" v="26" actId="1076"/>
+          <ac:spMkLst>
+            <pc:docMk/>
+            <pc:sldMk cId="0" sldId="277"/>
+            <ac:spMk id="33" creationId="{6E40CC3A-9D2F-1C4B-ECA1-B1B8E2A5417C}"/>
+          </ac:spMkLst>
+        </pc:spChg>
+        <pc:spChg chg="add del mod">
+          <ac:chgData name="Lines, Todd" userId="afaf7c3a-e8aa-4568-882a-02ad8f9e19b0" providerId="ADAL" clId="{780E8408-F318-4386-B3A0-1D5FFAD0DFD5}" dt="2024-05-23T20:11:12.576" v="22" actId="478"/>
+          <ac:spMkLst>
+            <pc:docMk/>
+            <pc:sldMk cId="0" sldId="277"/>
+            <ac:spMk id="66566" creationId="{00000000-0000-0000-0000-000000000000}"/>
+          </ac:spMkLst>
+        </pc:spChg>
+        <pc:spChg chg="mod">
+          <ac:chgData name="Lines, Todd" userId="afaf7c3a-e8aa-4568-882a-02ad8f9e19b0" providerId="ADAL" clId="{780E8408-F318-4386-B3A0-1D5FFAD0DFD5}" dt="2024-05-23T20:11:27.669" v="26" actId="1076"/>
+          <ac:spMkLst>
+            <pc:docMk/>
+            <pc:sldMk cId="0" sldId="277"/>
+            <ac:spMk id="66567" creationId="{00000000-0000-0000-0000-000000000000}"/>
+          </ac:spMkLst>
+        </pc:spChg>
+        <pc:spChg chg="mod">
+          <ac:chgData name="Lines, Todd" userId="afaf7c3a-e8aa-4568-882a-02ad8f9e19b0" providerId="ADAL" clId="{780E8408-F318-4386-B3A0-1D5FFAD0DFD5}" dt="2024-05-23T20:11:27.669" v="26" actId="1076"/>
+          <ac:spMkLst>
+            <pc:docMk/>
+            <pc:sldMk cId="0" sldId="277"/>
+            <ac:spMk id="66568" creationId="{00000000-0000-0000-0000-000000000000}"/>
+          </ac:spMkLst>
+        </pc:spChg>
+        <pc:spChg chg="mod">
+          <ac:chgData name="Lines, Todd" userId="afaf7c3a-e8aa-4568-882a-02ad8f9e19b0" providerId="ADAL" clId="{780E8408-F318-4386-B3A0-1D5FFAD0DFD5}" dt="2024-05-23T20:11:47.080" v="27" actId="208"/>
+          <ac:spMkLst>
+            <pc:docMk/>
+            <pc:sldMk cId="0" sldId="277"/>
+            <ac:spMk id="66571" creationId="{00000000-0000-0000-0000-000000000000}"/>
+          </ac:spMkLst>
+        </pc:spChg>
+        <pc:spChg chg="mod">
+          <ac:chgData name="Lines, Todd" userId="afaf7c3a-e8aa-4568-882a-02ad8f9e19b0" providerId="ADAL" clId="{780E8408-F318-4386-B3A0-1D5FFAD0DFD5}" dt="2024-05-23T20:11:27.669" v="26" actId="1076"/>
+          <ac:spMkLst>
+            <pc:docMk/>
+            <pc:sldMk cId="0" sldId="277"/>
+            <ac:spMk id="66572" creationId="{00000000-0000-0000-0000-000000000000}"/>
+          </ac:spMkLst>
+        </pc:spChg>
+        <pc:spChg chg="mod">
+          <ac:chgData name="Lines, Todd" userId="afaf7c3a-e8aa-4568-882a-02ad8f9e19b0" providerId="ADAL" clId="{780E8408-F318-4386-B3A0-1D5FFAD0DFD5}" dt="2024-05-23T20:11:27.669" v="26" actId="1076"/>
+          <ac:spMkLst>
+            <pc:docMk/>
+            <pc:sldMk cId="0" sldId="277"/>
+            <ac:spMk id="66573" creationId="{00000000-0000-0000-0000-000000000000}"/>
+          </ac:spMkLst>
+        </pc:spChg>
+        <pc:spChg chg="mod">
+          <ac:chgData name="Lines, Todd" userId="afaf7c3a-e8aa-4568-882a-02ad8f9e19b0" providerId="ADAL" clId="{780E8408-F318-4386-B3A0-1D5FFAD0DFD5}" dt="2024-05-23T20:11:27.669" v="26" actId="1076"/>
+          <ac:spMkLst>
+            <pc:docMk/>
+            <pc:sldMk cId="0" sldId="277"/>
+            <ac:spMk id="66578" creationId="{00000000-0000-0000-0000-000000000000}"/>
+          </ac:spMkLst>
+        </pc:spChg>
+        <pc:grpChg chg="add mod">
+          <ac:chgData name="Lines, Todd" userId="afaf7c3a-e8aa-4568-882a-02ad8f9e19b0" providerId="ADAL" clId="{780E8408-F318-4386-B3A0-1D5FFAD0DFD5}" dt="2024-05-23T20:11:59.061" v="28" actId="1076"/>
+          <ac:grpSpMkLst>
+            <pc:docMk/>
+            <pc:sldMk cId="0" sldId="277"/>
+            <ac:grpSpMk id="2" creationId="{FEB0892E-5BA6-B81F-21B6-5538B133C86A}"/>
+          </ac:grpSpMkLst>
+        </pc:grpChg>
+        <pc:grpChg chg="mod">
+          <ac:chgData name="Lines, Todd" userId="afaf7c3a-e8aa-4568-882a-02ad8f9e19b0" providerId="ADAL" clId="{780E8408-F318-4386-B3A0-1D5FFAD0DFD5}" dt="2024-05-23T20:11:27.669" v="26" actId="1076"/>
+          <ac:grpSpMkLst>
+            <pc:docMk/>
+            <pc:sldMk cId="0" sldId="277"/>
+            <ac:grpSpMk id="20" creationId="{00000000-0000-0000-0000-000000000000}"/>
+          </ac:grpSpMkLst>
+        </pc:grpChg>
+        <pc:picChg chg="del">
+          <ac:chgData name="Lines, Todd" userId="afaf7c3a-e8aa-4568-882a-02ad8f9e19b0" providerId="ADAL" clId="{780E8408-F318-4386-B3A0-1D5FFAD0DFD5}" dt="2024-05-23T20:10:47.271" v="15" actId="478"/>
+          <ac:picMkLst>
+            <pc:docMk/>
+            <pc:sldMk cId="0" sldId="277"/>
+            <ac:picMk id="2050" creationId="{00000000-0000-0000-0000-000000000000}"/>
+          </ac:picMkLst>
+        </pc:picChg>
+        <pc:picChg chg="del mod">
+          <ac:chgData name="Lines, Todd" userId="afaf7c3a-e8aa-4568-882a-02ad8f9e19b0" providerId="ADAL" clId="{780E8408-F318-4386-B3A0-1D5FFAD0DFD5}" dt="2024-05-23T20:11:05.168" v="21" actId="478"/>
+          <ac:picMkLst>
+            <pc:docMk/>
+            <pc:sldMk cId="0" sldId="277"/>
+            <ac:picMk id="2051" creationId="{00000000-0000-0000-0000-000000000000}"/>
+          </ac:picMkLst>
+        </pc:picChg>
+      </pc:sldChg>
+      <pc:sldChg chg="delSp add mod">
+        <pc:chgData name="Lines, Todd" userId="afaf7c3a-e8aa-4568-882a-02ad8f9e19b0" providerId="ADAL" clId="{780E8408-F318-4386-B3A0-1D5FFAD0DFD5}" dt="2024-05-23T20:13:41.368" v="44" actId="478"/>
+        <pc:sldMkLst>
+          <pc:docMk/>
+          <pc:sldMk cId="1966792804" sldId="1426"/>
+        </pc:sldMkLst>
+        <pc:picChg chg="del">
+          <ac:chgData name="Lines, Todd" userId="afaf7c3a-e8aa-4568-882a-02ad8f9e19b0" providerId="ADAL" clId="{780E8408-F318-4386-B3A0-1D5FFAD0DFD5}" dt="2024-05-23T20:13:41.368" v="44" actId="478"/>
+          <ac:picMkLst>
+            <pc:docMk/>
+            <pc:sldMk cId="1966792804" sldId="1426"/>
+            <ac:picMk id="2050" creationId="{00000000-0000-0000-0000-000000000000}"/>
+          </ac:picMkLst>
+        </pc:picChg>
+        <pc:picChg chg="del">
+          <ac:chgData name="Lines, Todd" userId="afaf7c3a-e8aa-4568-882a-02ad8f9e19b0" providerId="ADAL" clId="{780E8408-F318-4386-B3A0-1D5FFAD0DFD5}" dt="2024-05-23T20:13:38.827" v="43" actId="478"/>
+          <ac:picMkLst>
+            <pc:docMk/>
+            <pc:sldMk cId="1966792804" sldId="1426"/>
+            <ac:picMk id="2051" creationId="{00000000-0000-0000-0000-000000000000}"/>
+          </ac:picMkLst>
+        </pc:picChg>
+      </pc:sldChg>
+      <pc:sldChg chg="addSp modSp add mod">
+        <pc:chgData name="Lines, Todd" userId="afaf7c3a-e8aa-4568-882a-02ad8f9e19b0" providerId="ADAL" clId="{780E8408-F318-4386-B3A0-1D5FFAD0DFD5}" dt="2024-05-23T20:13:24.355" v="42" actId="1036"/>
+        <pc:sldMkLst>
+          <pc:docMk/>
+          <pc:sldMk cId="3074516684" sldId="1427"/>
+        </pc:sldMkLst>
+        <pc:spChg chg="add mod">
+          <ac:chgData name="Lines, Todd" userId="afaf7c3a-e8aa-4568-882a-02ad8f9e19b0" providerId="ADAL" clId="{780E8408-F318-4386-B3A0-1D5FFAD0DFD5}" dt="2024-05-23T20:12:51.424" v="31" actId="692"/>
+          <ac:spMkLst>
+            <pc:docMk/>
+            <pc:sldMk cId="3074516684" sldId="1427"/>
+            <ac:spMk id="3" creationId="{F8DC588B-3CD5-BC32-262A-241B40E84279}"/>
+          </ac:spMkLst>
+        </pc:spChg>
+        <pc:spChg chg="add mod">
+          <ac:chgData name="Lines, Todd" userId="afaf7c3a-e8aa-4568-882a-02ad8f9e19b0" providerId="ADAL" clId="{780E8408-F318-4386-B3A0-1D5FFAD0DFD5}" dt="2024-05-23T20:13:05.656" v="34" actId="1076"/>
+          <ac:spMkLst>
+            <pc:docMk/>
+            <pc:sldMk cId="3074516684" sldId="1427"/>
+            <ac:spMk id="16" creationId="{F2F7436D-F63C-1DEE-E19B-E6BCED11660D}"/>
+          </ac:spMkLst>
+        </pc:spChg>
+        <pc:spChg chg="add mod">
+          <ac:chgData name="Lines, Todd" userId="afaf7c3a-e8aa-4568-882a-02ad8f9e19b0" providerId="ADAL" clId="{780E8408-F318-4386-B3A0-1D5FFAD0DFD5}" dt="2024-05-23T20:13:24.355" v="42" actId="1036"/>
+          <ac:spMkLst>
+            <pc:docMk/>
+            <pc:sldMk cId="3074516684" sldId="1427"/>
+            <ac:spMk id="17" creationId="{570C9098-AF8A-E52B-3A79-11F2CC02264C}"/>
+          </ac:spMkLst>
+        </pc:spChg>
+        <pc:spChg chg="add mod">
+          <ac:chgData name="Lines, Todd" userId="afaf7c3a-e8aa-4568-882a-02ad8f9e19b0" providerId="ADAL" clId="{780E8408-F318-4386-B3A0-1D5FFAD0DFD5}" dt="2024-05-23T20:13:12.927" v="38" actId="1076"/>
+          <ac:spMkLst>
+            <pc:docMk/>
+            <pc:sldMk cId="3074516684" sldId="1427"/>
+            <ac:spMk id="18" creationId="{935A9E8F-5798-BE02-99F0-004940BBDDC6}"/>
+          </ac:spMkLst>
+        </pc:spChg>
+        <pc:spChg chg="add mod">
+          <ac:chgData name="Lines, Todd" userId="afaf7c3a-e8aa-4568-882a-02ad8f9e19b0" providerId="ADAL" clId="{780E8408-F318-4386-B3A0-1D5FFAD0DFD5}" dt="2024-05-23T20:13:21.282" v="41" actId="14100"/>
+          <ac:spMkLst>
+            <pc:docMk/>
+            <pc:sldMk cId="3074516684" sldId="1427"/>
+            <ac:spMk id="19" creationId="{4DD2E625-E1E5-1CB5-F57A-47E8B5972323}"/>
+          </ac:spMkLst>
+        </pc:spChg>
+      </pc:sldChg>
+    </pc:docChg>
+  </pc:docChgLst>
   <pc:docChgLst>
     <pc:chgData name="Lines, Todd" userId="afaf7c3a-e8aa-4568-882a-02ad8f9e19b0" providerId="ADAL" clId="{0A3B95CE-6008-4B32-B188-10F482EB8E33}"/>
     <pc:docChg chg="custSel addSld modSld sldOrd">
@@ -1051,7 +1542,7 @@
             <a:fld id="{21F0067B-9C56-42EE-A882-361E4A5CF15A}" type="datetimeFigureOut">
               <a:rPr lang="en-US" smtClean="0"/>
               <a:pPr/>
-              <a:t>2/9/2024</a:t>
+              <a:t>5/23/2024</a:t>
             </a:fld>
             <a:endParaRPr lang="en-US"/>
           </a:p>
@@ -1216,7 +1707,7 @@
             <a:fld id="{21F0067B-9C56-42EE-A882-361E4A5CF15A}" type="datetimeFigureOut">
               <a:rPr lang="en-US" smtClean="0"/>
               <a:pPr/>
-              <a:t>2/9/2024</a:t>
+              <a:t>5/23/2024</a:t>
             </a:fld>
             <a:endParaRPr lang="en-US"/>
           </a:p>
@@ -1391,7 +1882,7 @@
             <a:fld id="{21F0067B-9C56-42EE-A882-361E4A5CF15A}" type="datetimeFigureOut">
               <a:rPr lang="en-US" smtClean="0"/>
               <a:pPr/>
-              <a:t>2/9/2024</a:t>
+              <a:t>5/23/2024</a:t>
             </a:fld>
             <a:endParaRPr lang="en-US"/>
           </a:p>
@@ -1786,7 +2277,7 @@
             <a:fld id="{21F0067B-9C56-42EE-A882-361E4A5CF15A}" type="datetimeFigureOut">
               <a:rPr lang="en-US" smtClean="0"/>
               <a:pPr/>
-              <a:t>2/9/2024</a:t>
+              <a:t>5/23/2024</a:t>
             </a:fld>
             <a:endParaRPr lang="en-US"/>
           </a:p>
@@ -2028,7 +2519,7 @@
             <a:fld id="{21F0067B-9C56-42EE-A882-361E4A5CF15A}" type="datetimeFigureOut">
               <a:rPr lang="en-US" smtClean="0"/>
               <a:pPr/>
-              <a:t>2/9/2024</a:t>
+              <a:t>5/23/2024</a:t>
             </a:fld>
             <a:endParaRPr lang="en-US"/>
           </a:p>
@@ -2310,7 +2801,7 @@
             <a:fld id="{21F0067B-9C56-42EE-A882-361E4A5CF15A}" type="datetimeFigureOut">
               <a:rPr lang="en-US" smtClean="0"/>
               <a:pPr/>
-              <a:t>2/9/2024</a:t>
+              <a:t>5/23/2024</a:t>
             </a:fld>
             <a:endParaRPr lang="en-US"/>
           </a:p>
@@ -2726,7 +3217,7 @@
             <a:fld id="{21F0067B-9C56-42EE-A882-361E4A5CF15A}" type="datetimeFigureOut">
               <a:rPr lang="en-US" smtClean="0"/>
               <a:pPr/>
-              <a:t>2/9/2024</a:t>
+              <a:t>5/23/2024</a:t>
             </a:fld>
             <a:endParaRPr lang="en-US"/>
           </a:p>
@@ -2840,7 +3331,7 @@
             <a:fld id="{21F0067B-9C56-42EE-A882-361E4A5CF15A}" type="datetimeFigureOut">
               <a:rPr lang="en-US" smtClean="0"/>
               <a:pPr/>
-              <a:t>2/9/2024</a:t>
+              <a:t>5/23/2024</a:t>
             </a:fld>
             <a:endParaRPr lang="en-US"/>
           </a:p>
@@ -2932,7 +3423,7 @@
             <a:fld id="{21F0067B-9C56-42EE-A882-361E4A5CF15A}" type="datetimeFigureOut">
               <a:rPr lang="en-US" smtClean="0"/>
               <a:pPr/>
-              <a:t>2/9/2024</a:t>
+              <a:t>5/23/2024</a:t>
             </a:fld>
             <a:endParaRPr lang="en-US"/>
           </a:p>
@@ -3204,7 +3695,7 @@
             <a:fld id="{21F0067B-9C56-42EE-A882-361E4A5CF15A}" type="datetimeFigureOut">
               <a:rPr lang="en-US" smtClean="0"/>
               <a:pPr/>
-              <a:t>2/9/2024</a:t>
+              <a:t>5/23/2024</a:t>
             </a:fld>
             <a:endParaRPr lang="en-US"/>
           </a:p>
@@ -3453,7 +3944,7 @@
             <a:fld id="{21F0067B-9C56-42EE-A882-361E4A5CF15A}" type="datetimeFigureOut">
               <a:rPr lang="en-US" smtClean="0"/>
               <a:pPr/>
-              <a:t>2/9/2024</a:t>
+              <a:t>5/23/2024</a:t>
             </a:fld>
             <a:endParaRPr lang="en-US"/>
           </a:p>
@@ -3661,7 +4152,7 @@
             <a:fld id="{21F0067B-9C56-42EE-A882-361E4A5CF15A}" type="datetimeFigureOut">
               <a:rPr lang="en-US" smtClean="0"/>
               <a:pPr/>
-              <a:t>2/9/2024</a:t>
+              <a:t>5/23/2024</a:t>
             </a:fld>
             <a:endParaRPr lang="en-US"/>
           </a:p>
@@ -4173,6 +4664,2150 @@
       </p:grpSpPr>
       <p:sp>
         <p:nvSpPr>
+          <p:cNvPr id="66564" name="Rectangle 2"/>
+          <p:cNvSpPr>
+            <a:spLocks noGrp="1" noChangeArrowheads="1"/>
+          </p:cNvSpPr>
+          <p:nvPr>
+            <p:ph type="title"/>
+          </p:nvPr>
+        </p:nvSpPr>
+        <p:spPr>
+          <a:xfrm>
+            <a:off x="457200" y="304800"/>
+            <a:ext cx="8229600" cy="1143000"/>
+          </a:xfrm>
+        </p:spPr>
+        <p:txBody>
+          <a:bodyPr/>
+          <a:lstStyle/>
+          <a:p>
+            <a:pPr eaLnBrk="1" hangingPunct="1"/>
+            <a:r>
+              <a:rPr lang="en-US" dirty="0"/>
+              <a:t>Energy Levels in Atoms</a:t>
+            </a:r>
+          </a:p>
+        </p:txBody>
+      </p:sp>
+      <p:sp>
+        <p:nvSpPr>
+          <p:cNvPr id="66567" name="Text Box 5"/>
+          <p:cNvSpPr txBox="1">
+            <a:spLocks noChangeArrowheads="1"/>
+          </p:cNvSpPr>
+          <p:nvPr/>
+        </p:nvSpPr>
+        <p:spPr bwMode="auto">
+          <a:xfrm rot="16200000">
+            <a:off x="3339037" y="3343553"/>
+            <a:ext cx="827088" cy="336550"/>
+          </a:xfrm>
+          <a:prstGeom prst="rect">
+            <a:avLst/>
+          </a:prstGeom>
+          <a:noFill/>
+          <a:ln w="9525">
+            <a:noFill/>
+            <a:miter lim="800000"/>
+            <a:headEnd/>
+            <a:tailEnd/>
+          </a:ln>
+        </p:spPr>
+        <p:txBody>
+          <a:bodyPr wrap="none">
+            <a:spAutoFit/>
+          </a:bodyPr>
+          <a:lstStyle/>
+          <a:p>
+            <a:r>
+              <a:rPr lang="en-US" dirty="0"/>
+              <a:t>Energy</a:t>
+            </a:r>
+          </a:p>
+        </p:txBody>
+      </p:sp>
+      <p:sp>
+        <p:nvSpPr>
+          <p:cNvPr id="66568" name="Line 6"/>
+          <p:cNvSpPr>
+            <a:spLocks noChangeShapeType="1"/>
+          </p:cNvSpPr>
+          <p:nvPr/>
+        </p:nvSpPr>
+        <p:spPr bwMode="auto">
+          <a:xfrm>
+            <a:off x="4042300" y="5002490"/>
+            <a:ext cx="4343400" cy="0"/>
+          </a:xfrm>
+          <a:prstGeom prst="line">
+            <a:avLst/>
+          </a:prstGeom>
+          <a:noFill/>
+          <a:ln w="9525">
+            <a:solidFill>
+              <a:schemeClr val="tx1"/>
+            </a:solidFill>
+            <a:miter lim="800000"/>
+            <a:headEnd/>
+            <a:tailEnd/>
+          </a:ln>
+        </p:spPr>
+        <p:txBody>
+          <a:bodyPr wrap="none"/>
+          <a:lstStyle/>
+          <a:p>
+            <a:endParaRPr lang="en-US"/>
+          </a:p>
+        </p:txBody>
+      </p:sp>
+      <p:grpSp>
+        <p:nvGrpSpPr>
+          <p:cNvPr id="20" name="Group 19"/>
+          <p:cNvGrpSpPr/>
+          <p:nvPr/>
+        </p:nvGrpSpPr>
+        <p:grpSpPr>
+          <a:xfrm>
+            <a:off x="5109100" y="3173690"/>
+            <a:ext cx="1143000" cy="990600"/>
+            <a:chOff x="5600700" y="3352800"/>
+            <a:chExt cx="533400" cy="990600"/>
+          </a:xfrm>
+        </p:grpSpPr>
+        <p:sp>
+          <p:nvSpPr>
+            <p:cNvPr id="66570" name="Line 8"/>
+            <p:cNvSpPr>
+              <a:spLocks noChangeShapeType="1"/>
+            </p:cNvSpPr>
+            <p:nvPr/>
+          </p:nvSpPr>
+          <p:spPr bwMode="auto">
+            <a:xfrm>
+              <a:off x="5600700" y="4343400"/>
+              <a:ext cx="533400" cy="0"/>
+            </a:xfrm>
+            <a:prstGeom prst="line">
+              <a:avLst/>
+            </a:prstGeom>
+            <a:noFill/>
+            <a:ln w="28575">
+              <a:solidFill>
+                <a:srgbClr val="FF9900"/>
+              </a:solidFill>
+              <a:miter lim="800000"/>
+              <a:headEnd/>
+              <a:tailEnd/>
+            </a:ln>
+          </p:spPr>
+          <p:txBody>
+            <a:bodyPr wrap="none"/>
+            <a:lstStyle/>
+            <a:p>
+              <a:endParaRPr lang="en-US"/>
+            </a:p>
+          </p:txBody>
+        </p:sp>
+        <p:sp>
+          <p:nvSpPr>
+            <p:cNvPr id="66571" name="Line 9"/>
+            <p:cNvSpPr>
+              <a:spLocks noChangeShapeType="1"/>
+            </p:cNvSpPr>
+            <p:nvPr/>
+          </p:nvSpPr>
+          <p:spPr bwMode="auto">
+            <a:xfrm>
+              <a:off x="5600700" y="3352800"/>
+              <a:ext cx="533400" cy="0"/>
+            </a:xfrm>
+            <a:prstGeom prst="line">
+              <a:avLst/>
+            </a:prstGeom>
+            <a:noFill/>
+            <a:ln w="28575">
+              <a:solidFill>
+                <a:srgbClr val="FF0000"/>
+              </a:solidFill>
+              <a:miter lim="800000"/>
+              <a:headEnd/>
+              <a:tailEnd/>
+            </a:ln>
+          </p:spPr>
+          <p:txBody>
+            <a:bodyPr wrap="none"/>
+            <a:lstStyle/>
+            <a:p>
+              <a:endParaRPr lang="en-US"/>
+            </a:p>
+          </p:txBody>
+        </p:sp>
+      </p:grpSp>
+      <p:sp>
+        <p:nvSpPr>
+          <p:cNvPr id="66572" name="Text Box 10"/>
+          <p:cNvSpPr txBox="1">
+            <a:spLocks noChangeArrowheads="1"/>
+          </p:cNvSpPr>
+          <p:nvPr/>
+        </p:nvSpPr>
+        <p:spPr bwMode="auto">
+          <a:xfrm>
+            <a:off x="6464825" y="3919815"/>
+            <a:ext cx="398463" cy="336550"/>
+          </a:xfrm>
+          <a:prstGeom prst="rect">
+            <a:avLst/>
+          </a:prstGeom>
+          <a:noFill/>
+          <a:ln w="9525">
+            <a:noFill/>
+            <a:miter lim="800000"/>
+            <a:headEnd/>
+            <a:tailEnd/>
+          </a:ln>
+        </p:spPr>
+        <p:txBody>
+          <a:bodyPr wrap="none">
+            <a:spAutoFit/>
+          </a:bodyPr>
+          <a:lstStyle/>
+          <a:p>
+            <a:r>
+              <a:rPr lang="en-US"/>
+              <a:t>1s</a:t>
+            </a:r>
+          </a:p>
+        </p:txBody>
+      </p:sp>
+      <p:sp>
+        <p:nvSpPr>
+          <p:cNvPr id="66573" name="Text Box 11"/>
+          <p:cNvSpPr txBox="1">
+            <a:spLocks noChangeArrowheads="1"/>
+          </p:cNvSpPr>
+          <p:nvPr/>
+        </p:nvSpPr>
+        <p:spPr bwMode="auto">
+          <a:xfrm>
+            <a:off x="6404500" y="2945090"/>
+            <a:ext cx="398463" cy="336550"/>
+          </a:xfrm>
+          <a:prstGeom prst="rect">
+            <a:avLst/>
+          </a:prstGeom>
+          <a:noFill/>
+          <a:ln w="9525">
+            <a:noFill/>
+            <a:miter lim="800000"/>
+            <a:headEnd/>
+            <a:tailEnd/>
+          </a:ln>
+        </p:spPr>
+        <p:txBody>
+          <a:bodyPr wrap="none">
+            <a:spAutoFit/>
+          </a:bodyPr>
+          <a:lstStyle/>
+          <a:p>
+            <a:r>
+              <a:rPr lang="en-US"/>
+              <a:t>2s</a:t>
+            </a:r>
+          </a:p>
+        </p:txBody>
+      </p:sp>
+      <p:sp>
+        <p:nvSpPr>
+          <p:cNvPr id="66578" name="Text Box 18"/>
+          <p:cNvSpPr txBox="1">
+            <a:spLocks noChangeArrowheads="1"/>
+          </p:cNvSpPr>
+          <p:nvPr/>
+        </p:nvSpPr>
+        <p:spPr bwMode="auto">
+          <a:xfrm>
+            <a:off x="5810775" y="5486678"/>
+            <a:ext cx="1268413" cy="336550"/>
+          </a:xfrm>
+          <a:prstGeom prst="rect">
+            <a:avLst/>
+          </a:prstGeom>
+          <a:noFill/>
+          <a:ln w="9525">
+            <a:noFill/>
+            <a:miter lim="800000"/>
+            <a:headEnd/>
+            <a:tailEnd/>
+          </a:ln>
+        </p:spPr>
+        <p:txBody>
+          <a:bodyPr wrap="none">
+            <a:spAutoFit/>
+          </a:bodyPr>
+          <a:lstStyle/>
+          <a:p>
+            <a:r>
+              <a:rPr lang="en-US" dirty="0"/>
+              <a:t>(Schematic)</a:t>
+            </a:r>
+          </a:p>
+        </p:txBody>
+      </p:sp>
+      <p:grpSp>
+        <p:nvGrpSpPr>
+          <p:cNvPr id="2" name="Group 1">
+            <a:extLst>
+              <a:ext uri="{FF2B5EF4-FFF2-40B4-BE49-F238E27FC236}">
+                <a16:creationId xmlns:a16="http://schemas.microsoft.com/office/drawing/2014/main" id="{FEB0892E-5BA6-B81F-21B6-5538B133C86A}"/>
+              </a:ext>
+            </a:extLst>
+          </p:cNvPr>
+          <p:cNvGrpSpPr/>
+          <p:nvPr/>
+        </p:nvGrpSpPr>
+        <p:grpSpPr>
+          <a:xfrm>
+            <a:off x="804570" y="2360601"/>
+            <a:ext cx="2000867" cy="1895764"/>
+            <a:chOff x="-76200" y="-228600"/>
+            <a:chExt cx="6781800" cy="6324600"/>
+          </a:xfrm>
+        </p:grpSpPr>
+        <p:sp>
+          <p:nvSpPr>
+            <p:cNvPr id="4" name="Oval 3">
+              <a:extLst>
+                <a:ext uri="{FF2B5EF4-FFF2-40B4-BE49-F238E27FC236}">
+                  <a16:creationId xmlns:a16="http://schemas.microsoft.com/office/drawing/2014/main" id="{A580F23B-4A08-90B0-5A54-F06E2740132C}"/>
+                </a:ext>
+              </a:extLst>
+            </p:cNvPr>
+            <p:cNvSpPr/>
+            <p:nvPr/>
+          </p:nvSpPr>
+          <p:spPr>
+            <a:xfrm rot="19673694">
+              <a:off x="2123324" y="903980"/>
+              <a:ext cx="2423160" cy="4099560"/>
+            </a:xfrm>
+            <a:prstGeom prst="ellipse">
+              <a:avLst/>
+            </a:prstGeom>
+            <a:noFill/>
+            <a:ln w="38100">
+              <a:solidFill>
+                <a:srgbClr val="FFC000"/>
+              </a:solidFill>
+              <a:prstDash val="dash"/>
+            </a:ln>
+          </p:spPr>
+          <p:style>
+            <a:lnRef idx="2">
+              <a:schemeClr val="accent1">
+                <a:shade val="50000"/>
+              </a:schemeClr>
+            </a:lnRef>
+            <a:fillRef idx="1">
+              <a:schemeClr val="accent1"/>
+            </a:fillRef>
+            <a:effectRef idx="0">
+              <a:schemeClr val="accent1"/>
+            </a:effectRef>
+            <a:fontRef idx="minor">
+              <a:schemeClr val="lt1"/>
+            </a:fontRef>
+          </p:style>
+          <p:txBody>
+            <a:bodyPr rtlCol="0" anchor="ctr"/>
+            <a:lstStyle/>
+            <a:p>
+              <a:pPr algn="ctr"/>
+              <a:endParaRPr lang="en-US" dirty="0"/>
+            </a:p>
+          </p:txBody>
+        </p:sp>
+        <p:sp>
+          <p:nvSpPr>
+            <p:cNvPr id="5" name="Oval 4">
+              <a:extLst>
+                <a:ext uri="{FF2B5EF4-FFF2-40B4-BE49-F238E27FC236}">
+                  <a16:creationId xmlns:a16="http://schemas.microsoft.com/office/drawing/2014/main" id="{37BFCE6A-0E7B-D06E-DB6E-0C10440A86D9}"/>
+                </a:ext>
+              </a:extLst>
+            </p:cNvPr>
+            <p:cNvSpPr/>
+            <p:nvPr/>
+          </p:nvSpPr>
+          <p:spPr>
+            <a:xfrm>
+              <a:off x="3126375" y="2907036"/>
+              <a:ext cx="224908" cy="221253"/>
+            </a:xfrm>
+            <a:prstGeom prst="ellipse">
+              <a:avLst/>
+            </a:prstGeom>
+            <a:solidFill>
+              <a:srgbClr val="C0C0C0"/>
+            </a:solidFill>
+            <a:ln>
+              <a:noFill/>
+            </a:ln>
+          </p:spPr>
+          <p:style>
+            <a:lnRef idx="2">
+              <a:schemeClr val="accent1">
+                <a:shade val="50000"/>
+              </a:schemeClr>
+            </a:lnRef>
+            <a:fillRef idx="1">
+              <a:schemeClr val="accent1"/>
+            </a:fillRef>
+            <a:effectRef idx="0">
+              <a:schemeClr val="accent1"/>
+            </a:effectRef>
+            <a:fontRef idx="minor">
+              <a:schemeClr val="lt1"/>
+            </a:fontRef>
+          </p:style>
+          <p:txBody>
+            <a:bodyPr rtlCol="0" anchor="ctr"/>
+            <a:lstStyle/>
+            <a:p>
+              <a:pPr algn="ctr"/>
+              <a:endParaRPr lang="en-US" dirty="0"/>
+            </a:p>
+          </p:txBody>
+        </p:sp>
+        <p:sp>
+          <p:nvSpPr>
+            <p:cNvPr id="6" name="Oval 5">
+              <a:extLst>
+                <a:ext uri="{FF2B5EF4-FFF2-40B4-BE49-F238E27FC236}">
+                  <a16:creationId xmlns:a16="http://schemas.microsoft.com/office/drawing/2014/main" id="{5B02A20E-3E66-6925-B155-6991D986B7B0}"/>
+                </a:ext>
+              </a:extLst>
+            </p:cNvPr>
+            <p:cNvSpPr/>
+            <p:nvPr/>
+          </p:nvSpPr>
+          <p:spPr>
+            <a:xfrm>
+              <a:off x="3144575" y="2779408"/>
+              <a:ext cx="224908" cy="221253"/>
+            </a:xfrm>
+            <a:prstGeom prst="ellipse">
+              <a:avLst/>
+            </a:prstGeom>
+            <a:solidFill>
+              <a:srgbClr val="969696"/>
+            </a:solidFill>
+            <a:ln>
+              <a:noFill/>
+            </a:ln>
+          </p:spPr>
+          <p:style>
+            <a:lnRef idx="2">
+              <a:schemeClr val="accent1">
+                <a:shade val="50000"/>
+              </a:schemeClr>
+            </a:lnRef>
+            <a:fillRef idx="1">
+              <a:schemeClr val="accent1"/>
+            </a:fillRef>
+            <a:effectRef idx="0">
+              <a:schemeClr val="accent1"/>
+            </a:effectRef>
+            <a:fontRef idx="minor">
+              <a:schemeClr val="lt1"/>
+            </a:fontRef>
+          </p:style>
+          <p:txBody>
+            <a:bodyPr rtlCol="0" anchor="ctr"/>
+            <a:lstStyle/>
+            <a:p>
+              <a:pPr algn="ctr"/>
+              <a:endParaRPr lang="en-US" dirty="0"/>
+            </a:p>
+          </p:txBody>
+        </p:sp>
+        <p:sp>
+          <p:nvSpPr>
+            <p:cNvPr id="7" name="Plus 4">
+              <a:extLst>
+                <a:ext uri="{FF2B5EF4-FFF2-40B4-BE49-F238E27FC236}">
+                  <a16:creationId xmlns:a16="http://schemas.microsoft.com/office/drawing/2014/main" id="{0C425E04-FD06-E7AC-4BA4-B259370A0AFF}"/>
+                </a:ext>
+              </a:extLst>
+            </p:cNvPr>
+            <p:cNvSpPr/>
+            <p:nvPr/>
+          </p:nvSpPr>
+          <p:spPr>
+            <a:xfrm>
+              <a:off x="3178420" y="2804937"/>
+              <a:ext cx="157217" cy="170194"/>
+            </a:xfrm>
+            <a:prstGeom prst="mathPlus">
+              <a:avLst/>
+            </a:prstGeom>
+            <a:solidFill>
+              <a:schemeClr val="tx1"/>
+            </a:solidFill>
+            <a:ln>
+              <a:noFill/>
+            </a:ln>
+          </p:spPr>
+          <p:style>
+            <a:lnRef idx="2">
+              <a:schemeClr val="accent1">
+                <a:shade val="50000"/>
+              </a:schemeClr>
+            </a:lnRef>
+            <a:fillRef idx="1">
+              <a:schemeClr val="accent1"/>
+            </a:fillRef>
+            <a:effectRef idx="0">
+              <a:schemeClr val="accent1"/>
+            </a:effectRef>
+            <a:fontRef idx="minor">
+              <a:schemeClr val="lt1"/>
+            </a:fontRef>
+          </p:style>
+          <p:txBody>
+            <a:bodyPr rtlCol="0" anchor="ctr"/>
+            <a:lstStyle/>
+            <a:p>
+              <a:pPr algn="ctr"/>
+              <a:endParaRPr lang="en-US" dirty="0"/>
+            </a:p>
+          </p:txBody>
+        </p:sp>
+        <p:sp>
+          <p:nvSpPr>
+            <p:cNvPr id="8" name="Oval 7">
+              <a:extLst>
+                <a:ext uri="{FF2B5EF4-FFF2-40B4-BE49-F238E27FC236}">
+                  <a16:creationId xmlns:a16="http://schemas.microsoft.com/office/drawing/2014/main" id="{EC99994C-62C4-588D-B97F-F206ED4D26EA}"/>
+                </a:ext>
+              </a:extLst>
+            </p:cNvPr>
+            <p:cNvSpPr/>
+            <p:nvPr/>
+          </p:nvSpPr>
+          <p:spPr>
+            <a:xfrm>
+              <a:off x="3262878" y="2769591"/>
+              <a:ext cx="224908" cy="221253"/>
+            </a:xfrm>
+            <a:prstGeom prst="ellipse">
+              <a:avLst/>
+            </a:prstGeom>
+            <a:solidFill>
+              <a:srgbClr val="C0C0C0"/>
+            </a:solidFill>
+            <a:ln>
+              <a:noFill/>
+            </a:ln>
+          </p:spPr>
+          <p:style>
+            <a:lnRef idx="2">
+              <a:schemeClr val="accent1">
+                <a:shade val="50000"/>
+              </a:schemeClr>
+            </a:lnRef>
+            <a:fillRef idx="1">
+              <a:schemeClr val="accent1"/>
+            </a:fillRef>
+            <a:effectRef idx="0">
+              <a:schemeClr val="accent1"/>
+            </a:effectRef>
+            <a:fontRef idx="minor">
+              <a:schemeClr val="lt1"/>
+            </a:fontRef>
+          </p:style>
+          <p:txBody>
+            <a:bodyPr rtlCol="0" anchor="ctr"/>
+            <a:lstStyle/>
+            <a:p>
+              <a:pPr algn="ctr"/>
+              <a:endParaRPr lang="en-US" dirty="0"/>
+            </a:p>
+          </p:txBody>
+        </p:sp>
+        <p:sp>
+          <p:nvSpPr>
+            <p:cNvPr id="9" name="Oval 8">
+              <a:extLst>
+                <a:ext uri="{FF2B5EF4-FFF2-40B4-BE49-F238E27FC236}">
+                  <a16:creationId xmlns:a16="http://schemas.microsoft.com/office/drawing/2014/main" id="{2DA13644-80E7-6BA3-B318-86F1329C19D9}"/>
+                </a:ext>
+              </a:extLst>
+            </p:cNvPr>
+            <p:cNvSpPr/>
+            <p:nvPr/>
+          </p:nvSpPr>
+          <p:spPr>
+            <a:xfrm>
+              <a:off x="3235577" y="2877583"/>
+              <a:ext cx="224908" cy="221253"/>
+            </a:xfrm>
+            <a:prstGeom prst="ellipse">
+              <a:avLst/>
+            </a:prstGeom>
+            <a:solidFill>
+              <a:srgbClr val="969696"/>
+            </a:solidFill>
+            <a:ln>
+              <a:noFill/>
+            </a:ln>
+          </p:spPr>
+          <p:style>
+            <a:lnRef idx="2">
+              <a:schemeClr val="accent1">
+                <a:shade val="50000"/>
+              </a:schemeClr>
+            </a:lnRef>
+            <a:fillRef idx="1">
+              <a:schemeClr val="accent1"/>
+            </a:fillRef>
+            <a:effectRef idx="0">
+              <a:schemeClr val="accent1"/>
+            </a:effectRef>
+            <a:fontRef idx="minor">
+              <a:schemeClr val="lt1"/>
+            </a:fontRef>
+          </p:style>
+          <p:txBody>
+            <a:bodyPr rtlCol="0" anchor="ctr"/>
+            <a:lstStyle/>
+            <a:p>
+              <a:pPr algn="ctr"/>
+              <a:endParaRPr lang="en-US" dirty="0"/>
+            </a:p>
+          </p:txBody>
+        </p:sp>
+        <p:sp>
+          <p:nvSpPr>
+            <p:cNvPr id="10" name="Plus 7">
+              <a:extLst>
+                <a:ext uri="{FF2B5EF4-FFF2-40B4-BE49-F238E27FC236}">
+                  <a16:creationId xmlns:a16="http://schemas.microsoft.com/office/drawing/2014/main" id="{97DF6443-3351-5D70-605E-791D6C7E0836}"/>
+                </a:ext>
+              </a:extLst>
+            </p:cNvPr>
+            <p:cNvSpPr/>
+            <p:nvPr/>
+          </p:nvSpPr>
+          <p:spPr>
+            <a:xfrm>
+              <a:off x="3269422" y="2903112"/>
+              <a:ext cx="157217" cy="170194"/>
+            </a:xfrm>
+            <a:prstGeom prst="mathPlus">
+              <a:avLst/>
+            </a:prstGeom>
+            <a:solidFill>
+              <a:schemeClr val="tx1"/>
+            </a:solidFill>
+            <a:ln>
+              <a:noFill/>
+            </a:ln>
+          </p:spPr>
+          <p:style>
+            <a:lnRef idx="2">
+              <a:schemeClr val="accent1">
+                <a:shade val="50000"/>
+              </a:schemeClr>
+            </a:lnRef>
+            <a:fillRef idx="1">
+              <a:schemeClr val="accent1"/>
+            </a:fillRef>
+            <a:effectRef idx="0">
+              <a:schemeClr val="accent1"/>
+            </a:effectRef>
+            <a:fontRef idx="minor">
+              <a:schemeClr val="lt1"/>
+            </a:fontRef>
+          </p:style>
+          <p:txBody>
+            <a:bodyPr rtlCol="0" anchor="ctr"/>
+            <a:lstStyle/>
+            <a:p>
+              <a:pPr algn="ctr"/>
+              <a:endParaRPr lang="en-US" dirty="0"/>
+            </a:p>
+          </p:txBody>
+        </p:sp>
+        <p:sp>
+          <p:nvSpPr>
+            <p:cNvPr id="11" name="Oval 10">
+              <a:extLst>
+                <a:ext uri="{FF2B5EF4-FFF2-40B4-BE49-F238E27FC236}">
+                  <a16:creationId xmlns:a16="http://schemas.microsoft.com/office/drawing/2014/main" id="{E6B2472E-9AFA-CA7C-18C1-E81FB80A710B}"/>
+                </a:ext>
+              </a:extLst>
+            </p:cNvPr>
+            <p:cNvSpPr/>
+            <p:nvPr/>
+          </p:nvSpPr>
+          <p:spPr>
+            <a:xfrm>
+              <a:off x="1280160" y="899160"/>
+              <a:ext cx="4053840" cy="4099560"/>
+            </a:xfrm>
+            <a:prstGeom prst="ellipse">
+              <a:avLst/>
+            </a:prstGeom>
+            <a:noFill/>
+            <a:ln w="38100">
+              <a:solidFill>
+                <a:srgbClr val="FFC000"/>
+              </a:solidFill>
+              <a:prstDash val="dash"/>
+            </a:ln>
+          </p:spPr>
+          <p:style>
+            <a:lnRef idx="2">
+              <a:schemeClr val="accent1">
+                <a:shade val="50000"/>
+              </a:schemeClr>
+            </a:lnRef>
+            <a:fillRef idx="1">
+              <a:schemeClr val="accent1"/>
+            </a:fillRef>
+            <a:effectRef idx="0">
+              <a:schemeClr val="accent1"/>
+            </a:effectRef>
+            <a:fontRef idx="minor">
+              <a:schemeClr val="lt1"/>
+            </a:fontRef>
+          </p:style>
+          <p:txBody>
+            <a:bodyPr rtlCol="0" anchor="ctr"/>
+            <a:lstStyle/>
+            <a:p>
+              <a:pPr algn="ctr"/>
+              <a:endParaRPr lang="en-US" dirty="0"/>
+            </a:p>
+          </p:txBody>
+        </p:sp>
+        <p:sp>
+          <p:nvSpPr>
+            <p:cNvPr id="12" name="Oval 11">
+              <a:extLst>
+                <a:ext uri="{FF2B5EF4-FFF2-40B4-BE49-F238E27FC236}">
+                  <a16:creationId xmlns:a16="http://schemas.microsoft.com/office/drawing/2014/main" id="{E4DE8A75-3C06-78B8-AA19-2800E7CAADFD}"/>
+                </a:ext>
+              </a:extLst>
+            </p:cNvPr>
+            <p:cNvSpPr/>
+            <p:nvPr/>
+          </p:nvSpPr>
+          <p:spPr>
+            <a:xfrm>
+              <a:off x="5042328" y="2079702"/>
+              <a:ext cx="261192" cy="282498"/>
+            </a:xfrm>
+            <a:prstGeom prst="ellipse">
+              <a:avLst/>
+            </a:prstGeom>
+            <a:solidFill>
+              <a:srgbClr val="638FC5"/>
+            </a:solidFill>
+            <a:ln>
+              <a:noFill/>
+            </a:ln>
+          </p:spPr>
+          <p:style>
+            <a:lnRef idx="2">
+              <a:schemeClr val="accent1">
+                <a:shade val="50000"/>
+              </a:schemeClr>
+            </a:lnRef>
+            <a:fillRef idx="1">
+              <a:schemeClr val="accent1"/>
+            </a:fillRef>
+            <a:effectRef idx="0">
+              <a:schemeClr val="accent1"/>
+            </a:effectRef>
+            <a:fontRef idx="minor">
+              <a:schemeClr val="lt1"/>
+            </a:fontRef>
+          </p:style>
+          <p:txBody>
+            <a:bodyPr rtlCol="0" anchor="ctr"/>
+            <a:lstStyle/>
+            <a:p>
+              <a:pPr algn="ctr"/>
+              <a:endParaRPr lang="en-US" dirty="0"/>
+            </a:p>
+          </p:txBody>
+        </p:sp>
+        <p:sp>
+          <p:nvSpPr>
+            <p:cNvPr id="13" name="Minus 15">
+              <a:extLst>
+                <a:ext uri="{FF2B5EF4-FFF2-40B4-BE49-F238E27FC236}">
+                  <a16:creationId xmlns:a16="http://schemas.microsoft.com/office/drawing/2014/main" id="{C2D242A5-B483-F182-8200-6132A4E6DDE1}"/>
+                </a:ext>
+              </a:extLst>
+            </p:cNvPr>
+            <p:cNvSpPr/>
+            <p:nvPr/>
+          </p:nvSpPr>
+          <p:spPr>
+            <a:xfrm>
+              <a:off x="5067686" y="2154401"/>
+              <a:ext cx="210475" cy="133100"/>
+            </a:xfrm>
+            <a:prstGeom prst="mathMinus">
+              <a:avLst/>
+            </a:prstGeom>
+            <a:solidFill>
+              <a:schemeClr val="tx1"/>
+            </a:solidFill>
+            <a:ln>
+              <a:noFill/>
+            </a:ln>
+          </p:spPr>
+          <p:style>
+            <a:lnRef idx="2">
+              <a:schemeClr val="accent1">
+                <a:shade val="50000"/>
+              </a:schemeClr>
+            </a:lnRef>
+            <a:fillRef idx="1">
+              <a:schemeClr val="accent1"/>
+            </a:fillRef>
+            <a:effectRef idx="0">
+              <a:schemeClr val="accent1"/>
+            </a:effectRef>
+            <a:fontRef idx="minor">
+              <a:schemeClr val="lt1"/>
+            </a:fontRef>
+          </p:style>
+          <p:txBody>
+            <a:bodyPr rtlCol="0" anchor="ctr"/>
+            <a:lstStyle/>
+            <a:p>
+              <a:pPr algn="ctr"/>
+              <a:endParaRPr lang="en-US" dirty="0"/>
+            </a:p>
+          </p:txBody>
+        </p:sp>
+        <p:sp>
+          <p:nvSpPr>
+            <p:cNvPr id="14" name="Oval 13">
+              <a:extLst>
+                <a:ext uri="{FF2B5EF4-FFF2-40B4-BE49-F238E27FC236}">
+                  <a16:creationId xmlns:a16="http://schemas.microsoft.com/office/drawing/2014/main" id="{25439C78-B14D-FF00-5EF7-192AB75F392F}"/>
+                </a:ext>
+              </a:extLst>
+            </p:cNvPr>
+            <p:cNvSpPr/>
+            <p:nvPr/>
+          </p:nvSpPr>
+          <p:spPr>
+            <a:xfrm>
+              <a:off x="2725848" y="4030422"/>
+              <a:ext cx="261192" cy="282498"/>
+            </a:xfrm>
+            <a:prstGeom prst="ellipse">
+              <a:avLst/>
+            </a:prstGeom>
+            <a:solidFill>
+              <a:srgbClr val="638FC5"/>
+            </a:solidFill>
+            <a:ln>
+              <a:noFill/>
+            </a:ln>
+          </p:spPr>
+          <p:style>
+            <a:lnRef idx="2">
+              <a:schemeClr val="accent1">
+                <a:shade val="50000"/>
+              </a:schemeClr>
+            </a:lnRef>
+            <a:fillRef idx="1">
+              <a:schemeClr val="accent1"/>
+            </a:fillRef>
+            <a:effectRef idx="0">
+              <a:schemeClr val="accent1"/>
+            </a:effectRef>
+            <a:fontRef idx="minor">
+              <a:schemeClr val="lt1"/>
+            </a:fontRef>
+          </p:style>
+          <p:txBody>
+            <a:bodyPr rtlCol="0" anchor="ctr"/>
+            <a:lstStyle/>
+            <a:p>
+              <a:pPr algn="ctr"/>
+              <a:endParaRPr lang="en-US" dirty="0"/>
+            </a:p>
+          </p:txBody>
+        </p:sp>
+        <p:sp>
+          <p:nvSpPr>
+            <p:cNvPr id="15" name="Minus 24">
+              <a:extLst>
+                <a:ext uri="{FF2B5EF4-FFF2-40B4-BE49-F238E27FC236}">
+                  <a16:creationId xmlns:a16="http://schemas.microsoft.com/office/drawing/2014/main" id="{835AA4F2-2809-FBB4-12B9-4FE6219EA394}"/>
+                </a:ext>
+              </a:extLst>
+            </p:cNvPr>
+            <p:cNvSpPr/>
+            <p:nvPr/>
+          </p:nvSpPr>
+          <p:spPr>
+            <a:xfrm>
+              <a:off x="2751206" y="4105121"/>
+              <a:ext cx="210475" cy="133100"/>
+            </a:xfrm>
+            <a:prstGeom prst="mathMinus">
+              <a:avLst/>
+            </a:prstGeom>
+            <a:solidFill>
+              <a:schemeClr val="tx1"/>
+            </a:solidFill>
+            <a:ln>
+              <a:noFill/>
+            </a:ln>
+          </p:spPr>
+          <p:style>
+            <a:lnRef idx="2">
+              <a:schemeClr val="accent1">
+                <a:shade val="50000"/>
+              </a:schemeClr>
+            </a:lnRef>
+            <a:fillRef idx="1">
+              <a:schemeClr val="accent1"/>
+            </a:fillRef>
+            <a:effectRef idx="0">
+              <a:schemeClr val="accent1"/>
+            </a:effectRef>
+            <a:fontRef idx="minor">
+              <a:schemeClr val="lt1"/>
+            </a:fontRef>
+          </p:style>
+          <p:txBody>
+            <a:bodyPr rtlCol="0" anchor="ctr"/>
+            <a:lstStyle/>
+            <a:p>
+              <a:pPr algn="ctr"/>
+              <a:endParaRPr lang="en-US" dirty="0"/>
+            </a:p>
+          </p:txBody>
+        </p:sp>
+        <p:sp>
+          <p:nvSpPr>
+            <p:cNvPr id="21" name="Oval 20">
+              <a:extLst>
+                <a:ext uri="{FF2B5EF4-FFF2-40B4-BE49-F238E27FC236}">
+                  <a16:creationId xmlns:a16="http://schemas.microsoft.com/office/drawing/2014/main" id="{3FCA85A0-E2B6-1355-0259-085396CAE3B0}"/>
+                </a:ext>
+              </a:extLst>
+            </p:cNvPr>
+            <p:cNvSpPr/>
+            <p:nvPr/>
+          </p:nvSpPr>
+          <p:spPr>
+            <a:xfrm>
+              <a:off x="3088593" y="3029241"/>
+              <a:ext cx="376256" cy="300213"/>
+            </a:xfrm>
+            <a:prstGeom prst="ellipse">
+              <a:avLst/>
+            </a:prstGeom>
+            <a:solidFill>
+              <a:srgbClr val="C0C0C0"/>
+            </a:solidFill>
+            <a:ln>
+              <a:noFill/>
+            </a:ln>
+          </p:spPr>
+          <p:style>
+            <a:lnRef idx="2">
+              <a:schemeClr val="accent1">
+                <a:shade val="50000"/>
+              </a:schemeClr>
+            </a:lnRef>
+            <a:fillRef idx="1">
+              <a:schemeClr val="accent1"/>
+            </a:fillRef>
+            <a:effectRef idx="0">
+              <a:schemeClr val="accent1"/>
+            </a:effectRef>
+            <a:fontRef idx="minor">
+              <a:schemeClr val="lt1"/>
+            </a:fontRef>
+          </p:style>
+          <p:txBody>
+            <a:bodyPr rtlCol="0" anchor="ctr"/>
+            <a:lstStyle/>
+            <a:p>
+              <a:pPr algn="ctr"/>
+              <a:endParaRPr lang="en-US" dirty="0"/>
+            </a:p>
+          </p:txBody>
+        </p:sp>
+        <p:sp>
+          <p:nvSpPr>
+            <p:cNvPr id="22" name="Oval 21">
+              <a:extLst>
+                <a:ext uri="{FF2B5EF4-FFF2-40B4-BE49-F238E27FC236}">
+                  <a16:creationId xmlns:a16="http://schemas.microsoft.com/office/drawing/2014/main" id="{DD5844E7-4125-6D3E-2E51-477CBAE84381}"/>
+                </a:ext>
+              </a:extLst>
+            </p:cNvPr>
+            <p:cNvSpPr/>
+            <p:nvPr/>
+          </p:nvSpPr>
+          <p:spPr>
+            <a:xfrm>
+              <a:off x="3119040" y="2856066"/>
+              <a:ext cx="376256" cy="300213"/>
+            </a:xfrm>
+            <a:prstGeom prst="ellipse">
+              <a:avLst/>
+            </a:prstGeom>
+            <a:solidFill>
+              <a:srgbClr val="969696"/>
+            </a:solidFill>
+            <a:ln>
+              <a:noFill/>
+            </a:ln>
+          </p:spPr>
+          <p:style>
+            <a:lnRef idx="2">
+              <a:schemeClr val="accent1">
+                <a:shade val="50000"/>
+              </a:schemeClr>
+            </a:lnRef>
+            <a:fillRef idx="1">
+              <a:schemeClr val="accent1"/>
+            </a:fillRef>
+            <a:effectRef idx="0">
+              <a:schemeClr val="accent1"/>
+            </a:effectRef>
+            <a:fontRef idx="minor">
+              <a:schemeClr val="lt1"/>
+            </a:fontRef>
+          </p:style>
+          <p:txBody>
+            <a:bodyPr rtlCol="0" anchor="ctr"/>
+            <a:lstStyle/>
+            <a:p>
+              <a:pPr algn="ctr"/>
+              <a:endParaRPr lang="en-US" dirty="0"/>
+            </a:p>
+          </p:txBody>
+        </p:sp>
+        <p:sp>
+          <p:nvSpPr>
+            <p:cNvPr id="23" name="Plus 30">
+              <a:extLst>
+                <a:ext uri="{FF2B5EF4-FFF2-40B4-BE49-F238E27FC236}">
+                  <a16:creationId xmlns:a16="http://schemas.microsoft.com/office/drawing/2014/main" id="{4D389284-46EA-A4C5-BF21-39BD2246B0CB}"/>
+                </a:ext>
+              </a:extLst>
+            </p:cNvPr>
+            <p:cNvSpPr/>
+            <p:nvPr/>
+          </p:nvSpPr>
+          <p:spPr>
+            <a:xfrm>
+              <a:off x="3175661" y="2890706"/>
+              <a:ext cx="263013" cy="230932"/>
+            </a:xfrm>
+            <a:prstGeom prst="mathPlus">
+              <a:avLst/>
+            </a:prstGeom>
+            <a:solidFill>
+              <a:schemeClr val="tx1"/>
+            </a:solidFill>
+            <a:ln>
+              <a:noFill/>
+            </a:ln>
+          </p:spPr>
+          <p:style>
+            <a:lnRef idx="2">
+              <a:schemeClr val="accent1">
+                <a:shade val="50000"/>
+              </a:schemeClr>
+            </a:lnRef>
+            <a:fillRef idx="1">
+              <a:schemeClr val="accent1"/>
+            </a:fillRef>
+            <a:effectRef idx="0">
+              <a:schemeClr val="accent1"/>
+            </a:effectRef>
+            <a:fontRef idx="minor">
+              <a:schemeClr val="lt1"/>
+            </a:fontRef>
+          </p:style>
+          <p:txBody>
+            <a:bodyPr rtlCol="0" anchor="ctr"/>
+            <a:lstStyle/>
+            <a:p>
+              <a:pPr algn="ctr"/>
+              <a:endParaRPr lang="en-US" dirty="0"/>
+            </a:p>
+          </p:txBody>
+        </p:sp>
+        <p:sp>
+          <p:nvSpPr>
+            <p:cNvPr id="24" name="Oval 23">
+              <a:extLst>
+                <a:ext uri="{FF2B5EF4-FFF2-40B4-BE49-F238E27FC236}">
+                  <a16:creationId xmlns:a16="http://schemas.microsoft.com/office/drawing/2014/main" id="{77BAF506-A2E5-F931-B5D3-470301ABDD5A}"/>
+                </a:ext>
+              </a:extLst>
+            </p:cNvPr>
+            <p:cNvSpPr/>
+            <p:nvPr/>
+          </p:nvSpPr>
+          <p:spPr>
+            <a:xfrm>
+              <a:off x="3316953" y="2842745"/>
+              <a:ext cx="376256" cy="300213"/>
+            </a:xfrm>
+            <a:prstGeom prst="ellipse">
+              <a:avLst/>
+            </a:prstGeom>
+            <a:solidFill>
+              <a:srgbClr val="C0C0C0"/>
+            </a:solidFill>
+            <a:ln>
+              <a:noFill/>
+            </a:ln>
+          </p:spPr>
+          <p:style>
+            <a:lnRef idx="2">
+              <a:schemeClr val="accent1">
+                <a:shade val="50000"/>
+              </a:schemeClr>
+            </a:lnRef>
+            <a:fillRef idx="1">
+              <a:schemeClr val="accent1"/>
+            </a:fillRef>
+            <a:effectRef idx="0">
+              <a:schemeClr val="accent1"/>
+            </a:effectRef>
+            <a:fontRef idx="minor">
+              <a:schemeClr val="lt1"/>
+            </a:fontRef>
+          </p:style>
+          <p:txBody>
+            <a:bodyPr rtlCol="0" anchor="ctr"/>
+            <a:lstStyle/>
+            <a:p>
+              <a:pPr algn="ctr"/>
+              <a:endParaRPr lang="en-US" dirty="0"/>
+            </a:p>
+          </p:txBody>
+        </p:sp>
+        <p:sp>
+          <p:nvSpPr>
+            <p:cNvPr id="25" name="Oval 24">
+              <a:extLst>
+                <a:ext uri="{FF2B5EF4-FFF2-40B4-BE49-F238E27FC236}">
+                  <a16:creationId xmlns:a16="http://schemas.microsoft.com/office/drawing/2014/main" id="{08C34114-60E9-1E16-9368-A89772FCFDC2}"/>
+                </a:ext>
+              </a:extLst>
+            </p:cNvPr>
+            <p:cNvSpPr/>
+            <p:nvPr/>
+          </p:nvSpPr>
+          <p:spPr>
+            <a:xfrm>
+              <a:off x="3271280" y="2989277"/>
+              <a:ext cx="376256" cy="300213"/>
+            </a:xfrm>
+            <a:prstGeom prst="ellipse">
+              <a:avLst/>
+            </a:prstGeom>
+            <a:solidFill>
+              <a:srgbClr val="969696"/>
+            </a:solidFill>
+            <a:ln>
+              <a:noFill/>
+            </a:ln>
+          </p:spPr>
+          <p:style>
+            <a:lnRef idx="2">
+              <a:schemeClr val="accent1">
+                <a:shade val="50000"/>
+              </a:schemeClr>
+            </a:lnRef>
+            <a:fillRef idx="1">
+              <a:schemeClr val="accent1"/>
+            </a:fillRef>
+            <a:effectRef idx="0">
+              <a:schemeClr val="accent1"/>
+            </a:effectRef>
+            <a:fontRef idx="minor">
+              <a:schemeClr val="lt1"/>
+            </a:fontRef>
+          </p:style>
+          <p:txBody>
+            <a:bodyPr rtlCol="0" anchor="ctr"/>
+            <a:lstStyle/>
+            <a:p>
+              <a:pPr algn="ctr"/>
+              <a:endParaRPr lang="en-US" dirty="0"/>
+            </a:p>
+          </p:txBody>
+        </p:sp>
+        <p:sp>
+          <p:nvSpPr>
+            <p:cNvPr id="26" name="Plus 33">
+              <a:extLst>
+                <a:ext uri="{FF2B5EF4-FFF2-40B4-BE49-F238E27FC236}">
+                  <a16:creationId xmlns:a16="http://schemas.microsoft.com/office/drawing/2014/main" id="{61B9875D-234E-C102-6767-2FF3E7EF5A43}"/>
+                </a:ext>
+              </a:extLst>
+            </p:cNvPr>
+            <p:cNvSpPr/>
+            <p:nvPr/>
+          </p:nvSpPr>
+          <p:spPr>
+            <a:xfrm>
+              <a:off x="3327901" y="3023917"/>
+              <a:ext cx="263013" cy="230932"/>
+            </a:xfrm>
+            <a:prstGeom prst="mathPlus">
+              <a:avLst/>
+            </a:prstGeom>
+            <a:solidFill>
+              <a:schemeClr val="tx1"/>
+            </a:solidFill>
+            <a:ln>
+              <a:noFill/>
+            </a:ln>
+          </p:spPr>
+          <p:style>
+            <a:lnRef idx="2">
+              <a:schemeClr val="accent1">
+                <a:shade val="50000"/>
+              </a:schemeClr>
+            </a:lnRef>
+            <a:fillRef idx="1">
+              <a:schemeClr val="accent1"/>
+            </a:fillRef>
+            <a:effectRef idx="0">
+              <a:schemeClr val="accent1"/>
+            </a:effectRef>
+            <a:fontRef idx="minor">
+              <a:schemeClr val="lt1"/>
+            </a:fontRef>
+          </p:style>
+          <p:txBody>
+            <a:bodyPr rtlCol="0" anchor="ctr"/>
+            <a:lstStyle/>
+            <a:p>
+              <a:pPr algn="ctr"/>
+              <a:endParaRPr lang="en-US" dirty="0"/>
+            </a:p>
+          </p:txBody>
+        </p:sp>
+        <p:sp>
+          <p:nvSpPr>
+            <p:cNvPr id="27" name="Oval 26">
+              <a:extLst>
+                <a:ext uri="{FF2B5EF4-FFF2-40B4-BE49-F238E27FC236}">
+                  <a16:creationId xmlns:a16="http://schemas.microsoft.com/office/drawing/2014/main" id="{6E2E8F37-1441-32D4-7F40-29A56D79C441}"/>
+                </a:ext>
+              </a:extLst>
+            </p:cNvPr>
+            <p:cNvSpPr/>
+            <p:nvPr/>
+          </p:nvSpPr>
+          <p:spPr>
+            <a:xfrm>
+              <a:off x="-76200" y="-228600"/>
+              <a:ext cx="6781800" cy="6324600"/>
+            </a:xfrm>
+            <a:prstGeom prst="ellipse">
+              <a:avLst/>
+            </a:prstGeom>
+            <a:noFill/>
+            <a:ln w="38100">
+              <a:solidFill>
+                <a:srgbClr val="FF0000"/>
+              </a:solidFill>
+              <a:prstDash val="dash"/>
+            </a:ln>
+          </p:spPr>
+          <p:style>
+            <a:lnRef idx="2">
+              <a:schemeClr val="accent1">
+                <a:shade val="50000"/>
+              </a:schemeClr>
+            </a:lnRef>
+            <a:fillRef idx="1">
+              <a:schemeClr val="accent1"/>
+            </a:fillRef>
+            <a:effectRef idx="0">
+              <a:schemeClr val="accent1"/>
+            </a:effectRef>
+            <a:fontRef idx="minor">
+              <a:schemeClr val="lt1"/>
+            </a:fontRef>
+          </p:style>
+          <p:txBody>
+            <a:bodyPr rtlCol="0" anchor="ctr"/>
+            <a:lstStyle/>
+            <a:p>
+              <a:pPr algn="ctr"/>
+              <a:endParaRPr lang="en-US" dirty="0"/>
+            </a:p>
+          </p:txBody>
+        </p:sp>
+        <p:sp>
+          <p:nvSpPr>
+            <p:cNvPr id="28" name="Oval 27">
+              <a:extLst>
+                <a:ext uri="{FF2B5EF4-FFF2-40B4-BE49-F238E27FC236}">
+                  <a16:creationId xmlns:a16="http://schemas.microsoft.com/office/drawing/2014/main" id="{22DD5148-587E-3E6A-AB96-2DAC759A3E25}"/>
+                </a:ext>
+              </a:extLst>
+            </p:cNvPr>
+            <p:cNvSpPr/>
+            <p:nvPr/>
+          </p:nvSpPr>
+          <p:spPr>
+            <a:xfrm>
+              <a:off x="5562600" y="533400"/>
+              <a:ext cx="261192" cy="282498"/>
+            </a:xfrm>
+            <a:prstGeom prst="ellipse">
+              <a:avLst/>
+            </a:prstGeom>
+            <a:solidFill>
+              <a:srgbClr val="638FC5"/>
+            </a:solidFill>
+            <a:ln>
+              <a:noFill/>
+            </a:ln>
+          </p:spPr>
+          <p:style>
+            <a:lnRef idx="2">
+              <a:schemeClr val="accent1">
+                <a:shade val="50000"/>
+              </a:schemeClr>
+            </a:lnRef>
+            <a:fillRef idx="1">
+              <a:schemeClr val="accent1"/>
+            </a:fillRef>
+            <a:effectRef idx="0">
+              <a:schemeClr val="accent1"/>
+            </a:effectRef>
+            <a:fontRef idx="minor">
+              <a:schemeClr val="lt1"/>
+            </a:fontRef>
+          </p:style>
+          <p:txBody>
+            <a:bodyPr rtlCol="0" anchor="ctr"/>
+            <a:lstStyle/>
+            <a:p>
+              <a:pPr algn="ctr"/>
+              <a:endParaRPr lang="en-US" dirty="0"/>
+            </a:p>
+          </p:txBody>
+        </p:sp>
+        <p:sp>
+          <p:nvSpPr>
+            <p:cNvPr id="29" name="Minus 40">
+              <a:extLst>
+                <a:ext uri="{FF2B5EF4-FFF2-40B4-BE49-F238E27FC236}">
+                  <a16:creationId xmlns:a16="http://schemas.microsoft.com/office/drawing/2014/main" id="{644C0BE0-B97B-6D30-2FE7-36EA9B54ED82}"/>
+                </a:ext>
+              </a:extLst>
+            </p:cNvPr>
+            <p:cNvSpPr/>
+            <p:nvPr/>
+          </p:nvSpPr>
+          <p:spPr>
+            <a:xfrm>
+              <a:off x="5587958" y="608099"/>
+              <a:ext cx="210475" cy="133100"/>
+            </a:xfrm>
+            <a:prstGeom prst="mathMinus">
+              <a:avLst/>
+            </a:prstGeom>
+            <a:solidFill>
+              <a:schemeClr val="tx1"/>
+            </a:solidFill>
+            <a:ln>
+              <a:noFill/>
+            </a:ln>
+          </p:spPr>
+          <p:style>
+            <a:lnRef idx="2">
+              <a:schemeClr val="accent1">
+                <a:shade val="50000"/>
+              </a:schemeClr>
+            </a:lnRef>
+            <a:fillRef idx="1">
+              <a:schemeClr val="accent1"/>
+            </a:fillRef>
+            <a:effectRef idx="0">
+              <a:schemeClr val="accent1"/>
+            </a:effectRef>
+            <a:fontRef idx="minor">
+              <a:schemeClr val="lt1"/>
+            </a:fontRef>
+          </p:style>
+          <p:txBody>
+            <a:bodyPr rtlCol="0" anchor="ctr"/>
+            <a:lstStyle/>
+            <a:p>
+              <a:pPr algn="ctr"/>
+              <a:endParaRPr lang="en-US" dirty="0"/>
+            </a:p>
+          </p:txBody>
+        </p:sp>
+      </p:grpSp>
+      <p:sp>
+        <p:nvSpPr>
+          <p:cNvPr id="33" name="Line 6">
+            <a:extLst>
+              <a:ext uri="{FF2B5EF4-FFF2-40B4-BE49-F238E27FC236}">
+                <a16:creationId xmlns:a16="http://schemas.microsoft.com/office/drawing/2014/main" id="{6E40CC3A-9D2F-1C4B-ECA1-B1B8E2A5417C}"/>
+              </a:ext>
+            </a:extLst>
+          </p:cNvPr>
+          <p:cNvSpPr>
+            <a:spLocks noChangeShapeType="1"/>
+          </p:cNvSpPr>
+          <p:nvPr/>
+        </p:nvSpPr>
+        <p:spPr bwMode="auto">
+          <a:xfrm flipH="1" flipV="1">
+            <a:off x="4001222" y="2225808"/>
+            <a:ext cx="72034" cy="2779333"/>
+          </a:xfrm>
+          <a:prstGeom prst="line">
+            <a:avLst/>
+          </a:prstGeom>
+          <a:noFill/>
+          <a:ln w="9525">
+            <a:solidFill>
+              <a:schemeClr val="tx1"/>
+            </a:solidFill>
+            <a:miter lim="800000"/>
+            <a:headEnd/>
+            <a:tailEnd/>
+          </a:ln>
+        </p:spPr>
+        <p:txBody>
+          <a:bodyPr wrap="none"/>
+          <a:lstStyle/>
+          <a:p>
+            <a:endParaRPr lang="en-US"/>
+          </a:p>
+        </p:txBody>
+      </p:sp>
+      <p:sp>
+        <p:nvSpPr>
+          <p:cNvPr id="3" name="Freeform: Shape 2">
+            <a:extLst>
+              <a:ext uri="{FF2B5EF4-FFF2-40B4-BE49-F238E27FC236}">
+                <a16:creationId xmlns:a16="http://schemas.microsoft.com/office/drawing/2014/main" id="{F8DC588B-3CD5-BC32-262A-241B40E84279}"/>
+              </a:ext>
+            </a:extLst>
+          </p:cNvPr>
+          <p:cNvSpPr/>
+          <p:nvPr/>
+        </p:nvSpPr>
+        <p:spPr>
+          <a:xfrm>
+            <a:off x="1357460" y="3685880"/>
+            <a:ext cx="301658" cy="395926"/>
+          </a:xfrm>
+          <a:custGeom>
+            <a:avLst/>
+            <a:gdLst>
+              <a:gd name="connsiteX0" fmla="*/ 301658 w 301658"/>
+              <a:gd name="connsiteY0" fmla="*/ 0 h 395926"/>
+              <a:gd name="connsiteX1" fmla="*/ 0 w 301658"/>
+              <a:gd name="connsiteY1" fmla="*/ 395926 h 395926"/>
+            </a:gdLst>
+            <a:ahLst/>
+            <a:cxnLst>
+              <a:cxn ang="0">
+                <a:pos x="connsiteX0" y="connsiteY0"/>
+              </a:cxn>
+              <a:cxn ang="0">
+                <a:pos x="connsiteX1" y="connsiteY1"/>
+              </a:cxn>
+            </a:cxnLst>
+            <a:rect l="l" t="t" r="r" b="b"/>
+            <a:pathLst>
+              <a:path w="301658" h="395926">
+                <a:moveTo>
+                  <a:pt x="301658" y="0"/>
+                </a:moveTo>
+                <a:lnTo>
+                  <a:pt x="0" y="395926"/>
+                </a:lnTo>
+              </a:path>
+            </a:pathLst>
+          </a:custGeom>
+          <a:noFill/>
+          <a:ln>
+            <a:tailEnd type="arrow"/>
+          </a:ln>
+        </p:spPr>
+        <p:style>
+          <a:lnRef idx="2">
+            <a:schemeClr val="accent1">
+              <a:shade val="15000"/>
+            </a:schemeClr>
+          </a:lnRef>
+          <a:fillRef idx="1">
+            <a:schemeClr val="accent1"/>
+          </a:fillRef>
+          <a:effectRef idx="0">
+            <a:schemeClr val="accent1"/>
+          </a:effectRef>
+          <a:fontRef idx="minor">
+            <a:schemeClr val="lt1"/>
+          </a:fontRef>
+        </p:style>
+        <p:txBody>
+          <a:bodyPr rtlCol="0" anchor="ctr"/>
+          <a:lstStyle/>
+          <a:p>
+            <a:pPr algn="ctr"/>
+            <a:endParaRPr lang="en-US"/>
+          </a:p>
+        </p:txBody>
+      </p:sp>
+      <p:sp>
+        <p:nvSpPr>
+          <p:cNvPr id="16" name="Oval 15">
+            <a:extLst>
+              <a:ext uri="{FF2B5EF4-FFF2-40B4-BE49-F238E27FC236}">
+                <a16:creationId xmlns:a16="http://schemas.microsoft.com/office/drawing/2014/main" id="{F2F7436D-F63C-1DEE-E19B-E6BCED11660D}"/>
+              </a:ext>
+            </a:extLst>
+          </p:cNvPr>
+          <p:cNvSpPr/>
+          <p:nvPr/>
+        </p:nvSpPr>
+        <p:spPr>
+          <a:xfrm>
+            <a:off x="5351716" y="3981201"/>
+            <a:ext cx="153334" cy="174791"/>
+          </a:xfrm>
+          <a:prstGeom prst="ellipse">
+            <a:avLst/>
+          </a:prstGeom>
+          <a:solidFill>
+            <a:srgbClr val="638FC5"/>
+          </a:solidFill>
+          <a:ln>
+            <a:noFill/>
+          </a:ln>
+        </p:spPr>
+        <p:style>
+          <a:lnRef idx="2">
+            <a:schemeClr val="accent1">
+              <a:shade val="50000"/>
+            </a:schemeClr>
+          </a:lnRef>
+          <a:fillRef idx="1">
+            <a:schemeClr val="accent1"/>
+          </a:fillRef>
+          <a:effectRef idx="0">
+            <a:schemeClr val="accent1"/>
+          </a:effectRef>
+          <a:fontRef idx="minor">
+            <a:schemeClr val="lt1"/>
+          </a:fontRef>
+        </p:style>
+        <p:txBody>
+          <a:bodyPr rtlCol="0" anchor="ctr"/>
+          <a:lstStyle/>
+          <a:p>
+            <a:pPr algn="ctr"/>
+            <a:endParaRPr lang="en-US" dirty="0"/>
+          </a:p>
+        </p:txBody>
+      </p:sp>
+      <p:sp>
+        <p:nvSpPr>
+          <p:cNvPr id="17" name="Oval 16">
+            <a:extLst>
+              <a:ext uri="{FF2B5EF4-FFF2-40B4-BE49-F238E27FC236}">
+                <a16:creationId xmlns:a16="http://schemas.microsoft.com/office/drawing/2014/main" id="{570C9098-AF8A-E52B-3A79-11F2CC02264C}"/>
+              </a:ext>
+            </a:extLst>
+          </p:cNvPr>
+          <p:cNvSpPr/>
+          <p:nvPr/>
+        </p:nvSpPr>
+        <p:spPr>
+          <a:xfrm>
+            <a:off x="5831603" y="3976701"/>
+            <a:ext cx="153334" cy="174791"/>
+          </a:xfrm>
+          <a:prstGeom prst="ellipse">
+            <a:avLst/>
+          </a:prstGeom>
+          <a:solidFill>
+            <a:srgbClr val="638FC5"/>
+          </a:solidFill>
+          <a:ln>
+            <a:noFill/>
+          </a:ln>
+        </p:spPr>
+        <p:style>
+          <a:lnRef idx="2">
+            <a:schemeClr val="accent1">
+              <a:shade val="50000"/>
+            </a:schemeClr>
+          </a:lnRef>
+          <a:fillRef idx="1">
+            <a:schemeClr val="accent1"/>
+          </a:fillRef>
+          <a:effectRef idx="0">
+            <a:schemeClr val="accent1"/>
+          </a:effectRef>
+          <a:fontRef idx="minor">
+            <a:schemeClr val="lt1"/>
+          </a:fontRef>
+        </p:style>
+        <p:txBody>
+          <a:bodyPr rtlCol="0" anchor="ctr"/>
+          <a:lstStyle/>
+          <a:p>
+            <a:pPr algn="ctr"/>
+            <a:endParaRPr lang="en-US" dirty="0"/>
+          </a:p>
+        </p:txBody>
+      </p:sp>
+      <p:sp>
+        <p:nvSpPr>
+          <p:cNvPr id="18" name="Oval 17">
+            <a:extLst>
+              <a:ext uri="{FF2B5EF4-FFF2-40B4-BE49-F238E27FC236}">
+                <a16:creationId xmlns:a16="http://schemas.microsoft.com/office/drawing/2014/main" id="{935A9E8F-5798-BE02-99F0-004940BBDDC6}"/>
+              </a:ext>
+            </a:extLst>
+          </p:cNvPr>
+          <p:cNvSpPr/>
+          <p:nvPr/>
+        </p:nvSpPr>
+        <p:spPr>
+          <a:xfrm>
+            <a:off x="5247100" y="2979406"/>
+            <a:ext cx="153334" cy="174791"/>
+          </a:xfrm>
+          <a:prstGeom prst="ellipse">
+            <a:avLst/>
+          </a:prstGeom>
+          <a:solidFill>
+            <a:srgbClr val="638FC5"/>
+          </a:solidFill>
+          <a:ln>
+            <a:noFill/>
+          </a:ln>
+        </p:spPr>
+        <p:style>
+          <a:lnRef idx="2">
+            <a:schemeClr val="accent1">
+              <a:shade val="50000"/>
+            </a:schemeClr>
+          </a:lnRef>
+          <a:fillRef idx="1">
+            <a:schemeClr val="accent1"/>
+          </a:fillRef>
+          <a:effectRef idx="0">
+            <a:schemeClr val="accent1"/>
+          </a:effectRef>
+          <a:fontRef idx="minor">
+            <a:schemeClr val="lt1"/>
+          </a:fontRef>
+        </p:style>
+        <p:txBody>
+          <a:bodyPr rtlCol="0" anchor="ctr"/>
+          <a:lstStyle/>
+          <a:p>
+            <a:pPr algn="ctr"/>
+            <a:endParaRPr lang="en-US" dirty="0"/>
+          </a:p>
+        </p:txBody>
+      </p:sp>
+      <p:sp>
+        <p:nvSpPr>
+          <p:cNvPr id="19" name="Freeform: Shape 18">
+            <a:extLst>
+              <a:ext uri="{FF2B5EF4-FFF2-40B4-BE49-F238E27FC236}">
+                <a16:creationId xmlns:a16="http://schemas.microsoft.com/office/drawing/2014/main" id="{4DD2E625-E1E5-1CB5-F57A-47E8B5972323}"/>
+              </a:ext>
+            </a:extLst>
+          </p:cNvPr>
+          <p:cNvSpPr/>
+          <p:nvPr/>
+        </p:nvSpPr>
+        <p:spPr>
+          <a:xfrm flipV="1">
+            <a:off x="5850103" y="3052502"/>
+            <a:ext cx="45719" cy="974017"/>
+          </a:xfrm>
+          <a:custGeom>
+            <a:avLst/>
+            <a:gdLst>
+              <a:gd name="connsiteX0" fmla="*/ 301658 w 301658"/>
+              <a:gd name="connsiteY0" fmla="*/ 0 h 395926"/>
+              <a:gd name="connsiteX1" fmla="*/ 0 w 301658"/>
+              <a:gd name="connsiteY1" fmla="*/ 395926 h 395926"/>
+            </a:gdLst>
+            <a:ahLst/>
+            <a:cxnLst>
+              <a:cxn ang="0">
+                <a:pos x="connsiteX0" y="connsiteY0"/>
+              </a:cxn>
+              <a:cxn ang="0">
+                <a:pos x="connsiteX1" y="connsiteY1"/>
+              </a:cxn>
+            </a:cxnLst>
+            <a:rect l="l" t="t" r="r" b="b"/>
+            <a:pathLst>
+              <a:path w="301658" h="395926">
+                <a:moveTo>
+                  <a:pt x="301658" y="0"/>
+                </a:moveTo>
+                <a:lnTo>
+                  <a:pt x="0" y="395926"/>
+                </a:lnTo>
+              </a:path>
+            </a:pathLst>
+          </a:custGeom>
+          <a:noFill/>
+          <a:ln>
+            <a:tailEnd type="arrow"/>
+          </a:ln>
+        </p:spPr>
+        <p:style>
+          <a:lnRef idx="2">
+            <a:schemeClr val="accent1">
+              <a:shade val="15000"/>
+            </a:schemeClr>
+          </a:lnRef>
+          <a:fillRef idx="1">
+            <a:schemeClr val="accent1"/>
+          </a:fillRef>
+          <a:effectRef idx="0">
+            <a:schemeClr val="accent1"/>
+          </a:effectRef>
+          <a:fontRef idx="minor">
+            <a:schemeClr val="lt1"/>
+          </a:fontRef>
+        </p:style>
+        <p:txBody>
+          <a:bodyPr rtlCol="0" anchor="ctr"/>
+          <a:lstStyle/>
+          <a:p>
+            <a:pPr algn="ctr"/>
+            <a:endParaRPr lang="en-US"/>
+          </a:p>
+        </p:txBody>
+      </p:sp>
+    </p:spTree>
+    <p:extLst>
+      <p:ext uri="{BB962C8B-B14F-4D97-AF65-F5344CB8AC3E}">
+        <p14:creationId xmlns:p14="http://schemas.microsoft.com/office/powerpoint/2010/main" val="3074516684"/>
+      </p:ext>
+    </p:extLst>
+  </p:cSld>
+  <p:clrMapOvr>
+    <a:masterClrMapping/>
+  </p:clrMapOvr>
+</p:sld>
+</file>
+
+<file path=ppt/slides/slide11.xml><?xml version="1.0" encoding="utf-8"?>
+<p:sld xmlns:a="http://schemas.openxmlformats.org/drawingml/2006/main" xmlns:r="http://schemas.openxmlformats.org/officeDocument/2006/relationships" xmlns:p="http://schemas.openxmlformats.org/presentationml/2006/main">
+  <p:cSld>
+    <p:spTree>
+      <p:nvGrpSpPr>
+        <p:cNvPr id="1" name=""/>
+        <p:cNvGrpSpPr/>
+        <p:nvPr/>
+      </p:nvGrpSpPr>
+      <p:grpSpPr>
+        <a:xfrm>
+          <a:off x="0" y="0"/>
+          <a:ext cx="0" cy="0"/>
+          <a:chOff x="0" y="0"/>
+          <a:chExt cx="0" cy="0"/>
+        </a:xfrm>
+      </p:grpSpPr>
+      <p:sp>
+        <p:nvSpPr>
+          <p:cNvPr id="66564" name="Rectangle 2"/>
+          <p:cNvSpPr>
+            <a:spLocks noGrp="1" noChangeArrowheads="1"/>
+          </p:cNvSpPr>
+          <p:nvPr>
+            <p:ph type="title"/>
+          </p:nvPr>
+        </p:nvSpPr>
+        <p:spPr>
+          <a:xfrm>
+            <a:off x="457200" y="304800"/>
+            <a:ext cx="8229600" cy="1143000"/>
+          </a:xfrm>
+        </p:spPr>
+        <p:txBody>
+          <a:bodyPr/>
+          <a:lstStyle/>
+          <a:p>
+            <a:pPr eaLnBrk="1" hangingPunct="1"/>
+            <a:r>
+              <a:rPr lang="en-US" dirty="0"/>
+              <a:t>Energy Levels in Atoms</a:t>
+            </a:r>
+          </a:p>
+        </p:txBody>
+      </p:sp>
+      <p:sp>
+        <p:nvSpPr>
+          <p:cNvPr id="66566" name="Line 4"/>
+          <p:cNvSpPr>
+            <a:spLocks noChangeShapeType="1"/>
+          </p:cNvSpPr>
+          <p:nvPr/>
+        </p:nvSpPr>
+        <p:spPr bwMode="auto">
+          <a:xfrm>
+            <a:off x="2667000" y="2286000"/>
+            <a:ext cx="0" cy="2895600"/>
+          </a:xfrm>
+          <a:prstGeom prst="line">
+            <a:avLst/>
+          </a:prstGeom>
+          <a:noFill/>
+          <a:ln w="9525">
+            <a:solidFill>
+              <a:schemeClr val="tx1"/>
+            </a:solidFill>
+            <a:miter lim="800000"/>
+            <a:headEnd/>
+            <a:tailEnd/>
+          </a:ln>
+        </p:spPr>
+        <p:txBody>
+          <a:bodyPr wrap="none"/>
+          <a:lstStyle/>
+          <a:p>
+            <a:endParaRPr lang="en-US"/>
+          </a:p>
+        </p:txBody>
+      </p:sp>
+      <p:sp>
+        <p:nvSpPr>
+          <p:cNvPr id="66567" name="Text Box 5"/>
+          <p:cNvSpPr txBox="1">
+            <a:spLocks noChangeArrowheads="1"/>
+          </p:cNvSpPr>
+          <p:nvPr/>
+        </p:nvSpPr>
+        <p:spPr bwMode="auto">
+          <a:xfrm rot="16200000">
+            <a:off x="1963737" y="3522663"/>
+            <a:ext cx="827088" cy="336550"/>
+          </a:xfrm>
+          <a:prstGeom prst="rect">
+            <a:avLst/>
+          </a:prstGeom>
+          <a:noFill/>
+          <a:ln w="9525">
+            <a:noFill/>
+            <a:miter lim="800000"/>
+            <a:headEnd/>
+            <a:tailEnd/>
+          </a:ln>
+        </p:spPr>
+        <p:txBody>
+          <a:bodyPr wrap="none">
+            <a:spAutoFit/>
+          </a:bodyPr>
+          <a:lstStyle/>
+          <a:p>
+            <a:r>
+              <a:rPr lang="en-US"/>
+              <a:t>Energy</a:t>
+            </a:r>
+          </a:p>
+        </p:txBody>
+      </p:sp>
+      <p:sp>
+        <p:nvSpPr>
+          <p:cNvPr id="66568" name="Line 6"/>
+          <p:cNvSpPr>
+            <a:spLocks noChangeShapeType="1"/>
+          </p:cNvSpPr>
+          <p:nvPr/>
+        </p:nvSpPr>
+        <p:spPr bwMode="auto">
+          <a:xfrm>
+            <a:off x="2667000" y="5181600"/>
+            <a:ext cx="4343400" cy="0"/>
+          </a:xfrm>
+          <a:prstGeom prst="line">
+            <a:avLst/>
+          </a:prstGeom>
+          <a:noFill/>
+          <a:ln w="9525">
+            <a:solidFill>
+              <a:schemeClr val="tx1"/>
+            </a:solidFill>
+            <a:miter lim="800000"/>
+            <a:headEnd/>
+            <a:tailEnd/>
+          </a:ln>
+        </p:spPr>
+        <p:txBody>
+          <a:bodyPr wrap="none"/>
+          <a:lstStyle/>
+          <a:p>
+            <a:endParaRPr lang="en-US"/>
+          </a:p>
+        </p:txBody>
+      </p:sp>
+      <p:grpSp>
+        <p:nvGrpSpPr>
+          <p:cNvPr id="20" name="Group 19"/>
+          <p:cNvGrpSpPr/>
+          <p:nvPr/>
+        </p:nvGrpSpPr>
+        <p:grpSpPr>
+          <a:xfrm>
+            <a:off x="3733800" y="3352800"/>
+            <a:ext cx="1143000" cy="990600"/>
+            <a:chOff x="5600700" y="3352800"/>
+            <a:chExt cx="533400" cy="990600"/>
+          </a:xfrm>
+        </p:grpSpPr>
+        <p:sp>
+          <p:nvSpPr>
+            <p:cNvPr id="66570" name="Line 8"/>
+            <p:cNvSpPr>
+              <a:spLocks noChangeShapeType="1"/>
+            </p:cNvSpPr>
+            <p:nvPr/>
+          </p:nvSpPr>
+          <p:spPr bwMode="auto">
+            <a:xfrm>
+              <a:off x="5600700" y="4343400"/>
+              <a:ext cx="533400" cy="0"/>
+            </a:xfrm>
+            <a:prstGeom prst="line">
+              <a:avLst/>
+            </a:prstGeom>
+            <a:noFill/>
+            <a:ln w="28575">
+              <a:solidFill>
+                <a:srgbClr val="FF9900"/>
+              </a:solidFill>
+              <a:miter lim="800000"/>
+              <a:headEnd/>
+              <a:tailEnd/>
+            </a:ln>
+          </p:spPr>
+          <p:txBody>
+            <a:bodyPr wrap="none"/>
+            <a:lstStyle/>
+            <a:p>
+              <a:endParaRPr lang="en-US"/>
+            </a:p>
+          </p:txBody>
+        </p:sp>
+        <p:sp>
+          <p:nvSpPr>
+            <p:cNvPr id="66571" name="Line 9"/>
+            <p:cNvSpPr>
+              <a:spLocks noChangeShapeType="1"/>
+            </p:cNvSpPr>
+            <p:nvPr/>
+          </p:nvSpPr>
+          <p:spPr bwMode="auto">
+            <a:xfrm>
+              <a:off x="5600700" y="3352800"/>
+              <a:ext cx="533400" cy="0"/>
+            </a:xfrm>
+            <a:prstGeom prst="line">
+              <a:avLst/>
+            </a:prstGeom>
+            <a:noFill/>
+            <a:ln w="28575">
+              <a:solidFill>
+                <a:srgbClr val="FF9900"/>
+              </a:solidFill>
+              <a:miter lim="800000"/>
+              <a:headEnd/>
+              <a:tailEnd/>
+            </a:ln>
+          </p:spPr>
+          <p:txBody>
+            <a:bodyPr wrap="none"/>
+            <a:lstStyle/>
+            <a:p>
+              <a:endParaRPr lang="en-US"/>
+            </a:p>
+          </p:txBody>
+        </p:sp>
+      </p:grpSp>
+      <p:sp>
+        <p:nvSpPr>
+          <p:cNvPr id="66572" name="Text Box 10"/>
+          <p:cNvSpPr txBox="1">
+            <a:spLocks noChangeArrowheads="1"/>
+          </p:cNvSpPr>
+          <p:nvPr/>
+        </p:nvSpPr>
+        <p:spPr bwMode="auto">
+          <a:xfrm>
+            <a:off x="5089525" y="4098925"/>
+            <a:ext cx="398463" cy="336550"/>
+          </a:xfrm>
+          <a:prstGeom prst="rect">
+            <a:avLst/>
+          </a:prstGeom>
+          <a:noFill/>
+          <a:ln w="9525">
+            <a:noFill/>
+            <a:miter lim="800000"/>
+            <a:headEnd/>
+            <a:tailEnd/>
+          </a:ln>
+        </p:spPr>
+        <p:txBody>
+          <a:bodyPr wrap="none">
+            <a:spAutoFit/>
+          </a:bodyPr>
+          <a:lstStyle/>
+          <a:p>
+            <a:r>
+              <a:rPr lang="en-US"/>
+              <a:t>1s</a:t>
+            </a:r>
+          </a:p>
+        </p:txBody>
+      </p:sp>
+      <p:sp>
+        <p:nvSpPr>
+          <p:cNvPr id="66573" name="Text Box 11"/>
+          <p:cNvSpPr txBox="1">
+            <a:spLocks noChangeArrowheads="1"/>
+          </p:cNvSpPr>
+          <p:nvPr/>
+        </p:nvSpPr>
+        <p:spPr bwMode="auto">
+          <a:xfrm>
+            <a:off x="5029200" y="3124200"/>
+            <a:ext cx="398463" cy="336550"/>
+          </a:xfrm>
+          <a:prstGeom prst="rect">
+            <a:avLst/>
+          </a:prstGeom>
+          <a:noFill/>
+          <a:ln w="9525">
+            <a:noFill/>
+            <a:miter lim="800000"/>
+            <a:headEnd/>
+            <a:tailEnd/>
+          </a:ln>
+        </p:spPr>
+        <p:txBody>
+          <a:bodyPr wrap="none">
+            <a:spAutoFit/>
+          </a:bodyPr>
+          <a:lstStyle/>
+          <a:p>
+            <a:r>
+              <a:rPr lang="en-US"/>
+              <a:t>2s</a:t>
+            </a:r>
+          </a:p>
+        </p:txBody>
+      </p:sp>
+      <p:sp>
+        <p:nvSpPr>
+          <p:cNvPr id="66578" name="Text Box 18"/>
+          <p:cNvSpPr txBox="1">
+            <a:spLocks noChangeArrowheads="1"/>
+          </p:cNvSpPr>
+          <p:nvPr/>
+        </p:nvSpPr>
+        <p:spPr bwMode="auto">
+          <a:xfrm>
+            <a:off x="4435475" y="5665788"/>
+            <a:ext cx="1268413" cy="336550"/>
+          </a:xfrm>
+          <a:prstGeom prst="rect">
+            <a:avLst/>
+          </a:prstGeom>
+          <a:noFill/>
+          <a:ln w="9525">
+            <a:noFill/>
+            <a:miter lim="800000"/>
+            <a:headEnd/>
+            <a:tailEnd/>
+          </a:ln>
+        </p:spPr>
+        <p:txBody>
+          <a:bodyPr wrap="none">
+            <a:spAutoFit/>
+          </a:bodyPr>
+          <a:lstStyle/>
+          <a:p>
+            <a:r>
+              <a:rPr lang="en-US" dirty="0"/>
+              <a:t>(Schematic)</a:t>
+            </a:r>
+          </a:p>
+        </p:txBody>
+      </p:sp>
+    </p:spTree>
+    <p:extLst>
+      <p:ext uri="{BB962C8B-B14F-4D97-AF65-F5344CB8AC3E}">
+        <p14:creationId xmlns:p14="http://schemas.microsoft.com/office/powerpoint/2010/main" val="1966792804"/>
+      </p:ext>
+    </p:extLst>
+  </p:cSld>
+  <p:clrMapOvr>
+    <a:masterClrMapping/>
+  </p:clrMapOvr>
+</p:sld>
+</file>
+
+<file path=ppt/slides/slide12.xml><?xml version="1.0" encoding="utf-8"?>
+<p:sld xmlns:a="http://schemas.openxmlformats.org/drawingml/2006/main" xmlns:r="http://schemas.openxmlformats.org/officeDocument/2006/relationships" xmlns:p="http://schemas.openxmlformats.org/presentationml/2006/main">
+  <p:cSld>
+    <p:spTree>
+      <p:nvGrpSpPr>
+        <p:cNvPr id="1" name=""/>
+        <p:cNvGrpSpPr/>
+        <p:nvPr/>
+      </p:nvGrpSpPr>
+      <p:grpSpPr>
+        <a:xfrm>
+          <a:off x="0" y="0"/>
+          <a:ext cx="0" cy="0"/>
+          <a:chOff x="0" y="0"/>
+          <a:chExt cx="0" cy="0"/>
+        </a:xfrm>
+      </p:grpSpPr>
+      <p:sp>
+        <p:nvSpPr>
           <p:cNvPr id="2" name="Title 1">
             <a:extLst>
               <a:ext uri="{FF2B5EF4-FFF2-40B4-BE49-F238E27FC236}">
@@ -4285,7 +6920,7 @@
 </p:sld>
 </file>
 
-<file path=ppt/slides/slide11.xml><?xml version="1.0" encoding="utf-8"?>
+<file path=ppt/slides/slide13.xml><?xml version="1.0" encoding="utf-8"?>
 <p:sld xmlns:a="http://schemas.openxmlformats.org/drawingml/2006/main" xmlns:r="http://schemas.openxmlformats.org/officeDocument/2006/relationships" xmlns:p="http://schemas.openxmlformats.org/presentationml/2006/main">
   <p:cSld>
     <p:spTree>
@@ -5053,7 +7688,7 @@
 </p:sld>
 </file>
 
-<file path=ppt/slides/slide12.xml><?xml version="1.0" encoding="utf-8"?>
+<file path=ppt/slides/slide14.xml><?xml version="1.0" encoding="utf-8"?>
 <p:sld xmlns:a="http://schemas.openxmlformats.org/drawingml/2006/main" xmlns:r="http://schemas.openxmlformats.org/officeDocument/2006/relationships" xmlns:p="http://schemas.openxmlformats.org/presentationml/2006/main">
   <p:cSld>
     <p:spTree>
@@ -6399,7 +9034,7 @@
 </p:sld>
 </file>
 
-<file path=ppt/slides/slide13.xml><?xml version="1.0" encoding="utf-8"?>
+<file path=ppt/slides/slide15.xml><?xml version="1.0" encoding="utf-8"?>
 <p:sld xmlns:a="http://schemas.openxmlformats.org/drawingml/2006/main" xmlns:r="http://schemas.openxmlformats.org/officeDocument/2006/relationships" xmlns:p="http://schemas.openxmlformats.org/presentationml/2006/main">
   <p:cSld>
     <p:spTree>
@@ -6449,7 +9084,7 @@
         </p:nvGrpSpPr>
         <p:grpSpPr bwMode="auto">
           <a:xfrm>
-            <a:off x="1828800" y="2286000"/>
+            <a:off x="1989056" y="2295427"/>
             <a:ext cx="4802188" cy="3716338"/>
             <a:chOff x="1152" y="1440"/>
             <a:chExt cx="3025" cy="2341"/>
@@ -7013,7 +9648,7 @@
             <a:lstStyle/>
             <a:p>
               <a:r>
-                <a:rPr lang="en-US"/>
+                <a:rPr lang="en-US" dirty="0"/>
                 <a:t>Distance, r</a:t>
               </a:r>
             </a:p>
@@ -7574,7 +10209,7 @@
             <a:lstStyle/>
             <a:p>
               <a:r>
-                <a:rPr lang="en-US"/>
+                <a:rPr lang="en-US" dirty="0"/>
                 <a:t>(Schematic)</a:t>
               </a:r>
             </a:p>
@@ -7589,7 +10224,7 @@
 </p:sld>
 </file>
 
-<file path=ppt/slides/slide14.xml><?xml version="1.0" encoding="utf-8"?>
+<file path=ppt/slides/slide16.xml><?xml version="1.0" encoding="utf-8"?>
 <p:sld xmlns:a="http://schemas.openxmlformats.org/drawingml/2006/main" xmlns:r="http://schemas.openxmlformats.org/officeDocument/2006/relationships" xmlns:p="http://schemas.openxmlformats.org/presentationml/2006/main">
   <p:cSld>
     <p:spTree>
@@ -7639,7 +10274,7 @@
         </p:nvGrpSpPr>
         <p:grpSpPr bwMode="auto">
           <a:xfrm>
-            <a:off x="1828800" y="2082800"/>
+            <a:off x="1989055" y="2092227"/>
             <a:ext cx="4802188" cy="3919538"/>
             <a:chOff x="1152" y="1312"/>
             <a:chExt cx="3025" cy="2469"/>
@@ -8856,7 +11491,7 @@
 </p:sld>
 </file>
 
-<file path=ppt/slides/slide15.xml><?xml version="1.0" encoding="utf-8"?>
+<file path=ppt/slides/slide17.xml><?xml version="1.0" encoding="utf-8"?>
 <p:sld xmlns:a="http://schemas.openxmlformats.org/drawingml/2006/main" xmlns:r="http://schemas.openxmlformats.org/officeDocument/2006/relationships" xmlns:p="http://schemas.openxmlformats.org/presentationml/2006/main">
   <p:cSld>
     <p:spTree>
@@ -8975,7 +11610,7 @@
 </p:sld>
 </file>
 
-<file path=ppt/slides/slide16.xml><?xml version="1.0" encoding="utf-8"?>
+<file path=ppt/slides/slide18.xml><?xml version="1.0" encoding="utf-8"?>
 <p:sld xmlns:a="http://schemas.openxmlformats.org/drawingml/2006/main" xmlns:r="http://schemas.openxmlformats.org/officeDocument/2006/relationships" xmlns:p="http://schemas.openxmlformats.org/presentationml/2006/main">
   <p:cSld>
     <p:spTree>
@@ -9041,7 +11676,7 @@
               </a:lnSpc>
             </a:pPr>
             <a:r>
-              <a:rPr lang="en-US" sz="2100"/>
+              <a:rPr lang="en-US" sz="2100" dirty="0"/>
               <a:t>Sodium example</a:t>
             </a:r>
           </a:p>
@@ -9052,7 +11687,7 @@
               </a:lnSpc>
             </a:pPr>
             <a:r>
-              <a:rPr lang="en-US" sz="2100"/>
+              <a:rPr lang="en-US" sz="2100" dirty="0"/>
               <a:t>Blue represents energy bands occupied by the sodium electrons when the atoms are in their ground states</a:t>
             </a:r>
           </a:p>
@@ -9063,8 +11698,8 @@
               </a:lnSpc>
             </a:pPr>
             <a:r>
-              <a:rPr lang="en-US" sz="2100"/>
-              <a:t>Gold represents energy bands that are empty</a:t>
+              <a:rPr lang="en-US" sz="2100" dirty="0"/>
+              <a:t>Yellow represents energy bands that are empty</a:t>
             </a:r>
           </a:p>
           <a:p>
@@ -9074,7 +11709,7 @@
               </a:lnSpc>
             </a:pPr>
             <a:r>
-              <a:rPr lang="en-US" sz="2100"/>
+              <a:rPr lang="en-US" sz="2100" dirty="0"/>
               <a:t>White represents energy gaps</a:t>
             </a:r>
           </a:p>
@@ -9085,7 +11720,7 @@
               </a:lnSpc>
             </a:pPr>
             <a:r>
-              <a:rPr lang="en-US" sz="2100"/>
+              <a:rPr lang="en-US" sz="2100" dirty="0"/>
               <a:t>Electrons can have any energy within the allowed bands</a:t>
             </a:r>
           </a:p>
@@ -9096,7 +11731,7 @@
               </a:lnSpc>
             </a:pPr>
             <a:r>
-              <a:rPr lang="en-US" sz="2100"/>
+              <a:rPr lang="en-US" sz="2100" dirty="0"/>
               <a:t>Electrons cannot have energies in the gaps</a:t>
             </a:r>
           </a:p>
@@ -11022,7 +13657,7 @@
 </p:sld>
 </file>
 
-<file path=ppt/slides/slide17.xml><?xml version="1.0" encoding="utf-8"?>
+<file path=ppt/slides/slide19.xml><?xml version="1.0" encoding="utf-8"?>
 <p:sld xmlns:a="http://schemas.openxmlformats.org/drawingml/2006/main" xmlns:r="http://schemas.openxmlformats.org/officeDocument/2006/relationships" xmlns:p="http://schemas.openxmlformats.org/presentationml/2006/main">
   <p:cSld>
     <p:spTree>
@@ -11131,7 +13766,145 @@
 </p:sld>
 </file>
 
-<file path=ppt/slides/slide18.xml><?xml version="1.0" encoding="utf-8"?>
+<file path=ppt/slides/slide2.xml><?xml version="1.0" encoding="utf-8"?>
+<p:sld xmlns:a="http://schemas.openxmlformats.org/drawingml/2006/main" xmlns:r="http://schemas.openxmlformats.org/officeDocument/2006/relationships" xmlns:p="http://schemas.openxmlformats.org/presentationml/2006/main">
+  <p:cSld>
+    <p:spTree>
+      <p:nvGrpSpPr>
+        <p:cNvPr id="1" name=""/>
+        <p:cNvGrpSpPr/>
+        <p:nvPr/>
+      </p:nvGrpSpPr>
+      <p:grpSpPr>
+        <a:xfrm>
+          <a:off x="0" y="0"/>
+          <a:ext cx="0" cy="0"/>
+          <a:chOff x="0" y="0"/>
+          <a:chExt cx="0" cy="0"/>
+        </a:xfrm>
+      </p:grpSpPr>
+      <p:sp>
+        <p:nvSpPr>
+          <p:cNvPr id="2" name="Title 1"/>
+          <p:cNvSpPr>
+            <a:spLocks noGrp="1"/>
+          </p:cNvSpPr>
+          <p:nvPr>
+            <p:ph type="title"/>
+          </p:nvPr>
+        </p:nvSpPr>
+        <p:spPr/>
+        <p:txBody>
+          <a:bodyPr>
+            <a:normAutofit/>
+          </a:bodyPr>
+          <a:lstStyle/>
+          <a:p>
+            <a:r>
+              <a:rPr lang="en-US" dirty="0"/>
+              <a:t>Question 223.20.8</a:t>
+            </a:r>
+          </a:p>
+        </p:txBody>
+      </p:sp>
+      <p:sp>
+        <p:nvSpPr>
+          <p:cNvPr id="3" name="Content Placeholder 2"/>
+          <p:cNvSpPr>
+            <a:spLocks noGrp="1"/>
+          </p:cNvSpPr>
+          <p:nvPr>
+            <p:ph idx="1"/>
+          </p:nvPr>
+        </p:nvSpPr>
+        <p:spPr/>
+        <p:txBody>
+          <a:bodyPr/>
+          <a:lstStyle/>
+          <a:p>
+            <a:pPr>
+              <a:buNone/>
+            </a:pPr>
+            <a:r>
+              <a:rPr lang="en-US" dirty="0"/>
+              <a:t>I have a positive and a negative charge they will</a:t>
+            </a:r>
+          </a:p>
+          <a:p>
+            <a:pPr marL="514350" indent="-514350">
+              <a:buFont typeface="+mj-lt"/>
+              <a:buAutoNum type="alphaLcParenR"/>
+            </a:pPr>
+            <a:r>
+              <a:rPr lang="en-US" dirty="0"/>
+              <a:t>Attract each other</a:t>
+            </a:r>
+          </a:p>
+          <a:p>
+            <a:pPr marL="514350" indent="-514350">
+              <a:buFont typeface="+mj-lt"/>
+              <a:buAutoNum type="alphaLcParenR"/>
+            </a:pPr>
+            <a:r>
+              <a:rPr lang="en-US" dirty="0"/>
+              <a:t>Repel each other</a:t>
+            </a:r>
+          </a:p>
+          <a:p>
+            <a:pPr marL="514350" indent="-514350">
+              <a:buFont typeface="+mj-lt"/>
+              <a:buAutoNum type="alphaLcParenR"/>
+            </a:pPr>
+            <a:r>
+              <a:rPr lang="en-US" dirty="0"/>
+              <a:t>explode</a:t>
+            </a:r>
+          </a:p>
+        </p:txBody>
+      </p:sp>
+      <p:sp>
+        <p:nvSpPr>
+          <p:cNvPr id="4" name="Slide Number Placeholder 3"/>
+          <p:cNvSpPr>
+            <a:spLocks noGrp="1"/>
+          </p:cNvSpPr>
+          <p:nvPr>
+            <p:ph type="sldNum" sz="quarter" idx="12"/>
+          </p:nvPr>
+        </p:nvSpPr>
+        <p:spPr/>
+        <p:txBody>
+          <a:bodyPr/>
+          <a:lstStyle/>
+          <a:p>
+            <a:pPr>
+              <a:defRPr/>
+            </a:pPr>
+            <a:fld id="{64137B81-8888-4253-92EC-0AED2A590749}" type="slidenum">
+              <a:rPr lang="en-US" smtClean="0"/>
+              <a:pPr>
+                <a:defRPr/>
+              </a:pPr>
+              <a:t>2</a:t>
+            </a:fld>
+            <a:endParaRPr lang="en-US"/>
+          </a:p>
+        </p:txBody>
+      </p:sp>
+    </p:spTree>
+    <p:extLst>
+      <p:ext uri="{BB962C8B-B14F-4D97-AF65-F5344CB8AC3E}">
+        <p14:creationId xmlns:p14="http://schemas.microsoft.com/office/powerpoint/2010/main" val="2997488455"/>
+      </p:ext>
+    </p:extLst>
+  </p:cSld>
+  <p:clrMapOvr>
+    <a:masterClrMapping/>
+  </p:clrMapOvr>
+</p:sld>
+</file>
+
+<file path=ppt/slides/slide20.xml><?xml version="1.0" encoding="utf-8"?>
 <p:sld xmlns:a="http://schemas.openxmlformats.org/drawingml/2006/main" xmlns:r="http://schemas.openxmlformats.org/officeDocument/2006/relationships" xmlns:p="http://schemas.openxmlformats.org/presentationml/2006/main">
   <p:cSld>
     <p:spTree>
@@ -11258,7 +14031,7 @@
               <a:pPr>
                 <a:defRPr/>
               </a:pPr>
-              <a:t>18</a:t>
+              <a:t>20</a:t>
             </a:fld>
             <a:endParaRPr lang="en-US"/>
           </a:p>
@@ -11277,7 +14050,7 @@
 </p:sld>
 </file>
 
-<file path=ppt/slides/slide19.xml><?xml version="1.0" encoding="utf-8"?>
+<file path=ppt/slides/slide21.xml><?xml version="1.0" encoding="utf-8"?>
 <p:sld xmlns:a="http://schemas.openxmlformats.org/drawingml/2006/main" xmlns:r="http://schemas.openxmlformats.org/officeDocument/2006/relationships" xmlns:p="http://schemas.openxmlformats.org/presentationml/2006/main">
   <p:cSld>
     <p:spTree>
@@ -11532,145 +14305,7 @@
 </p:sld>
 </file>
 
-<file path=ppt/slides/slide2.xml><?xml version="1.0" encoding="utf-8"?>
-<p:sld xmlns:a="http://schemas.openxmlformats.org/drawingml/2006/main" xmlns:r="http://schemas.openxmlformats.org/officeDocument/2006/relationships" xmlns:p="http://schemas.openxmlformats.org/presentationml/2006/main">
-  <p:cSld>
-    <p:spTree>
-      <p:nvGrpSpPr>
-        <p:cNvPr id="1" name=""/>
-        <p:cNvGrpSpPr/>
-        <p:nvPr/>
-      </p:nvGrpSpPr>
-      <p:grpSpPr>
-        <a:xfrm>
-          <a:off x="0" y="0"/>
-          <a:ext cx="0" cy="0"/>
-          <a:chOff x="0" y="0"/>
-          <a:chExt cx="0" cy="0"/>
-        </a:xfrm>
-      </p:grpSpPr>
-      <p:sp>
-        <p:nvSpPr>
-          <p:cNvPr id="2" name="Title 1"/>
-          <p:cNvSpPr>
-            <a:spLocks noGrp="1"/>
-          </p:cNvSpPr>
-          <p:nvPr>
-            <p:ph type="title"/>
-          </p:nvPr>
-        </p:nvSpPr>
-        <p:spPr/>
-        <p:txBody>
-          <a:bodyPr>
-            <a:normAutofit/>
-          </a:bodyPr>
-          <a:lstStyle/>
-          <a:p>
-            <a:r>
-              <a:rPr lang="en-US" dirty="0"/>
-              <a:t>Question 223.20.8</a:t>
-            </a:r>
-          </a:p>
-        </p:txBody>
-      </p:sp>
-      <p:sp>
-        <p:nvSpPr>
-          <p:cNvPr id="3" name="Content Placeholder 2"/>
-          <p:cNvSpPr>
-            <a:spLocks noGrp="1"/>
-          </p:cNvSpPr>
-          <p:nvPr>
-            <p:ph idx="1"/>
-          </p:nvPr>
-        </p:nvSpPr>
-        <p:spPr/>
-        <p:txBody>
-          <a:bodyPr/>
-          <a:lstStyle/>
-          <a:p>
-            <a:pPr>
-              <a:buNone/>
-            </a:pPr>
-            <a:r>
-              <a:rPr lang="en-US" dirty="0"/>
-              <a:t>I have a positive and a negative charge they will</a:t>
-            </a:r>
-          </a:p>
-          <a:p>
-            <a:pPr marL="514350" indent="-514350">
-              <a:buFont typeface="+mj-lt"/>
-              <a:buAutoNum type="alphaLcParenR"/>
-            </a:pPr>
-            <a:r>
-              <a:rPr lang="en-US" dirty="0"/>
-              <a:t>Attract each other</a:t>
-            </a:r>
-          </a:p>
-          <a:p>
-            <a:pPr marL="514350" indent="-514350">
-              <a:buFont typeface="+mj-lt"/>
-              <a:buAutoNum type="alphaLcParenR"/>
-            </a:pPr>
-            <a:r>
-              <a:rPr lang="en-US" dirty="0"/>
-              <a:t>Repel each other</a:t>
-            </a:r>
-          </a:p>
-          <a:p>
-            <a:pPr marL="514350" indent="-514350">
-              <a:buFont typeface="+mj-lt"/>
-              <a:buAutoNum type="alphaLcParenR"/>
-            </a:pPr>
-            <a:r>
-              <a:rPr lang="en-US" dirty="0"/>
-              <a:t>explode</a:t>
-            </a:r>
-          </a:p>
-        </p:txBody>
-      </p:sp>
-      <p:sp>
-        <p:nvSpPr>
-          <p:cNvPr id="4" name="Slide Number Placeholder 3"/>
-          <p:cNvSpPr>
-            <a:spLocks noGrp="1"/>
-          </p:cNvSpPr>
-          <p:nvPr>
-            <p:ph type="sldNum" sz="quarter" idx="12"/>
-          </p:nvPr>
-        </p:nvSpPr>
-        <p:spPr/>
-        <p:txBody>
-          <a:bodyPr/>
-          <a:lstStyle/>
-          <a:p>
-            <a:pPr>
-              <a:defRPr/>
-            </a:pPr>
-            <a:fld id="{64137B81-8888-4253-92EC-0AED2A590749}" type="slidenum">
-              <a:rPr lang="en-US" smtClean="0"/>
-              <a:pPr>
-                <a:defRPr/>
-              </a:pPr>
-              <a:t>2</a:t>
-            </a:fld>
-            <a:endParaRPr lang="en-US"/>
-          </a:p>
-        </p:txBody>
-      </p:sp>
-    </p:spTree>
-    <p:extLst>
-      <p:ext uri="{BB962C8B-B14F-4D97-AF65-F5344CB8AC3E}">
-        <p14:creationId xmlns:p14="http://schemas.microsoft.com/office/powerpoint/2010/main" val="2997488455"/>
-      </p:ext>
-    </p:extLst>
-  </p:cSld>
-  <p:clrMapOvr>
-    <a:masterClrMapping/>
-  </p:clrMapOvr>
-</p:sld>
-</file>
-
-<file path=ppt/slides/slide20.xml><?xml version="1.0" encoding="utf-8"?>
+<file path=ppt/slides/slide22.xml><?xml version="1.0" encoding="utf-8"?>
 <p:sld xmlns:a="http://schemas.openxmlformats.org/drawingml/2006/main" xmlns:r="http://schemas.openxmlformats.org/officeDocument/2006/relationships" xmlns:p="http://schemas.openxmlformats.org/presentationml/2006/main">
   <p:cSld>
     <p:spTree>
@@ -11805,7 +14440,7 @@
               <a:pPr>
                 <a:defRPr/>
               </a:pPr>
-              <a:t>20</a:t>
+              <a:t>22</a:t>
             </a:fld>
             <a:endParaRPr lang="en-US"/>
           </a:p>
@@ -11824,7 +14459,7 @@
 </p:sld>
 </file>
 
-<file path=ppt/slides/slide21.xml><?xml version="1.0" encoding="utf-8"?>
+<file path=ppt/slides/slide23.xml><?xml version="1.0" encoding="utf-8"?>
 <p:sld xmlns:a="http://schemas.openxmlformats.org/drawingml/2006/main" xmlns:r="http://schemas.openxmlformats.org/officeDocument/2006/relationships" xmlns:p="http://schemas.openxmlformats.org/presentationml/2006/main">
   <p:cSld>
     <p:spTree>
@@ -11876,7 +14511,7 @@
         </p:nvSpPr>
         <p:spPr>
           <a:xfrm>
-            <a:off x="0" y="1295400"/>
+            <a:off x="329938" y="1638300"/>
             <a:ext cx="4383088" cy="4114800"/>
           </a:xfrm>
         </p:spPr>
@@ -11890,7 +14525,7 @@
               </a:lnSpc>
             </a:pPr>
             <a:r>
-              <a:rPr lang="en-US" sz="2400"/>
+              <a:rPr lang="en-US" sz="2400" dirty="0"/>
               <a:t>The valence band is completely full of electrons</a:t>
             </a:r>
           </a:p>
@@ -11901,7 +14536,7 @@
               </a:lnSpc>
             </a:pPr>
             <a:r>
-              <a:rPr lang="en-US" sz="2400"/>
+              <a:rPr lang="en-US" sz="2400" dirty="0"/>
               <a:t>A large band gap separates the valence and conduction bands</a:t>
             </a:r>
           </a:p>
@@ -11912,7 +14547,7 @@
               </a:lnSpc>
             </a:pPr>
             <a:r>
-              <a:rPr lang="en-US" sz="2400"/>
+              <a:rPr lang="en-US" sz="2400" dirty="0"/>
               <a:t>A large amount of energy is needed for an electron to be able to jump from the valence to the conduction band</a:t>
             </a:r>
           </a:p>
@@ -11923,14 +14558,18 @@
               </a:lnSpc>
             </a:pPr>
             <a:r>
-              <a:rPr lang="en-US" sz="2000"/>
-              <a:t>The minimum required energy is E</a:t>
+              <a:rPr lang="en-US" sz="2000" dirty="0"/>
+              <a:t>The minimum required energy is </a:t>
             </a:r>
             <a:r>
-              <a:rPr lang="en-US" sz="2000" baseline="-25000"/>
+              <a:rPr lang="en-US" sz="2000" dirty="0" err="1"/>
+              <a:t>E</a:t>
+            </a:r>
+            <a:r>
+              <a:rPr lang="en-US" sz="2000" baseline="-25000" dirty="0" err="1"/>
               <a:t>g</a:t>
             </a:r>
-            <a:endParaRPr lang="en-US" sz="2000"/>
+            <a:endParaRPr lang="en-US" sz="2000" dirty="0"/>
           </a:p>
           <a:p>
             <a:pPr eaLnBrk="1" hangingPunct="1">
@@ -11938,7 +14577,7 @@
                 <a:spcPct val="90000"/>
               </a:lnSpc>
             </a:pPr>
-            <a:endParaRPr lang="en-US" sz="2400"/>
+            <a:endParaRPr lang="en-US" sz="2400" dirty="0"/>
           </a:p>
         </p:txBody>
       </p:sp>
@@ -12254,7 +14893,7 @@
 </p:sld>
 </file>
 
-<file path=ppt/slides/slide22.xml><?xml version="1.0" encoding="utf-8"?>
+<file path=ppt/slides/slide24.xml><?xml version="1.0" encoding="utf-8"?>
 <p:sld xmlns:a="http://schemas.openxmlformats.org/drawingml/2006/main" xmlns:r="http://schemas.openxmlformats.org/officeDocument/2006/relationships" xmlns:p="http://schemas.openxmlformats.org/presentationml/2006/main">
   <p:cSld>
     <p:spTree>
@@ -12320,15 +14959,15 @@
               </a:lnSpc>
             </a:pPr>
             <a:r>
-              <a:rPr lang="en-US" sz="2200"/>
+              <a:rPr lang="en-US" sz="2200" dirty="0"/>
               <a:t>A semiconductor has a</a:t>
             </a:r>
             <a:r>
-              <a:rPr lang="en-US" sz="2400"/>
+              <a:rPr lang="en-US" sz="2400" dirty="0"/>
               <a:t> </a:t>
             </a:r>
             <a:r>
-              <a:rPr lang="en-US" sz="2200"/>
+              <a:rPr lang="en-US" sz="2200" dirty="0"/>
               <a:t>small energy gap</a:t>
             </a:r>
           </a:p>
@@ -12339,7 +14978,7 @@
               </a:lnSpc>
             </a:pPr>
             <a:r>
-              <a:rPr lang="en-US" sz="2200"/>
+              <a:rPr lang="en-US" sz="2200" dirty="0"/>
               <a:t>Thermally excited electrons have enough energy to cross the band gap</a:t>
             </a:r>
           </a:p>
@@ -12350,20 +14989,14 @@
               </a:lnSpc>
             </a:pPr>
             <a:r>
-              <a:rPr lang="en-US" sz="2200"/>
-              <a:t>The resistivity of semiconductors decreases with increases in temperature</a:t>
+              <a:rPr lang="en-US" sz="2200" dirty="0"/>
+              <a:t>The resistivity of semiconductors decreases with increases </a:t>
             </a:r>
-          </a:p>
-          <a:p>
-            <a:pPr eaLnBrk="1" hangingPunct="1">
-              <a:lnSpc>
-                <a:spcPct val="90000"/>
-              </a:lnSpc>
-            </a:pPr>
             <a:r>
               <a:rPr lang="en-US" sz="2200"/>
-              <a:t>The white area in the valence band represents holes</a:t>
+              <a:t>in temperature</a:t>
             </a:r>
+            <a:endParaRPr lang="en-US" sz="2200" dirty="0"/>
           </a:p>
         </p:txBody>
       </p:sp>
@@ -12753,7 +15386,7 @@
 </p:sld>
 </file>
 
-<file path=ppt/slides/slide23.xml><?xml version="1.0" encoding="utf-8"?>
+<file path=ppt/slides/slide25.xml><?xml version="1.0" encoding="utf-8"?>
 <p:sld xmlns:a="http://schemas.openxmlformats.org/drawingml/2006/main" xmlns:r="http://schemas.openxmlformats.org/officeDocument/2006/relationships" xmlns:p="http://schemas.openxmlformats.org/presentationml/2006/main">
   <p:cSld>
     <p:spTree>
@@ -12895,7 +15528,7 @@
               <a:pPr>
                 <a:defRPr/>
               </a:pPr>
-              <a:t>23</a:t>
+              <a:t>25</a:t>
             </a:fld>
             <a:endParaRPr lang="en-US"/>
           </a:p>
@@ -12914,7 +15547,7 @@
 </p:sld>
 </file>
 
-<file path=ppt/slides/slide24.xml><?xml version="1.0" encoding="utf-8"?>
+<file path=ppt/slides/slide26.xml><?xml version="1.0" encoding="utf-8"?>
 <p:sld xmlns:a="http://schemas.openxmlformats.org/drawingml/2006/main" xmlns:r="http://schemas.openxmlformats.org/officeDocument/2006/relationships" xmlns:p="http://schemas.openxmlformats.org/presentationml/2006/main">
   <p:cSld>
     <p:spTree>
@@ -19302,7 +21935,7 @@
 </p:sld>
 </file>
 
-<file path=ppt/slides/slide25.xml><?xml version="1.0" encoding="utf-8"?>
+<file path=ppt/slides/slide27.xml><?xml version="1.0" encoding="utf-8"?>
 <p:sld xmlns:a="http://schemas.openxmlformats.org/drawingml/2006/main" xmlns:r="http://schemas.openxmlformats.org/officeDocument/2006/relationships" xmlns:p="http://schemas.openxmlformats.org/presentationml/2006/main">
   <p:cSld>
     <p:spTree>
@@ -19431,7 +22064,7 @@
               <a:pPr>
                 <a:defRPr/>
               </a:pPr>
-              <a:t>25</a:t>
+              <a:t>27</a:t>
             </a:fld>
             <a:endParaRPr lang="en-US"/>
           </a:p>
@@ -19450,7 +22083,7 @@
 </p:sld>
 </file>
 
-<file path=ppt/slides/slide26.xml><?xml version="1.0" encoding="utf-8"?>
+<file path=ppt/slides/slide28.xml><?xml version="1.0" encoding="utf-8"?>
 <p:sld xmlns:a="http://schemas.openxmlformats.org/drawingml/2006/main" xmlns:r="http://schemas.openxmlformats.org/officeDocument/2006/relationships" xmlns:p="http://schemas.openxmlformats.org/presentationml/2006/main">
   <p:cSld>
     <p:spTree>
@@ -19799,7 +22432,7 @@
 </p:sld>
 </file>
 
-<file path=ppt/slides/slide27.xml><?xml version="1.0" encoding="utf-8"?>
+<file path=ppt/slides/slide29.xml><?xml version="1.0" encoding="utf-8"?>
 <p:sld xmlns:a="http://schemas.openxmlformats.org/drawingml/2006/main" xmlns:r="http://schemas.openxmlformats.org/officeDocument/2006/relationships" xmlns:p="http://schemas.openxmlformats.org/presentationml/2006/main">
   <p:cSld>
     <p:spTree>
@@ -19928,7 +22561,7 @@
               <a:pPr>
                 <a:defRPr/>
               </a:pPr>
-              <a:t>27</a:t>
+              <a:t>29</a:t>
             </a:fld>
             <a:endParaRPr lang="en-US"/>
           </a:p>
@@ -19947,7 +22580,175 @@
 </p:sld>
 </file>
 
-<file path=ppt/slides/slide28.xml><?xml version="1.0" encoding="utf-8"?>
+<file path=ppt/slides/slide3.xml><?xml version="1.0" encoding="utf-8"?>
+<p:sld xmlns:a="http://schemas.openxmlformats.org/drawingml/2006/main" xmlns:r="http://schemas.openxmlformats.org/officeDocument/2006/relationships" xmlns:p="http://schemas.openxmlformats.org/presentationml/2006/main">
+  <p:cSld>
+    <p:spTree>
+      <p:nvGrpSpPr>
+        <p:cNvPr id="1" name=""/>
+        <p:cNvGrpSpPr/>
+        <p:nvPr/>
+      </p:nvGrpSpPr>
+      <p:grpSpPr>
+        <a:xfrm>
+          <a:off x="0" y="0"/>
+          <a:ext cx="0" cy="0"/>
+          <a:chOff x="0" y="0"/>
+          <a:chExt cx="0" cy="0"/>
+        </a:xfrm>
+      </p:grpSpPr>
+      <p:sp>
+        <p:nvSpPr>
+          <p:cNvPr id="2" name="Title 1"/>
+          <p:cNvSpPr>
+            <a:spLocks noGrp="1"/>
+          </p:cNvSpPr>
+          <p:nvPr>
+            <p:ph type="title"/>
+          </p:nvPr>
+        </p:nvSpPr>
+        <p:spPr/>
+        <p:txBody>
+          <a:bodyPr>
+            <a:normAutofit/>
+          </a:bodyPr>
+          <a:lstStyle/>
+          <a:p>
+            <a:r>
+              <a:rPr lang="en-US" dirty="0"/>
+              <a:t>Question 223.20.8.1</a:t>
+            </a:r>
+          </a:p>
+        </p:txBody>
+      </p:sp>
+      <p:sp>
+        <p:nvSpPr>
+          <p:cNvPr id="3" name="Content Placeholder 2"/>
+          <p:cNvSpPr>
+            <a:spLocks noGrp="1"/>
+          </p:cNvSpPr>
+          <p:nvPr>
+            <p:ph idx="1"/>
+          </p:nvPr>
+        </p:nvSpPr>
+        <p:spPr/>
+        <p:txBody>
+          <a:bodyPr/>
+          <a:lstStyle/>
+          <a:p>
+            <a:pPr>
+              <a:buNone/>
+            </a:pPr>
+            <a:r>
+              <a:rPr lang="en-US" dirty="0"/>
+              <a:t>How many types of charge are there</a:t>
+            </a:r>
+          </a:p>
+          <a:p>
+            <a:pPr marL="514350" indent="-514350">
+              <a:buFont typeface="+mj-lt"/>
+              <a:buAutoNum type="alphaLcParenR"/>
+            </a:pPr>
+            <a:r>
+              <a:rPr lang="en-US" dirty="0"/>
+              <a:t>1</a:t>
+            </a:r>
+          </a:p>
+          <a:p>
+            <a:pPr marL="514350" indent="-514350">
+              <a:buFont typeface="+mj-lt"/>
+              <a:buAutoNum type="alphaLcParenR"/>
+            </a:pPr>
+            <a:r>
+              <a:rPr lang="en-US" dirty="0"/>
+              <a:t>2</a:t>
+            </a:r>
+          </a:p>
+          <a:p>
+            <a:pPr marL="514350" indent="-514350">
+              <a:buFont typeface="+mj-lt"/>
+              <a:buAutoNum type="alphaLcParenR"/>
+            </a:pPr>
+            <a:r>
+              <a:rPr lang="en-US" dirty="0"/>
+              <a:t>3</a:t>
+            </a:r>
+          </a:p>
+          <a:p>
+            <a:pPr marL="514350" indent="-514350">
+              <a:buFont typeface="+mj-lt"/>
+              <a:buAutoNum type="alphaLcParenR"/>
+            </a:pPr>
+            <a:r>
+              <a:rPr lang="en-US" dirty="0"/>
+              <a:t>4</a:t>
+            </a:r>
+          </a:p>
+          <a:p>
+            <a:pPr marL="514350" indent="-514350">
+              <a:buFont typeface="+mj-lt"/>
+              <a:buAutoNum type="alphaLcParenR"/>
+            </a:pPr>
+            <a:r>
+              <a:rPr lang="en-US" dirty="0"/>
+              <a:t>5</a:t>
+            </a:r>
+          </a:p>
+          <a:p>
+            <a:pPr marL="514350" indent="-514350">
+              <a:buFont typeface="+mj-lt"/>
+              <a:buAutoNum type="alphaLcParenR"/>
+            </a:pPr>
+            <a:r>
+              <a:rPr lang="en-US" dirty="0"/>
+              <a:t>6</a:t>
+            </a:r>
+          </a:p>
+        </p:txBody>
+      </p:sp>
+      <p:sp>
+        <p:nvSpPr>
+          <p:cNvPr id="4" name="Slide Number Placeholder 3"/>
+          <p:cNvSpPr>
+            <a:spLocks noGrp="1"/>
+          </p:cNvSpPr>
+          <p:nvPr>
+            <p:ph type="sldNum" sz="quarter" idx="12"/>
+          </p:nvPr>
+        </p:nvSpPr>
+        <p:spPr/>
+        <p:txBody>
+          <a:bodyPr/>
+          <a:lstStyle/>
+          <a:p>
+            <a:pPr>
+              <a:defRPr/>
+            </a:pPr>
+            <a:fld id="{64137B81-8888-4253-92EC-0AED2A590749}" type="slidenum">
+              <a:rPr lang="en-US" smtClean="0"/>
+              <a:pPr>
+                <a:defRPr/>
+              </a:pPr>
+              <a:t>3</a:t>
+            </a:fld>
+            <a:endParaRPr lang="en-US"/>
+          </a:p>
+        </p:txBody>
+      </p:sp>
+    </p:spTree>
+    <p:extLst>
+      <p:ext uri="{BB962C8B-B14F-4D97-AF65-F5344CB8AC3E}">
+        <p14:creationId xmlns:p14="http://schemas.microsoft.com/office/powerpoint/2010/main" val="1575541757"/>
+      </p:ext>
+    </p:extLst>
+  </p:cSld>
+  <p:clrMapOvr>
+    <a:masterClrMapping/>
+  </p:clrMapOvr>
+</p:sld>
+</file>
+
+<file path=ppt/slides/slide30.xml><?xml version="1.0" encoding="utf-8"?>
 <p:sld xmlns:a="http://schemas.openxmlformats.org/drawingml/2006/main" xmlns:r="http://schemas.openxmlformats.org/officeDocument/2006/relationships" xmlns:p="http://schemas.openxmlformats.org/presentationml/2006/main">
   <p:cSld>
     <p:spTree>
@@ -20109,7 +22910,7 @@
 </p:sld>
 </file>
 
-<file path=ppt/slides/slide29.xml><?xml version="1.0" encoding="utf-8"?>
+<file path=ppt/slides/slide31.xml><?xml version="1.0" encoding="utf-8"?>
 <p:sld xmlns:a="http://schemas.openxmlformats.org/drawingml/2006/main" xmlns:r="http://schemas.openxmlformats.org/officeDocument/2006/relationships" xmlns:p="http://schemas.openxmlformats.org/presentationml/2006/main">
   <p:cSld>
     <p:spTree>
@@ -22317,175 +25118,7 @@
 </p:sld>
 </file>
 
-<file path=ppt/slides/slide3.xml><?xml version="1.0" encoding="utf-8"?>
-<p:sld xmlns:a="http://schemas.openxmlformats.org/drawingml/2006/main" xmlns:r="http://schemas.openxmlformats.org/officeDocument/2006/relationships" xmlns:p="http://schemas.openxmlformats.org/presentationml/2006/main">
-  <p:cSld>
-    <p:spTree>
-      <p:nvGrpSpPr>
-        <p:cNvPr id="1" name=""/>
-        <p:cNvGrpSpPr/>
-        <p:nvPr/>
-      </p:nvGrpSpPr>
-      <p:grpSpPr>
-        <a:xfrm>
-          <a:off x="0" y="0"/>
-          <a:ext cx="0" cy="0"/>
-          <a:chOff x="0" y="0"/>
-          <a:chExt cx="0" cy="0"/>
-        </a:xfrm>
-      </p:grpSpPr>
-      <p:sp>
-        <p:nvSpPr>
-          <p:cNvPr id="2" name="Title 1"/>
-          <p:cNvSpPr>
-            <a:spLocks noGrp="1"/>
-          </p:cNvSpPr>
-          <p:nvPr>
-            <p:ph type="title"/>
-          </p:nvPr>
-        </p:nvSpPr>
-        <p:spPr/>
-        <p:txBody>
-          <a:bodyPr>
-            <a:normAutofit/>
-          </a:bodyPr>
-          <a:lstStyle/>
-          <a:p>
-            <a:r>
-              <a:rPr lang="en-US" dirty="0"/>
-              <a:t>Question 223.20.8.1</a:t>
-            </a:r>
-          </a:p>
-        </p:txBody>
-      </p:sp>
-      <p:sp>
-        <p:nvSpPr>
-          <p:cNvPr id="3" name="Content Placeholder 2"/>
-          <p:cNvSpPr>
-            <a:spLocks noGrp="1"/>
-          </p:cNvSpPr>
-          <p:nvPr>
-            <p:ph idx="1"/>
-          </p:nvPr>
-        </p:nvSpPr>
-        <p:spPr/>
-        <p:txBody>
-          <a:bodyPr/>
-          <a:lstStyle/>
-          <a:p>
-            <a:pPr>
-              <a:buNone/>
-            </a:pPr>
-            <a:r>
-              <a:rPr lang="en-US" dirty="0"/>
-              <a:t>How many types of charge are there</a:t>
-            </a:r>
-          </a:p>
-          <a:p>
-            <a:pPr marL="514350" indent="-514350">
-              <a:buFont typeface="+mj-lt"/>
-              <a:buAutoNum type="alphaLcParenR"/>
-            </a:pPr>
-            <a:r>
-              <a:rPr lang="en-US" dirty="0"/>
-              <a:t>1</a:t>
-            </a:r>
-          </a:p>
-          <a:p>
-            <a:pPr marL="514350" indent="-514350">
-              <a:buFont typeface="+mj-lt"/>
-              <a:buAutoNum type="alphaLcParenR"/>
-            </a:pPr>
-            <a:r>
-              <a:rPr lang="en-US" dirty="0"/>
-              <a:t>2</a:t>
-            </a:r>
-          </a:p>
-          <a:p>
-            <a:pPr marL="514350" indent="-514350">
-              <a:buFont typeface="+mj-lt"/>
-              <a:buAutoNum type="alphaLcParenR"/>
-            </a:pPr>
-            <a:r>
-              <a:rPr lang="en-US" dirty="0"/>
-              <a:t>3</a:t>
-            </a:r>
-          </a:p>
-          <a:p>
-            <a:pPr marL="514350" indent="-514350">
-              <a:buFont typeface="+mj-lt"/>
-              <a:buAutoNum type="alphaLcParenR"/>
-            </a:pPr>
-            <a:r>
-              <a:rPr lang="en-US" dirty="0"/>
-              <a:t>4</a:t>
-            </a:r>
-          </a:p>
-          <a:p>
-            <a:pPr marL="514350" indent="-514350">
-              <a:buFont typeface="+mj-lt"/>
-              <a:buAutoNum type="alphaLcParenR"/>
-            </a:pPr>
-            <a:r>
-              <a:rPr lang="en-US" dirty="0"/>
-              <a:t>5</a:t>
-            </a:r>
-          </a:p>
-          <a:p>
-            <a:pPr marL="514350" indent="-514350">
-              <a:buFont typeface="+mj-lt"/>
-              <a:buAutoNum type="alphaLcParenR"/>
-            </a:pPr>
-            <a:r>
-              <a:rPr lang="en-US" dirty="0"/>
-              <a:t>6</a:t>
-            </a:r>
-          </a:p>
-        </p:txBody>
-      </p:sp>
-      <p:sp>
-        <p:nvSpPr>
-          <p:cNvPr id="4" name="Slide Number Placeholder 3"/>
-          <p:cNvSpPr>
-            <a:spLocks noGrp="1"/>
-          </p:cNvSpPr>
-          <p:nvPr>
-            <p:ph type="sldNum" sz="quarter" idx="12"/>
-          </p:nvPr>
-        </p:nvSpPr>
-        <p:spPr/>
-        <p:txBody>
-          <a:bodyPr/>
-          <a:lstStyle/>
-          <a:p>
-            <a:pPr>
-              <a:defRPr/>
-            </a:pPr>
-            <a:fld id="{64137B81-8888-4253-92EC-0AED2A590749}" type="slidenum">
-              <a:rPr lang="en-US" smtClean="0"/>
-              <a:pPr>
-                <a:defRPr/>
-              </a:pPr>
-              <a:t>3</a:t>
-            </a:fld>
-            <a:endParaRPr lang="en-US"/>
-          </a:p>
-        </p:txBody>
-      </p:sp>
-    </p:spTree>
-    <p:extLst>
-      <p:ext uri="{BB962C8B-B14F-4D97-AF65-F5344CB8AC3E}">
-        <p14:creationId xmlns:p14="http://schemas.microsoft.com/office/powerpoint/2010/main" val="1575541757"/>
-      </p:ext>
-    </p:extLst>
-  </p:cSld>
-  <p:clrMapOvr>
-    <a:masterClrMapping/>
-  </p:clrMapOvr>
-</p:sld>
-</file>
-
-<file path=ppt/slides/slide30.xml><?xml version="1.0" encoding="utf-8"?>
+<file path=ppt/slides/slide32.xml><?xml version="1.0" encoding="utf-8"?>
 <p:sld xmlns:a="http://schemas.openxmlformats.org/drawingml/2006/main" xmlns:r="http://schemas.openxmlformats.org/officeDocument/2006/relationships" xmlns:p="http://schemas.openxmlformats.org/presentationml/2006/main">
   <p:cSld>
     <p:spTree>
@@ -22621,7 +25254,7 @@
               <a:pPr>
                 <a:defRPr/>
               </a:pPr>
-              <a:t>30</a:t>
+              <a:t>32</a:t>
             </a:fld>
             <a:endParaRPr lang="en-US"/>
           </a:p>
@@ -22640,7 +25273,7 @@
 </p:sld>
 </file>
 
-<file path=ppt/slides/slide31.xml><?xml version="1.0" encoding="utf-8"?>
+<file path=ppt/slides/slide33.xml><?xml version="1.0" encoding="utf-8"?>
 <p:sld xmlns:a="http://schemas.openxmlformats.org/drawingml/2006/main" xmlns:r="http://schemas.openxmlformats.org/officeDocument/2006/relationships" xmlns:p="http://schemas.openxmlformats.org/presentationml/2006/main">
   <p:cSld>
     <p:spTree>
@@ -26614,7 +29247,7 @@
 </p:sld>
 </file>
 
-<file path=ppt/slides/slide32.xml><?xml version="1.0" encoding="utf-8"?>
+<file path=ppt/slides/slide34.xml><?xml version="1.0" encoding="utf-8"?>
 <p:sld xmlns:a="http://schemas.openxmlformats.org/drawingml/2006/main" xmlns:r="http://schemas.openxmlformats.org/officeDocument/2006/relationships" xmlns:p="http://schemas.openxmlformats.org/presentationml/2006/main">
   <p:cSld>
     <p:spTree>
@@ -28165,7 +30798,7 @@
 </p:sld>
 </file>
 
-<file path=ppt/slides/slide33.xml><?xml version="1.0" encoding="utf-8"?>
+<file path=ppt/slides/slide35.xml><?xml version="1.0" encoding="utf-8"?>
 <p:sld xmlns:a="http://schemas.openxmlformats.org/drawingml/2006/main" xmlns:r="http://schemas.openxmlformats.org/officeDocument/2006/relationships" xmlns:p="http://schemas.openxmlformats.org/presentationml/2006/main">
   <p:cSld>
     <p:spTree>
@@ -28297,7 +30930,7 @@
               <a:pPr>
                 <a:defRPr/>
               </a:pPr>
-              <a:t>33</a:t>
+              <a:t>35</a:t>
             </a:fld>
             <a:endParaRPr lang="en-US"/>
           </a:p>
@@ -28316,7 +30949,7 @@
 </p:sld>
 </file>
 
-<file path=ppt/slides/slide34.xml><?xml version="1.0" encoding="utf-8"?>
+<file path=ppt/slides/slide36.xml><?xml version="1.0" encoding="utf-8"?>
 <p:sld xmlns:a="http://schemas.openxmlformats.org/drawingml/2006/main" xmlns:r="http://schemas.openxmlformats.org/officeDocument/2006/relationships" xmlns:p="http://schemas.openxmlformats.org/presentationml/2006/main">
   <p:cSld>
     <p:spTree>
@@ -28907,7 +31540,7 @@
 </p:sld>
 </file>
 
-<file path=ppt/slides/slide35.xml><?xml version="1.0" encoding="utf-8"?>
+<file path=ppt/slides/slide37.xml><?xml version="1.0" encoding="utf-8"?>
 <p:sld xmlns:a="http://schemas.openxmlformats.org/drawingml/2006/main" xmlns:r="http://schemas.openxmlformats.org/officeDocument/2006/relationships" xmlns:p="http://schemas.openxmlformats.org/presentationml/2006/main">
   <p:cSld>
     <p:spTree>
@@ -29192,7 +31825,7 @@
 </p:sld>
 </file>
 
-<file path=ppt/slides/slide36.xml><?xml version="1.0" encoding="utf-8"?>
+<file path=ppt/slides/slide38.xml><?xml version="1.0" encoding="utf-8"?>
 <p:sld xmlns:a="http://schemas.openxmlformats.org/drawingml/2006/main" xmlns:r="http://schemas.openxmlformats.org/officeDocument/2006/relationships" xmlns:p="http://schemas.openxmlformats.org/presentationml/2006/main">
   <p:cSld>
     <p:spTree>
@@ -29321,7 +31954,7 @@
 </p:sld>
 </file>
 
-<file path=ppt/slides/slide37.xml><?xml version="1.0" encoding="utf-8"?>
+<file path=ppt/slides/slide39.xml><?xml version="1.0" encoding="utf-8"?>
 <p:sld xmlns:a="http://schemas.openxmlformats.org/drawingml/2006/main" xmlns:r="http://schemas.openxmlformats.org/officeDocument/2006/relationships" xmlns:p="http://schemas.openxmlformats.org/presentationml/2006/main">
   <p:cSld>
     <p:spTree>
@@ -30004,7 +32637,147 @@
 </p:sld>
 </file>
 
-<file path=ppt/slides/slide38.xml><?xml version="1.0" encoding="utf-8"?>
+<file path=ppt/slides/slide4.xml><?xml version="1.0" encoding="utf-8"?>
+<p:sld xmlns:a="http://schemas.openxmlformats.org/drawingml/2006/main" xmlns:r="http://schemas.openxmlformats.org/officeDocument/2006/relationships" xmlns:p="http://schemas.openxmlformats.org/presentationml/2006/main">
+  <p:cSld>
+    <p:spTree>
+      <p:nvGrpSpPr>
+        <p:cNvPr id="1" name=""/>
+        <p:cNvGrpSpPr/>
+        <p:nvPr/>
+      </p:nvGrpSpPr>
+      <p:grpSpPr>
+        <a:xfrm>
+          <a:off x="0" y="0"/>
+          <a:ext cx="0" cy="0"/>
+          <a:chOff x="0" y="0"/>
+          <a:chExt cx="0" cy="0"/>
+        </a:xfrm>
+      </p:grpSpPr>
+      <p:sp>
+        <p:nvSpPr>
+          <p:cNvPr id="2" name="Title 1"/>
+          <p:cNvSpPr>
+            <a:spLocks noGrp="1"/>
+          </p:cNvSpPr>
+          <p:nvPr>
+            <p:ph type="title"/>
+          </p:nvPr>
+        </p:nvSpPr>
+        <p:spPr/>
+        <p:txBody>
+          <a:bodyPr>
+            <a:normAutofit/>
+          </a:bodyPr>
+          <a:lstStyle/>
+          <a:p>
+            <a:r>
+              <a:rPr lang="en-US" dirty="0"/>
+              <a:t>Question 223.20.8.2</a:t>
+            </a:r>
+          </a:p>
+        </p:txBody>
+      </p:sp>
+      <p:sp>
+        <p:nvSpPr>
+          <p:cNvPr id="3" name="Content Placeholder 2"/>
+          <p:cNvSpPr>
+            <a:spLocks noGrp="1"/>
+          </p:cNvSpPr>
+          <p:nvPr>
+            <p:ph idx="1"/>
+          </p:nvPr>
+        </p:nvSpPr>
+        <p:spPr/>
+        <p:txBody>
+          <a:bodyPr>
+            <a:normAutofit/>
+          </a:bodyPr>
+          <a:lstStyle/>
+          <a:p>
+            <a:pPr>
+              <a:buNone/>
+            </a:pPr>
+            <a:r>
+              <a:rPr lang="en-US" dirty="0"/>
+              <a:t>Some objects seem to be electrically neutral. How is this possible?</a:t>
+            </a:r>
+          </a:p>
+          <a:p>
+            <a:pPr marL="514350" indent="-514350">
+              <a:buFont typeface="+mj-lt"/>
+              <a:buAutoNum type="alphaLcParenR"/>
+            </a:pPr>
+            <a:r>
+              <a:rPr lang="en-US" dirty="0"/>
+              <a:t>They are made of neutrons that don’t have electrical charge</a:t>
+            </a:r>
+          </a:p>
+          <a:p>
+            <a:pPr marL="514350" indent="-514350">
+              <a:buFont typeface="+mj-lt"/>
+              <a:buAutoNum type="alphaLcParenR"/>
+            </a:pPr>
+            <a:r>
+              <a:rPr lang="en-US" dirty="0"/>
+              <a:t>They have the same number of positive charges and negative charges</a:t>
+            </a:r>
+          </a:p>
+          <a:p>
+            <a:pPr marL="514350" indent="-514350">
+              <a:buFont typeface="+mj-lt"/>
+              <a:buAutoNum type="alphaLcParenR"/>
+            </a:pPr>
+            <a:r>
+              <a:rPr lang="en-US" dirty="0"/>
+              <a:t>They have had all the charge removed from them</a:t>
+            </a:r>
+          </a:p>
+        </p:txBody>
+      </p:sp>
+      <p:sp>
+        <p:nvSpPr>
+          <p:cNvPr id="4" name="Slide Number Placeholder 3"/>
+          <p:cNvSpPr>
+            <a:spLocks noGrp="1"/>
+          </p:cNvSpPr>
+          <p:nvPr>
+            <p:ph type="sldNum" sz="quarter" idx="12"/>
+          </p:nvPr>
+        </p:nvSpPr>
+        <p:spPr/>
+        <p:txBody>
+          <a:bodyPr/>
+          <a:lstStyle/>
+          <a:p>
+            <a:pPr>
+              <a:defRPr/>
+            </a:pPr>
+            <a:fld id="{64137B81-8888-4253-92EC-0AED2A590749}" type="slidenum">
+              <a:rPr lang="en-US" smtClean="0"/>
+              <a:pPr>
+                <a:defRPr/>
+              </a:pPr>
+              <a:t>4</a:t>
+            </a:fld>
+            <a:endParaRPr lang="en-US"/>
+          </a:p>
+        </p:txBody>
+      </p:sp>
+    </p:spTree>
+    <p:extLst>
+      <p:ext uri="{BB962C8B-B14F-4D97-AF65-F5344CB8AC3E}">
+        <p14:creationId xmlns:p14="http://schemas.microsoft.com/office/powerpoint/2010/main" val="2984133197"/>
+      </p:ext>
+    </p:extLst>
+  </p:cSld>
+  <p:clrMapOvr>
+    <a:masterClrMapping/>
+  </p:clrMapOvr>
+</p:sld>
+</file>
+
+<file path=ppt/slides/slide40.xml><?xml version="1.0" encoding="utf-8"?>
 <p:sld xmlns:a="http://schemas.openxmlformats.org/drawingml/2006/main" xmlns:r="http://schemas.openxmlformats.org/officeDocument/2006/relationships" xmlns:p="http://schemas.openxmlformats.org/presentationml/2006/main">
   <p:cSld>
     <p:spTree>
@@ -30105,7 +32878,7 @@
               <a:pPr>
                 <a:defRPr/>
               </a:pPr>
-              <a:t>38</a:t>
+              <a:t>40</a:t>
             </a:fld>
             <a:endParaRPr lang="en-US"/>
           </a:p>
@@ -30893,7 +33666,7 @@
 </p:sld>
 </file>
 
-<file path=ppt/slides/slide39.xml><?xml version="1.0" encoding="utf-8"?>
+<file path=ppt/slides/slide41.xml><?xml version="1.0" encoding="utf-8"?>
 <p:sld xmlns:a="http://schemas.openxmlformats.org/drawingml/2006/main" xmlns:r="http://schemas.openxmlformats.org/officeDocument/2006/relationships" xmlns:p="http://schemas.openxmlformats.org/presentationml/2006/main">
   <p:cSld>
     <p:spTree>
@@ -31077,147 +33850,7 @@
 </p:sld>
 </file>
 
-<file path=ppt/slides/slide4.xml><?xml version="1.0" encoding="utf-8"?>
-<p:sld xmlns:a="http://schemas.openxmlformats.org/drawingml/2006/main" xmlns:r="http://schemas.openxmlformats.org/officeDocument/2006/relationships" xmlns:p="http://schemas.openxmlformats.org/presentationml/2006/main">
-  <p:cSld>
-    <p:spTree>
-      <p:nvGrpSpPr>
-        <p:cNvPr id="1" name=""/>
-        <p:cNvGrpSpPr/>
-        <p:nvPr/>
-      </p:nvGrpSpPr>
-      <p:grpSpPr>
-        <a:xfrm>
-          <a:off x="0" y="0"/>
-          <a:ext cx="0" cy="0"/>
-          <a:chOff x="0" y="0"/>
-          <a:chExt cx="0" cy="0"/>
-        </a:xfrm>
-      </p:grpSpPr>
-      <p:sp>
-        <p:nvSpPr>
-          <p:cNvPr id="2" name="Title 1"/>
-          <p:cNvSpPr>
-            <a:spLocks noGrp="1"/>
-          </p:cNvSpPr>
-          <p:nvPr>
-            <p:ph type="title"/>
-          </p:nvPr>
-        </p:nvSpPr>
-        <p:spPr/>
-        <p:txBody>
-          <a:bodyPr>
-            <a:normAutofit/>
-          </a:bodyPr>
-          <a:lstStyle/>
-          <a:p>
-            <a:r>
-              <a:rPr lang="en-US" dirty="0"/>
-              <a:t>Question 223.20.8.2</a:t>
-            </a:r>
-          </a:p>
-        </p:txBody>
-      </p:sp>
-      <p:sp>
-        <p:nvSpPr>
-          <p:cNvPr id="3" name="Content Placeholder 2"/>
-          <p:cNvSpPr>
-            <a:spLocks noGrp="1"/>
-          </p:cNvSpPr>
-          <p:nvPr>
-            <p:ph idx="1"/>
-          </p:nvPr>
-        </p:nvSpPr>
-        <p:spPr/>
-        <p:txBody>
-          <a:bodyPr>
-            <a:normAutofit/>
-          </a:bodyPr>
-          <a:lstStyle/>
-          <a:p>
-            <a:pPr>
-              <a:buNone/>
-            </a:pPr>
-            <a:r>
-              <a:rPr lang="en-US" dirty="0"/>
-              <a:t>Some objects seem to be electrically neutral. How is this possible?</a:t>
-            </a:r>
-          </a:p>
-          <a:p>
-            <a:pPr marL="514350" indent="-514350">
-              <a:buFont typeface="+mj-lt"/>
-              <a:buAutoNum type="alphaLcParenR"/>
-            </a:pPr>
-            <a:r>
-              <a:rPr lang="en-US" dirty="0"/>
-              <a:t>They are made of neutrons that don’t have electrical charge</a:t>
-            </a:r>
-          </a:p>
-          <a:p>
-            <a:pPr marL="514350" indent="-514350">
-              <a:buFont typeface="+mj-lt"/>
-              <a:buAutoNum type="alphaLcParenR"/>
-            </a:pPr>
-            <a:r>
-              <a:rPr lang="en-US" dirty="0"/>
-              <a:t>They have the same number of positive charges and negative charges</a:t>
-            </a:r>
-          </a:p>
-          <a:p>
-            <a:pPr marL="514350" indent="-514350">
-              <a:buFont typeface="+mj-lt"/>
-              <a:buAutoNum type="alphaLcParenR"/>
-            </a:pPr>
-            <a:r>
-              <a:rPr lang="en-US" dirty="0"/>
-              <a:t>They have had all the charge removed from them</a:t>
-            </a:r>
-          </a:p>
-        </p:txBody>
-      </p:sp>
-      <p:sp>
-        <p:nvSpPr>
-          <p:cNvPr id="4" name="Slide Number Placeholder 3"/>
-          <p:cNvSpPr>
-            <a:spLocks noGrp="1"/>
-          </p:cNvSpPr>
-          <p:nvPr>
-            <p:ph type="sldNum" sz="quarter" idx="12"/>
-          </p:nvPr>
-        </p:nvSpPr>
-        <p:spPr/>
-        <p:txBody>
-          <a:bodyPr/>
-          <a:lstStyle/>
-          <a:p>
-            <a:pPr>
-              <a:defRPr/>
-            </a:pPr>
-            <a:fld id="{64137B81-8888-4253-92EC-0AED2A590749}" type="slidenum">
-              <a:rPr lang="en-US" smtClean="0"/>
-              <a:pPr>
-                <a:defRPr/>
-              </a:pPr>
-              <a:t>4</a:t>
-            </a:fld>
-            <a:endParaRPr lang="en-US"/>
-          </a:p>
-        </p:txBody>
-      </p:sp>
-    </p:spTree>
-    <p:extLst>
-      <p:ext uri="{BB962C8B-B14F-4D97-AF65-F5344CB8AC3E}">
-        <p14:creationId xmlns:p14="http://schemas.microsoft.com/office/powerpoint/2010/main" val="2984133197"/>
-      </p:ext>
-    </p:extLst>
-  </p:cSld>
-  <p:clrMapOvr>
-    <a:masterClrMapping/>
-  </p:clrMapOvr>
-</p:sld>
-</file>
-
-<file path=ppt/slides/slide40.xml><?xml version="1.0" encoding="utf-8"?>
+<file path=ppt/slides/slide42.xml><?xml version="1.0" encoding="utf-8"?>
 <p:sld xmlns:a="http://schemas.openxmlformats.org/drawingml/2006/main" xmlns:r="http://schemas.openxmlformats.org/officeDocument/2006/relationships" xmlns:p="http://schemas.openxmlformats.org/presentationml/2006/main">
   <p:cSld>
     <p:spTree>
@@ -32436,7 +35069,7 @@
 </p:sld>
 </file>
 
-<file path=ppt/slides/slide41.xml><?xml version="1.0" encoding="utf-8"?>
+<file path=ppt/slides/slide43.xml><?xml version="1.0" encoding="utf-8"?>
 <p:sld xmlns:a="http://schemas.openxmlformats.org/drawingml/2006/main" xmlns:r="http://schemas.openxmlformats.org/officeDocument/2006/relationships" xmlns:p="http://schemas.openxmlformats.org/presentationml/2006/main">
   <p:cSld>
     <p:spTree>
@@ -33185,7 +35818,7 @@
 </p:sld>
 </file>
 
-<file path=ppt/slides/slide42.xml><?xml version="1.0" encoding="utf-8"?>
+<file path=ppt/slides/slide44.xml><?xml version="1.0" encoding="utf-8"?>
 <p:sld xmlns:a="http://schemas.openxmlformats.org/drawingml/2006/main" xmlns:r="http://schemas.openxmlformats.org/officeDocument/2006/relationships" xmlns:p="http://schemas.openxmlformats.org/presentationml/2006/main">
   <p:cSld>
     <p:spTree>
@@ -35205,40 +37838,6 @@
       </p:sp>
       <p:sp>
         <p:nvSpPr>
-          <p:cNvPr id="66566" name="Line 4"/>
-          <p:cNvSpPr>
-            <a:spLocks noChangeShapeType="1"/>
-          </p:cNvSpPr>
-          <p:nvPr/>
-        </p:nvSpPr>
-        <p:spPr bwMode="auto">
-          <a:xfrm>
-            <a:off x="2667000" y="2286000"/>
-            <a:ext cx="0" cy="2895600"/>
-          </a:xfrm>
-          <a:prstGeom prst="line">
-            <a:avLst/>
-          </a:prstGeom>
-          <a:noFill/>
-          <a:ln w="9525">
-            <a:solidFill>
-              <a:schemeClr val="tx1"/>
-            </a:solidFill>
-            <a:miter lim="800000"/>
-            <a:headEnd/>
-            <a:tailEnd/>
-          </a:ln>
-        </p:spPr>
-        <p:txBody>
-          <a:bodyPr wrap="none"/>
-          <a:lstStyle/>
-          <a:p>
-            <a:endParaRPr lang="en-US"/>
-          </a:p>
-        </p:txBody>
-      </p:sp>
-      <p:sp>
-        <p:nvSpPr>
           <p:cNvPr id="66567" name="Text Box 5"/>
           <p:cNvSpPr txBox="1">
             <a:spLocks noChangeArrowheads="1"/>
@@ -35247,7 +37846,7 @@
         </p:nvSpPr>
         <p:spPr bwMode="auto">
           <a:xfrm rot="16200000">
-            <a:off x="1963737" y="3522663"/>
+            <a:off x="3339037" y="3343553"/>
             <a:ext cx="827088" cy="336550"/>
           </a:xfrm>
           <a:prstGeom prst="rect">
@@ -35268,7 +37867,7 @@
           <a:lstStyle/>
           <a:p>
             <a:r>
-              <a:rPr lang="en-US"/>
+              <a:rPr lang="en-US" dirty="0"/>
               <a:t>Energy</a:t>
             </a:r>
           </a:p>
@@ -35284,7 +37883,7 @@
         </p:nvSpPr>
         <p:spPr bwMode="auto">
           <a:xfrm>
-            <a:off x="2667000" y="5181600"/>
+            <a:off x="4042300" y="5002490"/>
             <a:ext cx="4343400" cy="0"/>
           </a:xfrm>
           <a:prstGeom prst="line">
@@ -35316,7 +37915,7 @@
         </p:nvGrpSpPr>
         <p:grpSpPr>
           <a:xfrm>
-            <a:off x="3733800" y="3352800"/>
+            <a:off x="5109100" y="3173690"/>
             <a:ext cx="1143000" cy="990600"/>
             <a:chOff x="5600700" y="3352800"/>
             <a:chExt cx="533400" cy="990600"/>
@@ -35375,7 +37974,7 @@
             <a:noFill/>
             <a:ln w="28575">
               <a:solidFill>
-                <a:srgbClr val="FF9900"/>
+                <a:srgbClr val="FF0000"/>
               </a:solidFill>
               <a:miter lim="800000"/>
               <a:headEnd/>
@@ -35401,7 +38000,7 @@
         </p:nvSpPr>
         <p:spPr bwMode="auto">
           <a:xfrm>
-            <a:off x="5089525" y="4098925"/>
+            <a:off x="6464825" y="3919815"/>
             <a:ext cx="398463" cy="336550"/>
           </a:xfrm>
           <a:prstGeom prst="rect">
@@ -35438,7 +38037,7 @@
         </p:nvSpPr>
         <p:spPr bwMode="auto">
           <a:xfrm>
-            <a:off x="5029200" y="3124200"/>
+            <a:off x="6404500" y="2945090"/>
             <a:ext cx="398463" cy="336550"/>
           </a:xfrm>
           <a:prstGeom prst="rect">
@@ -35475,7 +38074,7 @@
         </p:nvSpPr>
         <p:spPr bwMode="auto">
           <a:xfrm>
-            <a:off x="4435475" y="5665788"/>
+            <a:off x="5810775" y="5486678"/>
             <a:ext cx="1268413" cy="336550"/>
           </a:xfrm>
           <a:prstGeom prst="rect">
@@ -35502,72 +38101,1162 @@
           </a:p>
         </p:txBody>
       </p:sp>
-      <p:pic>
-        <p:nvPicPr>
-          <p:cNvPr id="2050" name="Picture 2"/>
-          <p:cNvPicPr>
-            <a:picLocks noChangeAspect="1" noChangeArrowheads="1"/>
-          </p:cNvPicPr>
+      <p:grpSp>
+        <p:nvGrpSpPr>
+          <p:cNvPr id="2" name="Group 1">
+            <a:extLst>
+              <a:ext uri="{FF2B5EF4-FFF2-40B4-BE49-F238E27FC236}">
+                <a16:creationId xmlns:a16="http://schemas.microsoft.com/office/drawing/2014/main" id="{FEB0892E-5BA6-B81F-21B6-5538B133C86A}"/>
+              </a:ext>
+            </a:extLst>
+          </p:cNvPr>
+          <p:cNvGrpSpPr/>
           <p:nvPr/>
-        </p:nvPicPr>
-        <p:blipFill>
-          <a:blip r:embed="rId2" cstate="print"/>
-          <a:srcRect/>
-          <a:stretch>
-            <a:fillRect/>
-          </a:stretch>
-        </p:blipFill>
+        </p:nvGrpSpPr>
+        <p:grpSpPr>
+          <a:xfrm>
+            <a:off x="804570" y="2360601"/>
+            <a:ext cx="2000867" cy="1895764"/>
+            <a:chOff x="-76200" y="-228600"/>
+            <a:chExt cx="6781800" cy="6324600"/>
+          </a:xfrm>
+        </p:grpSpPr>
+        <p:sp>
+          <p:nvSpPr>
+            <p:cNvPr id="4" name="Oval 3">
+              <a:extLst>
+                <a:ext uri="{FF2B5EF4-FFF2-40B4-BE49-F238E27FC236}">
+                  <a16:creationId xmlns:a16="http://schemas.microsoft.com/office/drawing/2014/main" id="{A580F23B-4A08-90B0-5A54-F06E2740132C}"/>
+                </a:ext>
+              </a:extLst>
+            </p:cNvPr>
+            <p:cNvSpPr/>
+            <p:nvPr/>
+          </p:nvSpPr>
+          <p:spPr>
+            <a:xfrm rot="19673694">
+              <a:off x="2123324" y="903980"/>
+              <a:ext cx="2423160" cy="4099560"/>
+            </a:xfrm>
+            <a:prstGeom prst="ellipse">
+              <a:avLst/>
+            </a:prstGeom>
+            <a:noFill/>
+            <a:ln w="38100">
+              <a:solidFill>
+                <a:srgbClr val="FFC000"/>
+              </a:solidFill>
+              <a:prstDash val="dash"/>
+            </a:ln>
+          </p:spPr>
+          <p:style>
+            <a:lnRef idx="2">
+              <a:schemeClr val="accent1">
+                <a:shade val="50000"/>
+              </a:schemeClr>
+            </a:lnRef>
+            <a:fillRef idx="1">
+              <a:schemeClr val="accent1"/>
+            </a:fillRef>
+            <a:effectRef idx="0">
+              <a:schemeClr val="accent1"/>
+            </a:effectRef>
+            <a:fontRef idx="minor">
+              <a:schemeClr val="lt1"/>
+            </a:fontRef>
+          </p:style>
+          <p:txBody>
+            <a:bodyPr rtlCol="0" anchor="ctr"/>
+            <a:lstStyle/>
+            <a:p>
+              <a:pPr algn="ctr"/>
+              <a:endParaRPr lang="en-US" dirty="0"/>
+            </a:p>
+          </p:txBody>
+        </p:sp>
+        <p:sp>
+          <p:nvSpPr>
+            <p:cNvPr id="5" name="Oval 4">
+              <a:extLst>
+                <a:ext uri="{FF2B5EF4-FFF2-40B4-BE49-F238E27FC236}">
+                  <a16:creationId xmlns:a16="http://schemas.microsoft.com/office/drawing/2014/main" id="{37BFCE6A-0E7B-D06E-DB6E-0C10440A86D9}"/>
+                </a:ext>
+              </a:extLst>
+            </p:cNvPr>
+            <p:cNvSpPr/>
+            <p:nvPr/>
+          </p:nvSpPr>
+          <p:spPr>
+            <a:xfrm>
+              <a:off x="3126375" y="2907036"/>
+              <a:ext cx="224908" cy="221253"/>
+            </a:xfrm>
+            <a:prstGeom prst="ellipse">
+              <a:avLst/>
+            </a:prstGeom>
+            <a:solidFill>
+              <a:srgbClr val="C0C0C0"/>
+            </a:solidFill>
+            <a:ln>
+              <a:noFill/>
+            </a:ln>
+          </p:spPr>
+          <p:style>
+            <a:lnRef idx="2">
+              <a:schemeClr val="accent1">
+                <a:shade val="50000"/>
+              </a:schemeClr>
+            </a:lnRef>
+            <a:fillRef idx="1">
+              <a:schemeClr val="accent1"/>
+            </a:fillRef>
+            <a:effectRef idx="0">
+              <a:schemeClr val="accent1"/>
+            </a:effectRef>
+            <a:fontRef idx="minor">
+              <a:schemeClr val="lt1"/>
+            </a:fontRef>
+          </p:style>
+          <p:txBody>
+            <a:bodyPr rtlCol="0" anchor="ctr"/>
+            <a:lstStyle/>
+            <a:p>
+              <a:pPr algn="ctr"/>
+              <a:endParaRPr lang="en-US" dirty="0"/>
+            </a:p>
+          </p:txBody>
+        </p:sp>
+        <p:sp>
+          <p:nvSpPr>
+            <p:cNvPr id="6" name="Oval 5">
+              <a:extLst>
+                <a:ext uri="{FF2B5EF4-FFF2-40B4-BE49-F238E27FC236}">
+                  <a16:creationId xmlns:a16="http://schemas.microsoft.com/office/drawing/2014/main" id="{5B02A20E-3E66-6925-B155-6991D986B7B0}"/>
+                </a:ext>
+              </a:extLst>
+            </p:cNvPr>
+            <p:cNvSpPr/>
+            <p:nvPr/>
+          </p:nvSpPr>
+          <p:spPr>
+            <a:xfrm>
+              <a:off x="3144575" y="2779408"/>
+              <a:ext cx="224908" cy="221253"/>
+            </a:xfrm>
+            <a:prstGeom prst="ellipse">
+              <a:avLst/>
+            </a:prstGeom>
+            <a:solidFill>
+              <a:srgbClr val="969696"/>
+            </a:solidFill>
+            <a:ln>
+              <a:noFill/>
+            </a:ln>
+          </p:spPr>
+          <p:style>
+            <a:lnRef idx="2">
+              <a:schemeClr val="accent1">
+                <a:shade val="50000"/>
+              </a:schemeClr>
+            </a:lnRef>
+            <a:fillRef idx="1">
+              <a:schemeClr val="accent1"/>
+            </a:fillRef>
+            <a:effectRef idx="0">
+              <a:schemeClr val="accent1"/>
+            </a:effectRef>
+            <a:fontRef idx="minor">
+              <a:schemeClr val="lt1"/>
+            </a:fontRef>
+          </p:style>
+          <p:txBody>
+            <a:bodyPr rtlCol="0" anchor="ctr"/>
+            <a:lstStyle/>
+            <a:p>
+              <a:pPr algn="ctr"/>
+              <a:endParaRPr lang="en-US" dirty="0"/>
+            </a:p>
+          </p:txBody>
+        </p:sp>
+        <p:sp>
+          <p:nvSpPr>
+            <p:cNvPr id="7" name="Plus 4">
+              <a:extLst>
+                <a:ext uri="{FF2B5EF4-FFF2-40B4-BE49-F238E27FC236}">
+                  <a16:creationId xmlns:a16="http://schemas.microsoft.com/office/drawing/2014/main" id="{0C425E04-FD06-E7AC-4BA4-B259370A0AFF}"/>
+                </a:ext>
+              </a:extLst>
+            </p:cNvPr>
+            <p:cNvSpPr/>
+            <p:nvPr/>
+          </p:nvSpPr>
+          <p:spPr>
+            <a:xfrm>
+              <a:off x="3178420" y="2804937"/>
+              <a:ext cx="157217" cy="170194"/>
+            </a:xfrm>
+            <a:prstGeom prst="mathPlus">
+              <a:avLst/>
+            </a:prstGeom>
+            <a:solidFill>
+              <a:schemeClr val="tx1"/>
+            </a:solidFill>
+            <a:ln>
+              <a:noFill/>
+            </a:ln>
+          </p:spPr>
+          <p:style>
+            <a:lnRef idx="2">
+              <a:schemeClr val="accent1">
+                <a:shade val="50000"/>
+              </a:schemeClr>
+            </a:lnRef>
+            <a:fillRef idx="1">
+              <a:schemeClr val="accent1"/>
+            </a:fillRef>
+            <a:effectRef idx="0">
+              <a:schemeClr val="accent1"/>
+            </a:effectRef>
+            <a:fontRef idx="minor">
+              <a:schemeClr val="lt1"/>
+            </a:fontRef>
+          </p:style>
+          <p:txBody>
+            <a:bodyPr rtlCol="0" anchor="ctr"/>
+            <a:lstStyle/>
+            <a:p>
+              <a:pPr algn="ctr"/>
+              <a:endParaRPr lang="en-US" dirty="0"/>
+            </a:p>
+          </p:txBody>
+        </p:sp>
+        <p:sp>
+          <p:nvSpPr>
+            <p:cNvPr id="8" name="Oval 7">
+              <a:extLst>
+                <a:ext uri="{FF2B5EF4-FFF2-40B4-BE49-F238E27FC236}">
+                  <a16:creationId xmlns:a16="http://schemas.microsoft.com/office/drawing/2014/main" id="{EC99994C-62C4-588D-B97F-F206ED4D26EA}"/>
+                </a:ext>
+              </a:extLst>
+            </p:cNvPr>
+            <p:cNvSpPr/>
+            <p:nvPr/>
+          </p:nvSpPr>
+          <p:spPr>
+            <a:xfrm>
+              <a:off x="3262878" y="2769591"/>
+              <a:ext cx="224908" cy="221253"/>
+            </a:xfrm>
+            <a:prstGeom prst="ellipse">
+              <a:avLst/>
+            </a:prstGeom>
+            <a:solidFill>
+              <a:srgbClr val="C0C0C0"/>
+            </a:solidFill>
+            <a:ln>
+              <a:noFill/>
+            </a:ln>
+          </p:spPr>
+          <p:style>
+            <a:lnRef idx="2">
+              <a:schemeClr val="accent1">
+                <a:shade val="50000"/>
+              </a:schemeClr>
+            </a:lnRef>
+            <a:fillRef idx="1">
+              <a:schemeClr val="accent1"/>
+            </a:fillRef>
+            <a:effectRef idx="0">
+              <a:schemeClr val="accent1"/>
+            </a:effectRef>
+            <a:fontRef idx="minor">
+              <a:schemeClr val="lt1"/>
+            </a:fontRef>
+          </p:style>
+          <p:txBody>
+            <a:bodyPr rtlCol="0" anchor="ctr"/>
+            <a:lstStyle/>
+            <a:p>
+              <a:pPr algn="ctr"/>
+              <a:endParaRPr lang="en-US" dirty="0"/>
+            </a:p>
+          </p:txBody>
+        </p:sp>
+        <p:sp>
+          <p:nvSpPr>
+            <p:cNvPr id="9" name="Oval 8">
+              <a:extLst>
+                <a:ext uri="{FF2B5EF4-FFF2-40B4-BE49-F238E27FC236}">
+                  <a16:creationId xmlns:a16="http://schemas.microsoft.com/office/drawing/2014/main" id="{2DA13644-80E7-6BA3-B318-86F1329C19D9}"/>
+                </a:ext>
+              </a:extLst>
+            </p:cNvPr>
+            <p:cNvSpPr/>
+            <p:nvPr/>
+          </p:nvSpPr>
+          <p:spPr>
+            <a:xfrm>
+              <a:off x="3235577" y="2877583"/>
+              <a:ext cx="224908" cy="221253"/>
+            </a:xfrm>
+            <a:prstGeom prst="ellipse">
+              <a:avLst/>
+            </a:prstGeom>
+            <a:solidFill>
+              <a:srgbClr val="969696"/>
+            </a:solidFill>
+            <a:ln>
+              <a:noFill/>
+            </a:ln>
+          </p:spPr>
+          <p:style>
+            <a:lnRef idx="2">
+              <a:schemeClr val="accent1">
+                <a:shade val="50000"/>
+              </a:schemeClr>
+            </a:lnRef>
+            <a:fillRef idx="1">
+              <a:schemeClr val="accent1"/>
+            </a:fillRef>
+            <a:effectRef idx="0">
+              <a:schemeClr val="accent1"/>
+            </a:effectRef>
+            <a:fontRef idx="minor">
+              <a:schemeClr val="lt1"/>
+            </a:fontRef>
+          </p:style>
+          <p:txBody>
+            <a:bodyPr rtlCol="0" anchor="ctr"/>
+            <a:lstStyle/>
+            <a:p>
+              <a:pPr algn="ctr"/>
+              <a:endParaRPr lang="en-US" dirty="0"/>
+            </a:p>
+          </p:txBody>
+        </p:sp>
+        <p:sp>
+          <p:nvSpPr>
+            <p:cNvPr id="10" name="Plus 7">
+              <a:extLst>
+                <a:ext uri="{FF2B5EF4-FFF2-40B4-BE49-F238E27FC236}">
+                  <a16:creationId xmlns:a16="http://schemas.microsoft.com/office/drawing/2014/main" id="{97DF6443-3351-5D70-605E-791D6C7E0836}"/>
+                </a:ext>
+              </a:extLst>
+            </p:cNvPr>
+            <p:cNvSpPr/>
+            <p:nvPr/>
+          </p:nvSpPr>
+          <p:spPr>
+            <a:xfrm>
+              <a:off x="3269422" y="2903112"/>
+              <a:ext cx="157217" cy="170194"/>
+            </a:xfrm>
+            <a:prstGeom prst="mathPlus">
+              <a:avLst/>
+            </a:prstGeom>
+            <a:solidFill>
+              <a:schemeClr val="tx1"/>
+            </a:solidFill>
+            <a:ln>
+              <a:noFill/>
+            </a:ln>
+          </p:spPr>
+          <p:style>
+            <a:lnRef idx="2">
+              <a:schemeClr val="accent1">
+                <a:shade val="50000"/>
+              </a:schemeClr>
+            </a:lnRef>
+            <a:fillRef idx="1">
+              <a:schemeClr val="accent1"/>
+            </a:fillRef>
+            <a:effectRef idx="0">
+              <a:schemeClr val="accent1"/>
+            </a:effectRef>
+            <a:fontRef idx="minor">
+              <a:schemeClr val="lt1"/>
+            </a:fontRef>
+          </p:style>
+          <p:txBody>
+            <a:bodyPr rtlCol="0" anchor="ctr"/>
+            <a:lstStyle/>
+            <a:p>
+              <a:pPr algn="ctr"/>
+              <a:endParaRPr lang="en-US" dirty="0"/>
+            </a:p>
+          </p:txBody>
+        </p:sp>
+        <p:sp>
+          <p:nvSpPr>
+            <p:cNvPr id="11" name="Oval 10">
+              <a:extLst>
+                <a:ext uri="{FF2B5EF4-FFF2-40B4-BE49-F238E27FC236}">
+                  <a16:creationId xmlns:a16="http://schemas.microsoft.com/office/drawing/2014/main" id="{E6B2472E-9AFA-CA7C-18C1-E81FB80A710B}"/>
+                </a:ext>
+              </a:extLst>
+            </p:cNvPr>
+            <p:cNvSpPr/>
+            <p:nvPr/>
+          </p:nvSpPr>
+          <p:spPr>
+            <a:xfrm>
+              <a:off x="1280160" y="899160"/>
+              <a:ext cx="4053840" cy="4099560"/>
+            </a:xfrm>
+            <a:prstGeom prst="ellipse">
+              <a:avLst/>
+            </a:prstGeom>
+            <a:noFill/>
+            <a:ln w="38100">
+              <a:solidFill>
+                <a:srgbClr val="FFC000"/>
+              </a:solidFill>
+              <a:prstDash val="dash"/>
+            </a:ln>
+          </p:spPr>
+          <p:style>
+            <a:lnRef idx="2">
+              <a:schemeClr val="accent1">
+                <a:shade val="50000"/>
+              </a:schemeClr>
+            </a:lnRef>
+            <a:fillRef idx="1">
+              <a:schemeClr val="accent1"/>
+            </a:fillRef>
+            <a:effectRef idx="0">
+              <a:schemeClr val="accent1"/>
+            </a:effectRef>
+            <a:fontRef idx="minor">
+              <a:schemeClr val="lt1"/>
+            </a:fontRef>
+          </p:style>
+          <p:txBody>
+            <a:bodyPr rtlCol="0" anchor="ctr"/>
+            <a:lstStyle/>
+            <a:p>
+              <a:pPr algn="ctr"/>
+              <a:endParaRPr lang="en-US" dirty="0"/>
+            </a:p>
+          </p:txBody>
+        </p:sp>
+        <p:sp>
+          <p:nvSpPr>
+            <p:cNvPr id="12" name="Oval 11">
+              <a:extLst>
+                <a:ext uri="{FF2B5EF4-FFF2-40B4-BE49-F238E27FC236}">
+                  <a16:creationId xmlns:a16="http://schemas.microsoft.com/office/drawing/2014/main" id="{E4DE8A75-3C06-78B8-AA19-2800E7CAADFD}"/>
+                </a:ext>
+              </a:extLst>
+            </p:cNvPr>
+            <p:cNvSpPr/>
+            <p:nvPr/>
+          </p:nvSpPr>
+          <p:spPr>
+            <a:xfrm>
+              <a:off x="5042328" y="2079702"/>
+              <a:ext cx="261192" cy="282498"/>
+            </a:xfrm>
+            <a:prstGeom prst="ellipse">
+              <a:avLst/>
+            </a:prstGeom>
+            <a:solidFill>
+              <a:srgbClr val="638FC5"/>
+            </a:solidFill>
+            <a:ln>
+              <a:noFill/>
+            </a:ln>
+          </p:spPr>
+          <p:style>
+            <a:lnRef idx="2">
+              <a:schemeClr val="accent1">
+                <a:shade val="50000"/>
+              </a:schemeClr>
+            </a:lnRef>
+            <a:fillRef idx="1">
+              <a:schemeClr val="accent1"/>
+            </a:fillRef>
+            <a:effectRef idx="0">
+              <a:schemeClr val="accent1"/>
+            </a:effectRef>
+            <a:fontRef idx="minor">
+              <a:schemeClr val="lt1"/>
+            </a:fontRef>
+          </p:style>
+          <p:txBody>
+            <a:bodyPr rtlCol="0" anchor="ctr"/>
+            <a:lstStyle/>
+            <a:p>
+              <a:pPr algn="ctr"/>
+              <a:endParaRPr lang="en-US" dirty="0"/>
+            </a:p>
+          </p:txBody>
+        </p:sp>
+        <p:sp>
+          <p:nvSpPr>
+            <p:cNvPr id="13" name="Minus 15">
+              <a:extLst>
+                <a:ext uri="{FF2B5EF4-FFF2-40B4-BE49-F238E27FC236}">
+                  <a16:creationId xmlns:a16="http://schemas.microsoft.com/office/drawing/2014/main" id="{C2D242A5-B483-F182-8200-6132A4E6DDE1}"/>
+                </a:ext>
+              </a:extLst>
+            </p:cNvPr>
+            <p:cNvSpPr/>
+            <p:nvPr/>
+          </p:nvSpPr>
+          <p:spPr>
+            <a:xfrm>
+              <a:off x="5067686" y="2154401"/>
+              <a:ext cx="210475" cy="133100"/>
+            </a:xfrm>
+            <a:prstGeom prst="mathMinus">
+              <a:avLst/>
+            </a:prstGeom>
+            <a:solidFill>
+              <a:schemeClr val="tx1"/>
+            </a:solidFill>
+            <a:ln>
+              <a:noFill/>
+            </a:ln>
+          </p:spPr>
+          <p:style>
+            <a:lnRef idx="2">
+              <a:schemeClr val="accent1">
+                <a:shade val="50000"/>
+              </a:schemeClr>
+            </a:lnRef>
+            <a:fillRef idx="1">
+              <a:schemeClr val="accent1"/>
+            </a:fillRef>
+            <a:effectRef idx="0">
+              <a:schemeClr val="accent1"/>
+            </a:effectRef>
+            <a:fontRef idx="minor">
+              <a:schemeClr val="lt1"/>
+            </a:fontRef>
+          </p:style>
+          <p:txBody>
+            <a:bodyPr rtlCol="0" anchor="ctr"/>
+            <a:lstStyle/>
+            <a:p>
+              <a:pPr algn="ctr"/>
+              <a:endParaRPr lang="en-US" dirty="0"/>
+            </a:p>
+          </p:txBody>
+        </p:sp>
+        <p:sp>
+          <p:nvSpPr>
+            <p:cNvPr id="14" name="Oval 13">
+              <a:extLst>
+                <a:ext uri="{FF2B5EF4-FFF2-40B4-BE49-F238E27FC236}">
+                  <a16:creationId xmlns:a16="http://schemas.microsoft.com/office/drawing/2014/main" id="{25439C78-B14D-FF00-5EF7-192AB75F392F}"/>
+                </a:ext>
+              </a:extLst>
+            </p:cNvPr>
+            <p:cNvSpPr/>
+            <p:nvPr/>
+          </p:nvSpPr>
+          <p:spPr>
+            <a:xfrm>
+              <a:off x="2725848" y="4030422"/>
+              <a:ext cx="261192" cy="282498"/>
+            </a:xfrm>
+            <a:prstGeom prst="ellipse">
+              <a:avLst/>
+            </a:prstGeom>
+            <a:solidFill>
+              <a:srgbClr val="638FC5"/>
+            </a:solidFill>
+            <a:ln>
+              <a:noFill/>
+            </a:ln>
+          </p:spPr>
+          <p:style>
+            <a:lnRef idx="2">
+              <a:schemeClr val="accent1">
+                <a:shade val="50000"/>
+              </a:schemeClr>
+            </a:lnRef>
+            <a:fillRef idx="1">
+              <a:schemeClr val="accent1"/>
+            </a:fillRef>
+            <a:effectRef idx="0">
+              <a:schemeClr val="accent1"/>
+            </a:effectRef>
+            <a:fontRef idx="minor">
+              <a:schemeClr val="lt1"/>
+            </a:fontRef>
+          </p:style>
+          <p:txBody>
+            <a:bodyPr rtlCol="0" anchor="ctr"/>
+            <a:lstStyle/>
+            <a:p>
+              <a:pPr algn="ctr"/>
+              <a:endParaRPr lang="en-US" dirty="0"/>
+            </a:p>
+          </p:txBody>
+        </p:sp>
+        <p:sp>
+          <p:nvSpPr>
+            <p:cNvPr id="15" name="Minus 24">
+              <a:extLst>
+                <a:ext uri="{FF2B5EF4-FFF2-40B4-BE49-F238E27FC236}">
+                  <a16:creationId xmlns:a16="http://schemas.microsoft.com/office/drawing/2014/main" id="{835AA4F2-2809-FBB4-12B9-4FE6219EA394}"/>
+                </a:ext>
+              </a:extLst>
+            </p:cNvPr>
+            <p:cNvSpPr/>
+            <p:nvPr/>
+          </p:nvSpPr>
+          <p:spPr>
+            <a:xfrm>
+              <a:off x="2751206" y="4105121"/>
+              <a:ext cx="210475" cy="133100"/>
+            </a:xfrm>
+            <a:prstGeom prst="mathMinus">
+              <a:avLst/>
+            </a:prstGeom>
+            <a:solidFill>
+              <a:schemeClr val="tx1"/>
+            </a:solidFill>
+            <a:ln>
+              <a:noFill/>
+            </a:ln>
+          </p:spPr>
+          <p:style>
+            <a:lnRef idx="2">
+              <a:schemeClr val="accent1">
+                <a:shade val="50000"/>
+              </a:schemeClr>
+            </a:lnRef>
+            <a:fillRef idx="1">
+              <a:schemeClr val="accent1"/>
+            </a:fillRef>
+            <a:effectRef idx="0">
+              <a:schemeClr val="accent1"/>
+            </a:effectRef>
+            <a:fontRef idx="minor">
+              <a:schemeClr val="lt1"/>
+            </a:fontRef>
+          </p:style>
+          <p:txBody>
+            <a:bodyPr rtlCol="0" anchor="ctr"/>
+            <a:lstStyle/>
+            <a:p>
+              <a:pPr algn="ctr"/>
+              <a:endParaRPr lang="en-US" dirty="0"/>
+            </a:p>
+          </p:txBody>
+        </p:sp>
+        <p:sp>
+          <p:nvSpPr>
+            <p:cNvPr id="21" name="Oval 20">
+              <a:extLst>
+                <a:ext uri="{FF2B5EF4-FFF2-40B4-BE49-F238E27FC236}">
+                  <a16:creationId xmlns:a16="http://schemas.microsoft.com/office/drawing/2014/main" id="{3FCA85A0-E2B6-1355-0259-085396CAE3B0}"/>
+                </a:ext>
+              </a:extLst>
+            </p:cNvPr>
+            <p:cNvSpPr/>
+            <p:nvPr/>
+          </p:nvSpPr>
+          <p:spPr>
+            <a:xfrm>
+              <a:off x="3088593" y="3029241"/>
+              <a:ext cx="376256" cy="300213"/>
+            </a:xfrm>
+            <a:prstGeom prst="ellipse">
+              <a:avLst/>
+            </a:prstGeom>
+            <a:solidFill>
+              <a:srgbClr val="C0C0C0"/>
+            </a:solidFill>
+            <a:ln>
+              <a:noFill/>
+            </a:ln>
+          </p:spPr>
+          <p:style>
+            <a:lnRef idx="2">
+              <a:schemeClr val="accent1">
+                <a:shade val="50000"/>
+              </a:schemeClr>
+            </a:lnRef>
+            <a:fillRef idx="1">
+              <a:schemeClr val="accent1"/>
+            </a:fillRef>
+            <a:effectRef idx="0">
+              <a:schemeClr val="accent1"/>
+            </a:effectRef>
+            <a:fontRef idx="minor">
+              <a:schemeClr val="lt1"/>
+            </a:fontRef>
+          </p:style>
+          <p:txBody>
+            <a:bodyPr rtlCol="0" anchor="ctr"/>
+            <a:lstStyle/>
+            <a:p>
+              <a:pPr algn="ctr"/>
+              <a:endParaRPr lang="en-US" dirty="0"/>
+            </a:p>
+          </p:txBody>
+        </p:sp>
+        <p:sp>
+          <p:nvSpPr>
+            <p:cNvPr id="22" name="Oval 21">
+              <a:extLst>
+                <a:ext uri="{FF2B5EF4-FFF2-40B4-BE49-F238E27FC236}">
+                  <a16:creationId xmlns:a16="http://schemas.microsoft.com/office/drawing/2014/main" id="{DD5844E7-4125-6D3E-2E51-477CBAE84381}"/>
+                </a:ext>
+              </a:extLst>
+            </p:cNvPr>
+            <p:cNvSpPr/>
+            <p:nvPr/>
+          </p:nvSpPr>
+          <p:spPr>
+            <a:xfrm>
+              <a:off x="3119040" y="2856066"/>
+              <a:ext cx="376256" cy="300213"/>
+            </a:xfrm>
+            <a:prstGeom prst="ellipse">
+              <a:avLst/>
+            </a:prstGeom>
+            <a:solidFill>
+              <a:srgbClr val="969696"/>
+            </a:solidFill>
+            <a:ln>
+              <a:noFill/>
+            </a:ln>
+          </p:spPr>
+          <p:style>
+            <a:lnRef idx="2">
+              <a:schemeClr val="accent1">
+                <a:shade val="50000"/>
+              </a:schemeClr>
+            </a:lnRef>
+            <a:fillRef idx="1">
+              <a:schemeClr val="accent1"/>
+            </a:fillRef>
+            <a:effectRef idx="0">
+              <a:schemeClr val="accent1"/>
+            </a:effectRef>
+            <a:fontRef idx="minor">
+              <a:schemeClr val="lt1"/>
+            </a:fontRef>
+          </p:style>
+          <p:txBody>
+            <a:bodyPr rtlCol="0" anchor="ctr"/>
+            <a:lstStyle/>
+            <a:p>
+              <a:pPr algn="ctr"/>
+              <a:endParaRPr lang="en-US" dirty="0"/>
+            </a:p>
+          </p:txBody>
+        </p:sp>
+        <p:sp>
+          <p:nvSpPr>
+            <p:cNvPr id="23" name="Plus 30">
+              <a:extLst>
+                <a:ext uri="{FF2B5EF4-FFF2-40B4-BE49-F238E27FC236}">
+                  <a16:creationId xmlns:a16="http://schemas.microsoft.com/office/drawing/2014/main" id="{4D389284-46EA-A4C5-BF21-39BD2246B0CB}"/>
+                </a:ext>
+              </a:extLst>
+            </p:cNvPr>
+            <p:cNvSpPr/>
+            <p:nvPr/>
+          </p:nvSpPr>
+          <p:spPr>
+            <a:xfrm>
+              <a:off x="3175661" y="2890706"/>
+              <a:ext cx="263013" cy="230932"/>
+            </a:xfrm>
+            <a:prstGeom prst="mathPlus">
+              <a:avLst/>
+            </a:prstGeom>
+            <a:solidFill>
+              <a:schemeClr val="tx1"/>
+            </a:solidFill>
+            <a:ln>
+              <a:noFill/>
+            </a:ln>
+          </p:spPr>
+          <p:style>
+            <a:lnRef idx="2">
+              <a:schemeClr val="accent1">
+                <a:shade val="50000"/>
+              </a:schemeClr>
+            </a:lnRef>
+            <a:fillRef idx="1">
+              <a:schemeClr val="accent1"/>
+            </a:fillRef>
+            <a:effectRef idx="0">
+              <a:schemeClr val="accent1"/>
+            </a:effectRef>
+            <a:fontRef idx="minor">
+              <a:schemeClr val="lt1"/>
+            </a:fontRef>
+          </p:style>
+          <p:txBody>
+            <a:bodyPr rtlCol="0" anchor="ctr"/>
+            <a:lstStyle/>
+            <a:p>
+              <a:pPr algn="ctr"/>
+              <a:endParaRPr lang="en-US" dirty="0"/>
+            </a:p>
+          </p:txBody>
+        </p:sp>
+        <p:sp>
+          <p:nvSpPr>
+            <p:cNvPr id="24" name="Oval 23">
+              <a:extLst>
+                <a:ext uri="{FF2B5EF4-FFF2-40B4-BE49-F238E27FC236}">
+                  <a16:creationId xmlns:a16="http://schemas.microsoft.com/office/drawing/2014/main" id="{77BAF506-A2E5-F931-B5D3-470301ABDD5A}"/>
+                </a:ext>
+              </a:extLst>
+            </p:cNvPr>
+            <p:cNvSpPr/>
+            <p:nvPr/>
+          </p:nvSpPr>
+          <p:spPr>
+            <a:xfrm>
+              <a:off x="3316953" y="2842745"/>
+              <a:ext cx="376256" cy="300213"/>
+            </a:xfrm>
+            <a:prstGeom prst="ellipse">
+              <a:avLst/>
+            </a:prstGeom>
+            <a:solidFill>
+              <a:srgbClr val="C0C0C0"/>
+            </a:solidFill>
+            <a:ln>
+              <a:noFill/>
+            </a:ln>
+          </p:spPr>
+          <p:style>
+            <a:lnRef idx="2">
+              <a:schemeClr val="accent1">
+                <a:shade val="50000"/>
+              </a:schemeClr>
+            </a:lnRef>
+            <a:fillRef idx="1">
+              <a:schemeClr val="accent1"/>
+            </a:fillRef>
+            <a:effectRef idx="0">
+              <a:schemeClr val="accent1"/>
+            </a:effectRef>
+            <a:fontRef idx="minor">
+              <a:schemeClr val="lt1"/>
+            </a:fontRef>
+          </p:style>
+          <p:txBody>
+            <a:bodyPr rtlCol="0" anchor="ctr"/>
+            <a:lstStyle/>
+            <a:p>
+              <a:pPr algn="ctr"/>
+              <a:endParaRPr lang="en-US" dirty="0"/>
+            </a:p>
+          </p:txBody>
+        </p:sp>
+        <p:sp>
+          <p:nvSpPr>
+            <p:cNvPr id="25" name="Oval 24">
+              <a:extLst>
+                <a:ext uri="{FF2B5EF4-FFF2-40B4-BE49-F238E27FC236}">
+                  <a16:creationId xmlns:a16="http://schemas.microsoft.com/office/drawing/2014/main" id="{08C34114-60E9-1E16-9368-A89772FCFDC2}"/>
+                </a:ext>
+              </a:extLst>
+            </p:cNvPr>
+            <p:cNvSpPr/>
+            <p:nvPr/>
+          </p:nvSpPr>
+          <p:spPr>
+            <a:xfrm>
+              <a:off x="3271280" y="2989277"/>
+              <a:ext cx="376256" cy="300213"/>
+            </a:xfrm>
+            <a:prstGeom prst="ellipse">
+              <a:avLst/>
+            </a:prstGeom>
+            <a:solidFill>
+              <a:srgbClr val="969696"/>
+            </a:solidFill>
+            <a:ln>
+              <a:noFill/>
+            </a:ln>
+          </p:spPr>
+          <p:style>
+            <a:lnRef idx="2">
+              <a:schemeClr val="accent1">
+                <a:shade val="50000"/>
+              </a:schemeClr>
+            </a:lnRef>
+            <a:fillRef idx="1">
+              <a:schemeClr val="accent1"/>
+            </a:fillRef>
+            <a:effectRef idx="0">
+              <a:schemeClr val="accent1"/>
+            </a:effectRef>
+            <a:fontRef idx="minor">
+              <a:schemeClr val="lt1"/>
+            </a:fontRef>
+          </p:style>
+          <p:txBody>
+            <a:bodyPr rtlCol="0" anchor="ctr"/>
+            <a:lstStyle/>
+            <a:p>
+              <a:pPr algn="ctr"/>
+              <a:endParaRPr lang="en-US" dirty="0"/>
+            </a:p>
+          </p:txBody>
+        </p:sp>
+        <p:sp>
+          <p:nvSpPr>
+            <p:cNvPr id="26" name="Plus 33">
+              <a:extLst>
+                <a:ext uri="{FF2B5EF4-FFF2-40B4-BE49-F238E27FC236}">
+                  <a16:creationId xmlns:a16="http://schemas.microsoft.com/office/drawing/2014/main" id="{61B9875D-234E-C102-6767-2FF3E7EF5A43}"/>
+                </a:ext>
+              </a:extLst>
+            </p:cNvPr>
+            <p:cNvSpPr/>
+            <p:nvPr/>
+          </p:nvSpPr>
+          <p:spPr>
+            <a:xfrm>
+              <a:off x="3327901" y="3023917"/>
+              <a:ext cx="263013" cy="230932"/>
+            </a:xfrm>
+            <a:prstGeom prst="mathPlus">
+              <a:avLst/>
+            </a:prstGeom>
+            <a:solidFill>
+              <a:schemeClr val="tx1"/>
+            </a:solidFill>
+            <a:ln>
+              <a:noFill/>
+            </a:ln>
+          </p:spPr>
+          <p:style>
+            <a:lnRef idx="2">
+              <a:schemeClr val="accent1">
+                <a:shade val="50000"/>
+              </a:schemeClr>
+            </a:lnRef>
+            <a:fillRef idx="1">
+              <a:schemeClr val="accent1"/>
+            </a:fillRef>
+            <a:effectRef idx="0">
+              <a:schemeClr val="accent1"/>
+            </a:effectRef>
+            <a:fontRef idx="minor">
+              <a:schemeClr val="lt1"/>
+            </a:fontRef>
+          </p:style>
+          <p:txBody>
+            <a:bodyPr rtlCol="0" anchor="ctr"/>
+            <a:lstStyle/>
+            <a:p>
+              <a:pPr algn="ctr"/>
+              <a:endParaRPr lang="en-US" dirty="0"/>
+            </a:p>
+          </p:txBody>
+        </p:sp>
+        <p:sp>
+          <p:nvSpPr>
+            <p:cNvPr id="27" name="Oval 26">
+              <a:extLst>
+                <a:ext uri="{FF2B5EF4-FFF2-40B4-BE49-F238E27FC236}">
+                  <a16:creationId xmlns:a16="http://schemas.microsoft.com/office/drawing/2014/main" id="{6E2E8F37-1441-32D4-7F40-29A56D79C441}"/>
+                </a:ext>
+              </a:extLst>
+            </p:cNvPr>
+            <p:cNvSpPr/>
+            <p:nvPr/>
+          </p:nvSpPr>
+          <p:spPr>
+            <a:xfrm>
+              <a:off x="-76200" y="-228600"/>
+              <a:ext cx="6781800" cy="6324600"/>
+            </a:xfrm>
+            <a:prstGeom prst="ellipse">
+              <a:avLst/>
+            </a:prstGeom>
+            <a:noFill/>
+            <a:ln w="38100">
+              <a:solidFill>
+                <a:srgbClr val="FF0000"/>
+              </a:solidFill>
+              <a:prstDash val="dash"/>
+            </a:ln>
+          </p:spPr>
+          <p:style>
+            <a:lnRef idx="2">
+              <a:schemeClr val="accent1">
+                <a:shade val="50000"/>
+              </a:schemeClr>
+            </a:lnRef>
+            <a:fillRef idx="1">
+              <a:schemeClr val="accent1"/>
+            </a:fillRef>
+            <a:effectRef idx="0">
+              <a:schemeClr val="accent1"/>
+            </a:effectRef>
+            <a:fontRef idx="minor">
+              <a:schemeClr val="lt1"/>
+            </a:fontRef>
+          </p:style>
+          <p:txBody>
+            <a:bodyPr rtlCol="0" anchor="ctr"/>
+            <a:lstStyle/>
+            <a:p>
+              <a:pPr algn="ctr"/>
+              <a:endParaRPr lang="en-US" dirty="0"/>
+            </a:p>
+          </p:txBody>
+        </p:sp>
+        <p:sp>
+          <p:nvSpPr>
+            <p:cNvPr id="28" name="Oval 27">
+              <a:extLst>
+                <a:ext uri="{FF2B5EF4-FFF2-40B4-BE49-F238E27FC236}">
+                  <a16:creationId xmlns:a16="http://schemas.microsoft.com/office/drawing/2014/main" id="{22DD5148-587E-3E6A-AB96-2DAC759A3E25}"/>
+                </a:ext>
+              </a:extLst>
+            </p:cNvPr>
+            <p:cNvSpPr/>
+            <p:nvPr/>
+          </p:nvSpPr>
+          <p:spPr>
+            <a:xfrm>
+              <a:off x="5562600" y="533400"/>
+              <a:ext cx="261192" cy="282498"/>
+            </a:xfrm>
+            <a:prstGeom prst="ellipse">
+              <a:avLst/>
+            </a:prstGeom>
+            <a:solidFill>
+              <a:srgbClr val="638FC5"/>
+            </a:solidFill>
+            <a:ln>
+              <a:noFill/>
+            </a:ln>
+          </p:spPr>
+          <p:style>
+            <a:lnRef idx="2">
+              <a:schemeClr val="accent1">
+                <a:shade val="50000"/>
+              </a:schemeClr>
+            </a:lnRef>
+            <a:fillRef idx="1">
+              <a:schemeClr val="accent1"/>
+            </a:fillRef>
+            <a:effectRef idx="0">
+              <a:schemeClr val="accent1"/>
+            </a:effectRef>
+            <a:fontRef idx="minor">
+              <a:schemeClr val="lt1"/>
+            </a:fontRef>
+          </p:style>
+          <p:txBody>
+            <a:bodyPr rtlCol="0" anchor="ctr"/>
+            <a:lstStyle/>
+            <a:p>
+              <a:pPr algn="ctr"/>
+              <a:endParaRPr lang="en-US" dirty="0"/>
+            </a:p>
+          </p:txBody>
+        </p:sp>
+        <p:sp>
+          <p:nvSpPr>
+            <p:cNvPr id="29" name="Minus 40">
+              <a:extLst>
+                <a:ext uri="{FF2B5EF4-FFF2-40B4-BE49-F238E27FC236}">
+                  <a16:creationId xmlns:a16="http://schemas.microsoft.com/office/drawing/2014/main" id="{644C0BE0-B97B-6D30-2FE7-36EA9B54ED82}"/>
+                </a:ext>
+              </a:extLst>
+            </p:cNvPr>
+            <p:cNvSpPr/>
+            <p:nvPr/>
+          </p:nvSpPr>
+          <p:spPr>
+            <a:xfrm>
+              <a:off x="5587958" y="608099"/>
+              <a:ext cx="210475" cy="133100"/>
+            </a:xfrm>
+            <a:prstGeom prst="mathMinus">
+              <a:avLst/>
+            </a:prstGeom>
+            <a:solidFill>
+              <a:schemeClr val="tx1"/>
+            </a:solidFill>
+            <a:ln>
+              <a:noFill/>
+            </a:ln>
+          </p:spPr>
+          <p:style>
+            <a:lnRef idx="2">
+              <a:schemeClr val="accent1">
+                <a:shade val="50000"/>
+              </a:schemeClr>
+            </a:lnRef>
+            <a:fillRef idx="1">
+              <a:schemeClr val="accent1"/>
+            </a:fillRef>
+            <a:effectRef idx="0">
+              <a:schemeClr val="accent1"/>
+            </a:effectRef>
+            <a:fontRef idx="minor">
+              <a:schemeClr val="lt1"/>
+            </a:fontRef>
+          </p:style>
+          <p:txBody>
+            <a:bodyPr rtlCol="0" anchor="ctr"/>
+            <a:lstStyle/>
+            <a:p>
+              <a:pPr algn="ctr"/>
+              <a:endParaRPr lang="en-US" dirty="0"/>
+            </a:p>
+          </p:txBody>
+        </p:sp>
+      </p:grpSp>
+      <p:sp>
+        <p:nvSpPr>
+          <p:cNvPr id="33" name="Line 6">
+            <a:extLst>
+              <a:ext uri="{FF2B5EF4-FFF2-40B4-BE49-F238E27FC236}">
+                <a16:creationId xmlns:a16="http://schemas.microsoft.com/office/drawing/2014/main" id="{6E40CC3A-9D2F-1C4B-ECA1-B1B8E2A5417C}"/>
+              </a:ext>
+            </a:extLst>
+          </p:cNvPr>
+          <p:cNvSpPr>
+            <a:spLocks noChangeShapeType="1"/>
+          </p:cNvSpPr>
+          <p:nvPr/>
+        </p:nvSpPr>
         <p:spPr bwMode="auto">
-          <a:xfrm>
-            <a:off x="2152650" y="3505200"/>
-            <a:ext cx="2323483" cy="1789113"/>
+          <a:xfrm flipH="1" flipV="1">
+            <a:off x="4001222" y="2225808"/>
+            <a:ext cx="72034" cy="2779333"/>
           </a:xfrm>
-          <a:prstGeom prst="rect">
+          <a:prstGeom prst="line">
             <a:avLst/>
           </a:prstGeom>
           <a:noFill/>
           <a:ln w="9525">
-            <a:noFill/>
+            <a:solidFill>
+              <a:schemeClr val="tx1"/>
+            </a:solidFill>
             <a:miter lim="800000"/>
             <a:headEnd/>
             <a:tailEnd/>
           </a:ln>
-          <a:effectLst/>
         </p:spPr>
-      </p:pic>
-      <p:pic>
-        <p:nvPicPr>
-          <p:cNvPr id="2051" name="Picture 3"/>
-          <p:cNvPicPr>
-            <a:picLocks noChangeAspect="1" noChangeArrowheads="1"/>
-          </p:cNvPicPr>
-          <p:nvPr/>
-        </p:nvPicPr>
-        <p:blipFill>
-          <a:blip r:embed="rId2" cstate="print"/>
-          <a:srcRect/>
-          <a:stretch>
-            <a:fillRect/>
-          </a:stretch>
-        </p:blipFill>
-        <p:spPr bwMode="auto">
-          <a:xfrm>
-            <a:off x="2152650" y="1568450"/>
-            <a:ext cx="4838700" cy="3725863"/>
-          </a:xfrm>
-          <a:prstGeom prst="rect">
-            <a:avLst/>
-          </a:prstGeom>
-          <a:noFill/>
-          <a:ln w="9525">
-            <a:noFill/>
-            <a:miter lim="800000"/>
-            <a:headEnd/>
-            <a:tailEnd/>
-          </a:ln>
-          <a:effectLst/>
-        </p:spPr>
-      </p:pic>
+        <p:txBody>
+          <a:bodyPr wrap="none"/>
+          <a:lstStyle/>
+          <a:p>
+            <a:endParaRPr lang="en-US"/>
+          </a:p>
+        </p:txBody>
+      </p:sp>
     </p:spTree>
   </p:cSld>
   <p:clrMapOvr>

--- a/Slides/PH223_Lecture_20.pptx
+++ b/Slides/PH223_Lecture_20.pptx
@@ -166,6 +166,30 @@
 <file path=ppt/changesInfos/changesInfo1.xml><?xml version="1.0" encoding="utf-8"?>
 <pc:chgInfo xmlns:a="http://schemas.openxmlformats.org/drawingml/2006/main" xmlns:r="http://schemas.openxmlformats.org/officeDocument/2006/relationships" xmlns:ac="http://schemas.microsoft.com/office/drawing/2013/main/command" xmlns:pc="http://schemas.microsoft.com/office/powerpoint/2013/main/command">
   <pc:docChgLst>
+    <pc:chgData name="Lines, Todd" userId="afaf7c3a-e8aa-4568-882a-02ad8f9e19b0" providerId="ADAL" clId="{5FF5AC1B-ABA9-43D7-A1E3-2D92732CD6E2}"/>
+    <pc:docChg chg="custSel modSld">
+      <pc:chgData name="Lines, Todd" userId="afaf7c3a-e8aa-4568-882a-02ad8f9e19b0" providerId="ADAL" clId="{5FF5AC1B-ABA9-43D7-A1E3-2D92732CD6E2}" dt="2025-10-16T16:41:59.659" v="6" actId="6549"/>
+      <pc:docMkLst>
+        <pc:docMk/>
+      </pc:docMkLst>
+      <pc:sldChg chg="modSp mod">
+        <pc:chgData name="Lines, Todd" userId="afaf7c3a-e8aa-4568-882a-02ad8f9e19b0" providerId="ADAL" clId="{5FF5AC1B-ABA9-43D7-A1E3-2D92732CD6E2}" dt="2025-10-16T16:41:59.659" v="6" actId="6549"/>
+        <pc:sldMkLst>
+          <pc:docMk/>
+          <pc:sldMk cId="0" sldId="1171"/>
+        </pc:sldMkLst>
+        <pc:spChg chg="mod">
+          <ac:chgData name="Lines, Todd" userId="afaf7c3a-e8aa-4568-882a-02ad8f9e19b0" providerId="ADAL" clId="{5FF5AC1B-ABA9-43D7-A1E3-2D92732CD6E2}" dt="2025-10-16T16:41:59.659" v="6" actId="6549"/>
+          <ac:spMkLst>
+            <pc:docMk/>
+            <pc:sldMk cId="0" sldId="1171"/>
+            <ac:spMk id="6" creationId="{00000000-0000-0000-0000-000000000000}"/>
+          </ac:spMkLst>
+        </pc:spChg>
+      </pc:sldChg>
+    </pc:docChg>
+  </pc:docChgLst>
+  <pc:docChgLst>
     <pc:chgData name="Lines, Todd" userId="afaf7c3a-e8aa-4568-882a-02ad8f9e19b0" providerId="ADAL" clId="{4D8B23B5-1BA9-4151-8439-284A398AFFC1}"/>
     <pc:docChg chg="undo custSel addSld modSld sldOrd">
       <pc:chgData name="Lines, Todd" userId="afaf7c3a-e8aa-4568-882a-02ad8f9e19b0" providerId="ADAL" clId="{4D8B23B5-1BA9-4151-8439-284A398AFFC1}" dt="2023-11-14T18:12:26.750" v="392" actId="1076"/>
@@ -227,166 +251,6 @@
           <pc:docMk/>
           <pc:sldMk cId="0" sldId="263"/>
         </pc:sldMkLst>
-        <pc:spChg chg="mod">
-          <ac:chgData name="Lines, Todd" userId="afaf7c3a-e8aa-4568-882a-02ad8f9e19b0" providerId="ADAL" clId="{4D8B23B5-1BA9-4151-8439-284A398AFFC1}" dt="2023-11-14T18:08:58.087" v="58" actId="164"/>
-          <ac:spMkLst>
-            <pc:docMk/>
-            <pc:sldMk cId="0" sldId="263"/>
-            <ac:spMk id="5" creationId="{00000000-0000-0000-0000-000000000000}"/>
-          </ac:spMkLst>
-        </pc:spChg>
-        <pc:spChg chg="mod">
-          <ac:chgData name="Lines, Todd" userId="afaf7c3a-e8aa-4568-882a-02ad8f9e19b0" providerId="ADAL" clId="{4D8B23B5-1BA9-4151-8439-284A398AFFC1}" dt="2023-11-14T18:08:58.087" v="58" actId="164"/>
-          <ac:spMkLst>
-            <pc:docMk/>
-            <pc:sldMk cId="0" sldId="263"/>
-            <ac:spMk id="7" creationId="{00000000-0000-0000-0000-000000000000}"/>
-          </ac:spMkLst>
-        </pc:spChg>
-        <pc:spChg chg="mod">
-          <ac:chgData name="Lines, Todd" userId="afaf7c3a-e8aa-4568-882a-02ad8f9e19b0" providerId="ADAL" clId="{4D8B23B5-1BA9-4151-8439-284A398AFFC1}" dt="2023-11-14T18:08:58.087" v="58" actId="164"/>
-          <ac:spMkLst>
-            <pc:docMk/>
-            <pc:sldMk cId="0" sldId="263"/>
-            <ac:spMk id="8" creationId="{00000000-0000-0000-0000-000000000000}"/>
-          </ac:spMkLst>
-        </pc:spChg>
-        <pc:spChg chg="mod">
-          <ac:chgData name="Lines, Todd" userId="afaf7c3a-e8aa-4568-882a-02ad8f9e19b0" providerId="ADAL" clId="{4D8B23B5-1BA9-4151-8439-284A398AFFC1}" dt="2023-11-14T18:08:58.087" v="58" actId="164"/>
-          <ac:spMkLst>
-            <pc:docMk/>
-            <pc:sldMk cId="0" sldId="263"/>
-            <ac:spMk id="9" creationId="{00000000-0000-0000-0000-000000000000}"/>
-          </ac:spMkLst>
-        </pc:spChg>
-        <pc:spChg chg="mod">
-          <ac:chgData name="Lines, Todd" userId="afaf7c3a-e8aa-4568-882a-02ad8f9e19b0" providerId="ADAL" clId="{4D8B23B5-1BA9-4151-8439-284A398AFFC1}" dt="2023-11-14T18:08:58.087" v="58" actId="164"/>
-          <ac:spMkLst>
-            <pc:docMk/>
-            <pc:sldMk cId="0" sldId="263"/>
-            <ac:spMk id="10" creationId="{00000000-0000-0000-0000-000000000000}"/>
-          </ac:spMkLst>
-        </pc:spChg>
-        <pc:spChg chg="mod">
-          <ac:chgData name="Lines, Todd" userId="afaf7c3a-e8aa-4568-882a-02ad8f9e19b0" providerId="ADAL" clId="{4D8B23B5-1BA9-4151-8439-284A398AFFC1}" dt="2023-11-14T18:08:58.087" v="58" actId="164"/>
-          <ac:spMkLst>
-            <pc:docMk/>
-            <pc:sldMk cId="0" sldId="263"/>
-            <ac:spMk id="18" creationId="{00000000-0000-0000-0000-000000000000}"/>
-          </ac:spMkLst>
-        </pc:spChg>
-        <pc:spChg chg="mod">
-          <ac:chgData name="Lines, Todd" userId="afaf7c3a-e8aa-4568-882a-02ad8f9e19b0" providerId="ADAL" clId="{4D8B23B5-1BA9-4151-8439-284A398AFFC1}" dt="2023-11-14T18:08:58.087" v="58" actId="164"/>
-          <ac:spMkLst>
-            <pc:docMk/>
-            <pc:sldMk cId="0" sldId="263"/>
-            <ac:spMk id="29" creationId="{00000000-0000-0000-0000-000000000000}"/>
-          </ac:spMkLst>
-        </pc:spChg>
-        <pc:spChg chg="mod">
-          <ac:chgData name="Lines, Todd" userId="afaf7c3a-e8aa-4568-882a-02ad8f9e19b0" providerId="ADAL" clId="{4D8B23B5-1BA9-4151-8439-284A398AFFC1}" dt="2023-11-14T18:08:58.087" v="58" actId="164"/>
-          <ac:spMkLst>
-            <pc:docMk/>
-            <pc:sldMk cId="0" sldId="263"/>
-            <ac:spMk id="35" creationId="{00000000-0000-0000-0000-000000000000}"/>
-          </ac:spMkLst>
-        </pc:spChg>
-        <pc:spChg chg="mod">
-          <ac:chgData name="Lines, Todd" userId="afaf7c3a-e8aa-4568-882a-02ad8f9e19b0" providerId="ADAL" clId="{4D8B23B5-1BA9-4151-8439-284A398AFFC1}" dt="2023-11-14T18:08:58.087" v="58" actId="164"/>
-          <ac:spMkLst>
-            <pc:docMk/>
-            <pc:sldMk cId="0" sldId="263"/>
-            <ac:spMk id="36" creationId="{00000000-0000-0000-0000-000000000000}"/>
-          </ac:spMkLst>
-        </pc:spChg>
-        <pc:spChg chg="mod">
-          <ac:chgData name="Lines, Todd" userId="afaf7c3a-e8aa-4568-882a-02ad8f9e19b0" providerId="ADAL" clId="{4D8B23B5-1BA9-4151-8439-284A398AFFC1}" dt="2023-11-14T18:08:58.087" v="58" actId="164"/>
-          <ac:spMkLst>
-            <pc:docMk/>
-            <pc:sldMk cId="0" sldId="263"/>
-            <ac:spMk id="39" creationId="{00000000-0000-0000-0000-000000000000}"/>
-          </ac:spMkLst>
-        </pc:spChg>
-        <pc:spChg chg="mod">
-          <ac:chgData name="Lines, Todd" userId="afaf7c3a-e8aa-4568-882a-02ad8f9e19b0" providerId="ADAL" clId="{4D8B23B5-1BA9-4151-8439-284A398AFFC1}" dt="2023-11-14T18:08:58.087" v="58" actId="164"/>
-          <ac:spMkLst>
-            <pc:docMk/>
-            <pc:sldMk cId="0" sldId="263"/>
-            <ac:spMk id="40" creationId="{00000000-0000-0000-0000-000000000000}"/>
-          </ac:spMkLst>
-        </pc:spChg>
-        <pc:spChg chg="mod">
-          <ac:chgData name="Lines, Todd" userId="afaf7c3a-e8aa-4568-882a-02ad8f9e19b0" providerId="ADAL" clId="{4D8B23B5-1BA9-4151-8439-284A398AFFC1}" dt="2023-11-14T18:08:58.087" v="58" actId="164"/>
-          <ac:spMkLst>
-            <pc:docMk/>
-            <pc:sldMk cId="0" sldId="263"/>
-            <ac:spMk id="68" creationId="{00000000-0000-0000-0000-000000000000}"/>
-          </ac:spMkLst>
-        </pc:spChg>
-        <pc:spChg chg="mod">
-          <ac:chgData name="Lines, Todd" userId="afaf7c3a-e8aa-4568-882a-02ad8f9e19b0" providerId="ADAL" clId="{4D8B23B5-1BA9-4151-8439-284A398AFFC1}" dt="2023-11-14T18:08:58.087" v="58" actId="164"/>
-          <ac:spMkLst>
-            <pc:docMk/>
-            <pc:sldMk cId="0" sldId="263"/>
-            <ac:spMk id="74" creationId="{00000000-0000-0000-0000-000000000000}"/>
-          </ac:spMkLst>
-        </pc:spChg>
-        <pc:spChg chg="mod">
-          <ac:chgData name="Lines, Todd" userId="afaf7c3a-e8aa-4568-882a-02ad8f9e19b0" providerId="ADAL" clId="{4D8B23B5-1BA9-4151-8439-284A398AFFC1}" dt="2023-11-14T18:08:58.087" v="58" actId="164"/>
-          <ac:spMkLst>
-            <pc:docMk/>
-            <pc:sldMk cId="0" sldId="263"/>
-            <ac:spMk id="80" creationId="{00000000-0000-0000-0000-000000000000}"/>
-          </ac:spMkLst>
-        </pc:spChg>
-        <pc:grpChg chg="add mod">
-          <ac:chgData name="Lines, Todd" userId="afaf7c3a-e8aa-4568-882a-02ad8f9e19b0" providerId="ADAL" clId="{4D8B23B5-1BA9-4151-8439-284A398AFFC1}" dt="2023-11-14T18:08:58.087" v="58" actId="164"/>
-          <ac:grpSpMkLst>
-            <pc:docMk/>
-            <pc:sldMk cId="0" sldId="263"/>
-            <ac:grpSpMk id="2" creationId="{E004AA2F-E2AD-DD91-267C-89CF6CD80626}"/>
-          </ac:grpSpMkLst>
-        </pc:grpChg>
-        <pc:cxnChg chg="mod">
-          <ac:chgData name="Lines, Todd" userId="afaf7c3a-e8aa-4568-882a-02ad8f9e19b0" providerId="ADAL" clId="{4D8B23B5-1BA9-4151-8439-284A398AFFC1}" dt="2023-11-14T18:08:58.087" v="58" actId="164"/>
-          <ac:cxnSpMkLst>
-            <pc:docMk/>
-            <pc:sldMk cId="0" sldId="263"/>
-            <ac:cxnSpMk id="24" creationId="{00000000-0000-0000-0000-000000000000}"/>
-          </ac:cxnSpMkLst>
-        </pc:cxnChg>
-        <pc:cxnChg chg="mod">
-          <ac:chgData name="Lines, Todd" userId="afaf7c3a-e8aa-4568-882a-02ad8f9e19b0" providerId="ADAL" clId="{4D8B23B5-1BA9-4151-8439-284A398AFFC1}" dt="2023-11-14T18:08:58.087" v="58" actId="164"/>
-          <ac:cxnSpMkLst>
-            <pc:docMk/>
-            <pc:sldMk cId="0" sldId="263"/>
-            <ac:cxnSpMk id="25" creationId="{00000000-0000-0000-0000-000000000000}"/>
-          </ac:cxnSpMkLst>
-        </pc:cxnChg>
-        <pc:cxnChg chg="mod">
-          <ac:chgData name="Lines, Todd" userId="afaf7c3a-e8aa-4568-882a-02ad8f9e19b0" providerId="ADAL" clId="{4D8B23B5-1BA9-4151-8439-284A398AFFC1}" dt="2023-11-14T18:08:58.087" v="58" actId="164"/>
-          <ac:cxnSpMkLst>
-            <pc:docMk/>
-            <pc:sldMk cId="0" sldId="263"/>
-            <ac:cxnSpMk id="30" creationId="{00000000-0000-0000-0000-000000000000}"/>
-          </ac:cxnSpMkLst>
-        </pc:cxnChg>
-        <pc:cxnChg chg="mod">
-          <ac:chgData name="Lines, Todd" userId="afaf7c3a-e8aa-4568-882a-02ad8f9e19b0" providerId="ADAL" clId="{4D8B23B5-1BA9-4151-8439-284A398AFFC1}" dt="2023-11-14T18:08:58.087" v="58" actId="164"/>
-          <ac:cxnSpMkLst>
-            <pc:docMk/>
-            <pc:sldMk cId="0" sldId="263"/>
-            <ac:cxnSpMk id="32" creationId="{00000000-0000-0000-0000-000000000000}"/>
-          </ac:cxnSpMkLst>
-        </pc:cxnChg>
-        <pc:cxnChg chg="mod">
-          <ac:chgData name="Lines, Todd" userId="afaf7c3a-e8aa-4568-882a-02ad8f9e19b0" providerId="ADAL" clId="{4D8B23B5-1BA9-4151-8439-284A398AFFC1}" dt="2023-11-14T18:08:58.087" v="58" actId="164"/>
-          <ac:cxnSpMkLst>
-            <pc:docMk/>
-            <pc:sldMk cId="0" sldId="263"/>
-            <ac:cxnSpMk id="71" creationId="{00000000-0000-0000-0000-000000000000}"/>
-          </ac:cxnSpMkLst>
-        </pc:cxnChg>
       </pc:sldChg>
       <pc:sldChg chg="ord">
         <pc:chgData name="Lines, Todd" userId="afaf7c3a-e8aa-4568-882a-02ad8f9e19b0" providerId="ADAL" clId="{4D8B23B5-1BA9-4151-8439-284A398AFFC1}" dt="2023-11-14T17:50:15.011" v="6"/>
@@ -429,158 +293,6 @@
           <pc:docMk/>
           <pc:sldMk cId="414066980" sldId="269"/>
         </pc:sldMkLst>
-        <pc:spChg chg="mod">
-          <ac:chgData name="Lines, Todd" userId="afaf7c3a-e8aa-4568-882a-02ad8f9e19b0" providerId="ADAL" clId="{4D8B23B5-1BA9-4151-8439-284A398AFFC1}" dt="2023-11-14T17:57:43.331" v="49" actId="1037"/>
-          <ac:spMkLst>
-            <pc:docMk/>
-            <pc:sldMk cId="414066980" sldId="269"/>
-            <ac:spMk id="16" creationId="{00000000-0000-0000-0000-000000000000}"/>
-          </ac:spMkLst>
-        </pc:spChg>
-        <pc:spChg chg="mod">
-          <ac:chgData name="Lines, Todd" userId="afaf7c3a-e8aa-4568-882a-02ad8f9e19b0" providerId="ADAL" clId="{4D8B23B5-1BA9-4151-8439-284A398AFFC1}" dt="2023-11-14T17:57:34.820" v="35" actId="688"/>
-          <ac:spMkLst>
-            <pc:docMk/>
-            <pc:sldMk cId="414066980" sldId="269"/>
-            <ac:spMk id="18" creationId="{00000000-0000-0000-0000-000000000000}"/>
-          </ac:spMkLst>
-        </pc:spChg>
-        <pc:spChg chg="mod">
-          <ac:chgData name="Lines, Todd" userId="afaf7c3a-e8aa-4568-882a-02ad8f9e19b0" providerId="ADAL" clId="{4D8B23B5-1BA9-4151-8439-284A398AFFC1}" dt="2023-11-14T17:57:20.554" v="34" actId="688"/>
-          <ac:spMkLst>
-            <pc:docMk/>
-            <pc:sldMk cId="414066980" sldId="269"/>
-            <ac:spMk id="20" creationId="{00000000-0000-0000-0000-000000000000}"/>
-          </ac:spMkLst>
-        </pc:spChg>
-        <pc:spChg chg="mod">
-          <ac:chgData name="Lines, Todd" userId="afaf7c3a-e8aa-4568-882a-02ad8f9e19b0" providerId="ADAL" clId="{4D8B23B5-1BA9-4151-8439-284A398AFFC1}" dt="2023-11-14T17:57:43.331" v="49" actId="1037"/>
-          <ac:spMkLst>
-            <pc:docMk/>
-            <pc:sldMk cId="414066980" sldId="269"/>
-            <ac:spMk id="28" creationId="{00000000-0000-0000-0000-000000000000}"/>
-          </ac:spMkLst>
-        </pc:spChg>
-        <pc:spChg chg="mod">
-          <ac:chgData name="Lines, Todd" userId="afaf7c3a-e8aa-4568-882a-02ad8f9e19b0" providerId="ADAL" clId="{4D8B23B5-1BA9-4151-8439-284A398AFFC1}" dt="2023-11-14T17:57:43.331" v="49" actId="1037"/>
-          <ac:spMkLst>
-            <pc:docMk/>
-            <pc:sldMk cId="414066980" sldId="269"/>
-            <ac:spMk id="52" creationId="{00000000-0000-0000-0000-000000000000}"/>
-          </ac:spMkLst>
-        </pc:spChg>
-        <pc:spChg chg="mod">
-          <ac:chgData name="Lines, Todd" userId="afaf7c3a-e8aa-4568-882a-02ad8f9e19b0" providerId="ADAL" clId="{4D8B23B5-1BA9-4151-8439-284A398AFFC1}" dt="2023-11-14T17:58:26.108" v="54" actId="206"/>
-          <ac:spMkLst>
-            <pc:docMk/>
-            <pc:sldMk cId="414066980" sldId="269"/>
-            <ac:spMk id="75" creationId="{00000000-0000-0000-0000-000000000000}"/>
-          </ac:spMkLst>
-        </pc:spChg>
-        <pc:spChg chg="mod">
-          <ac:chgData name="Lines, Todd" userId="afaf7c3a-e8aa-4568-882a-02ad8f9e19b0" providerId="ADAL" clId="{4D8B23B5-1BA9-4151-8439-284A398AFFC1}" dt="2023-11-14T17:58:17.273" v="53" actId="206"/>
-          <ac:spMkLst>
-            <pc:docMk/>
-            <pc:sldMk cId="414066980" sldId="269"/>
-            <ac:spMk id="76" creationId="{00000000-0000-0000-0000-000000000000}"/>
-          </ac:spMkLst>
-        </pc:spChg>
-        <pc:spChg chg="mod">
-          <ac:chgData name="Lines, Todd" userId="afaf7c3a-e8aa-4568-882a-02ad8f9e19b0" providerId="ADAL" clId="{4D8B23B5-1BA9-4151-8439-284A398AFFC1}" dt="2023-11-14T17:57:43.331" v="49" actId="1037"/>
-          <ac:spMkLst>
-            <pc:docMk/>
-            <pc:sldMk cId="414066980" sldId="269"/>
-            <ac:spMk id="89" creationId="{00000000-0000-0000-0000-000000000000}"/>
-          </ac:spMkLst>
-        </pc:spChg>
-        <pc:spChg chg="mod">
-          <ac:chgData name="Lines, Todd" userId="afaf7c3a-e8aa-4568-882a-02ad8f9e19b0" providerId="ADAL" clId="{4D8B23B5-1BA9-4151-8439-284A398AFFC1}" dt="2023-11-14T17:57:53.042" v="51" actId="1076"/>
-          <ac:spMkLst>
-            <pc:docMk/>
-            <pc:sldMk cId="414066980" sldId="269"/>
-            <ac:spMk id="92" creationId="{00000000-0000-0000-0000-000000000000}"/>
-          </ac:spMkLst>
-        </pc:spChg>
-        <pc:spChg chg="mod">
-          <ac:chgData name="Lines, Todd" userId="afaf7c3a-e8aa-4568-882a-02ad8f9e19b0" providerId="ADAL" clId="{4D8B23B5-1BA9-4151-8439-284A398AFFC1}" dt="2023-11-14T17:57:43.331" v="49" actId="1037"/>
-          <ac:spMkLst>
-            <pc:docMk/>
-            <pc:sldMk cId="414066980" sldId="269"/>
-            <ac:spMk id="99" creationId="{00000000-0000-0000-0000-000000000000}"/>
-          </ac:spMkLst>
-        </pc:spChg>
-        <pc:spChg chg="mod">
-          <ac:chgData name="Lines, Todd" userId="afaf7c3a-e8aa-4568-882a-02ad8f9e19b0" providerId="ADAL" clId="{4D8B23B5-1BA9-4151-8439-284A398AFFC1}" dt="2023-11-14T17:57:43.331" v="49" actId="1037"/>
-          <ac:spMkLst>
-            <pc:docMk/>
-            <pc:sldMk cId="414066980" sldId="269"/>
-            <ac:spMk id="103" creationId="{00000000-0000-0000-0000-000000000000}"/>
-          </ac:spMkLst>
-        </pc:spChg>
-        <pc:spChg chg="mod">
-          <ac:chgData name="Lines, Todd" userId="afaf7c3a-e8aa-4568-882a-02ad8f9e19b0" providerId="ADAL" clId="{4D8B23B5-1BA9-4151-8439-284A398AFFC1}" dt="2023-11-14T17:57:43.331" v="49" actId="1037"/>
-          <ac:spMkLst>
-            <pc:docMk/>
-            <pc:sldMk cId="414066980" sldId="269"/>
-            <ac:spMk id="104" creationId="{00000000-0000-0000-0000-000000000000}"/>
-          </ac:spMkLst>
-        </pc:spChg>
-        <pc:spChg chg="mod">
-          <ac:chgData name="Lines, Todd" userId="afaf7c3a-e8aa-4568-882a-02ad8f9e19b0" providerId="ADAL" clId="{4D8B23B5-1BA9-4151-8439-284A398AFFC1}" dt="2023-11-14T17:57:43.331" v="49" actId="1037"/>
-          <ac:spMkLst>
-            <pc:docMk/>
-            <pc:sldMk cId="414066980" sldId="269"/>
-            <ac:spMk id="105" creationId="{00000000-0000-0000-0000-000000000000}"/>
-          </ac:spMkLst>
-        </pc:spChg>
-        <pc:grpChg chg="mod">
-          <ac:chgData name="Lines, Todd" userId="afaf7c3a-e8aa-4568-882a-02ad8f9e19b0" providerId="ADAL" clId="{4D8B23B5-1BA9-4151-8439-284A398AFFC1}" dt="2023-11-14T17:57:43.331" v="49" actId="1037"/>
-          <ac:grpSpMkLst>
-            <pc:docMk/>
-            <pc:sldMk cId="414066980" sldId="269"/>
-            <ac:grpSpMk id="31" creationId="{00000000-0000-0000-0000-000000000000}"/>
-          </ac:grpSpMkLst>
-        </pc:grpChg>
-        <pc:grpChg chg="mod">
-          <ac:chgData name="Lines, Todd" userId="afaf7c3a-e8aa-4568-882a-02ad8f9e19b0" providerId="ADAL" clId="{4D8B23B5-1BA9-4151-8439-284A398AFFC1}" dt="2023-11-14T17:57:43.331" v="49" actId="1037"/>
-          <ac:grpSpMkLst>
-            <pc:docMk/>
-            <pc:sldMk cId="414066980" sldId="269"/>
-            <ac:grpSpMk id="33" creationId="{00000000-0000-0000-0000-000000000000}"/>
-          </ac:grpSpMkLst>
-        </pc:grpChg>
-        <pc:picChg chg="del mod">
-          <ac:chgData name="Lines, Todd" userId="afaf7c3a-e8aa-4568-882a-02ad8f9e19b0" providerId="ADAL" clId="{4D8B23B5-1BA9-4151-8439-284A398AFFC1}" dt="2023-11-14T17:59:00.761" v="56" actId="21"/>
-          <ac:picMkLst>
-            <pc:docMk/>
-            <pc:sldMk cId="414066980" sldId="269"/>
-            <ac:picMk id="2" creationId="{FF33AE7B-5AF8-D822-1F5E-C94509E56F47}"/>
-          </ac:picMkLst>
-        </pc:picChg>
-        <pc:cxnChg chg="mod">
-          <ac:chgData name="Lines, Todd" userId="afaf7c3a-e8aa-4568-882a-02ad8f9e19b0" providerId="ADAL" clId="{4D8B23B5-1BA9-4151-8439-284A398AFFC1}" dt="2023-11-14T17:57:43.331" v="49" actId="1037"/>
-          <ac:cxnSpMkLst>
-            <pc:docMk/>
-            <pc:sldMk cId="414066980" sldId="269"/>
-            <ac:cxnSpMk id="70" creationId="{00000000-0000-0000-0000-000000000000}"/>
-          </ac:cxnSpMkLst>
-        </pc:cxnChg>
-        <pc:cxnChg chg="mod">
-          <ac:chgData name="Lines, Todd" userId="afaf7c3a-e8aa-4568-882a-02ad8f9e19b0" providerId="ADAL" clId="{4D8B23B5-1BA9-4151-8439-284A398AFFC1}" dt="2023-11-14T17:57:43.331" v="49" actId="1037"/>
-          <ac:cxnSpMkLst>
-            <pc:docMk/>
-            <pc:sldMk cId="414066980" sldId="269"/>
-            <ac:cxnSpMk id="73" creationId="{00000000-0000-0000-0000-000000000000}"/>
-          </ac:cxnSpMkLst>
-        </pc:cxnChg>
-        <pc:cxnChg chg="mod">
-          <ac:chgData name="Lines, Todd" userId="afaf7c3a-e8aa-4568-882a-02ad8f9e19b0" providerId="ADAL" clId="{4D8B23B5-1BA9-4151-8439-284A398AFFC1}" dt="2023-11-14T17:57:49.223" v="50" actId="1076"/>
-          <ac:cxnSpMkLst>
-            <pc:docMk/>
-            <pc:sldMk cId="414066980" sldId="269"/>
-            <ac:cxnSpMk id="87" creationId="{00000000-0000-0000-0000-000000000000}"/>
-          </ac:cxnSpMkLst>
-        </pc:cxnChg>
       </pc:sldChg>
       <pc:sldChg chg="ord">
         <pc:chgData name="Lines, Todd" userId="afaf7c3a-e8aa-4568-882a-02ad8f9e19b0" providerId="ADAL" clId="{4D8B23B5-1BA9-4151-8439-284A398AFFC1}" dt="2023-11-14T17:50:15.011" v="6"/>
@@ -735,198 +447,6 @@
           <pc:docMk/>
           <pc:sldMk cId="3077447798" sldId="1350"/>
         </pc:sldMkLst>
-        <pc:spChg chg="mod">
-          <ac:chgData name="Lines, Todd" userId="afaf7c3a-e8aa-4568-882a-02ad8f9e19b0" providerId="ADAL" clId="{4D8B23B5-1BA9-4151-8439-284A398AFFC1}" dt="2023-11-14T18:09:50.752" v="85" actId="20577"/>
-          <ac:spMkLst>
-            <pc:docMk/>
-            <pc:sldMk cId="3077447798" sldId="1350"/>
-            <ac:spMk id="2" creationId="{B0C06443-2834-E6D2-BC16-F491612FE897}"/>
-          </ac:spMkLst>
-        </pc:spChg>
-        <pc:spChg chg="mod">
-          <ac:chgData name="Lines, Todd" userId="afaf7c3a-e8aa-4568-882a-02ad8f9e19b0" providerId="ADAL" clId="{4D8B23B5-1BA9-4151-8439-284A398AFFC1}" dt="2023-11-14T18:10:42.028" v="180" actId="20577"/>
-          <ac:spMkLst>
-            <pc:docMk/>
-            <pc:sldMk cId="3077447798" sldId="1350"/>
-            <ac:spMk id="3" creationId="{CA958FA9-AEC0-311C-F5E4-7FF82776BC45}"/>
-          </ac:spMkLst>
-        </pc:spChg>
-        <pc:spChg chg="add del">
-          <ac:chgData name="Lines, Todd" userId="afaf7c3a-e8aa-4568-882a-02ad8f9e19b0" providerId="ADAL" clId="{4D8B23B5-1BA9-4151-8439-284A398AFFC1}" dt="2023-11-14T18:09:03.658" v="60" actId="22"/>
-          <ac:spMkLst>
-            <pc:docMk/>
-            <pc:sldMk cId="3077447798" sldId="1350"/>
-            <ac:spMk id="5" creationId="{BC034D50-A694-3E5C-A1DA-E9FF4E79824A}"/>
-          </ac:spMkLst>
-        </pc:spChg>
-        <pc:spChg chg="mod topLvl">
-          <ac:chgData name="Lines, Todd" userId="afaf7c3a-e8aa-4568-882a-02ad8f9e19b0" providerId="ADAL" clId="{4D8B23B5-1BA9-4151-8439-284A398AFFC1}" dt="2023-11-14T18:10:58.852" v="187" actId="403"/>
-          <ac:spMkLst>
-            <pc:docMk/>
-            <pc:sldMk cId="3077447798" sldId="1350"/>
-            <ac:spMk id="7" creationId="{CE11C059-4F42-22C2-B429-09FBBDD77F8E}"/>
-          </ac:spMkLst>
-        </pc:spChg>
-        <pc:spChg chg="mod topLvl">
-          <ac:chgData name="Lines, Todd" userId="afaf7c3a-e8aa-4568-882a-02ad8f9e19b0" providerId="ADAL" clId="{4D8B23B5-1BA9-4151-8439-284A398AFFC1}" dt="2023-11-14T18:10:58.852" v="187" actId="403"/>
-          <ac:spMkLst>
-            <pc:docMk/>
-            <pc:sldMk cId="3077447798" sldId="1350"/>
-            <ac:spMk id="8" creationId="{D18CF390-4CD3-B623-725A-97B83FA58534}"/>
-          </ac:spMkLst>
-        </pc:spChg>
-        <pc:spChg chg="mod topLvl">
-          <ac:chgData name="Lines, Todd" userId="afaf7c3a-e8aa-4568-882a-02ad8f9e19b0" providerId="ADAL" clId="{4D8B23B5-1BA9-4151-8439-284A398AFFC1}" dt="2023-11-14T18:10:58.852" v="187" actId="403"/>
-          <ac:spMkLst>
-            <pc:docMk/>
-            <pc:sldMk cId="3077447798" sldId="1350"/>
-            <ac:spMk id="9" creationId="{2BC06ADB-02A6-E464-3CBB-119F539D3D9D}"/>
-          </ac:spMkLst>
-        </pc:spChg>
-        <pc:spChg chg="mod topLvl">
-          <ac:chgData name="Lines, Todd" userId="afaf7c3a-e8aa-4568-882a-02ad8f9e19b0" providerId="ADAL" clId="{4D8B23B5-1BA9-4151-8439-284A398AFFC1}" dt="2023-11-14T18:10:58.852" v="187" actId="403"/>
-          <ac:spMkLst>
-            <pc:docMk/>
-            <pc:sldMk cId="3077447798" sldId="1350"/>
-            <ac:spMk id="10" creationId="{939690B9-1DCD-40F4-9C08-66E34091AC10}"/>
-          </ac:spMkLst>
-        </pc:spChg>
-        <pc:spChg chg="mod topLvl">
-          <ac:chgData name="Lines, Todd" userId="afaf7c3a-e8aa-4568-882a-02ad8f9e19b0" providerId="ADAL" clId="{4D8B23B5-1BA9-4151-8439-284A398AFFC1}" dt="2023-11-14T18:10:58.852" v="187" actId="403"/>
-          <ac:spMkLst>
-            <pc:docMk/>
-            <pc:sldMk cId="3077447798" sldId="1350"/>
-            <ac:spMk id="11" creationId="{366BFE35-CB7D-22BC-9539-BF0FB246FB9E}"/>
-          </ac:spMkLst>
-        </pc:spChg>
-        <pc:spChg chg="mod topLvl">
-          <ac:chgData name="Lines, Todd" userId="afaf7c3a-e8aa-4568-882a-02ad8f9e19b0" providerId="ADAL" clId="{4D8B23B5-1BA9-4151-8439-284A398AFFC1}" dt="2023-11-14T18:10:58.852" v="187" actId="403"/>
-          <ac:spMkLst>
-            <pc:docMk/>
-            <pc:sldMk cId="3077447798" sldId="1350"/>
-            <ac:spMk id="14" creationId="{4F2BA30C-9D2E-419D-C001-720E24611DF4}"/>
-          </ac:spMkLst>
-        </pc:spChg>
-        <pc:spChg chg="mod topLvl">
-          <ac:chgData name="Lines, Todd" userId="afaf7c3a-e8aa-4568-882a-02ad8f9e19b0" providerId="ADAL" clId="{4D8B23B5-1BA9-4151-8439-284A398AFFC1}" dt="2023-11-14T18:10:58.852" v="187" actId="403"/>
-          <ac:spMkLst>
-            <pc:docMk/>
-            <pc:sldMk cId="3077447798" sldId="1350"/>
-            <ac:spMk id="17" creationId="{2452727B-2994-BCC2-57A3-29A06C55B431}"/>
-          </ac:spMkLst>
-        </pc:spChg>
-        <pc:spChg chg="mod topLvl">
-          <ac:chgData name="Lines, Todd" userId="afaf7c3a-e8aa-4568-882a-02ad8f9e19b0" providerId="ADAL" clId="{4D8B23B5-1BA9-4151-8439-284A398AFFC1}" dt="2023-11-14T18:10:58.852" v="187" actId="403"/>
-          <ac:spMkLst>
-            <pc:docMk/>
-            <pc:sldMk cId="3077447798" sldId="1350"/>
-            <ac:spMk id="18" creationId="{7917313A-21AA-5764-8340-FC71FD1D5AD6}"/>
-          </ac:spMkLst>
-        </pc:spChg>
-        <pc:spChg chg="mod topLvl">
-          <ac:chgData name="Lines, Todd" userId="afaf7c3a-e8aa-4568-882a-02ad8f9e19b0" providerId="ADAL" clId="{4D8B23B5-1BA9-4151-8439-284A398AFFC1}" dt="2023-11-14T18:10:58.852" v="187" actId="403"/>
-          <ac:spMkLst>
-            <pc:docMk/>
-            <pc:sldMk cId="3077447798" sldId="1350"/>
-            <ac:spMk id="19" creationId="{870EC77F-E3CC-48BC-3BF9-C1E3FE00A97E}"/>
-          </ac:spMkLst>
-        </pc:spChg>
-        <pc:spChg chg="mod topLvl">
-          <ac:chgData name="Lines, Todd" userId="afaf7c3a-e8aa-4568-882a-02ad8f9e19b0" providerId="ADAL" clId="{4D8B23B5-1BA9-4151-8439-284A398AFFC1}" dt="2023-11-14T18:10:58.852" v="187" actId="403"/>
-          <ac:spMkLst>
-            <pc:docMk/>
-            <pc:sldMk cId="3077447798" sldId="1350"/>
-            <ac:spMk id="20" creationId="{5EA9A33C-4AA1-2A04-A3E1-754C8A1BA1A0}"/>
-          </ac:spMkLst>
-        </pc:spChg>
-        <pc:spChg chg="del mod">
-          <ac:chgData name="Lines, Todd" userId="afaf7c3a-e8aa-4568-882a-02ad8f9e19b0" providerId="ADAL" clId="{4D8B23B5-1BA9-4151-8439-284A398AFFC1}" dt="2023-11-14T18:09:27.198" v="72" actId="478"/>
-          <ac:spMkLst>
-            <pc:docMk/>
-            <pc:sldMk cId="3077447798" sldId="1350"/>
-            <ac:spMk id="21" creationId="{7984F4D8-7752-D607-7066-93B5E8E34203}"/>
-          </ac:spMkLst>
-        </pc:spChg>
-        <pc:spChg chg="mod topLvl">
-          <ac:chgData name="Lines, Todd" userId="afaf7c3a-e8aa-4568-882a-02ad8f9e19b0" providerId="ADAL" clId="{4D8B23B5-1BA9-4151-8439-284A398AFFC1}" dt="2023-11-14T18:10:58.852" v="187" actId="403"/>
-          <ac:spMkLst>
-            <pc:docMk/>
-            <pc:sldMk cId="3077447798" sldId="1350"/>
-            <ac:spMk id="22" creationId="{E7B47EFB-546E-9687-DE40-DF1649D27E7E}"/>
-          </ac:spMkLst>
-        </pc:spChg>
-        <pc:spChg chg="del mod">
-          <ac:chgData name="Lines, Todd" userId="afaf7c3a-e8aa-4568-882a-02ad8f9e19b0" providerId="ADAL" clId="{4D8B23B5-1BA9-4151-8439-284A398AFFC1}" dt="2023-11-14T18:09:28.779" v="73" actId="478"/>
-          <ac:spMkLst>
-            <pc:docMk/>
-            <pc:sldMk cId="3077447798" sldId="1350"/>
-            <ac:spMk id="24" creationId="{09566738-E723-3977-1857-46C8278EBD78}"/>
-          </ac:spMkLst>
-        </pc:spChg>
-        <pc:spChg chg="del mod topLvl">
-          <ac:chgData name="Lines, Todd" userId="afaf7c3a-e8aa-4568-882a-02ad8f9e19b0" providerId="ADAL" clId="{4D8B23B5-1BA9-4151-8439-284A398AFFC1}" dt="2023-11-14T18:09:45.152" v="77" actId="478"/>
-          <ac:spMkLst>
-            <pc:docMk/>
-            <pc:sldMk cId="3077447798" sldId="1350"/>
-            <ac:spMk id="25" creationId="{642E7935-B92E-3AA2-1A94-4A6A73DECF0D}"/>
-          </ac:spMkLst>
-        </pc:spChg>
-        <pc:grpChg chg="add del mod">
-          <ac:chgData name="Lines, Todd" userId="afaf7c3a-e8aa-4568-882a-02ad8f9e19b0" providerId="ADAL" clId="{4D8B23B5-1BA9-4151-8439-284A398AFFC1}" dt="2023-11-14T18:09:41.524" v="76" actId="165"/>
-          <ac:grpSpMkLst>
-            <pc:docMk/>
-            <pc:sldMk cId="3077447798" sldId="1350"/>
-            <ac:grpSpMk id="6" creationId="{64D60CF4-234B-91F8-C60B-A36ABB7B2E32}"/>
-          </ac:grpSpMkLst>
-        </pc:grpChg>
-        <pc:grpChg chg="add mod">
-          <ac:chgData name="Lines, Todd" userId="afaf7c3a-e8aa-4568-882a-02ad8f9e19b0" providerId="ADAL" clId="{4D8B23B5-1BA9-4151-8439-284A398AFFC1}" dt="2023-11-14T18:10:54.853" v="182" actId="14100"/>
-          <ac:grpSpMkLst>
-            <pc:docMk/>
-            <pc:sldMk cId="3077447798" sldId="1350"/>
-            <ac:grpSpMk id="26" creationId="{1BEDB497-D0FC-466E-F1DD-15DDD2B52D66}"/>
-          </ac:grpSpMkLst>
-        </pc:grpChg>
-        <pc:cxnChg chg="mod topLvl">
-          <ac:chgData name="Lines, Todd" userId="afaf7c3a-e8aa-4568-882a-02ad8f9e19b0" providerId="ADAL" clId="{4D8B23B5-1BA9-4151-8439-284A398AFFC1}" dt="2023-11-14T18:10:52.910" v="181" actId="164"/>
-          <ac:cxnSpMkLst>
-            <pc:docMk/>
-            <pc:sldMk cId="3077447798" sldId="1350"/>
-            <ac:cxnSpMk id="12" creationId="{3131D0D1-9889-46BF-2A56-3369181EAEED}"/>
-          </ac:cxnSpMkLst>
-        </pc:cxnChg>
-        <pc:cxnChg chg="mod topLvl">
-          <ac:chgData name="Lines, Todd" userId="afaf7c3a-e8aa-4568-882a-02ad8f9e19b0" providerId="ADAL" clId="{4D8B23B5-1BA9-4151-8439-284A398AFFC1}" dt="2023-11-14T18:10:52.910" v="181" actId="164"/>
-          <ac:cxnSpMkLst>
-            <pc:docMk/>
-            <pc:sldMk cId="3077447798" sldId="1350"/>
-            <ac:cxnSpMk id="13" creationId="{4B059F7C-279B-1D4A-3997-DB119D0008C5}"/>
-          </ac:cxnSpMkLst>
-        </pc:cxnChg>
-        <pc:cxnChg chg="mod topLvl">
-          <ac:chgData name="Lines, Todd" userId="afaf7c3a-e8aa-4568-882a-02ad8f9e19b0" providerId="ADAL" clId="{4D8B23B5-1BA9-4151-8439-284A398AFFC1}" dt="2023-11-14T18:10:52.910" v="181" actId="164"/>
-          <ac:cxnSpMkLst>
-            <pc:docMk/>
-            <pc:sldMk cId="3077447798" sldId="1350"/>
-            <ac:cxnSpMk id="15" creationId="{1F08970F-5616-BD54-08A5-762E08147EFC}"/>
-          </ac:cxnSpMkLst>
-        </pc:cxnChg>
-        <pc:cxnChg chg="mod topLvl">
-          <ac:chgData name="Lines, Todd" userId="afaf7c3a-e8aa-4568-882a-02ad8f9e19b0" providerId="ADAL" clId="{4D8B23B5-1BA9-4151-8439-284A398AFFC1}" dt="2023-11-14T18:10:52.910" v="181" actId="164"/>
-          <ac:cxnSpMkLst>
-            <pc:docMk/>
-            <pc:sldMk cId="3077447798" sldId="1350"/>
-            <ac:cxnSpMk id="16" creationId="{99285CA2-E7AC-4E49-9C7E-5B8A85E08125}"/>
-          </ac:cxnSpMkLst>
-        </pc:cxnChg>
-        <pc:cxnChg chg="mod topLvl">
-          <ac:chgData name="Lines, Todd" userId="afaf7c3a-e8aa-4568-882a-02ad8f9e19b0" providerId="ADAL" clId="{4D8B23B5-1BA9-4151-8439-284A398AFFC1}" dt="2023-11-14T18:10:52.910" v="181" actId="164"/>
-          <ac:cxnSpMkLst>
-            <pc:docMk/>
-            <pc:sldMk cId="3077447798" sldId="1350"/>
-            <ac:cxnSpMk id="23" creationId="{640F62EE-9272-56AB-B4A7-38F923395198}"/>
-          </ac:cxnSpMkLst>
-        </pc:cxnChg>
       </pc:sldChg>
       <pc:sldChg chg="modSp add mod">
         <pc:chgData name="Lines, Todd" userId="afaf7c3a-e8aa-4568-882a-02ad8f9e19b0" providerId="ADAL" clId="{4D8B23B5-1BA9-4151-8439-284A398AFFC1}" dt="2023-11-14T18:12:26.750" v="392" actId="1076"/>
@@ -934,30 +454,6 @@
           <pc:docMk/>
           <pc:sldMk cId="1467535825" sldId="1351"/>
         </pc:sldMkLst>
-        <pc:spChg chg="mod">
-          <ac:chgData name="Lines, Todd" userId="afaf7c3a-e8aa-4568-882a-02ad8f9e19b0" providerId="ADAL" clId="{4D8B23B5-1BA9-4151-8439-284A398AFFC1}" dt="2023-11-14T18:11:30.944" v="198" actId="20577"/>
-          <ac:spMkLst>
-            <pc:docMk/>
-            <pc:sldMk cId="1467535825" sldId="1351"/>
-            <ac:spMk id="2" creationId="{00000000-0000-0000-0000-000000000000}"/>
-          </ac:spMkLst>
-        </pc:spChg>
-        <pc:spChg chg="mod">
-          <ac:chgData name="Lines, Todd" userId="afaf7c3a-e8aa-4568-882a-02ad8f9e19b0" providerId="ADAL" clId="{4D8B23B5-1BA9-4151-8439-284A398AFFC1}" dt="2023-11-14T18:12:23.244" v="391" actId="20577"/>
-          <ac:spMkLst>
-            <pc:docMk/>
-            <pc:sldMk cId="1467535825" sldId="1351"/>
-            <ac:spMk id="3" creationId="{00000000-0000-0000-0000-000000000000}"/>
-          </ac:spMkLst>
-        </pc:spChg>
-        <pc:picChg chg="mod">
-          <ac:chgData name="Lines, Todd" userId="afaf7c3a-e8aa-4568-882a-02ad8f9e19b0" providerId="ADAL" clId="{4D8B23B5-1BA9-4151-8439-284A398AFFC1}" dt="2023-11-14T18:12:26.750" v="392" actId="1076"/>
-          <ac:picMkLst>
-            <pc:docMk/>
-            <pc:sldMk cId="1467535825" sldId="1351"/>
-            <ac:picMk id="4098" creationId="{00000000-0000-0000-0000-000000000000}"/>
-          </ac:picMkLst>
-        </pc:picChg>
       </pc:sldChg>
     </pc:docChg>
   </pc:docChgLst>
@@ -974,38 +470,6 @@
           <pc:docMk/>
           <pc:sldMk cId="2246085489" sldId="1352"/>
         </pc:sldMkLst>
-        <pc:spChg chg="del mod ord">
-          <ac:chgData name="Lines, Todd" userId="afaf7c3a-e8aa-4568-882a-02ad8f9e19b0" providerId="ADAL" clId="{B3843D73-759D-4CC6-A757-4BA68ED4DB30}" dt="2024-06-28T17:52:52.040" v="1" actId="700"/>
-          <ac:spMkLst>
-            <pc:docMk/>
-            <pc:sldMk cId="2246085489" sldId="1352"/>
-            <ac:spMk id="2" creationId="{6A49B761-94BE-C5C1-991C-99E643548A62}"/>
-          </ac:spMkLst>
-        </pc:spChg>
-        <pc:spChg chg="del mod ord">
-          <ac:chgData name="Lines, Todd" userId="afaf7c3a-e8aa-4568-882a-02ad8f9e19b0" providerId="ADAL" clId="{B3843D73-759D-4CC6-A757-4BA68ED4DB30}" dt="2024-06-28T17:52:52.040" v="1" actId="700"/>
-          <ac:spMkLst>
-            <pc:docMk/>
-            <pc:sldMk cId="2246085489" sldId="1352"/>
-            <ac:spMk id="3" creationId="{7E7FDFAE-5918-3A6E-2CBB-8CA262AA4193}"/>
-          </ac:spMkLst>
-        </pc:spChg>
-        <pc:spChg chg="add mod ord">
-          <ac:chgData name="Lines, Todd" userId="afaf7c3a-e8aa-4568-882a-02ad8f9e19b0" providerId="ADAL" clId="{B3843D73-759D-4CC6-A757-4BA68ED4DB30}" dt="2024-06-28T17:52:55.325" v="5" actId="20577"/>
-          <ac:spMkLst>
-            <pc:docMk/>
-            <pc:sldMk cId="2246085489" sldId="1352"/>
-            <ac:spMk id="4" creationId="{585903EF-7815-C248-B4A4-7E1C153C4AAB}"/>
-          </ac:spMkLst>
-        </pc:spChg>
-        <pc:spChg chg="add mod ord">
-          <ac:chgData name="Lines, Todd" userId="afaf7c3a-e8aa-4568-882a-02ad8f9e19b0" providerId="ADAL" clId="{B3843D73-759D-4CC6-A757-4BA68ED4DB30}" dt="2024-06-28T17:52:52.040" v="1" actId="700"/>
-          <ac:spMkLst>
-            <pc:docMk/>
-            <pc:sldMk cId="2246085489" sldId="1352"/>
-            <ac:spMk id="5" creationId="{71D27542-6604-39B5-4EBD-BC5CF5864566}"/>
-          </ac:spMkLst>
-        </pc:spChg>
       </pc:sldChg>
     </pc:docChg>
   </pc:docChgLst>
@@ -1094,7 +558,7 @@
           <a:p>
             <a:fld id="{196A392B-9B90-4554-AA5F-9EF061AFF381}" type="datetimeFigureOut">
               <a:rPr lang="en-US" smtClean="0"/>
-              <a:t>6/28/2024</a:t>
+              <a:t>10/16/2025</a:t>
             </a:fld>
             <a:endParaRPr lang="en-US"/>
           </a:p>
@@ -2489,7 +1953,7 @@
             <a:fld id="{F6481F1E-66D2-4398-8A86-A9B055527FBD}" type="datetimeFigureOut">
               <a:rPr lang="en-US" smtClean="0"/>
               <a:pPr/>
-              <a:t>6/28/2024</a:t>
+              <a:t>10/16/2025</a:t>
             </a:fld>
             <a:endParaRPr lang="en-US"/>
           </a:p>
@@ -2654,7 +2118,7 @@
             <a:fld id="{F6481F1E-66D2-4398-8A86-A9B055527FBD}" type="datetimeFigureOut">
               <a:rPr lang="en-US" smtClean="0"/>
               <a:pPr/>
-              <a:t>6/28/2024</a:t>
+              <a:t>10/16/2025</a:t>
             </a:fld>
             <a:endParaRPr lang="en-US"/>
           </a:p>
@@ -2829,7 +2293,7 @@
             <a:fld id="{F6481F1E-66D2-4398-8A86-A9B055527FBD}" type="datetimeFigureOut">
               <a:rPr lang="en-US" smtClean="0"/>
               <a:pPr/>
-              <a:t>6/28/2024</a:t>
+              <a:t>10/16/2025</a:t>
             </a:fld>
             <a:endParaRPr lang="en-US"/>
           </a:p>
@@ -2994,7 +2458,7 @@
             <a:fld id="{F6481F1E-66D2-4398-8A86-A9B055527FBD}" type="datetimeFigureOut">
               <a:rPr lang="en-US" smtClean="0"/>
               <a:pPr/>
-              <a:t>6/28/2024</a:t>
+              <a:t>10/16/2025</a:t>
             </a:fld>
             <a:endParaRPr lang="en-US"/>
           </a:p>
@@ -3236,7 +2700,7 @@
             <a:fld id="{F6481F1E-66D2-4398-8A86-A9B055527FBD}" type="datetimeFigureOut">
               <a:rPr lang="en-US" smtClean="0"/>
               <a:pPr/>
-              <a:t>6/28/2024</a:t>
+              <a:t>10/16/2025</a:t>
             </a:fld>
             <a:endParaRPr lang="en-US"/>
           </a:p>
@@ -3518,7 +2982,7 @@
             <a:fld id="{F6481F1E-66D2-4398-8A86-A9B055527FBD}" type="datetimeFigureOut">
               <a:rPr lang="en-US" smtClean="0"/>
               <a:pPr/>
-              <a:t>6/28/2024</a:t>
+              <a:t>10/16/2025</a:t>
             </a:fld>
             <a:endParaRPr lang="en-US"/>
           </a:p>
@@ -3934,7 +3398,7 @@
             <a:fld id="{F6481F1E-66D2-4398-8A86-A9B055527FBD}" type="datetimeFigureOut">
               <a:rPr lang="en-US" smtClean="0"/>
               <a:pPr/>
-              <a:t>6/28/2024</a:t>
+              <a:t>10/16/2025</a:t>
             </a:fld>
             <a:endParaRPr lang="en-US"/>
           </a:p>
@@ -4048,7 +3512,7 @@
             <a:fld id="{F6481F1E-66D2-4398-8A86-A9B055527FBD}" type="datetimeFigureOut">
               <a:rPr lang="en-US" smtClean="0"/>
               <a:pPr/>
-              <a:t>6/28/2024</a:t>
+              <a:t>10/16/2025</a:t>
             </a:fld>
             <a:endParaRPr lang="en-US"/>
           </a:p>
@@ -4140,7 +3604,7 @@
             <a:fld id="{F6481F1E-66D2-4398-8A86-A9B055527FBD}" type="datetimeFigureOut">
               <a:rPr lang="en-US" smtClean="0"/>
               <a:pPr/>
-              <a:t>6/28/2024</a:t>
+              <a:t>10/16/2025</a:t>
             </a:fld>
             <a:endParaRPr lang="en-US"/>
           </a:p>
@@ -4412,7 +3876,7 @@
             <a:fld id="{F6481F1E-66D2-4398-8A86-A9B055527FBD}" type="datetimeFigureOut">
               <a:rPr lang="en-US" smtClean="0"/>
               <a:pPr/>
-              <a:t>6/28/2024</a:t>
+              <a:t>10/16/2025</a:t>
             </a:fld>
             <a:endParaRPr lang="en-US"/>
           </a:p>
@@ -4661,7 +4125,7 @@
             <a:fld id="{F6481F1E-66D2-4398-8A86-A9B055527FBD}" type="datetimeFigureOut">
               <a:rPr lang="en-US" smtClean="0"/>
               <a:pPr/>
-              <a:t>6/28/2024</a:t>
+              <a:t>10/16/2025</a:t>
             </a:fld>
             <a:endParaRPr lang="en-US"/>
           </a:p>
@@ -4869,7 +4333,7 @@
             <a:fld id="{F6481F1E-66D2-4398-8A86-A9B055527FBD}" type="datetimeFigureOut">
               <a:rPr lang="en-US" smtClean="0"/>
               <a:pPr/>
-              <a:t>6/28/2024</a:t>
+              <a:t>10/16/2025</a:t>
             </a:fld>
             <a:endParaRPr lang="en-US"/>
           </a:p>
@@ -14499,12 +13963,12 @@
           <a:graphicData uri="http://schemas.openxmlformats.org/presentationml/2006/ole">
             <mc:AlternateContent xmlns:mc="http://schemas.openxmlformats.org/markup-compatibility/2006">
               <mc:Choice xmlns:v="urn:schemas-microsoft-com:vml" Requires="v">
-                <p:oleObj name="Equation" r:id="rId8" imgW="114151" imgH="164885" progId="Equation.3">
+                <p:oleObj name="Equation" r:id="rId2" imgW="114151" imgH="164885" progId="Equation.3">
                   <p:embed/>
                 </p:oleObj>
               </mc:Choice>
               <mc:Fallback>
-                <p:oleObj name="Equation" r:id="rId8" imgW="114151" imgH="164885" progId="Equation.3">
+                <p:oleObj name="Equation" r:id="rId2" imgW="114151" imgH="164885" progId="Equation.3">
                   <p:embed/>
                   <p:pic>
                     <p:nvPicPr>
@@ -24734,8 +24198,8 @@
         </p:nvSpPr>
         <p:spPr>
           <a:xfrm>
-            <a:off x="426720" y="1463040"/>
-            <a:ext cx="4785360" cy="4525963"/>
+            <a:off x="328612" y="1432718"/>
+            <a:ext cx="5041019" cy="4525963"/>
           </a:xfrm>
         </p:spPr>
         <p:txBody>
@@ -24816,22 +24280,33 @@
               <a:rPr lang="en-US" dirty="0">
                 <a:sym typeface="Symbol"/>
               </a:rPr>
-              <a:t>Inversely proportional to </a:t>
-            </a:r>
-            <a:r>
-              <a:rPr lang="en-US" dirty="0">
+              <a:t>Inversely proportional </a:t>
+            </a:r>
+            <a:r>
+              <a:rPr lang="en-US">
+                <a:sym typeface="Symbol"/>
+              </a:rPr>
+              <a:t>to </a:t>
+            </a:r>
+            <a:r>
+              <a:rPr lang="en-US">
                 <a:latin typeface="Times New Roman" pitchFamily="18" charset="0"/>
                 <a:cs typeface="Times New Roman" pitchFamily="18" charset="0"/>
                 <a:sym typeface="Symbol"/>
               </a:rPr>
-              <a:t>I </a:t>
-            </a:r>
-            <a:r>
-              <a:rPr lang="en-US" baseline="30000" dirty="0">
+              <a:t>I</a:t>
+            </a:r>
+            <a:r>
+              <a:rPr lang="en-US" baseline="30000">
+                <a:latin typeface="Times New Roman" pitchFamily="18" charset="0"/>
+                <a:cs typeface="Times New Roman" pitchFamily="18" charset="0"/>
                 <a:sym typeface="Symbol"/>
               </a:rPr>
               <a:t>2</a:t>
             </a:r>
+            <a:endParaRPr lang="en-US" baseline="30000" dirty="0">
+              <a:sym typeface="Symbol"/>
+            </a:endParaRPr>
           </a:p>
           <a:p>
             <a:pPr marL="514350" indent="-514350">

--- a/Slides/PH223_Lecture_20.pptx
+++ b/Slides/PH223_Lecture_20.pptx
@@ -168,10 +168,25 @@
   <pc:docChgLst>
     <pc:chgData name="Lines, Todd" userId="afaf7c3a-e8aa-4568-882a-02ad8f9e19b0" providerId="ADAL" clId="{5FF5AC1B-ABA9-43D7-A1E3-2D92732CD6E2}"/>
     <pc:docChg chg="custSel modSld">
-      <pc:chgData name="Lines, Todd" userId="afaf7c3a-e8aa-4568-882a-02ad8f9e19b0" providerId="ADAL" clId="{5FF5AC1B-ABA9-43D7-A1E3-2D92732CD6E2}" dt="2025-10-16T16:41:59.659" v="6" actId="6549"/>
+      <pc:chgData name="Lines, Todd" userId="afaf7c3a-e8aa-4568-882a-02ad8f9e19b0" providerId="ADAL" clId="{5FF5AC1B-ABA9-43D7-A1E3-2D92732CD6E2}" dt="2025-10-31T21:55:19.974" v="7" actId="1076"/>
       <pc:docMkLst>
         <pc:docMk/>
       </pc:docMkLst>
+      <pc:sldChg chg="modSp mod">
+        <pc:chgData name="Lines, Todd" userId="afaf7c3a-e8aa-4568-882a-02ad8f9e19b0" providerId="ADAL" clId="{5FF5AC1B-ABA9-43D7-A1E3-2D92732CD6E2}" dt="2025-10-31T21:55:19.974" v="7" actId="1076"/>
+        <pc:sldMkLst>
+          <pc:docMk/>
+          <pc:sldMk cId="0" sldId="262"/>
+        </pc:sldMkLst>
+        <pc:picChg chg="mod">
+          <ac:chgData name="Lines, Todd" userId="afaf7c3a-e8aa-4568-882a-02ad8f9e19b0" providerId="ADAL" clId="{5FF5AC1B-ABA9-43D7-A1E3-2D92732CD6E2}" dt="2025-10-31T21:55:19.974" v="7" actId="1076"/>
+          <ac:picMkLst>
+            <pc:docMk/>
+            <pc:sldMk cId="0" sldId="262"/>
+            <ac:picMk id="5124" creationId="{00000000-0000-0000-0000-000000000000}"/>
+          </ac:picMkLst>
+        </pc:picChg>
+      </pc:sldChg>
       <pc:sldChg chg="modSp mod">
         <pc:chgData name="Lines, Todd" userId="afaf7c3a-e8aa-4568-882a-02ad8f9e19b0" providerId="ADAL" clId="{5FF5AC1B-ABA9-43D7-A1E3-2D92732CD6E2}" dt="2025-10-16T16:41:59.659" v="6" actId="6549"/>
         <pc:sldMkLst>
@@ -558,7 +573,7 @@
           <a:p>
             <a:fld id="{196A392B-9B90-4554-AA5F-9EF061AFF381}" type="datetimeFigureOut">
               <a:rPr lang="en-US" smtClean="0"/>
-              <a:t>10/16/2025</a:t>
+              <a:t>10/31/2025</a:t>
             </a:fld>
             <a:endParaRPr lang="en-US"/>
           </a:p>
@@ -1953,7 +1968,7 @@
             <a:fld id="{F6481F1E-66D2-4398-8A86-A9B055527FBD}" type="datetimeFigureOut">
               <a:rPr lang="en-US" smtClean="0"/>
               <a:pPr/>
-              <a:t>10/16/2025</a:t>
+              <a:t>10/31/2025</a:t>
             </a:fld>
             <a:endParaRPr lang="en-US"/>
           </a:p>
@@ -2118,7 +2133,7 @@
             <a:fld id="{F6481F1E-66D2-4398-8A86-A9B055527FBD}" type="datetimeFigureOut">
               <a:rPr lang="en-US" smtClean="0"/>
               <a:pPr/>
-              <a:t>10/16/2025</a:t>
+              <a:t>10/31/2025</a:t>
             </a:fld>
             <a:endParaRPr lang="en-US"/>
           </a:p>
@@ -2293,7 +2308,7 @@
             <a:fld id="{F6481F1E-66D2-4398-8A86-A9B055527FBD}" type="datetimeFigureOut">
               <a:rPr lang="en-US" smtClean="0"/>
               <a:pPr/>
-              <a:t>10/16/2025</a:t>
+              <a:t>10/31/2025</a:t>
             </a:fld>
             <a:endParaRPr lang="en-US"/>
           </a:p>
@@ -2458,7 +2473,7 @@
             <a:fld id="{F6481F1E-66D2-4398-8A86-A9B055527FBD}" type="datetimeFigureOut">
               <a:rPr lang="en-US" smtClean="0"/>
               <a:pPr/>
-              <a:t>10/16/2025</a:t>
+              <a:t>10/31/2025</a:t>
             </a:fld>
             <a:endParaRPr lang="en-US"/>
           </a:p>
@@ -2700,7 +2715,7 @@
             <a:fld id="{F6481F1E-66D2-4398-8A86-A9B055527FBD}" type="datetimeFigureOut">
               <a:rPr lang="en-US" smtClean="0"/>
               <a:pPr/>
-              <a:t>10/16/2025</a:t>
+              <a:t>10/31/2025</a:t>
             </a:fld>
             <a:endParaRPr lang="en-US"/>
           </a:p>
@@ -2982,7 +2997,7 @@
             <a:fld id="{F6481F1E-66D2-4398-8A86-A9B055527FBD}" type="datetimeFigureOut">
               <a:rPr lang="en-US" smtClean="0"/>
               <a:pPr/>
-              <a:t>10/16/2025</a:t>
+              <a:t>10/31/2025</a:t>
             </a:fld>
             <a:endParaRPr lang="en-US"/>
           </a:p>
@@ -3398,7 +3413,7 @@
             <a:fld id="{F6481F1E-66D2-4398-8A86-A9B055527FBD}" type="datetimeFigureOut">
               <a:rPr lang="en-US" smtClean="0"/>
               <a:pPr/>
-              <a:t>10/16/2025</a:t>
+              <a:t>10/31/2025</a:t>
             </a:fld>
             <a:endParaRPr lang="en-US"/>
           </a:p>
@@ -3512,7 +3527,7 @@
             <a:fld id="{F6481F1E-66D2-4398-8A86-A9B055527FBD}" type="datetimeFigureOut">
               <a:rPr lang="en-US" smtClean="0"/>
               <a:pPr/>
-              <a:t>10/16/2025</a:t>
+              <a:t>10/31/2025</a:t>
             </a:fld>
             <a:endParaRPr lang="en-US"/>
           </a:p>
@@ -3604,7 +3619,7 @@
             <a:fld id="{F6481F1E-66D2-4398-8A86-A9B055527FBD}" type="datetimeFigureOut">
               <a:rPr lang="en-US" smtClean="0"/>
               <a:pPr/>
-              <a:t>10/16/2025</a:t>
+              <a:t>10/31/2025</a:t>
             </a:fld>
             <a:endParaRPr lang="en-US"/>
           </a:p>
@@ -3876,7 +3891,7 @@
             <a:fld id="{F6481F1E-66D2-4398-8A86-A9B055527FBD}" type="datetimeFigureOut">
               <a:rPr lang="en-US" smtClean="0"/>
               <a:pPr/>
-              <a:t>10/16/2025</a:t>
+              <a:t>10/31/2025</a:t>
             </a:fld>
             <a:endParaRPr lang="en-US"/>
           </a:p>
@@ -4125,7 +4140,7 @@
             <a:fld id="{F6481F1E-66D2-4398-8A86-A9B055527FBD}" type="datetimeFigureOut">
               <a:rPr lang="en-US" smtClean="0"/>
               <a:pPr/>
-              <a:t>10/16/2025</a:t>
+              <a:t>10/31/2025</a:t>
             </a:fld>
             <a:endParaRPr lang="en-US"/>
           </a:p>
@@ -4333,7 +4348,7 @@
             <a:fld id="{F6481F1E-66D2-4398-8A86-A9B055527FBD}" type="datetimeFigureOut">
               <a:rPr lang="en-US" smtClean="0"/>
               <a:pPr/>
-              <a:t>10/16/2025</a:t>
+              <a:t>10/31/2025</a:t>
             </a:fld>
             <a:endParaRPr lang="en-US"/>
           </a:p>
@@ -15102,7 +15117,7 @@
         </p:blipFill>
         <p:spPr bwMode="auto">
           <a:xfrm>
-            <a:off x="762952" y="2152975"/>
+            <a:off x="892016" y="2159797"/>
             <a:ext cx="7359968" cy="3406768"/>
           </a:xfrm>
           <a:prstGeom prst="rect">
